--- a/docs/Hibernate.pptx
+++ b/docs/Hibernate.pptx
@@ -265,7 +265,7 @@
           <a:p>
             <a:fld id="{61BB0489-8C90-4CD3-904E-D129A9BD28F2}" type="datetimeFigureOut">
               <a:rPr lang="en-US" smtClean="0"/>
-              <a:t>10/26/2022</a:t>
+              <a:t>10/27/2022</a:t>
             </a:fld>
             <a:endParaRPr lang="en-US"/>
           </a:p>
@@ -435,7 +435,7 @@
           <a:p>
             <a:fld id="{61BB0489-8C90-4CD3-904E-D129A9BD28F2}" type="datetimeFigureOut">
               <a:rPr lang="en-US" smtClean="0"/>
-              <a:t>10/26/2022</a:t>
+              <a:t>10/27/2022</a:t>
             </a:fld>
             <a:endParaRPr lang="en-US"/>
           </a:p>
@@ -615,7 +615,7 @@
           <a:p>
             <a:fld id="{61BB0489-8C90-4CD3-904E-D129A9BD28F2}" type="datetimeFigureOut">
               <a:rPr lang="en-US" smtClean="0"/>
-              <a:t>10/26/2022</a:t>
+              <a:t>10/27/2022</a:t>
             </a:fld>
             <a:endParaRPr lang="en-US"/>
           </a:p>
@@ -785,7 +785,7 @@
           <a:p>
             <a:fld id="{61BB0489-8C90-4CD3-904E-D129A9BD28F2}" type="datetimeFigureOut">
               <a:rPr lang="en-US" smtClean="0"/>
-              <a:t>10/26/2022</a:t>
+              <a:t>10/27/2022</a:t>
             </a:fld>
             <a:endParaRPr lang="en-US"/>
           </a:p>
@@ -1031,7 +1031,7 @@
           <a:p>
             <a:fld id="{61BB0489-8C90-4CD3-904E-D129A9BD28F2}" type="datetimeFigureOut">
               <a:rPr lang="en-US" smtClean="0"/>
-              <a:t>10/26/2022</a:t>
+              <a:t>10/27/2022</a:t>
             </a:fld>
             <a:endParaRPr lang="en-US"/>
           </a:p>
@@ -1263,7 +1263,7 @@
           <a:p>
             <a:fld id="{61BB0489-8C90-4CD3-904E-D129A9BD28F2}" type="datetimeFigureOut">
               <a:rPr lang="en-US" smtClean="0"/>
-              <a:t>10/26/2022</a:t>
+              <a:t>10/27/2022</a:t>
             </a:fld>
             <a:endParaRPr lang="en-US"/>
           </a:p>
@@ -1630,7 +1630,7 @@
           <a:p>
             <a:fld id="{61BB0489-8C90-4CD3-904E-D129A9BD28F2}" type="datetimeFigureOut">
               <a:rPr lang="en-US" smtClean="0"/>
-              <a:t>10/26/2022</a:t>
+              <a:t>10/27/2022</a:t>
             </a:fld>
             <a:endParaRPr lang="en-US"/>
           </a:p>
@@ -1748,7 +1748,7 @@
           <a:p>
             <a:fld id="{61BB0489-8C90-4CD3-904E-D129A9BD28F2}" type="datetimeFigureOut">
               <a:rPr lang="en-US" smtClean="0"/>
-              <a:t>10/26/2022</a:t>
+              <a:t>10/27/2022</a:t>
             </a:fld>
             <a:endParaRPr lang="en-US"/>
           </a:p>
@@ -1843,7 +1843,7 @@
           <a:p>
             <a:fld id="{61BB0489-8C90-4CD3-904E-D129A9BD28F2}" type="datetimeFigureOut">
               <a:rPr lang="en-US" smtClean="0"/>
-              <a:t>10/26/2022</a:t>
+              <a:t>10/27/2022</a:t>
             </a:fld>
             <a:endParaRPr lang="en-US"/>
           </a:p>
@@ -2120,7 +2120,7 @@
           <a:p>
             <a:fld id="{61BB0489-8C90-4CD3-904E-D129A9BD28F2}" type="datetimeFigureOut">
               <a:rPr lang="en-US" smtClean="0"/>
-              <a:t>10/26/2022</a:t>
+              <a:t>10/27/2022</a:t>
             </a:fld>
             <a:endParaRPr lang="en-US"/>
           </a:p>
@@ -2373,7 +2373,7 @@
           <a:p>
             <a:fld id="{61BB0489-8C90-4CD3-904E-D129A9BD28F2}" type="datetimeFigureOut">
               <a:rPr lang="en-US" smtClean="0"/>
-              <a:t>10/26/2022</a:t>
+              <a:t>10/27/2022</a:t>
             </a:fld>
             <a:endParaRPr lang="en-US"/>
           </a:p>
@@ -2586,7 +2586,7 @@
           <a:p>
             <a:fld id="{61BB0489-8C90-4CD3-904E-D129A9BD28F2}" type="datetimeFigureOut">
               <a:rPr lang="en-US" smtClean="0"/>
-              <a:t>10/26/2022</a:t>
+              <a:t>10/27/2022</a:t>
             </a:fld>
             <a:endParaRPr lang="en-US"/>
           </a:p>
@@ -3484,10 +3484,6 @@
               </a:rPr>
               <a:t> dynamic Web project in Eclipse</a:t>
             </a:r>
-            <a:endParaRPr lang="en-US" sz="2200" b="1" dirty="0">
-              <a:latin typeface="Times New Roman" panose="02020603050405020304" pitchFamily="18" charset="0"/>
-              <a:cs typeface="Times New Roman" panose="02020603050405020304" pitchFamily="18" charset="0"/>
-            </a:endParaRPr>
           </a:p>
           <a:p>
             <a:r>
@@ -3835,7 +3831,6 @@
               <a:rPr lang="en-US" b="1" dirty="0"/>
               <a:t>Finish</a:t>
             </a:r>
-            <a:endParaRPr lang="en-US" b="1" dirty="0"/>
           </a:p>
           <a:p>
             <a:r>
@@ -4790,7 +4785,7 @@
         <p:spPr>
           <a:xfrm>
             <a:off x="5282979" y="1385832"/>
-            <a:ext cx="6311296" cy="1477328"/>
+            <a:ext cx="6311296" cy="1754326"/>
           </a:xfrm>
           <a:prstGeom prst="rect">
             <a:avLst/>
@@ -4883,6 +4878,9 @@
               <a:rPr lang="en-US" dirty="0" err="1" smtClean="0"/>
               <a:t>mvc</a:t>
             </a:r>
+            <a:endParaRPr lang="en-US" dirty="0" smtClean="0"/>
+          </a:p>
+          <a:p>
             <a:endParaRPr lang="en-US" dirty="0" smtClean="0"/>
           </a:p>
           <a:p>
@@ -5288,49 +5286,109 @@
               <a:buChar char="–"/>
             </a:pPr>
             <a:r>
-              <a:rPr lang="vi-VN" dirty="0" smtClean="0"/>
+              <a:rPr lang="vi-VN" dirty="0" smtClean="0">
+                <a:latin typeface="Calibri" panose="020F0502020204030204" pitchFamily="34" charset="0"/>
+                <a:cs typeface="Calibri" panose="020F0502020204030204" pitchFamily="34" charset="0"/>
+              </a:rPr>
               <a:t>Kích </a:t>
             </a:r>
             <a:r>
-              <a:rPr lang="vi-VN" dirty="0"/>
+              <a:rPr lang="vi-VN" dirty="0">
+                <a:latin typeface="Calibri" panose="020F0502020204030204" pitchFamily="34" charset="0"/>
+                <a:cs typeface="Calibri" panose="020F0502020204030204" pitchFamily="34" charset="0"/>
+              </a:rPr>
               <a:t>chuột phải vào </a:t>
             </a:r>
             <a:r>
-              <a:rPr lang="vi-VN" b="1" dirty="0"/>
+              <a:rPr lang="vi-VN" b="1" dirty="0">
+                <a:latin typeface="Calibri" panose="020F0502020204030204" pitchFamily="34" charset="0"/>
+                <a:cs typeface="Calibri" panose="020F0502020204030204" pitchFamily="34" charset="0"/>
+              </a:rPr>
               <a:t>Project</a:t>
             </a:r>
             <a:r>
-              <a:rPr lang="vi-VN" dirty="0"/>
+              <a:rPr lang="vi-VN" dirty="0">
+                <a:latin typeface="Calibri" panose="020F0502020204030204" pitchFamily="34" charset="0"/>
+                <a:cs typeface="Calibri" panose="020F0502020204030204" pitchFamily="34" charset="0"/>
+              </a:rPr>
               <a:t> chọn </a:t>
             </a:r>
             <a:r>
-              <a:rPr lang="vi-VN" b="1" dirty="0"/>
+              <a:rPr lang="vi-VN" b="1" dirty="0">
+                <a:latin typeface="Calibri" panose="020F0502020204030204" pitchFamily="34" charset="0"/>
+                <a:cs typeface="Calibri" panose="020F0502020204030204" pitchFamily="34" charset="0"/>
+              </a:rPr>
               <a:t>Run As</a:t>
             </a:r>
             <a:r>
-              <a:rPr lang="vi-VN" dirty="0"/>
+              <a:rPr lang="vi-VN" dirty="0">
+                <a:latin typeface="Calibri" panose="020F0502020204030204" pitchFamily="34" charset="0"/>
+                <a:cs typeface="Calibri" panose="020F0502020204030204" pitchFamily="34" charset="0"/>
+              </a:rPr>
               <a:t> &gt; </a:t>
             </a:r>
             <a:r>
-              <a:rPr lang="vi-VN" b="1" dirty="0"/>
-              <a:t>Run on server</a:t>
-            </a:r>
-            <a:endParaRPr lang="vi-VN" dirty="0"/>
+              <a:rPr lang="vi-VN" b="1" dirty="0">
+                <a:latin typeface="Calibri" panose="020F0502020204030204" pitchFamily="34" charset="0"/>
+                <a:cs typeface="Calibri" panose="020F0502020204030204" pitchFamily="34" charset="0"/>
+              </a:rPr>
+              <a:t>Run on </a:t>
+            </a:r>
+            <a:r>
+              <a:rPr lang="vi-VN" b="1" dirty="0" smtClean="0">
+                <a:latin typeface="Calibri" panose="020F0502020204030204" pitchFamily="34" charset="0"/>
+                <a:cs typeface="Calibri" panose="020F0502020204030204" pitchFamily="34" charset="0"/>
+              </a:rPr>
+              <a:t>server</a:t>
+            </a:r>
+            <a:endParaRPr lang="en-US" b="1" dirty="0" smtClean="0">
+              <a:latin typeface="Calibri" panose="020F0502020204030204" pitchFamily="34" charset="0"/>
+              <a:cs typeface="Calibri" panose="020F0502020204030204" pitchFamily="34" charset="0"/>
+            </a:endParaRPr>
           </a:p>
           <a:p>
             <a:pPr marL="285750" indent="-285750">
               <a:buFont typeface="Arial" panose="020B0604020202020204" pitchFamily="34" charset="0"/>
               <a:buChar char="–"/>
             </a:pPr>
-            <a:r>
-              <a:rPr lang="vi-VN" b="1" dirty="0"/>
-              <a:t>S</a:t>
-            </a:r>
-            <a:r>
-              <a:rPr lang="vi-VN" dirty="0"/>
-              <a:t>au khi chạy sẽ bị lỗi file error được gọi</a:t>
-            </a:r>
-            <a:endParaRPr lang="vi-VN" dirty="0"/>
+            <a:endParaRPr lang="vi-VN" dirty="0">
+              <a:latin typeface="Calibri" panose="020F0502020204030204" pitchFamily="34" charset="0"/>
+              <a:cs typeface="Calibri" panose="020F0502020204030204" pitchFamily="34" charset="0"/>
+            </a:endParaRPr>
+          </a:p>
+          <a:p>
+            <a:pPr marL="285750" indent="-285750">
+              <a:buFont typeface="Arial" panose="020B0604020202020204" pitchFamily="34" charset="0"/>
+              <a:buChar char="–"/>
+            </a:pPr>
+            <a:r>
+              <a:rPr lang="vi-VN" dirty="0">
+                <a:latin typeface="Calibri" panose="020F0502020204030204" pitchFamily="34" charset="0"/>
+                <a:cs typeface="Calibri" panose="020F0502020204030204" pitchFamily="34" charset="0"/>
+              </a:rPr>
+              <a:t>Sau khi chạy sẽ bị lỗi file error được </a:t>
+            </a:r>
+            <a:r>
+              <a:rPr lang="vi-VN" dirty="0" smtClean="0">
+                <a:latin typeface="Calibri" panose="020F0502020204030204" pitchFamily="34" charset="0"/>
+                <a:cs typeface="Calibri" panose="020F0502020204030204" pitchFamily="34" charset="0"/>
+              </a:rPr>
+              <a:t>gọi</a:t>
+            </a:r>
+            <a:endParaRPr lang="en-US" dirty="0" smtClean="0">
+              <a:latin typeface="Calibri" panose="020F0502020204030204" pitchFamily="34" charset="0"/>
+              <a:cs typeface="Calibri" panose="020F0502020204030204" pitchFamily="34" charset="0"/>
+            </a:endParaRPr>
+          </a:p>
+          <a:p>
+            <a:pPr marL="285750" indent="-285750">
+              <a:buFont typeface="Arial" panose="020B0604020202020204" pitchFamily="34" charset="0"/>
+              <a:buChar char="–"/>
+            </a:pPr>
+            <a:endParaRPr lang="vi-VN" dirty="0">
+              <a:latin typeface="Calibri" panose="020F0502020204030204" pitchFamily="34" charset="0"/>
+              <a:cs typeface="Calibri" panose="020F0502020204030204" pitchFamily="34" charset="0"/>
+            </a:endParaRPr>
           </a:p>
           <a:p>
             <a:pPr marL="285750" indent="-285750" fontAlgn="base">
@@ -5338,7 +5396,10 @@
               <a:buChar char="–"/>
             </a:pPr>
             <a:r>
-              <a:rPr lang="vi-VN" dirty="0"/>
+              <a:rPr lang="vi-VN" dirty="0">
+                <a:latin typeface="Calibri" panose="020F0502020204030204" pitchFamily="34" charset="0"/>
+                <a:cs typeface="Calibri" panose="020F0502020204030204" pitchFamily="34" charset="0"/>
+              </a:rPr>
               <a:t>Lúc này ta sẽ quay lại ứng dụng Java và nhìn vào cổng Console</a:t>
             </a:r>
           </a:p>
@@ -5413,7 +5474,7 @@
         </p:nvCxnSpPr>
         <p:spPr>
           <a:xfrm flipH="1">
-            <a:off x="7143072" y="812410"/>
+            <a:off x="7226917" y="812410"/>
             <a:ext cx="37070" cy="5486427"/>
           </a:xfrm>
           <a:prstGeom prst="line">
@@ -5421,14 +5482,14 @@
           </a:prstGeom>
         </p:spPr>
         <p:style>
-          <a:lnRef idx="1">
-            <a:schemeClr val="accent1"/>
+          <a:lnRef idx="3">
+            <a:schemeClr val="accent6"/>
           </a:lnRef>
           <a:fillRef idx="0">
-            <a:schemeClr val="accent1"/>
+            <a:schemeClr val="accent6"/>
           </a:fillRef>
-          <a:effectRef idx="0">
-            <a:schemeClr val="accent1"/>
+          <a:effectRef idx="2">
+            <a:schemeClr val="accent6"/>
           </a:effectRef>
           <a:fontRef idx="minor">
             <a:schemeClr val="tx1"/>
@@ -5443,7 +5504,7 @@
         </p:nvSpPr>
         <p:spPr>
           <a:xfrm>
-            <a:off x="7278129" y="1109976"/>
+            <a:off x="7501099" y="1227072"/>
             <a:ext cx="4312509" cy="1477328"/>
           </a:xfrm>
           <a:prstGeom prst="rect">
@@ -5458,24 +5519,42 @@
           <a:lstStyle/>
           <a:p>
             <a:r>
-              <a:rPr lang="vi-VN" dirty="0"/>
+              <a:rPr lang="vi-VN" dirty="0">
+                <a:latin typeface="Calibri" panose="020F0502020204030204" pitchFamily="34" charset="0"/>
+                <a:cs typeface="Calibri" panose="020F0502020204030204" pitchFamily="34" charset="0"/>
+              </a:rPr>
               <a:t>Cách khắc phục lỗi này là tải thư viện:</a:t>
             </a:r>
             <a:r>
-              <a:rPr lang="vi-VN" b="1" dirty="0"/>
-              <a:t> </a:t>
-            </a:r>
-            <a:endParaRPr lang="en-US" b="1" dirty="0" smtClean="0"/>
-          </a:p>
-          <a:p>
-            <a:endParaRPr lang="en-US" b="1" dirty="0"/>
-          </a:p>
-          <a:p>
-            <a:r>
-              <a:rPr lang="vi-VN" b="1" dirty="0" smtClean="0"/>
+              <a:rPr lang="vi-VN" b="1" dirty="0">
+                <a:latin typeface="Calibri" panose="020F0502020204030204" pitchFamily="34" charset="0"/>
+                <a:cs typeface="Calibri" panose="020F0502020204030204" pitchFamily="34" charset="0"/>
+              </a:rPr>
+              <a:t> </a:t>
+            </a:r>
+            <a:endParaRPr lang="en-US" b="1" dirty="0" smtClean="0">
+              <a:latin typeface="Calibri" panose="020F0502020204030204" pitchFamily="34" charset="0"/>
+              <a:cs typeface="Calibri" panose="020F0502020204030204" pitchFamily="34" charset="0"/>
+            </a:endParaRPr>
+          </a:p>
+          <a:p>
+            <a:endParaRPr lang="en-US" b="1" dirty="0">
+              <a:latin typeface="Calibri" panose="020F0502020204030204" pitchFamily="34" charset="0"/>
+              <a:cs typeface="Calibri" panose="020F0502020204030204" pitchFamily="34" charset="0"/>
+            </a:endParaRPr>
+          </a:p>
+          <a:p>
+            <a:r>
+              <a:rPr lang="vi-VN" b="1" dirty="0" smtClean="0">
+                <a:latin typeface="Calibri" panose="020F0502020204030204" pitchFamily="34" charset="0"/>
+                <a:cs typeface="Calibri" panose="020F0502020204030204" pitchFamily="34" charset="0"/>
+              </a:rPr>
               <a:t>jboss-logging-3.3.2.Final.jar</a:t>
             </a:r>
-            <a:endParaRPr lang="vi-VN" dirty="0"/>
+            <a:endParaRPr lang="vi-VN" dirty="0">
+              <a:latin typeface="Calibri" panose="020F0502020204030204" pitchFamily="34" charset="0"/>
+              <a:cs typeface="Calibri" panose="020F0502020204030204" pitchFamily="34" charset="0"/>
+            </a:endParaRPr>
           </a:p>
           <a:p>
             <a:r>
@@ -5798,49 +5877,116 @@
               <a:buChar char="–"/>
             </a:pPr>
             <a:r>
-              <a:rPr lang="vi-VN" dirty="0" smtClean="0"/>
+              <a:rPr lang="vi-VN" dirty="0" smtClean="0">
+                <a:latin typeface="Calibri" panose="020F0502020204030204" pitchFamily="34" charset="0"/>
+                <a:cs typeface="Calibri" panose="020F0502020204030204" pitchFamily="34" charset="0"/>
+              </a:rPr>
               <a:t>Kích </a:t>
             </a:r>
             <a:r>
-              <a:rPr lang="vi-VN" dirty="0"/>
+              <a:rPr lang="vi-VN" dirty="0">
+                <a:latin typeface="Calibri" panose="020F0502020204030204" pitchFamily="34" charset="0"/>
+                <a:cs typeface="Calibri" panose="020F0502020204030204" pitchFamily="34" charset="0"/>
+              </a:rPr>
               <a:t>chuột phải vào </a:t>
             </a:r>
             <a:r>
-              <a:rPr lang="vi-VN" b="1" dirty="0"/>
+              <a:rPr lang="vi-VN" b="1" dirty="0">
+                <a:latin typeface="Calibri" panose="020F0502020204030204" pitchFamily="34" charset="0"/>
+                <a:cs typeface="Calibri" panose="020F0502020204030204" pitchFamily="34" charset="0"/>
+              </a:rPr>
               <a:t>Project</a:t>
             </a:r>
             <a:r>
-              <a:rPr lang="vi-VN" dirty="0"/>
+              <a:rPr lang="vi-VN" dirty="0">
+                <a:latin typeface="Calibri" panose="020F0502020204030204" pitchFamily="34" charset="0"/>
+                <a:cs typeface="Calibri" panose="020F0502020204030204" pitchFamily="34" charset="0"/>
+              </a:rPr>
               <a:t> chọn </a:t>
             </a:r>
             <a:r>
-              <a:rPr lang="vi-VN" b="1" dirty="0"/>
+              <a:rPr lang="vi-VN" b="1" dirty="0">
+                <a:latin typeface="Calibri" panose="020F0502020204030204" pitchFamily="34" charset="0"/>
+                <a:cs typeface="Calibri" panose="020F0502020204030204" pitchFamily="34" charset="0"/>
+              </a:rPr>
               <a:t>Run As</a:t>
             </a:r>
             <a:r>
-              <a:rPr lang="vi-VN" dirty="0"/>
+              <a:rPr lang="vi-VN" dirty="0">
+                <a:latin typeface="Calibri" panose="020F0502020204030204" pitchFamily="34" charset="0"/>
+                <a:cs typeface="Calibri" panose="020F0502020204030204" pitchFamily="34" charset="0"/>
+              </a:rPr>
               <a:t> &gt; </a:t>
             </a:r>
             <a:r>
-              <a:rPr lang="vi-VN" b="1" dirty="0"/>
-              <a:t>Run on server</a:t>
-            </a:r>
-            <a:endParaRPr lang="vi-VN" dirty="0"/>
+              <a:rPr lang="vi-VN" b="1" dirty="0">
+                <a:latin typeface="Calibri" panose="020F0502020204030204" pitchFamily="34" charset="0"/>
+                <a:cs typeface="Calibri" panose="020F0502020204030204" pitchFamily="34" charset="0"/>
+              </a:rPr>
+              <a:t>Run on </a:t>
+            </a:r>
+            <a:r>
+              <a:rPr lang="vi-VN" b="1" dirty="0" smtClean="0">
+                <a:latin typeface="Calibri" panose="020F0502020204030204" pitchFamily="34" charset="0"/>
+                <a:cs typeface="Calibri" panose="020F0502020204030204" pitchFamily="34" charset="0"/>
+              </a:rPr>
+              <a:t>server</a:t>
+            </a:r>
+            <a:endParaRPr lang="en-US" b="1" dirty="0" smtClean="0">
+              <a:latin typeface="Calibri" panose="020F0502020204030204" pitchFamily="34" charset="0"/>
+              <a:cs typeface="Calibri" panose="020F0502020204030204" pitchFamily="34" charset="0"/>
+            </a:endParaRPr>
           </a:p>
           <a:p>
             <a:pPr marL="285750" indent="-285750">
               <a:buFont typeface="Arial" panose="020B0604020202020204" pitchFamily="34" charset="0"/>
               <a:buChar char="–"/>
             </a:pPr>
-            <a:r>
-              <a:rPr lang="vi-VN" b="1" dirty="0"/>
+            <a:endParaRPr lang="vi-VN" dirty="0">
+              <a:latin typeface="Calibri" panose="020F0502020204030204" pitchFamily="34" charset="0"/>
+              <a:cs typeface="Calibri" panose="020F0502020204030204" pitchFamily="34" charset="0"/>
+            </a:endParaRPr>
+          </a:p>
+          <a:p>
+            <a:pPr marL="285750" indent="-285750">
+              <a:buFont typeface="Arial" panose="020B0604020202020204" pitchFamily="34" charset="0"/>
+              <a:buChar char="–"/>
+            </a:pPr>
+            <a:r>
+              <a:rPr lang="vi-VN" b="1" dirty="0">
+                <a:latin typeface="Calibri" panose="020F0502020204030204" pitchFamily="34" charset="0"/>
+                <a:cs typeface="Calibri" panose="020F0502020204030204" pitchFamily="34" charset="0"/>
+              </a:rPr>
               <a:t>S</a:t>
             </a:r>
             <a:r>
-              <a:rPr lang="vi-VN" dirty="0"/>
-              <a:t>au khi chạy sẽ bị lỗi file error được gọi</a:t>
-            </a:r>
-            <a:endParaRPr lang="vi-VN" dirty="0"/>
+              <a:rPr lang="vi-VN" dirty="0">
+                <a:latin typeface="Calibri" panose="020F0502020204030204" pitchFamily="34" charset="0"/>
+                <a:cs typeface="Calibri" panose="020F0502020204030204" pitchFamily="34" charset="0"/>
+              </a:rPr>
+              <a:t>au khi chạy sẽ bị lỗi file error được </a:t>
+            </a:r>
+            <a:r>
+              <a:rPr lang="vi-VN" dirty="0" smtClean="0">
+                <a:latin typeface="Calibri" panose="020F0502020204030204" pitchFamily="34" charset="0"/>
+                <a:cs typeface="Calibri" panose="020F0502020204030204" pitchFamily="34" charset="0"/>
+              </a:rPr>
+              <a:t>gọi</a:t>
+            </a:r>
+            <a:endParaRPr lang="en-US" dirty="0" smtClean="0">
+              <a:latin typeface="Calibri" panose="020F0502020204030204" pitchFamily="34" charset="0"/>
+              <a:cs typeface="Calibri" panose="020F0502020204030204" pitchFamily="34" charset="0"/>
+            </a:endParaRPr>
+          </a:p>
+          <a:p>
+            <a:pPr marL="285750" indent="-285750">
+              <a:buFont typeface="Arial" panose="020B0604020202020204" pitchFamily="34" charset="0"/>
+              <a:buChar char="–"/>
+            </a:pPr>
+            <a:endParaRPr lang="vi-VN" dirty="0">
+              <a:latin typeface="Calibri" panose="020F0502020204030204" pitchFamily="34" charset="0"/>
+              <a:cs typeface="Calibri" panose="020F0502020204030204" pitchFamily="34" charset="0"/>
+            </a:endParaRPr>
           </a:p>
           <a:p>
             <a:pPr marL="285750" indent="-285750" fontAlgn="base">
@@ -5848,7 +5994,10 @@
               <a:buChar char="–"/>
             </a:pPr>
             <a:r>
-              <a:rPr lang="vi-VN" dirty="0"/>
+              <a:rPr lang="vi-VN" dirty="0">
+                <a:latin typeface="Calibri" panose="020F0502020204030204" pitchFamily="34" charset="0"/>
+                <a:cs typeface="Calibri" panose="020F0502020204030204" pitchFamily="34" charset="0"/>
+              </a:rPr>
               <a:t>Lúc này ta sẽ quay lại ứng dụng Java và nhìn vào cổng Console</a:t>
             </a:r>
           </a:p>
@@ -5890,14 +6039,14 @@
           </a:prstGeom>
         </p:spPr>
         <p:style>
-          <a:lnRef idx="1">
-            <a:schemeClr val="accent1"/>
+          <a:lnRef idx="3">
+            <a:schemeClr val="accent6"/>
           </a:lnRef>
           <a:fillRef idx="0">
-            <a:schemeClr val="accent1"/>
+            <a:schemeClr val="accent6"/>
           </a:fillRef>
-          <a:effectRef idx="0">
-            <a:schemeClr val="accent1"/>
+          <a:effectRef idx="2">
+            <a:schemeClr val="accent6"/>
           </a:effectRef>
           <a:fontRef idx="minor">
             <a:schemeClr val="tx1"/>
@@ -5912,7 +6061,7 @@
         </p:nvSpPr>
         <p:spPr>
           <a:xfrm>
-            <a:off x="7333409" y="1109976"/>
+            <a:off x="7286319" y="1290402"/>
             <a:ext cx="4714429" cy="1754326"/>
           </a:xfrm>
           <a:prstGeom prst="rect">
@@ -5927,24 +6076,42 @@
           <a:lstStyle/>
           <a:p>
             <a:r>
-              <a:rPr lang="vi-VN" dirty="0"/>
+              <a:rPr lang="vi-VN" dirty="0">
+                <a:latin typeface="Calibri" panose="020F0502020204030204" pitchFamily="34" charset="0"/>
+                <a:cs typeface="Calibri" panose="020F0502020204030204" pitchFamily="34" charset="0"/>
+              </a:rPr>
               <a:t>Cách khắc phục lỗi này là tải thư viện:</a:t>
             </a:r>
             <a:r>
-              <a:rPr lang="vi-VN" b="1" dirty="0"/>
-              <a:t> </a:t>
-            </a:r>
-            <a:endParaRPr lang="en-US" b="1" dirty="0" smtClean="0"/>
-          </a:p>
-          <a:p>
-            <a:endParaRPr lang="en-US" b="1" dirty="0"/>
-          </a:p>
-          <a:p>
-            <a:r>
-              <a:rPr lang="en-US" b="1" dirty="0"/>
+              <a:rPr lang="vi-VN" b="1" dirty="0">
+                <a:latin typeface="Calibri" panose="020F0502020204030204" pitchFamily="34" charset="0"/>
+                <a:cs typeface="Calibri" panose="020F0502020204030204" pitchFamily="34" charset="0"/>
+              </a:rPr>
+              <a:t> </a:t>
+            </a:r>
+            <a:endParaRPr lang="en-US" b="1" dirty="0" smtClean="0">
+              <a:latin typeface="Calibri" panose="020F0502020204030204" pitchFamily="34" charset="0"/>
+              <a:cs typeface="Calibri" panose="020F0502020204030204" pitchFamily="34" charset="0"/>
+            </a:endParaRPr>
+          </a:p>
+          <a:p>
+            <a:endParaRPr lang="en-US" b="1" dirty="0">
+              <a:latin typeface="Calibri" panose="020F0502020204030204" pitchFamily="34" charset="0"/>
+              <a:cs typeface="Calibri" panose="020F0502020204030204" pitchFamily="34" charset="0"/>
+            </a:endParaRPr>
+          </a:p>
+          <a:p>
+            <a:r>
+              <a:rPr lang="en-US" b="1" dirty="0">
+                <a:latin typeface="Calibri" panose="020F0502020204030204" pitchFamily="34" charset="0"/>
+                <a:cs typeface="Calibri" panose="020F0502020204030204" pitchFamily="34" charset="0"/>
+              </a:rPr>
               <a:t>jboss-transaction-api_1.2_spec-1.1.1.Final.jar</a:t>
             </a:r>
-            <a:endParaRPr lang="en-US" dirty="0"/>
+            <a:endParaRPr lang="en-US" dirty="0">
+              <a:latin typeface="Calibri" panose="020F0502020204030204" pitchFamily="34" charset="0"/>
+              <a:cs typeface="Calibri" panose="020F0502020204030204" pitchFamily="34" charset="0"/>
+            </a:endParaRPr>
           </a:p>
           <a:p>
             <a:r>
@@ -5988,7 +6155,7 @@
         </p:blipFill>
         <p:spPr bwMode="auto">
           <a:xfrm>
-            <a:off x="777201" y="3985000"/>
+            <a:off x="777201" y="3441303"/>
             <a:ext cx="6289237" cy="2508436"/>
           </a:xfrm>
           <a:prstGeom prst="rect">
@@ -6029,7 +6196,7 @@
         </p:blipFill>
         <p:spPr bwMode="auto">
           <a:xfrm>
-            <a:off x="7383967" y="2603122"/>
+            <a:off x="7363385" y="3441303"/>
             <a:ext cx="3761828" cy="2265439"/>
           </a:xfrm>
           <a:prstGeom prst="rect">
@@ -6315,49 +6482,116 @@
               <a:buChar char="–"/>
             </a:pPr>
             <a:r>
-              <a:rPr lang="vi-VN" dirty="0" smtClean="0"/>
+              <a:rPr lang="vi-VN" dirty="0" smtClean="0">
+                <a:latin typeface="Calibri" panose="020F0502020204030204" pitchFamily="34" charset="0"/>
+                <a:cs typeface="Calibri" panose="020F0502020204030204" pitchFamily="34" charset="0"/>
+              </a:rPr>
               <a:t>Kích </a:t>
             </a:r>
             <a:r>
-              <a:rPr lang="vi-VN" dirty="0"/>
+              <a:rPr lang="vi-VN" dirty="0">
+                <a:latin typeface="Calibri" panose="020F0502020204030204" pitchFamily="34" charset="0"/>
+                <a:cs typeface="Calibri" panose="020F0502020204030204" pitchFamily="34" charset="0"/>
+              </a:rPr>
               <a:t>chuột phải vào </a:t>
             </a:r>
             <a:r>
-              <a:rPr lang="vi-VN" b="1" dirty="0"/>
+              <a:rPr lang="vi-VN" b="1" dirty="0">
+                <a:latin typeface="Calibri" panose="020F0502020204030204" pitchFamily="34" charset="0"/>
+                <a:cs typeface="Calibri" panose="020F0502020204030204" pitchFamily="34" charset="0"/>
+              </a:rPr>
               <a:t>Project</a:t>
             </a:r>
             <a:r>
-              <a:rPr lang="vi-VN" dirty="0"/>
+              <a:rPr lang="vi-VN" dirty="0">
+                <a:latin typeface="Calibri" panose="020F0502020204030204" pitchFamily="34" charset="0"/>
+                <a:cs typeface="Calibri" panose="020F0502020204030204" pitchFamily="34" charset="0"/>
+              </a:rPr>
               <a:t> chọn </a:t>
             </a:r>
             <a:r>
-              <a:rPr lang="vi-VN" b="1" dirty="0"/>
+              <a:rPr lang="vi-VN" b="1" dirty="0">
+                <a:latin typeface="Calibri" panose="020F0502020204030204" pitchFamily="34" charset="0"/>
+                <a:cs typeface="Calibri" panose="020F0502020204030204" pitchFamily="34" charset="0"/>
+              </a:rPr>
               <a:t>Run As</a:t>
             </a:r>
             <a:r>
-              <a:rPr lang="vi-VN" dirty="0"/>
+              <a:rPr lang="vi-VN" dirty="0">
+                <a:latin typeface="Calibri" panose="020F0502020204030204" pitchFamily="34" charset="0"/>
+                <a:cs typeface="Calibri" panose="020F0502020204030204" pitchFamily="34" charset="0"/>
+              </a:rPr>
               <a:t> &gt; </a:t>
             </a:r>
             <a:r>
-              <a:rPr lang="vi-VN" b="1" dirty="0"/>
-              <a:t>Run on server</a:t>
-            </a:r>
-            <a:endParaRPr lang="vi-VN" dirty="0"/>
+              <a:rPr lang="vi-VN" b="1" dirty="0">
+                <a:latin typeface="Calibri" panose="020F0502020204030204" pitchFamily="34" charset="0"/>
+                <a:cs typeface="Calibri" panose="020F0502020204030204" pitchFamily="34" charset="0"/>
+              </a:rPr>
+              <a:t>Run on </a:t>
+            </a:r>
+            <a:r>
+              <a:rPr lang="vi-VN" b="1" dirty="0" smtClean="0">
+                <a:latin typeface="Calibri" panose="020F0502020204030204" pitchFamily="34" charset="0"/>
+                <a:cs typeface="Calibri" panose="020F0502020204030204" pitchFamily="34" charset="0"/>
+              </a:rPr>
+              <a:t>server</a:t>
+            </a:r>
+            <a:endParaRPr lang="en-US" b="1" dirty="0" smtClean="0">
+              <a:latin typeface="Calibri" panose="020F0502020204030204" pitchFamily="34" charset="0"/>
+              <a:cs typeface="Calibri" panose="020F0502020204030204" pitchFamily="34" charset="0"/>
+            </a:endParaRPr>
           </a:p>
           <a:p>
             <a:pPr marL="285750" indent="-285750">
               <a:buFont typeface="Arial" panose="020B0604020202020204" pitchFamily="34" charset="0"/>
               <a:buChar char="–"/>
             </a:pPr>
-            <a:r>
-              <a:rPr lang="vi-VN" b="1" dirty="0"/>
+            <a:endParaRPr lang="vi-VN" dirty="0">
+              <a:latin typeface="Calibri" panose="020F0502020204030204" pitchFamily="34" charset="0"/>
+              <a:cs typeface="Calibri" panose="020F0502020204030204" pitchFamily="34" charset="0"/>
+            </a:endParaRPr>
+          </a:p>
+          <a:p>
+            <a:pPr marL="285750" indent="-285750">
+              <a:buFont typeface="Arial" panose="020B0604020202020204" pitchFamily="34" charset="0"/>
+              <a:buChar char="–"/>
+            </a:pPr>
+            <a:r>
+              <a:rPr lang="vi-VN" b="1" dirty="0">
+                <a:latin typeface="Calibri" panose="020F0502020204030204" pitchFamily="34" charset="0"/>
+                <a:cs typeface="Calibri" panose="020F0502020204030204" pitchFamily="34" charset="0"/>
+              </a:rPr>
               <a:t>S</a:t>
             </a:r>
             <a:r>
-              <a:rPr lang="vi-VN" dirty="0"/>
-              <a:t>au khi chạy sẽ bị lỗi file error được gọi</a:t>
-            </a:r>
-            <a:endParaRPr lang="vi-VN" dirty="0"/>
+              <a:rPr lang="vi-VN" dirty="0">
+                <a:latin typeface="Calibri" panose="020F0502020204030204" pitchFamily="34" charset="0"/>
+                <a:cs typeface="Calibri" panose="020F0502020204030204" pitchFamily="34" charset="0"/>
+              </a:rPr>
+              <a:t>au khi chạy sẽ bị lỗi file error được </a:t>
+            </a:r>
+            <a:r>
+              <a:rPr lang="vi-VN" dirty="0" smtClean="0">
+                <a:latin typeface="Calibri" panose="020F0502020204030204" pitchFamily="34" charset="0"/>
+                <a:cs typeface="Calibri" panose="020F0502020204030204" pitchFamily="34" charset="0"/>
+              </a:rPr>
+              <a:t>gọi</a:t>
+            </a:r>
+            <a:endParaRPr lang="en-US" dirty="0" smtClean="0">
+              <a:latin typeface="Calibri" panose="020F0502020204030204" pitchFamily="34" charset="0"/>
+              <a:cs typeface="Calibri" panose="020F0502020204030204" pitchFamily="34" charset="0"/>
+            </a:endParaRPr>
+          </a:p>
+          <a:p>
+            <a:pPr marL="285750" indent="-285750">
+              <a:buFont typeface="Arial" panose="020B0604020202020204" pitchFamily="34" charset="0"/>
+              <a:buChar char="–"/>
+            </a:pPr>
+            <a:endParaRPr lang="vi-VN" dirty="0">
+              <a:latin typeface="Calibri" panose="020F0502020204030204" pitchFamily="34" charset="0"/>
+              <a:cs typeface="Calibri" panose="020F0502020204030204" pitchFamily="34" charset="0"/>
+            </a:endParaRPr>
           </a:p>
           <a:p>
             <a:pPr marL="285750" indent="-285750" fontAlgn="base">
@@ -6365,7 +6599,10 @@
               <a:buChar char="–"/>
             </a:pPr>
             <a:r>
-              <a:rPr lang="vi-VN" dirty="0"/>
+              <a:rPr lang="vi-VN" dirty="0">
+                <a:latin typeface="Calibri" panose="020F0502020204030204" pitchFamily="34" charset="0"/>
+                <a:cs typeface="Calibri" panose="020F0502020204030204" pitchFamily="34" charset="0"/>
+              </a:rPr>
               <a:t>Lúc này ta sẽ quay lại ứng dụng Java và nhìn vào cổng Console</a:t>
             </a:r>
           </a:p>
@@ -6407,14 +6644,14 @@
           </a:prstGeom>
         </p:spPr>
         <p:style>
-          <a:lnRef idx="1">
-            <a:schemeClr val="accent1"/>
+          <a:lnRef idx="3">
+            <a:schemeClr val="accent6"/>
           </a:lnRef>
           <a:fillRef idx="0">
-            <a:schemeClr val="accent1"/>
+            <a:schemeClr val="accent6"/>
           </a:fillRef>
-          <a:effectRef idx="0">
-            <a:schemeClr val="accent1"/>
+          <a:effectRef idx="2">
+            <a:schemeClr val="accent6"/>
           </a:effectRef>
           <a:fontRef idx="minor">
             <a:schemeClr val="tx1"/>
@@ -6444,21 +6681,36 @@
           <a:lstStyle/>
           <a:p>
             <a:r>
-              <a:rPr lang="vi-VN" dirty="0"/>
+              <a:rPr lang="vi-VN" dirty="0">
+                <a:latin typeface="Calibri" panose="020F0502020204030204" pitchFamily="34" charset="0"/>
+                <a:cs typeface="Calibri" panose="020F0502020204030204" pitchFamily="34" charset="0"/>
+              </a:rPr>
               <a:t>Cách khắc phục lỗi này là tải thư viện:</a:t>
             </a:r>
             <a:r>
-              <a:rPr lang="vi-VN" b="1" dirty="0"/>
-              <a:t> </a:t>
-            </a:r>
-            <a:endParaRPr lang="en-US" b="1" dirty="0" smtClean="0"/>
-          </a:p>
-          <a:p>
-            <a:endParaRPr lang="en-US" b="1" dirty="0"/>
-          </a:p>
-          <a:p>
-            <a:r>
-              <a:rPr lang="en-US" b="1" dirty="0"/>
+              <a:rPr lang="vi-VN" b="1" dirty="0">
+                <a:latin typeface="Calibri" panose="020F0502020204030204" pitchFamily="34" charset="0"/>
+                <a:cs typeface="Calibri" panose="020F0502020204030204" pitchFamily="34" charset="0"/>
+              </a:rPr>
+              <a:t> </a:t>
+            </a:r>
+            <a:endParaRPr lang="en-US" b="1" dirty="0" smtClean="0">
+              <a:latin typeface="Calibri" panose="020F0502020204030204" pitchFamily="34" charset="0"/>
+              <a:cs typeface="Calibri" panose="020F0502020204030204" pitchFamily="34" charset="0"/>
+            </a:endParaRPr>
+          </a:p>
+          <a:p>
+            <a:endParaRPr lang="en-US" b="1" dirty="0">
+              <a:latin typeface="Calibri" panose="020F0502020204030204" pitchFamily="34" charset="0"/>
+              <a:cs typeface="Calibri" panose="020F0502020204030204" pitchFamily="34" charset="0"/>
+            </a:endParaRPr>
+          </a:p>
+          <a:p>
+            <a:r>
+              <a:rPr lang="en-US" b="1" dirty="0">
+                <a:latin typeface="Calibri" panose="020F0502020204030204" pitchFamily="34" charset="0"/>
+                <a:cs typeface="Calibri" panose="020F0502020204030204" pitchFamily="34" charset="0"/>
+              </a:rPr>
               <a:t>javax.xml.bind.jar</a:t>
             </a:r>
             <a:r>
@@ -6829,49 +7081,95 @@
               <a:buChar char="–"/>
             </a:pPr>
             <a:r>
-              <a:rPr lang="vi-VN" dirty="0" smtClean="0"/>
-              <a:t>Kích </a:t>
-            </a:r>
-            <a:r>
-              <a:rPr lang="vi-VN" dirty="0"/>
-              <a:t>chuột phải vào </a:t>
-            </a:r>
-            <a:r>
-              <a:rPr lang="vi-VN" b="1" dirty="0"/>
+              <a:rPr lang="vi-VN" dirty="0" smtClean="0">
+                <a:latin typeface="Calibri" panose="020F0502020204030204" pitchFamily="34" charset="0"/>
+                <a:cs typeface="Calibri" panose="020F0502020204030204" pitchFamily="34" charset="0"/>
+              </a:rPr>
+              <a:t>Kích chuột phải vào </a:t>
+            </a:r>
+            <a:r>
+              <a:rPr lang="vi-VN" b="1" dirty="0" smtClean="0">
+                <a:latin typeface="Calibri" panose="020F0502020204030204" pitchFamily="34" charset="0"/>
+                <a:cs typeface="Calibri" panose="020F0502020204030204" pitchFamily="34" charset="0"/>
+              </a:rPr>
               <a:t>Project</a:t>
             </a:r>
             <a:r>
-              <a:rPr lang="vi-VN" dirty="0"/>
+              <a:rPr lang="vi-VN" dirty="0" smtClean="0">
+                <a:latin typeface="Calibri" panose="020F0502020204030204" pitchFamily="34" charset="0"/>
+                <a:cs typeface="Calibri" panose="020F0502020204030204" pitchFamily="34" charset="0"/>
+              </a:rPr>
               <a:t> chọn </a:t>
             </a:r>
             <a:r>
-              <a:rPr lang="vi-VN" b="1" dirty="0"/>
+              <a:rPr lang="vi-VN" b="1" dirty="0" smtClean="0">
+                <a:latin typeface="Calibri" panose="020F0502020204030204" pitchFamily="34" charset="0"/>
+                <a:cs typeface="Calibri" panose="020F0502020204030204" pitchFamily="34" charset="0"/>
+              </a:rPr>
               <a:t>Run As</a:t>
             </a:r>
             <a:r>
-              <a:rPr lang="vi-VN" dirty="0"/>
+              <a:rPr lang="vi-VN" dirty="0" smtClean="0">
+                <a:latin typeface="Calibri" panose="020F0502020204030204" pitchFamily="34" charset="0"/>
+                <a:cs typeface="Calibri" panose="020F0502020204030204" pitchFamily="34" charset="0"/>
+              </a:rPr>
               <a:t> &gt; </a:t>
             </a:r>
             <a:r>
-              <a:rPr lang="vi-VN" b="1" dirty="0"/>
+              <a:rPr lang="vi-VN" b="1" dirty="0" smtClean="0">
+                <a:latin typeface="Calibri" panose="020F0502020204030204" pitchFamily="34" charset="0"/>
+                <a:cs typeface="Calibri" panose="020F0502020204030204" pitchFamily="34" charset="0"/>
+              </a:rPr>
               <a:t>Run on server</a:t>
             </a:r>
-            <a:endParaRPr lang="vi-VN" dirty="0"/>
+            <a:endParaRPr lang="en-US" b="1" dirty="0" smtClean="0">
+              <a:latin typeface="Calibri" panose="020F0502020204030204" pitchFamily="34" charset="0"/>
+              <a:cs typeface="Calibri" panose="020F0502020204030204" pitchFamily="34" charset="0"/>
+            </a:endParaRPr>
           </a:p>
           <a:p>
             <a:pPr marL="285750" indent="-285750">
               <a:buFont typeface="Arial" panose="020B0604020202020204" pitchFamily="34" charset="0"/>
               <a:buChar char="–"/>
             </a:pPr>
-            <a:r>
-              <a:rPr lang="vi-VN" b="1" dirty="0"/>
+            <a:endParaRPr lang="vi-VN" dirty="0" smtClean="0">
+              <a:latin typeface="Calibri" panose="020F0502020204030204" pitchFamily="34" charset="0"/>
+              <a:cs typeface="Calibri" panose="020F0502020204030204" pitchFamily="34" charset="0"/>
+            </a:endParaRPr>
+          </a:p>
+          <a:p>
+            <a:pPr marL="285750" indent="-285750">
+              <a:buFont typeface="Arial" panose="020B0604020202020204" pitchFamily="34" charset="0"/>
+              <a:buChar char="–"/>
+            </a:pPr>
+            <a:r>
+              <a:rPr lang="vi-VN" b="1" dirty="0" smtClean="0">
+                <a:latin typeface="Calibri" panose="020F0502020204030204" pitchFamily="34" charset="0"/>
+                <a:cs typeface="Calibri" panose="020F0502020204030204" pitchFamily="34" charset="0"/>
+              </a:rPr>
               <a:t>S</a:t>
             </a:r>
             <a:r>
-              <a:rPr lang="vi-VN" dirty="0"/>
+              <a:rPr lang="vi-VN" dirty="0" smtClean="0">
+                <a:latin typeface="Calibri" panose="020F0502020204030204" pitchFamily="34" charset="0"/>
+                <a:cs typeface="Calibri" panose="020F0502020204030204" pitchFamily="34" charset="0"/>
+              </a:rPr>
               <a:t>au khi chạy sẽ bị lỗi file error được gọi</a:t>
             </a:r>
-            <a:endParaRPr lang="vi-VN" dirty="0"/>
+            <a:endParaRPr lang="en-US" dirty="0" smtClean="0">
+              <a:latin typeface="Calibri" panose="020F0502020204030204" pitchFamily="34" charset="0"/>
+              <a:cs typeface="Calibri" panose="020F0502020204030204" pitchFamily="34" charset="0"/>
+            </a:endParaRPr>
+          </a:p>
+          <a:p>
+            <a:pPr marL="285750" indent="-285750">
+              <a:buFont typeface="Arial" panose="020B0604020202020204" pitchFamily="34" charset="0"/>
+              <a:buChar char="–"/>
+            </a:pPr>
+            <a:endParaRPr lang="vi-VN" dirty="0" smtClean="0">
+              <a:latin typeface="Calibri" panose="020F0502020204030204" pitchFamily="34" charset="0"/>
+              <a:cs typeface="Calibri" panose="020F0502020204030204" pitchFamily="34" charset="0"/>
+            </a:endParaRPr>
           </a:p>
           <a:p>
             <a:pPr marL="285750" indent="-285750" fontAlgn="base">
@@ -6879,7 +7177,10 @@
               <a:buChar char="–"/>
             </a:pPr>
             <a:r>
-              <a:rPr lang="vi-VN" dirty="0"/>
+              <a:rPr lang="vi-VN" dirty="0" smtClean="0">
+                <a:latin typeface="Calibri" panose="020F0502020204030204" pitchFamily="34" charset="0"/>
+                <a:cs typeface="Calibri" panose="020F0502020204030204" pitchFamily="34" charset="0"/>
+              </a:rPr>
               <a:t>Lúc này ta sẽ quay lại ứng dụng Java và nhìn vào cổng Console</a:t>
             </a:r>
           </a:p>
@@ -6921,14 +7222,14 @@
           </a:prstGeom>
         </p:spPr>
         <p:style>
-          <a:lnRef idx="1">
-            <a:schemeClr val="accent1"/>
+          <a:lnRef idx="3">
+            <a:schemeClr val="accent6"/>
           </a:lnRef>
           <a:fillRef idx="0">
-            <a:schemeClr val="accent1"/>
+            <a:schemeClr val="accent6"/>
           </a:fillRef>
-          <a:effectRef idx="0">
-            <a:schemeClr val="accent1"/>
+          <a:effectRef idx="2">
+            <a:schemeClr val="accent6"/>
           </a:effectRef>
           <a:fontRef idx="minor">
             <a:schemeClr val="tx1"/>
@@ -6958,24 +7259,42 @@
           <a:lstStyle/>
           <a:p>
             <a:r>
-              <a:rPr lang="vi-VN" dirty="0"/>
+              <a:rPr lang="vi-VN" dirty="0">
+                <a:latin typeface="Calibri" panose="020F0502020204030204" pitchFamily="34" charset="0"/>
+                <a:cs typeface="Calibri" panose="020F0502020204030204" pitchFamily="34" charset="0"/>
+              </a:rPr>
               <a:t>Cách khắc phục lỗi này là tải thư viện:</a:t>
             </a:r>
             <a:r>
-              <a:rPr lang="vi-VN" b="1" dirty="0"/>
-              <a:t> </a:t>
-            </a:r>
-            <a:endParaRPr lang="en-US" b="1" dirty="0" smtClean="0"/>
-          </a:p>
-          <a:p>
-            <a:endParaRPr lang="en-US" b="1" dirty="0"/>
-          </a:p>
-          <a:p>
-            <a:r>
-              <a:rPr lang="en-US" b="1" dirty="0"/>
+              <a:rPr lang="vi-VN" b="1" dirty="0">
+                <a:latin typeface="Calibri" panose="020F0502020204030204" pitchFamily="34" charset="0"/>
+                <a:cs typeface="Calibri" panose="020F0502020204030204" pitchFamily="34" charset="0"/>
+              </a:rPr>
+              <a:t> </a:t>
+            </a:r>
+            <a:endParaRPr lang="en-US" b="1" dirty="0" smtClean="0">
+              <a:latin typeface="Calibri" panose="020F0502020204030204" pitchFamily="34" charset="0"/>
+              <a:cs typeface="Calibri" panose="020F0502020204030204" pitchFamily="34" charset="0"/>
+            </a:endParaRPr>
+          </a:p>
+          <a:p>
+            <a:endParaRPr lang="en-US" b="1" dirty="0">
+              <a:latin typeface="Calibri" panose="020F0502020204030204" pitchFamily="34" charset="0"/>
+              <a:cs typeface="Calibri" panose="020F0502020204030204" pitchFamily="34" charset="0"/>
+            </a:endParaRPr>
+          </a:p>
+          <a:p>
+            <a:r>
+              <a:rPr lang="en-US" b="1" dirty="0">
+                <a:latin typeface="Calibri" panose="020F0502020204030204" pitchFamily="34" charset="0"/>
+                <a:cs typeface="Calibri" panose="020F0502020204030204" pitchFamily="34" charset="0"/>
+              </a:rPr>
               <a:t>dom4j-2.1.1.jar</a:t>
             </a:r>
-            <a:endParaRPr lang="en-US" dirty="0"/>
+            <a:endParaRPr lang="en-US" dirty="0">
+              <a:latin typeface="Calibri" panose="020F0502020204030204" pitchFamily="34" charset="0"/>
+              <a:cs typeface="Calibri" panose="020F0502020204030204" pitchFamily="34" charset="0"/>
+            </a:endParaRPr>
           </a:p>
           <a:p>
             <a:r>
@@ -7026,7 +7345,7 @@
         </p:blipFill>
         <p:spPr bwMode="auto">
           <a:xfrm>
-            <a:off x="678508" y="3521677"/>
+            <a:off x="562312" y="3328859"/>
             <a:ext cx="6247917" cy="2777160"/>
           </a:xfrm>
           <a:prstGeom prst="rect">
@@ -7353,49 +7672,116 @@
               <a:buChar char="–"/>
             </a:pPr>
             <a:r>
-              <a:rPr lang="vi-VN" dirty="0" smtClean="0"/>
+              <a:rPr lang="vi-VN" dirty="0" smtClean="0">
+                <a:latin typeface="Calibri" panose="020F0502020204030204" pitchFamily="34" charset="0"/>
+                <a:cs typeface="Calibri" panose="020F0502020204030204" pitchFamily="34" charset="0"/>
+              </a:rPr>
               <a:t>Kích </a:t>
             </a:r>
             <a:r>
-              <a:rPr lang="vi-VN" dirty="0"/>
+              <a:rPr lang="vi-VN" dirty="0">
+                <a:latin typeface="Calibri" panose="020F0502020204030204" pitchFamily="34" charset="0"/>
+                <a:cs typeface="Calibri" panose="020F0502020204030204" pitchFamily="34" charset="0"/>
+              </a:rPr>
               <a:t>chuột phải vào </a:t>
             </a:r>
             <a:r>
-              <a:rPr lang="vi-VN" b="1" dirty="0"/>
+              <a:rPr lang="vi-VN" b="1" dirty="0">
+                <a:latin typeface="Calibri" panose="020F0502020204030204" pitchFamily="34" charset="0"/>
+                <a:cs typeface="Calibri" panose="020F0502020204030204" pitchFamily="34" charset="0"/>
+              </a:rPr>
               <a:t>Project</a:t>
             </a:r>
             <a:r>
-              <a:rPr lang="vi-VN" dirty="0"/>
+              <a:rPr lang="vi-VN" dirty="0">
+                <a:latin typeface="Calibri" panose="020F0502020204030204" pitchFamily="34" charset="0"/>
+                <a:cs typeface="Calibri" panose="020F0502020204030204" pitchFamily="34" charset="0"/>
+              </a:rPr>
               <a:t> chọn </a:t>
             </a:r>
             <a:r>
-              <a:rPr lang="vi-VN" b="1" dirty="0"/>
+              <a:rPr lang="vi-VN" b="1" dirty="0">
+                <a:latin typeface="Calibri" panose="020F0502020204030204" pitchFamily="34" charset="0"/>
+                <a:cs typeface="Calibri" panose="020F0502020204030204" pitchFamily="34" charset="0"/>
+              </a:rPr>
               <a:t>Run As</a:t>
             </a:r>
             <a:r>
-              <a:rPr lang="vi-VN" dirty="0"/>
+              <a:rPr lang="vi-VN" dirty="0">
+                <a:latin typeface="Calibri" panose="020F0502020204030204" pitchFamily="34" charset="0"/>
+                <a:cs typeface="Calibri" panose="020F0502020204030204" pitchFamily="34" charset="0"/>
+              </a:rPr>
               <a:t> &gt; </a:t>
             </a:r>
             <a:r>
-              <a:rPr lang="vi-VN" b="1" dirty="0"/>
-              <a:t>Run on server</a:t>
-            </a:r>
-            <a:endParaRPr lang="vi-VN" dirty="0"/>
+              <a:rPr lang="vi-VN" b="1" dirty="0">
+                <a:latin typeface="Calibri" panose="020F0502020204030204" pitchFamily="34" charset="0"/>
+                <a:cs typeface="Calibri" panose="020F0502020204030204" pitchFamily="34" charset="0"/>
+              </a:rPr>
+              <a:t>Run on </a:t>
+            </a:r>
+            <a:r>
+              <a:rPr lang="vi-VN" b="1" dirty="0" smtClean="0">
+                <a:latin typeface="Calibri" panose="020F0502020204030204" pitchFamily="34" charset="0"/>
+                <a:cs typeface="Calibri" panose="020F0502020204030204" pitchFamily="34" charset="0"/>
+              </a:rPr>
+              <a:t>server</a:t>
+            </a:r>
+            <a:endParaRPr lang="en-US" b="1" dirty="0" smtClean="0">
+              <a:latin typeface="Calibri" panose="020F0502020204030204" pitchFamily="34" charset="0"/>
+              <a:cs typeface="Calibri" panose="020F0502020204030204" pitchFamily="34" charset="0"/>
+            </a:endParaRPr>
           </a:p>
           <a:p>
             <a:pPr marL="285750" indent="-285750">
               <a:buFont typeface="Arial" panose="020B0604020202020204" pitchFamily="34" charset="0"/>
               <a:buChar char="–"/>
             </a:pPr>
-            <a:r>
-              <a:rPr lang="vi-VN" b="1" dirty="0"/>
+            <a:endParaRPr lang="vi-VN" dirty="0">
+              <a:latin typeface="Calibri" panose="020F0502020204030204" pitchFamily="34" charset="0"/>
+              <a:cs typeface="Calibri" panose="020F0502020204030204" pitchFamily="34" charset="0"/>
+            </a:endParaRPr>
+          </a:p>
+          <a:p>
+            <a:pPr marL="285750" indent="-285750">
+              <a:buFont typeface="Arial" panose="020B0604020202020204" pitchFamily="34" charset="0"/>
+              <a:buChar char="–"/>
+            </a:pPr>
+            <a:r>
+              <a:rPr lang="vi-VN" b="1" dirty="0">
+                <a:latin typeface="Calibri" panose="020F0502020204030204" pitchFamily="34" charset="0"/>
+                <a:cs typeface="Calibri" panose="020F0502020204030204" pitchFamily="34" charset="0"/>
+              </a:rPr>
               <a:t>S</a:t>
             </a:r>
             <a:r>
-              <a:rPr lang="vi-VN" dirty="0"/>
-              <a:t>au khi chạy sẽ bị lỗi file error được gọi</a:t>
-            </a:r>
-            <a:endParaRPr lang="vi-VN" dirty="0"/>
+              <a:rPr lang="vi-VN" dirty="0">
+                <a:latin typeface="Calibri" panose="020F0502020204030204" pitchFamily="34" charset="0"/>
+                <a:cs typeface="Calibri" panose="020F0502020204030204" pitchFamily="34" charset="0"/>
+              </a:rPr>
+              <a:t>au khi chạy sẽ bị lỗi file error được </a:t>
+            </a:r>
+            <a:r>
+              <a:rPr lang="vi-VN" dirty="0" smtClean="0">
+                <a:latin typeface="Calibri" panose="020F0502020204030204" pitchFamily="34" charset="0"/>
+                <a:cs typeface="Calibri" panose="020F0502020204030204" pitchFamily="34" charset="0"/>
+              </a:rPr>
+              <a:t>gọi</a:t>
+            </a:r>
+            <a:endParaRPr lang="en-US" dirty="0" smtClean="0">
+              <a:latin typeface="Calibri" panose="020F0502020204030204" pitchFamily="34" charset="0"/>
+              <a:cs typeface="Calibri" panose="020F0502020204030204" pitchFamily="34" charset="0"/>
+            </a:endParaRPr>
+          </a:p>
+          <a:p>
+            <a:pPr marL="285750" indent="-285750">
+              <a:buFont typeface="Arial" panose="020B0604020202020204" pitchFamily="34" charset="0"/>
+              <a:buChar char="–"/>
+            </a:pPr>
+            <a:endParaRPr lang="vi-VN" dirty="0">
+              <a:latin typeface="Calibri" panose="020F0502020204030204" pitchFamily="34" charset="0"/>
+              <a:cs typeface="Calibri" panose="020F0502020204030204" pitchFamily="34" charset="0"/>
+            </a:endParaRPr>
           </a:p>
           <a:p>
             <a:pPr marL="285750" indent="-285750" fontAlgn="base">
@@ -7403,7 +7789,10 @@
               <a:buChar char="–"/>
             </a:pPr>
             <a:r>
-              <a:rPr lang="vi-VN" dirty="0"/>
+              <a:rPr lang="vi-VN" dirty="0">
+                <a:latin typeface="Calibri" panose="020F0502020204030204" pitchFamily="34" charset="0"/>
+                <a:cs typeface="Calibri" panose="020F0502020204030204" pitchFamily="34" charset="0"/>
+              </a:rPr>
               <a:t>Lúc này ta sẽ quay lại ứng dụng Java và nhìn vào cổng Console</a:t>
             </a:r>
           </a:p>
@@ -7445,14 +7834,14 @@
           </a:prstGeom>
         </p:spPr>
         <p:style>
-          <a:lnRef idx="1">
-            <a:schemeClr val="accent1"/>
+          <a:lnRef idx="3">
+            <a:schemeClr val="accent6"/>
           </a:lnRef>
           <a:fillRef idx="0">
-            <a:schemeClr val="accent1"/>
+            <a:schemeClr val="accent6"/>
           </a:fillRef>
-          <a:effectRef idx="0">
-            <a:schemeClr val="accent1"/>
+          <a:effectRef idx="2">
+            <a:schemeClr val="accent6"/>
           </a:effectRef>
           <a:fontRef idx="minor">
             <a:schemeClr val="tx1"/>
@@ -7884,49 +8273,116 @@
               <a:buChar char="–"/>
             </a:pPr>
             <a:r>
-              <a:rPr lang="vi-VN" dirty="0" smtClean="0"/>
+              <a:rPr lang="vi-VN" dirty="0" smtClean="0">
+                <a:latin typeface="Calibri" panose="020F0502020204030204" pitchFamily="34" charset="0"/>
+                <a:cs typeface="Calibri" panose="020F0502020204030204" pitchFamily="34" charset="0"/>
+              </a:rPr>
               <a:t>Kích </a:t>
             </a:r>
             <a:r>
-              <a:rPr lang="vi-VN" dirty="0"/>
+              <a:rPr lang="vi-VN" dirty="0">
+                <a:latin typeface="Calibri" panose="020F0502020204030204" pitchFamily="34" charset="0"/>
+                <a:cs typeface="Calibri" panose="020F0502020204030204" pitchFamily="34" charset="0"/>
+              </a:rPr>
               <a:t>chuột phải vào </a:t>
             </a:r>
             <a:r>
-              <a:rPr lang="vi-VN" b="1" dirty="0"/>
+              <a:rPr lang="vi-VN" b="1" dirty="0">
+                <a:latin typeface="Calibri" panose="020F0502020204030204" pitchFamily="34" charset="0"/>
+                <a:cs typeface="Calibri" panose="020F0502020204030204" pitchFamily="34" charset="0"/>
+              </a:rPr>
               <a:t>Project</a:t>
             </a:r>
             <a:r>
-              <a:rPr lang="vi-VN" dirty="0"/>
+              <a:rPr lang="vi-VN" dirty="0">
+                <a:latin typeface="Calibri" panose="020F0502020204030204" pitchFamily="34" charset="0"/>
+                <a:cs typeface="Calibri" panose="020F0502020204030204" pitchFamily="34" charset="0"/>
+              </a:rPr>
               <a:t> chọn </a:t>
             </a:r>
             <a:r>
-              <a:rPr lang="vi-VN" b="1" dirty="0"/>
+              <a:rPr lang="vi-VN" b="1" dirty="0">
+                <a:latin typeface="Calibri" panose="020F0502020204030204" pitchFamily="34" charset="0"/>
+                <a:cs typeface="Calibri" panose="020F0502020204030204" pitchFamily="34" charset="0"/>
+              </a:rPr>
               <a:t>Run As</a:t>
             </a:r>
             <a:r>
-              <a:rPr lang="vi-VN" dirty="0"/>
+              <a:rPr lang="vi-VN" dirty="0">
+                <a:latin typeface="Calibri" panose="020F0502020204030204" pitchFamily="34" charset="0"/>
+                <a:cs typeface="Calibri" panose="020F0502020204030204" pitchFamily="34" charset="0"/>
+              </a:rPr>
               <a:t> &gt; </a:t>
             </a:r>
             <a:r>
-              <a:rPr lang="vi-VN" b="1" dirty="0"/>
-              <a:t>Run on server</a:t>
-            </a:r>
-            <a:endParaRPr lang="vi-VN" dirty="0"/>
+              <a:rPr lang="vi-VN" b="1" dirty="0">
+                <a:latin typeface="Calibri" panose="020F0502020204030204" pitchFamily="34" charset="0"/>
+                <a:cs typeface="Calibri" panose="020F0502020204030204" pitchFamily="34" charset="0"/>
+              </a:rPr>
+              <a:t>Run on </a:t>
+            </a:r>
+            <a:r>
+              <a:rPr lang="vi-VN" b="1" dirty="0" smtClean="0">
+                <a:latin typeface="Calibri" panose="020F0502020204030204" pitchFamily="34" charset="0"/>
+                <a:cs typeface="Calibri" panose="020F0502020204030204" pitchFamily="34" charset="0"/>
+              </a:rPr>
+              <a:t>server</a:t>
+            </a:r>
+            <a:endParaRPr lang="en-US" b="1" dirty="0" smtClean="0">
+              <a:latin typeface="Calibri" panose="020F0502020204030204" pitchFamily="34" charset="0"/>
+              <a:cs typeface="Calibri" panose="020F0502020204030204" pitchFamily="34" charset="0"/>
+            </a:endParaRPr>
           </a:p>
           <a:p>
             <a:pPr marL="285750" indent="-285750">
               <a:buFont typeface="Arial" panose="020B0604020202020204" pitchFamily="34" charset="0"/>
               <a:buChar char="–"/>
             </a:pPr>
-            <a:r>
-              <a:rPr lang="vi-VN" b="1" dirty="0"/>
+            <a:endParaRPr lang="vi-VN" dirty="0">
+              <a:latin typeface="Calibri" panose="020F0502020204030204" pitchFamily="34" charset="0"/>
+              <a:cs typeface="Calibri" panose="020F0502020204030204" pitchFamily="34" charset="0"/>
+            </a:endParaRPr>
+          </a:p>
+          <a:p>
+            <a:pPr marL="285750" indent="-285750">
+              <a:buFont typeface="Arial" panose="020B0604020202020204" pitchFamily="34" charset="0"/>
+              <a:buChar char="–"/>
+            </a:pPr>
+            <a:r>
+              <a:rPr lang="vi-VN" b="1" dirty="0">
+                <a:latin typeface="Calibri" panose="020F0502020204030204" pitchFamily="34" charset="0"/>
+                <a:cs typeface="Calibri" panose="020F0502020204030204" pitchFamily="34" charset="0"/>
+              </a:rPr>
               <a:t>S</a:t>
             </a:r>
             <a:r>
-              <a:rPr lang="vi-VN" dirty="0"/>
-              <a:t>au khi chạy sẽ bị lỗi file error được gọi</a:t>
-            </a:r>
-            <a:endParaRPr lang="vi-VN" dirty="0"/>
+              <a:rPr lang="vi-VN" dirty="0">
+                <a:latin typeface="Calibri" panose="020F0502020204030204" pitchFamily="34" charset="0"/>
+                <a:cs typeface="Calibri" panose="020F0502020204030204" pitchFamily="34" charset="0"/>
+              </a:rPr>
+              <a:t>au khi chạy sẽ bị lỗi file error được </a:t>
+            </a:r>
+            <a:r>
+              <a:rPr lang="vi-VN" dirty="0" smtClean="0">
+                <a:latin typeface="Calibri" panose="020F0502020204030204" pitchFamily="34" charset="0"/>
+                <a:cs typeface="Calibri" panose="020F0502020204030204" pitchFamily="34" charset="0"/>
+              </a:rPr>
+              <a:t>gọi</a:t>
+            </a:r>
+            <a:endParaRPr lang="en-US" dirty="0" smtClean="0">
+              <a:latin typeface="Calibri" panose="020F0502020204030204" pitchFamily="34" charset="0"/>
+              <a:cs typeface="Calibri" panose="020F0502020204030204" pitchFamily="34" charset="0"/>
+            </a:endParaRPr>
+          </a:p>
+          <a:p>
+            <a:pPr marL="285750" indent="-285750">
+              <a:buFont typeface="Arial" panose="020B0604020202020204" pitchFamily="34" charset="0"/>
+              <a:buChar char="–"/>
+            </a:pPr>
+            <a:endParaRPr lang="vi-VN" dirty="0">
+              <a:latin typeface="Calibri" panose="020F0502020204030204" pitchFamily="34" charset="0"/>
+              <a:cs typeface="Calibri" panose="020F0502020204030204" pitchFamily="34" charset="0"/>
+            </a:endParaRPr>
           </a:p>
           <a:p>
             <a:pPr marL="285750" indent="-285750" fontAlgn="base">
@@ -7934,7 +8390,10 @@
               <a:buChar char="–"/>
             </a:pPr>
             <a:r>
-              <a:rPr lang="vi-VN" dirty="0"/>
+              <a:rPr lang="vi-VN" dirty="0">
+                <a:latin typeface="Calibri" panose="020F0502020204030204" pitchFamily="34" charset="0"/>
+                <a:cs typeface="Calibri" panose="020F0502020204030204" pitchFamily="34" charset="0"/>
+              </a:rPr>
               <a:t>Lúc này ta sẽ quay lại ứng dụng Java và nhìn vào cổng Console</a:t>
             </a:r>
           </a:p>
@@ -7976,14 +8435,14 @@
           </a:prstGeom>
         </p:spPr>
         <p:style>
-          <a:lnRef idx="1">
-            <a:schemeClr val="accent1"/>
+          <a:lnRef idx="3">
+            <a:schemeClr val="accent6"/>
           </a:lnRef>
           <a:fillRef idx="0">
-            <a:schemeClr val="accent1"/>
+            <a:schemeClr val="accent6"/>
           </a:fillRef>
-          <a:effectRef idx="0">
-            <a:schemeClr val="accent1"/>
+          <a:effectRef idx="2">
+            <a:schemeClr val="accent6"/>
           </a:effectRef>
           <a:fontRef idx="minor">
             <a:schemeClr val="tx1"/>
@@ -8422,49 +8881,116 @@
               <a:buChar char="–"/>
             </a:pPr>
             <a:r>
-              <a:rPr lang="vi-VN" dirty="0" smtClean="0"/>
+              <a:rPr lang="vi-VN" dirty="0" smtClean="0">
+                <a:latin typeface="Calibri" panose="020F0502020204030204" pitchFamily="34" charset="0"/>
+                <a:cs typeface="Calibri" panose="020F0502020204030204" pitchFamily="34" charset="0"/>
+              </a:rPr>
               <a:t>Kích </a:t>
             </a:r>
             <a:r>
-              <a:rPr lang="vi-VN" dirty="0"/>
+              <a:rPr lang="vi-VN" dirty="0">
+                <a:latin typeface="Calibri" panose="020F0502020204030204" pitchFamily="34" charset="0"/>
+                <a:cs typeface="Calibri" panose="020F0502020204030204" pitchFamily="34" charset="0"/>
+              </a:rPr>
               <a:t>chuột phải vào </a:t>
             </a:r>
             <a:r>
-              <a:rPr lang="vi-VN" b="1" dirty="0"/>
+              <a:rPr lang="vi-VN" b="1" dirty="0">
+                <a:latin typeface="Calibri" panose="020F0502020204030204" pitchFamily="34" charset="0"/>
+                <a:cs typeface="Calibri" panose="020F0502020204030204" pitchFamily="34" charset="0"/>
+              </a:rPr>
               <a:t>Project</a:t>
             </a:r>
             <a:r>
-              <a:rPr lang="vi-VN" dirty="0"/>
+              <a:rPr lang="vi-VN" dirty="0">
+                <a:latin typeface="Calibri" panose="020F0502020204030204" pitchFamily="34" charset="0"/>
+                <a:cs typeface="Calibri" panose="020F0502020204030204" pitchFamily="34" charset="0"/>
+              </a:rPr>
               <a:t> chọn </a:t>
             </a:r>
             <a:r>
-              <a:rPr lang="vi-VN" b="1" dirty="0"/>
+              <a:rPr lang="vi-VN" b="1" dirty="0">
+                <a:latin typeface="Calibri" panose="020F0502020204030204" pitchFamily="34" charset="0"/>
+                <a:cs typeface="Calibri" panose="020F0502020204030204" pitchFamily="34" charset="0"/>
+              </a:rPr>
               <a:t>Run As</a:t>
             </a:r>
             <a:r>
-              <a:rPr lang="vi-VN" dirty="0"/>
+              <a:rPr lang="vi-VN" dirty="0">
+                <a:latin typeface="Calibri" panose="020F0502020204030204" pitchFamily="34" charset="0"/>
+                <a:cs typeface="Calibri" panose="020F0502020204030204" pitchFamily="34" charset="0"/>
+              </a:rPr>
               <a:t> &gt; </a:t>
             </a:r>
             <a:r>
-              <a:rPr lang="vi-VN" b="1" dirty="0"/>
-              <a:t>Run on server</a:t>
-            </a:r>
-            <a:endParaRPr lang="vi-VN" dirty="0"/>
+              <a:rPr lang="vi-VN" b="1" dirty="0">
+                <a:latin typeface="Calibri" panose="020F0502020204030204" pitchFamily="34" charset="0"/>
+                <a:cs typeface="Calibri" panose="020F0502020204030204" pitchFamily="34" charset="0"/>
+              </a:rPr>
+              <a:t>Run on </a:t>
+            </a:r>
+            <a:r>
+              <a:rPr lang="vi-VN" b="1" dirty="0" smtClean="0">
+                <a:latin typeface="Calibri" panose="020F0502020204030204" pitchFamily="34" charset="0"/>
+                <a:cs typeface="Calibri" panose="020F0502020204030204" pitchFamily="34" charset="0"/>
+              </a:rPr>
+              <a:t>server</a:t>
+            </a:r>
+            <a:endParaRPr lang="en-US" b="1" dirty="0" smtClean="0">
+              <a:latin typeface="Calibri" panose="020F0502020204030204" pitchFamily="34" charset="0"/>
+              <a:cs typeface="Calibri" panose="020F0502020204030204" pitchFamily="34" charset="0"/>
+            </a:endParaRPr>
           </a:p>
           <a:p>
             <a:pPr marL="285750" indent="-285750">
               <a:buFont typeface="Arial" panose="020B0604020202020204" pitchFamily="34" charset="0"/>
               <a:buChar char="–"/>
             </a:pPr>
-            <a:r>
-              <a:rPr lang="vi-VN" b="1" dirty="0"/>
+            <a:endParaRPr lang="vi-VN" dirty="0">
+              <a:latin typeface="Calibri" panose="020F0502020204030204" pitchFamily="34" charset="0"/>
+              <a:cs typeface="Calibri" panose="020F0502020204030204" pitchFamily="34" charset="0"/>
+            </a:endParaRPr>
+          </a:p>
+          <a:p>
+            <a:pPr marL="285750" indent="-285750">
+              <a:buFont typeface="Arial" panose="020B0604020202020204" pitchFamily="34" charset="0"/>
+              <a:buChar char="–"/>
+            </a:pPr>
+            <a:r>
+              <a:rPr lang="vi-VN" b="1" dirty="0">
+                <a:latin typeface="Calibri" panose="020F0502020204030204" pitchFamily="34" charset="0"/>
+                <a:cs typeface="Calibri" panose="020F0502020204030204" pitchFamily="34" charset="0"/>
+              </a:rPr>
               <a:t>S</a:t>
             </a:r>
             <a:r>
-              <a:rPr lang="vi-VN" dirty="0"/>
-              <a:t>au khi chạy sẽ bị lỗi file error được gọi</a:t>
-            </a:r>
-            <a:endParaRPr lang="vi-VN" dirty="0"/>
+              <a:rPr lang="vi-VN" dirty="0">
+                <a:latin typeface="Calibri" panose="020F0502020204030204" pitchFamily="34" charset="0"/>
+                <a:cs typeface="Calibri" panose="020F0502020204030204" pitchFamily="34" charset="0"/>
+              </a:rPr>
+              <a:t>au khi chạy sẽ bị lỗi file error được </a:t>
+            </a:r>
+            <a:r>
+              <a:rPr lang="vi-VN" dirty="0" smtClean="0">
+                <a:latin typeface="Calibri" panose="020F0502020204030204" pitchFamily="34" charset="0"/>
+                <a:cs typeface="Calibri" panose="020F0502020204030204" pitchFamily="34" charset="0"/>
+              </a:rPr>
+              <a:t>gọi</a:t>
+            </a:r>
+            <a:endParaRPr lang="en-US" dirty="0" smtClean="0">
+              <a:latin typeface="Calibri" panose="020F0502020204030204" pitchFamily="34" charset="0"/>
+              <a:cs typeface="Calibri" panose="020F0502020204030204" pitchFamily="34" charset="0"/>
+            </a:endParaRPr>
+          </a:p>
+          <a:p>
+            <a:pPr marL="285750" indent="-285750">
+              <a:buFont typeface="Arial" panose="020B0604020202020204" pitchFamily="34" charset="0"/>
+              <a:buChar char="–"/>
+            </a:pPr>
+            <a:endParaRPr lang="vi-VN" dirty="0">
+              <a:latin typeface="Calibri" panose="020F0502020204030204" pitchFamily="34" charset="0"/>
+              <a:cs typeface="Calibri" panose="020F0502020204030204" pitchFamily="34" charset="0"/>
+            </a:endParaRPr>
           </a:p>
           <a:p>
             <a:pPr marL="285750" indent="-285750" fontAlgn="base">
@@ -8472,7 +8998,10 @@
               <a:buChar char="–"/>
             </a:pPr>
             <a:r>
-              <a:rPr lang="vi-VN" dirty="0"/>
+              <a:rPr lang="vi-VN" dirty="0">
+                <a:latin typeface="Calibri" panose="020F0502020204030204" pitchFamily="34" charset="0"/>
+                <a:cs typeface="Calibri" panose="020F0502020204030204" pitchFamily="34" charset="0"/>
+              </a:rPr>
               <a:t>Lúc này ta sẽ quay lại ứng dụng Java và nhìn vào cổng Console</a:t>
             </a:r>
           </a:p>
@@ -8514,14 +9043,14 @@
           </a:prstGeom>
         </p:spPr>
         <p:style>
-          <a:lnRef idx="1">
-            <a:schemeClr val="accent1"/>
+          <a:lnRef idx="3">
+            <a:schemeClr val="accent6"/>
           </a:lnRef>
           <a:fillRef idx="0">
-            <a:schemeClr val="accent1"/>
+            <a:schemeClr val="accent6"/>
           </a:fillRef>
-          <a:effectRef idx="0">
-            <a:schemeClr val="accent1"/>
+          <a:effectRef idx="2">
+            <a:schemeClr val="accent6"/>
           </a:effectRef>
           <a:fontRef idx="minor">
             <a:schemeClr val="tx1"/>
@@ -8551,21 +9080,36 @@
           <a:lstStyle/>
           <a:p>
             <a:r>
-              <a:rPr lang="vi-VN" dirty="0"/>
+              <a:rPr lang="vi-VN" dirty="0">
+                <a:latin typeface="Calibri" panose="020F0502020204030204" pitchFamily="34" charset="0"/>
+                <a:cs typeface="Calibri" panose="020F0502020204030204" pitchFamily="34" charset="0"/>
+              </a:rPr>
               <a:t>Cách khắc phục lỗi này là tải thư viện:</a:t>
             </a:r>
             <a:r>
-              <a:rPr lang="vi-VN" b="1" dirty="0"/>
-              <a:t> </a:t>
-            </a:r>
-            <a:endParaRPr lang="en-US" b="1" dirty="0" smtClean="0"/>
-          </a:p>
-          <a:p>
-            <a:endParaRPr lang="en-US" b="1" dirty="0"/>
-          </a:p>
-          <a:p>
-            <a:r>
-              <a:rPr lang="en-US" b="1" dirty="0"/>
+              <a:rPr lang="vi-VN" b="1" dirty="0">
+                <a:latin typeface="Calibri" panose="020F0502020204030204" pitchFamily="34" charset="0"/>
+                <a:cs typeface="Calibri" panose="020F0502020204030204" pitchFamily="34" charset="0"/>
+              </a:rPr>
+              <a:t> </a:t>
+            </a:r>
+            <a:endParaRPr lang="en-US" b="1" dirty="0" smtClean="0">
+              <a:latin typeface="Calibri" panose="020F0502020204030204" pitchFamily="34" charset="0"/>
+              <a:cs typeface="Calibri" panose="020F0502020204030204" pitchFamily="34" charset="0"/>
+            </a:endParaRPr>
+          </a:p>
+          <a:p>
+            <a:endParaRPr lang="en-US" b="1" dirty="0">
+              <a:latin typeface="Calibri" panose="020F0502020204030204" pitchFamily="34" charset="0"/>
+              <a:cs typeface="Calibri" panose="020F0502020204030204" pitchFamily="34" charset="0"/>
+            </a:endParaRPr>
+          </a:p>
+          <a:p>
+            <a:r>
+              <a:rPr lang="en-US" b="1" dirty="0">
+                <a:latin typeface="Calibri" panose="020F0502020204030204" pitchFamily="34" charset="0"/>
+                <a:cs typeface="Calibri" panose="020F0502020204030204" pitchFamily="34" charset="0"/>
+              </a:rPr>
               <a:t>antlr-2.7.7.jar</a:t>
             </a:r>
             <a:r>
@@ -8630,7 +9174,7 @@
         </p:blipFill>
         <p:spPr bwMode="auto">
           <a:xfrm>
-            <a:off x="853835" y="3220765"/>
+            <a:off x="784707" y="3805882"/>
             <a:ext cx="6135970" cy="2104998"/>
           </a:xfrm>
           <a:prstGeom prst="rect">
@@ -8671,7 +9215,7 @@
         </p:blipFill>
         <p:spPr bwMode="auto">
           <a:xfrm>
-            <a:off x="7333409" y="2513220"/>
+            <a:off x="7402537" y="2513220"/>
             <a:ext cx="3124200" cy="2819401"/>
           </a:xfrm>
           <a:prstGeom prst="rect">
@@ -9050,7 +9594,28 @@
                 <a:latin typeface="Arial" panose="020B0604020202020204" pitchFamily="34" charset="0"/>
                 <a:cs typeface="Arial" panose="020B0604020202020204" pitchFamily="34" charset="0"/>
               </a:rPr>
-              <a:t> dung Hibernate </a:t>
+              <a:t> </a:t>
+            </a:r>
+            <a:r>
+              <a:rPr lang="en-US" b="1" dirty="0" err="1" smtClean="0">
+                <a:latin typeface="Arial" panose="020B0604020202020204" pitchFamily="34" charset="0"/>
+                <a:cs typeface="Arial" panose="020B0604020202020204" pitchFamily="34" charset="0"/>
+              </a:rPr>
+              <a:t>dùng</a:t>
+            </a:r>
+            <a:r>
+              <a:rPr lang="en-US" b="1" dirty="0" smtClean="0">
+                <a:latin typeface="Arial" panose="020B0604020202020204" pitchFamily="34" charset="0"/>
+                <a:cs typeface="Arial" panose="020B0604020202020204" pitchFamily="34" charset="0"/>
+              </a:rPr>
+              <a:t> </a:t>
+            </a:r>
+            <a:r>
+              <a:rPr lang="en-US" b="1" dirty="0" smtClean="0">
+                <a:latin typeface="Arial" panose="020B0604020202020204" pitchFamily="34" charset="0"/>
+                <a:cs typeface="Arial" panose="020B0604020202020204" pitchFamily="34" charset="0"/>
+              </a:rPr>
+              <a:t>Hibernate </a:t>
             </a:r>
             <a:r>
               <a:rPr lang="en-US" b="1" dirty="0" err="1" smtClean="0">
@@ -9510,7 +10075,7 @@
         </p:nvSpPr>
         <p:spPr>
           <a:xfrm>
-            <a:off x="7180142" y="752854"/>
+            <a:off x="7104066" y="1227072"/>
             <a:ext cx="5087934" cy="2862322"/>
           </a:xfrm>
           <a:prstGeom prst="rect">
@@ -9529,34 +10094,58 @@
               <a:buChar char="–"/>
             </a:pPr>
             <a:r>
-              <a:rPr lang="vi-VN" dirty="0" smtClean="0"/>
+              <a:rPr lang="vi-VN" dirty="0" smtClean="0">
+                <a:latin typeface="Calibri" panose="020F0502020204030204" pitchFamily="34" charset="0"/>
+                <a:cs typeface="Calibri" panose="020F0502020204030204" pitchFamily="34" charset="0"/>
+              </a:rPr>
               <a:t>Kích </a:t>
             </a:r>
             <a:r>
-              <a:rPr lang="vi-VN" dirty="0"/>
+              <a:rPr lang="vi-VN" dirty="0">
+                <a:latin typeface="Calibri" panose="020F0502020204030204" pitchFamily="34" charset="0"/>
+                <a:cs typeface="Calibri" panose="020F0502020204030204" pitchFamily="34" charset="0"/>
+              </a:rPr>
               <a:t>chuột phải vào </a:t>
             </a:r>
             <a:r>
-              <a:rPr lang="vi-VN" b="1" dirty="0"/>
+              <a:rPr lang="vi-VN" b="1" dirty="0">
+                <a:latin typeface="Calibri" panose="020F0502020204030204" pitchFamily="34" charset="0"/>
+                <a:cs typeface="Calibri" panose="020F0502020204030204" pitchFamily="34" charset="0"/>
+              </a:rPr>
               <a:t>Project</a:t>
             </a:r>
             <a:r>
-              <a:rPr lang="vi-VN" dirty="0"/>
+              <a:rPr lang="vi-VN" dirty="0">
+                <a:latin typeface="Calibri" panose="020F0502020204030204" pitchFamily="34" charset="0"/>
+                <a:cs typeface="Calibri" panose="020F0502020204030204" pitchFamily="34" charset="0"/>
+              </a:rPr>
               <a:t> chọn </a:t>
             </a:r>
             <a:r>
-              <a:rPr lang="vi-VN" b="1" dirty="0"/>
+              <a:rPr lang="vi-VN" b="1" dirty="0">
+                <a:latin typeface="Calibri" panose="020F0502020204030204" pitchFamily="34" charset="0"/>
+                <a:cs typeface="Calibri" panose="020F0502020204030204" pitchFamily="34" charset="0"/>
+              </a:rPr>
               <a:t>Run As</a:t>
             </a:r>
             <a:r>
-              <a:rPr lang="vi-VN" dirty="0"/>
+              <a:rPr lang="vi-VN" dirty="0">
+                <a:latin typeface="Calibri" panose="020F0502020204030204" pitchFamily="34" charset="0"/>
+                <a:cs typeface="Calibri" panose="020F0502020204030204" pitchFamily="34" charset="0"/>
+              </a:rPr>
               <a:t> &gt; </a:t>
             </a:r>
             <a:r>
-              <a:rPr lang="vi-VN" b="1" dirty="0"/>
+              <a:rPr lang="vi-VN" b="1" dirty="0">
+                <a:latin typeface="Calibri" panose="020F0502020204030204" pitchFamily="34" charset="0"/>
+                <a:cs typeface="Calibri" panose="020F0502020204030204" pitchFamily="34" charset="0"/>
+              </a:rPr>
               <a:t>Run on server</a:t>
             </a:r>
-            <a:endParaRPr lang="vi-VN" dirty="0"/>
+            <a:endParaRPr lang="vi-VN" dirty="0">
+              <a:latin typeface="Calibri" panose="020F0502020204030204" pitchFamily="34" charset="0"/>
+              <a:cs typeface="Calibri" panose="020F0502020204030204" pitchFamily="34" charset="0"/>
+            </a:endParaRPr>
           </a:p>
           <a:p>
             <a:pPr marL="285750" indent="-285750">
@@ -9564,206 +10153,218 @@
               <a:buChar char="–"/>
             </a:pPr>
             <a:r>
-              <a:rPr lang="vi-VN" dirty="0"/>
+              <a:rPr lang="vi-VN" dirty="0">
+                <a:latin typeface="Calibri" panose="020F0502020204030204" pitchFamily="34" charset="0"/>
+                <a:cs typeface="Calibri" panose="020F0502020204030204" pitchFamily="34" charset="0"/>
+              </a:rPr>
               <a:t>Sau khi chạy </a:t>
             </a:r>
             <a:r>
-              <a:rPr lang="vi-VN" dirty="0" smtClean="0"/>
+              <a:rPr lang="vi-VN" dirty="0" smtClean="0">
+                <a:latin typeface="Calibri" panose="020F0502020204030204" pitchFamily="34" charset="0"/>
+                <a:cs typeface="Calibri" panose="020F0502020204030204" pitchFamily="34" charset="0"/>
+              </a:rPr>
               <a:t>sẽ</a:t>
             </a:r>
             <a:r>
-              <a:rPr lang="en-US" dirty="0" smtClean="0"/>
-              <a:t> </a:t>
-            </a:r>
-            <a:r>
-              <a:rPr lang="en-US" dirty="0"/>
+              <a:rPr lang="en-US" dirty="0" smtClean="0">
+                <a:latin typeface="Calibri" panose="020F0502020204030204" pitchFamily="34" charset="0"/>
+                <a:cs typeface="Calibri" panose="020F0502020204030204" pitchFamily="34" charset="0"/>
+              </a:rPr>
+              <a:t> </a:t>
+            </a:r>
+            <a:r>
+              <a:rPr lang="en-US" dirty="0">
+                <a:latin typeface="Calibri" panose="020F0502020204030204" pitchFamily="34" charset="0"/>
+                <a:cs typeface="Calibri" panose="020F0502020204030204" pitchFamily="34" charset="0"/>
+              </a:rPr>
               <a:t> </a:t>
             </a:r>
             <a:r>
               <a:rPr lang="en-US" dirty="0" err="1">
-                <a:latin typeface="Arial" panose="020B0604020202020204" pitchFamily="34" charset="0"/>
-                <a:cs typeface="Arial" panose="020B0604020202020204" pitchFamily="34" charset="0"/>
+                <a:latin typeface="Calibri" panose="020F0502020204030204" pitchFamily="34" charset="0"/>
+                <a:cs typeface="Calibri" panose="020F0502020204030204" pitchFamily="34" charset="0"/>
               </a:rPr>
               <a:t>Không</a:t>
             </a:r>
             <a:r>
               <a:rPr lang="en-US" dirty="0">
-                <a:latin typeface="Arial" panose="020B0604020202020204" pitchFamily="34" charset="0"/>
-                <a:cs typeface="Arial" panose="020B0604020202020204" pitchFamily="34" charset="0"/>
+                <a:latin typeface="Calibri" panose="020F0502020204030204" pitchFamily="34" charset="0"/>
+                <a:cs typeface="Calibri" panose="020F0502020204030204" pitchFamily="34" charset="0"/>
               </a:rPr>
               <a:t> </a:t>
             </a:r>
             <a:r>
               <a:rPr lang="en-US" dirty="0" err="1">
-                <a:latin typeface="Arial" panose="020B0604020202020204" pitchFamily="34" charset="0"/>
-                <a:cs typeface="Arial" panose="020B0604020202020204" pitchFamily="34" charset="0"/>
+                <a:latin typeface="Calibri" panose="020F0502020204030204" pitchFamily="34" charset="0"/>
+                <a:cs typeface="Calibri" panose="020F0502020204030204" pitchFamily="34" charset="0"/>
               </a:rPr>
               <a:t>còn</a:t>
             </a:r>
             <a:r>
               <a:rPr lang="en-US" dirty="0">
-                <a:latin typeface="Arial" panose="020B0604020202020204" pitchFamily="34" charset="0"/>
-                <a:cs typeface="Arial" panose="020B0604020202020204" pitchFamily="34" charset="0"/>
+                <a:latin typeface="Calibri" panose="020F0502020204030204" pitchFamily="34" charset="0"/>
+                <a:cs typeface="Calibri" panose="020F0502020204030204" pitchFamily="34" charset="0"/>
               </a:rPr>
               <a:t> </a:t>
             </a:r>
             <a:r>
               <a:rPr lang="en-US" dirty="0" err="1">
-                <a:latin typeface="Arial" panose="020B0604020202020204" pitchFamily="34" charset="0"/>
-                <a:cs typeface="Arial" panose="020B0604020202020204" pitchFamily="34" charset="0"/>
+                <a:latin typeface="Calibri" panose="020F0502020204030204" pitchFamily="34" charset="0"/>
+                <a:cs typeface="Calibri" panose="020F0502020204030204" pitchFamily="34" charset="0"/>
               </a:rPr>
               <a:t>lỗi</a:t>
             </a:r>
             <a:r>
               <a:rPr lang="en-US" dirty="0">
-                <a:latin typeface="Arial" panose="020B0604020202020204" pitchFamily="34" charset="0"/>
-                <a:cs typeface="Arial" panose="020B0604020202020204" pitchFamily="34" charset="0"/>
+                <a:latin typeface="Calibri" panose="020F0502020204030204" pitchFamily="34" charset="0"/>
+                <a:cs typeface="Calibri" panose="020F0502020204030204" pitchFamily="34" charset="0"/>
               </a:rPr>
               <a:t> </a:t>
             </a:r>
             <a:r>
               <a:rPr lang="en-US" dirty="0" err="1">
-                <a:latin typeface="Arial" panose="020B0604020202020204" pitchFamily="34" charset="0"/>
-                <a:cs typeface="Arial" panose="020B0604020202020204" pitchFamily="34" charset="0"/>
+                <a:latin typeface="Calibri" panose="020F0502020204030204" pitchFamily="34" charset="0"/>
+                <a:cs typeface="Calibri" panose="020F0502020204030204" pitchFamily="34" charset="0"/>
               </a:rPr>
               <a:t>trang</a:t>
             </a:r>
             <a:r>
               <a:rPr lang="en-US" dirty="0">
-                <a:latin typeface="Arial" panose="020B0604020202020204" pitchFamily="34" charset="0"/>
-                <a:cs typeface="Arial" panose="020B0604020202020204" pitchFamily="34" charset="0"/>
+                <a:latin typeface="Calibri" panose="020F0502020204030204" pitchFamily="34" charset="0"/>
+                <a:cs typeface="Calibri" panose="020F0502020204030204" pitchFamily="34" charset="0"/>
               </a:rPr>
               <a:t> </a:t>
             </a:r>
             <a:r>
               <a:rPr lang="en-US" dirty="0" err="1">
-                <a:latin typeface="Arial" panose="020B0604020202020204" pitchFamily="34" charset="0"/>
-                <a:cs typeface="Arial" panose="020B0604020202020204" pitchFamily="34" charset="0"/>
+                <a:latin typeface="Calibri" panose="020F0502020204030204" pitchFamily="34" charset="0"/>
+                <a:cs typeface="Calibri" panose="020F0502020204030204" pitchFamily="34" charset="0"/>
               </a:rPr>
               <a:t>employee_list.jsp</a:t>
             </a:r>
             <a:r>
               <a:rPr lang="en-US" dirty="0">
-                <a:latin typeface="Arial" panose="020B0604020202020204" pitchFamily="34" charset="0"/>
-                <a:cs typeface="Arial" panose="020B0604020202020204" pitchFamily="34" charset="0"/>
+                <a:latin typeface="Calibri" panose="020F0502020204030204" pitchFamily="34" charset="0"/>
+                <a:cs typeface="Calibri" panose="020F0502020204030204" pitchFamily="34" charset="0"/>
               </a:rPr>
               <a:t> </a:t>
             </a:r>
             <a:r>
               <a:rPr lang="en-US" dirty="0" err="1">
-                <a:latin typeface="Arial" panose="020B0604020202020204" pitchFamily="34" charset="0"/>
-                <a:cs typeface="Arial" panose="020B0604020202020204" pitchFamily="34" charset="0"/>
+                <a:latin typeface="Calibri" panose="020F0502020204030204" pitchFamily="34" charset="0"/>
+                <a:cs typeface="Calibri" panose="020F0502020204030204" pitchFamily="34" charset="0"/>
               </a:rPr>
               <a:t>hiển</a:t>
             </a:r>
             <a:r>
               <a:rPr lang="en-US" dirty="0">
-                <a:latin typeface="Arial" panose="020B0604020202020204" pitchFamily="34" charset="0"/>
-                <a:cs typeface="Arial" panose="020B0604020202020204" pitchFamily="34" charset="0"/>
+                <a:latin typeface="Calibri" panose="020F0502020204030204" pitchFamily="34" charset="0"/>
+                <a:cs typeface="Calibri" panose="020F0502020204030204" pitchFamily="34" charset="0"/>
               </a:rPr>
               <a:t> </a:t>
             </a:r>
             <a:r>
               <a:rPr lang="en-US" dirty="0" err="1">
-                <a:latin typeface="Arial" panose="020B0604020202020204" pitchFamily="34" charset="0"/>
-                <a:cs typeface="Arial" panose="020B0604020202020204" pitchFamily="34" charset="0"/>
+                <a:latin typeface="Calibri" panose="020F0502020204030204" pitchFamily="34" charset="0"/>
+                <a:cs typeface="Calibri" panose="020F0502020204030204" pitchFamily="34" charset="0"/>
               </a:rPr>
               <a:t>thị</a:t>
             </a:r>
             <a:r>
               <a:rPr lang="en-US" dirty="0">
-                <a:latin typeface="Arial" panose="020B0604020202020204" pitchFamily="34" charset="0"/>
-                <a:cs typeface="Arial" panose="020B0604020202020204" pitchFamily="34" charset="0"/>
+                <a:latin typeface="Calibri" panose="020F0502020204030204" pitchFamily="34" charset="0"/>
+                <a:cs typeface="Calibri" panose="020F0502020204030204" pitchFamily="34" charset="0"/>
               </a:rPr>
               <a:t> </a:t>
             </a:r>
             <a:r>
               <a:rPr lang="en-US" dirty="0" err="1">
-                <a:latin typeface="Arial" panose="020B0604020202020204" pitchFamily="34" charset="0"/>
-                <a:cs typeface="Arial" panose="020B0604020202020204" pitchFamily="34" charset="0"/>
+                <a:latin typeface="Calibri" panose="020F0502020204030204" pitchFamily="34" charset="0"/>
+                <a:cs typeface="Calibri" panose="020F0502020204030204" pitchFamily="34" charset="0"/>
               </a:rPr>
               <a:t>toàn</a:t>
             </a:r>
             <a:r>
               <a:rPr lang="en-US" dirty="0">
-                <a:latin typeface="Arial" panose="020B0604020202020204" pitchFamily="34" charset="0"/>
-                <a:cs typeface="Arial" panose="020B0604020202020204" pitchFamily="34" charset="0"/>
+                <a:latin typeface="Calibri" panose="020F0502020204030204" pitchFamily="34" charset="0"/>
+                <a:cs typeface="Calibri" panose="020F0502020204030204" pitchFamily="34" charset="0"/>
               </a:rPr>
               <a:t> </a:t>
             </a:r>
             <a:r>
               <a:rPr lang="en-US" dirty="0" err="1">
-                <a:latin typeface="Arial" panose="020B0604020202020204" pitchFamily="34" charset="0"/>
-                <a:cs typeface="Arial" panose="020B0604020202020204" pitchFamily="34" charset="0"/>
+                <a:latin typeface="Calibri" panose="020F0502020204030204" pitchFamily="34" charset="0"/>
+                <a:cs typeface="Calibri" panose="020F0502020204030204" pitchFamily="34" charset="0"/>
               </a:rPr>
               <a:t>bộ</a:t>
             </a:r>
             <a:r>
               <a:rPr lang="en-US" dirty="0">
-                <a:latin typeface="Arial" panose="020B0604020202020204" pitchFamily="34" charset="0"/>
-                <a:cs typeface="Arial" panose="020B0604020202020204" pitchFamily="34" charset="0"/>
+                <a:latin typeface="Calibri" panose="020F0502020204030204" pitchFamily="34" charset="0"/>
+                <a:cs typeface="Calibri" panose="020F0502020204030204" pitchFamily="34" charset="0"/>
               </a:rPr>
               <a:t> </a:t>
             </a:r>
             <a:r>
               <a:rPr lang="en-US" dirty="0" err="1">
-                <a:latin typeface="Arial" panose="020B0604020202020204" pitchFamily="34" charset="0"/>
-                <a:cs typeface="Arial" panose="020B0604020202020204" pitchFamily="34" charset="0"/>
+                <a:latin typeface="Calibri" panose="020F0502020204030204" pitchFamily="34" charset="0"/>
+                <a:cs typeface="Calibri" panose="020F0502020204030204" pitchFamily="34" charset="0"/>
               </a:rPr>
               <a:t>danh</a:t>
             </a:r>
             <a:r>
               <a:rPr lang="en-US" dirty="0">
-                <a:latin typeface="Arial" panose="020B0604020202020204" pitchFamily="34" charset="0"/>
-                <a:cs typeface="Arial" panose="020B0604020202020204" pitchFamily="34" charset="0"/>
+                <a:latin typeface="Calibri" panose="020F0502020204030204" pitchFamily="34" charset="0"/>
+                <a:cs typeface="Calibri" panose="020F0502020204030204" pitchFamily="34" charset="0"/>
               </a:rPr>
               <a:t> </a:t>
             </a:r>
             <a:r>
               <a:rPr lang="en-US" dirty="0" err="1">
-                <a:latin typeface="Arial" panose="020B0604020202020204" pitchFamily="34" charset="0"/>
-                <a:cs typeface="Arial" panose="020B0604020202020204" pitchFamily="34" charset="0"/>
+                <a:latin typeface="Calibri" panose="020F0502020204030204" pitchFamily="34" charset="0"/>
+                <a:cs typeface="Calibri" panose="020F0502020204030204" pitchFamily="34" charset="0"/>
               </a:rPr>
               <a:t>sách</a:t>
             </a:r>
             <a:r>
               <a:rPr lang="en-US" dirty="0">
-                <a:latin typeface="Arial" panose="020B0604020202020204" pitchFamily="34" charset="0"/>
-                <a:cs typeface="Arial" panose="020B0604020202020204" pitchFamily="34" charset="0"/>
+                <a:latin typeface="Calibri" panose="020F0502020204030204" pitchFamily="34" charset="0"/>
+                <a:cs typeface="Calibri" panose="020F0502020204030204" pitchFamily="34" charset="0"/>
               </a:rPr>
               <a:t> </a:t>
             </a:r>
             <a:r>
               <a:rPr lang="en-US" dirty="0" err="1">
-                <a:latin typeface="Arial" panose="020B0604020202020204" pitchFamily="34" charset="0"/>
-                <a:cs typeface="Arial" panose="020B0604020202020204" pitchFamily="34" charset="0"/>
+                <a:latin typeface="Calibri" panose="020F0502020204030204" pitchFamily="34" charset="0"/>
+                <a:cs typeface="Calibri" panose="020F0502020204030204" pitchFamily="34" charset="0"/>
               </a:rPr>
               <a:t>nhân</a:t>
             </a:r>
             <a:r>
               <a:rPr lang="en-US" dirty="0">
-                <a:latin typeface="Arial" panose="020B0604020202020204" pitchFamily="34" charset="0"/>
-                <a:cs typeface="Arial" panose="020B0604020202020204" pitchFamily="34" charset="0"/>
+                <a:latin typeface="Calibri" panose="020F0502020204030204" pitchFamily="34" charset="0"/>
+                <a:cs typeface="Calibri" panose="020F0502020204030204" pitchFamily="34" charset="0"/>
               </a:rPr>
               <a:t> </a:t>
             </a:r>
             <a:r>
               <a:rPr lang="en-US" dirty="0" err="1" smtClean="0">
-                <a:latin typeface="Arial" panose="020B0604020202020204" pitchFamily="34" charset="0"/>
-                <a:cs typeface="Arial" panose="020B0604020202020204" pitchFamily="34" charset="0"/>
+                <a:latin typeface="Calibri" panose="020F0502020204030204" pitchFamily="34" charset="0"/>
+                <a:cs typeface="Calibri" panose="020F0502020204030204" pitchFamily="34" charset="0"/>
               </a:rPr>
               <a:t>viên</a:t>
             </a:r>
             <a:r>
               <a:rPr lang="en-US" b="1" dirty="0" smtClean="0">
-                <a:latin typeface="Arial" panose="020B0604020202020204" pitchFamily="34" charset="0"/>
-                <a:cs typeface="Arial" panose="020B0604020202020204" pitchFamily="34" charset="0"/>
+                <a:latin typeface="Calibri" panose="020F0502020204030204" pitchFamily="34" charset="0"/>
+                <a:cs typeface="Calibri" panose="020F0502020204030204" pitchFamily="34" charset="0"/>
               </a:rPr>
               <a:t>.</a:t>
             </a:r>
             <a:endParaRPr lang="en-US" dirty="0">
-              <a:latin typeface="Arial" panose="020B0604020202020204" pitchFamily="34" charset="0"/>
-              <a:cs typeface="Arial" panose="020B0604020202020204" pitchFamily="34" charset="0"/>
+              <a:latin typeface="Calibri" panose="020F0502020204030204" pitchFamily="34" charset="0"/>
+              <a:cs typeface="Calibri" panose="020F0502020204030204" pitchFamily="34" charset="0"/>
             </a:endParaRPr>
           </a:p>
           <a:p>
@@ -9835,14 +10436,14 @@
           </a:prstGeom>
         </p:spPr>
         <p:style>
-          <a:lnRef idx="1">
-            <a:schemeClr val="accent1"/>
+          <a:lnRef idx="3">
+            <a:schemeClr val="accent6"/>
           </a:lnRef>
           <a:fillRef idx="0">
-            <a:schemeClr val="accent1"/>
+            <a:schemeClr val="accent6"/>
           </a:fillRef>
-          <a:effectRef idx="0">
-            <a:schemeClr val="accent1"/>
+          <a:effectRef idx="2">
+            <a:schemeClr val="accent6"/>
           </a:effectRef>
           <a:fontRef idx="minor">
             <a:schemeClr val="tx1"/>
@@ -9872,7 +10473,7 @@
         </p:blipFill>
         <p:spPr bwMode="auto">
           <a:xfrm>
-            <a:off x="7479475" y="2759318"/>
+            <a:off x="7479475" y="2848431"/>
             <a:ext cx="4114800" cy="2891244"/>
           </a:xfrm>
           <a:prstGeom prst="rect">
@@ -10160,8 +10761,8 @@
         </p:nvSpPr>
         <p:spPr>
           <a:xfrm>
-            <a:off x="7005212" y="1005262"/>
-            <a:ext cx="5087934" cy="830997"/>
+            <a:off x="7005212" y="1466927"/>
+            <a:ext cx="5087934" cy="923330"/>
           </a:xfrm>
           <a:prstGeom prst="rect">
             <a:avLst/>
@@ -10179,218 +10780,218 @@
               <a:buChar char="–"/>
             </a:pPr>
             <a:r>
-              <a:rPr lang="en-US" sz="1600" dirty="0" err="1">
-                <a:latin typeface="Arial" panose="020B0604020202020204" pitchFamily="34" charset="0"/>
-                <a:cs typeface="Arial" panose="020B0604020202020204" pitchFamily="34" charset="0"/>
+              <a:rPr lang="en-US" dirty="0" err="1">
+                <a:latin typeface="Calibri" panose="020F0502020204030204" pitchFamily="34" charset="0"/>
+                <a:cs typeface="Calibri" panose="020F0502020204030204" pitchFamily="34" charset="0"/>
               </a:rPr>
               <a:t>Khi</a:t>
             </a:r>
             <a:r>
-              <a:rPr lang="en-US" sz="1600" dirty="0">
-                <a:latin typeface="Arial" panose="020B0604020202020204" pitchFamily="34" charset="0"/>
-                <a:cs typeface="Arial" panose="020B0604020202020204" pitchFamily="34" charset="0"/>
-              </a:rPr>
-              <a:t> </a:t>
-            </a:r>
-            <a:r>
-              <a:rPr lang="en-US" sz="1600" dirty="0" err="1">
-                <a:latin typeface="Arial" panose="020B0604020202020204" pitchFamily="34" charset="0"/>
-                <a:cs typeface="Arial" panose="020B0604020202020204" pitchFamily="34" charset="0"/>
+              <a:rPr lang="en-US" dirty="0">
+                <a:latin typeface="Calibri" panose="020F0502020204030204" pitchFamily="34" charset="0"/>
+                <a:cs typeface="Calibri" panose="020F0502020204030204" pitchFamily="34" charset="0"/>
+              </a:rPr>
+              <a:t> </a:t>
+            </a:r>
+            <a:r>
+              <a:rPr lang="en-US" dirty="0" err="1">
+                <a:latin typeface="Calibri" panose="020F0502020204030204" pitchFamily="34" charset="0"/>
+                <a:cs typeface="Calibri" panose="020F0502020204030204" pitchFamily="34" charset="0"/>
               </a:rPr>
               <a:t>nhấn</a:t>
             </a:r>
             <a:r>
-              <a:rPr lang="en-US" sz="1600" dirty="0">
-                <a:latin typeface="Arial" panose="020B0604020202020204" pitchFamily="34" charset="0"/>
-                <a:cs typeface="Arial" panose="020B0604020202020204" pitchFamily="34" charset="0"/>
+              <a:rPr lang="en-US" dirty="0">
+                <a:latin typeface="Calibri" panose="020F0502020204030204" pitchFamily="34" charset="0"/>
+                <a:cs typeface="Calibri" panose="020F0502020204030204" pitchFamily="34" charset="0"/>
               </a:rPr>
               <a:t> edit </a:t>
             </a:r>
             <a:r>
-              <a:rPr lang="en-US" sz="1600" dirty="0" err="1">
-                <a:latin typeface="Arial" panose="020B0604020202020204" pitchFamily="34" charset="0"/>
-                <a:cs typeface="Arial" panose="020B0604020202020204" pitchFamily="34" charset="0"/>
+              <a:rPr lang="en-US" dirty="0" err="1">
+                <a:latin typeface="Calibri" panose="020F0502020204030204" pitchFamily="34" charset="0"/>
+                <a:cs typeface="Calibri" panose="020F0502020204030204" pitchFamily="34" charset="0"/>
               </a:rPr>
               <a:t>và</a:t>
             </a:r>
             <a:r>
-              <a:rPr lang="en-US" sz="1600" dirty="0">
-                <a:latin typeface="Arial" panose="020B0604020202020204" pitchFamily="34" charset="0"/>
-                <a:cs typeface="Arial" panose="020B0604020202020204" pitchFamily="34" charset="0"/>
+              <a:rPr lang="en-US" dirty="0">
+                <a:latin typeface="Calibri" panose="020F0502020204030204" pitchFamily="34" charset="0"/>
+                <a:cs typeface="Calibri" panose="020F0502020204030204" pitchFamily="34" charset="0"/>
               </a:rPr>
               <a:t> Add New Employee  </a:t>
             </a:r>
             <a:r>
-              <a:rPr lang="en-US" sz="1600" dirty="0" err="1">
-                <a:latin typeface="Arial" panose="020B0604020202020204" pitchFamily="34" charset="0"/>
-                <a:cs typeface="Arial" panose="020B0604020202020204" pitchFamily="34" charset="0"/>
+              <a:rPr lang="en-US" dirty="0" err="1">
+                <a:latin typeface="Calibri" panose="020F0502020204030204" pitchFamily="34" charset="0"/>
+                <a:cs typeface="Calibri" panose="020F0502020204030204" pitchFamily="34" charset="0"/>
               </a:rPr>
               <a:t>thì</a:t>
             </a:r>
             <a:r>
-              <a:rPr lang="en-US" sz="1600" dirty="0">
-                <a:latin typeface="Arial" panose="020B0604020202020204" pitchFamily="34" charset="0"/>
-                <a:cs typeface="Arial" panose="020B0604020202020204" pitchFamily="34" charset="0"/>
-              </a:rPr>
-              <a:t> </a:t>
-            </a:r>
-            <a:r>
-              <a:rPr lang="en-US" sz="1600" dirty="0" err="1">
-                <a:latin typeface="Arial" panose="020B0604020202020204" pitchFamily="34" charset="0"/>
-                <a:cs typeface="Arial" panose="020B0604020202020204" pitchFamily="34" charset="0"/>
+              <a:rPr lang="en-US" dirty="0">
+                <a:latin typeface="Calibri" panose="020F0502020204030204" pitchFamily="34" charset="0"/>
+                <a:cs typeface="Calibri" panose="020F0502020204030204" pitchFamily="34" charset="0"/>
+              </a:rPr>
+              <a:t> </a:t>
+            </a:r>
+            <a:r>
+              <a:rPr lang="en-US" dirty="0" err="1">
+                <a:latin typeface="Calibri" panose="020F0502020204030204" pitchFamily="34" charset="0"/>
+                <a:cs typeface="Calibri" panose="020F0502020204030204" pitchFamily="34" charset="0"/>
               </a:rPr>
               <a:t>trang</a:t>
             </a:r>
             <a:r>
-              <a:rPr lang="en-US" sz="1600" dirty="0">
-                <a:latin typeface="Arial" panose="020B0604020202020204" pitchFamily="34" charset="0"/>
-                <a:cs typeface="Arial" panose="020B0604020202020204" pitchFamily="34" charset="0"/>
-              </a:rPr>
-              <a:t> </a:t>
-            </a:r>
-            <a:r>
-              <a:rPr lang="en-US" sz="1600" dirty="0" err="1">
-                <a:latin typeface="Arial" panose="020B0604020202020204" pitchFamily="34" charset="0"/>
-                <a:cs typeface="Arial" panose="020B0604020202020204" pitchFamily="34" charset="0"/>
+              <a:rPr lang="en-US" dirty="0">
+                <a:latin typeface="Calibri" panose="020F0502020204030204" pitchFamily="34" charset="0"/>
+                <a:cs typeface="Calibri" panose="020F0502020204030204" pitchFamily="34" charset="0"/>
+              </a:rPr>
+              <a:t> </a:t>
+            </a:r>
+            <a:r>
+              <a:rPr lang="en-US" dirty="0" err="1">
+                <a:latin typeface="Calibri" panose="020F0502020204030204" pitchFamily="34" charset="0"/>
+                <a:cs typeface="Calibri" panose="020F0502020204030204" pitchFamily="34" charset="0"/>
               </a:rPr>
               <a:t>employee_form.jsp</a:t>
             </a:r>
             <a:r>
-              <a:rPr lang="en-US" sz="1600" dirty="0">
-                <a:latin typeface="Arial" panose="020B0604020202020204" pitchFamily="34" charset="0"/>
-                <a:cs typeface="Arial" panose="020B0604020202020204" pitchFamily="34" charset="0"/>
-              </a:rPr>
-              <a:t> </a:t>
-            </a:r>
-            <a:r>
-              <a:rPr lang="en-US" sz="1600" dirty="0" err="1">
-                <a:latin typeface="Arial" panose="020B0604020202020204" pitchFamily="34" charset="0"/>
-                <a:cs typeface="Arial" panose="020B0604020202020204" pitchFamily="34" charset="0"/>
+              <a:rPr lang="en-US" dirty="0">
+                <a:latin typeface="Calibri" panose="020F0502020204030204" pitchFamily="34" charset="0"/>
+                <a:cs typeface="Calibri" panose="020F0502020204030204" pitchFamily="34" charset="0"/>
+              </a:rPr>
+              <a:t> </a:t>
+            </a:r>
+            <a:r>
+              <a:rPr lang="en-US" dirty="0" err="1">
+                <a:latin typeface="Calibri" panose="020F0502020204030204" pitchFamily="34" charset="0"/>
+                <a:cs typeface="Calibri" panose="020F0502020204030204" pitchFamily="34" charset="0"/>
               </a:rPr>
               <a:t>hiển</a:t>
             </a:r>
             <a:r>
-              <a:rPr lang="en-US" sz="1600" dirty="0">
-                <a:latin typeface="Arial" panose="020B0604020202020204" pitchFamily="34" charset="0"/>
-                <a:cs typeface="Arial" panose="020B0604020202020204" pitchFamily="34" charset="0"/>
-              </a:rPr>
-              <a:t> </a:t>
-            </a:r>
-            <a:r>
-              <a:rPr lang="en-US" sz="1600" dirty="0" err="1" smtClean="0">
-                <a:latin typeface="Arial" panose="020B0604020202020204" pitchFamily="34" charset="0"/>
-                <a:cs typeface="Arial" panose="020B0604020202020204" pitchFamily="34" charset="0"/>
+              <a:rPr lang="en-US" dirty="0">
+                <a:latin typeface="Calibri" panose="020F0502020204030204" pitchFamily="34" charset="0"/>
+                <a:cs typeface="Calibri" panose="020F0502020204030204" pitchFamily="34" charset="0"/>
+              </a:rPr>
+              <a:t> </a:t>
+            </a:r>
+            <a:r>
+              <a:rPr lang="en-US" dirty="0" err="1" smtClean="0">
+                <a:latin typeface="Calibri" panose="020F0502020204030204" pitchFamily="34" charset="0"/>
+                <a:cs typeface="Calibri" panose="020F0502020204030204" pitchFamily="34" charset="0"/>
               </a:rPr>
               <a:t>thị</a:t>
             </a:r>
             <a:r>
-              <a:rPr lang="en-US" sz="1600" dirty="0" smtClean="0">
-                <a:latin typeface="Arial" panose="020B0604020202020204" pitchFamily="34" charset="0"/>
-                <a:cs typeface="Arial" panose="020B0604020202020204" pitchFamily="34" charset="0"/>
-              </a:rPr>
-              <a:t> </a:t>
-            </a:r>
-            <a:r>
-              <a:rPr lang="en-US" sz="1600" dirty="0" err="1" smtClean="0">
-                <a:latin typeface="Arial" panose="020B0604020202020204" pitchFamily="34" charset="0"/>
-                <a:cs typeface="Arial" panose="020B0604020202020204" pitchFamily="34" charset="0"/>
+              <a:rPr lang="en-US" dirty="0" smtClean="0">
+                <a:latin typeface="Calibri" panose="020F0502020204030204" pitchFamily="34" charset="0"/>
+                <a:cs typeface="Calibri" panose="020F0502020204030204" pitchFamily="34" charset="0"/>
+              </a:rPr>
+              <a:t> </a:t>
+            </a:r>
+            <a:r>
+              <a:rPr lang="en-US" dirty="0" err="1" smtClean="0">
+                <a:latin typeface="Calibri" panose="020F0502020204030204" pitchFamily="34" charset="0"/>
+                <a:cs typeface="Calibri" panose="020F0502020204030204" pitchFamily="34" charset="0"/>
               </a:rPr>
               <a:t>cho</a:t>
             </a:r>
             <a:r>
-              <a:rPr lang="en-US" sz="1600" dirty="0" smtClean="0">
-                <a:latin typeface="Arial" panose="020B0604020202020204" pitchFamily="34" charset="0"/>
-                <a:cs typeface="Arial" panose="020B0604020202020204" pitchFamily="34" charset="0"/>
-              </a:rPr>
-              <a:t> </a:t>
-            </a:r>
-            <a:r>
-              <a:rPr lang="en-US" sz="1600" dirty="0" err="1" smtClean="0">
-                <a:latin typeface="Arial" panose="020B0604020202020204" pitchFamily="34" charset="0"/>
-                <a:cs typeface="Arial" panose="020B0604020202020204" pitchFamily="34" charset="0"/>
+              <a:rPr lang="en-US" dirty="0" smtClean="0">
+                <a:latin typeface="Calibri" panose="020F0502020204030204" pitchFamily="34" charset="0"/>
+                <a:cs typeface="Calibri" panose="020F0502020204030204" pitchFamily="34" charset="0"/>
+              </a:rPr>
+              <a:t> </a:t>
+            </a:r>
+            <a:r>
+              <a:rPr lang="en-US" dirty="0" err="1" smtClean="0">
+                <a:latin typeface="Calibri" panose="020F0502020204030204" pitchFamily="34" charset="0"/>
+                <a:cs typeface="Calibri" panose="020F0502020204030204" pitchFamily="34" charset="0"/>
               </a:rPr>
               <a:t>phép</a:t>
             </a:r>
             <a:r>
-              <a:rPr lang="en-US" sz="1600" dirty="0" smtClean="0">
-                <a:latin typeface="Arial" panose="020B0604020202020204" pitchFamily="34" charset="0"/>
-                <a:cs typeface="Arial" panose="020B0604020202020204" pitchFamily="34" charset="0"/>
-              </a:rPr>
-              <a:t> </a:t>
-            </a:r>
-            <a:r>
-              <a:rPr lang="en-US" sz="1600" dirty="0" err="1" smtClean="0">
-                <a:latin typeface="Arial" panose="020B0604020202020204" pitchFamily="34" charset="0"/>
-                <a:cs typeface="Arial" panose="020B0604020202020204" pitchFamily="34" charset="0"/>
+              <a:rPr lang="en-US" dirty="0" smtClean="0">
+                <a:latin typeface="Calibri" panose="020F0502020204030204" pitchFamily="34" charset="0"/>
+                <a:cs typeface="Calibri" panose="020F0502020204030204" pitchFamily="34" charset="0"/>
+              </a:rPr>
+              <a:t> </a:t>
+            </a:r>
+            <a:r>
+              <a:rPr lang="en-US" dirty="0" err="1" smtClean="0">
+                <a:latin typeface="Calibri" panose="020F0502020204030204" pitchFamily="34" charset="0"/>
+                <a:cs typeface="Calibri" panose="020F0502020204030204" pitchFamily="34" charset="0"/>
               </a:rPr>
               <a:t>thêm</a:t>
             </a:r>
             <a:r>
-              <a:rPr lang="en-US" sz="1600" dirty="0" smtClean="0">
-                <a:latin typeface="Arial" panose="020B0604020202020204" pitchFamily="34" charset="0"/>
-                <a:cs typeface="Arial" panose="020B0604020202020204" pitchFamily="34" charset="0"/>
-              </a:rPr>
-              <a:t> </a:t>
-            </a:r>
-            <a:r>
-              <a:rPr lang="en-US" sz="1600" dirty="0" err="1" smtClean="0">
-                <a:latin typeface="Arial" panose="020B0604020202020204" pitchFamily="34" charset="0"/>
-                <a:cs typeface="Arial" panose="020B0604020202020204" pitchFamily="34" charset="0"/>
+              <a:rPr lang="en-US" dirty="0" smtClean="0">
+                <a:latin typeface="Calibri" panose="020F0502020204030204" pitchFamily="34" charset="0"/>
+                <a:cs typeface="Calibri" panose="020F0502020204030204" pitchFamily="34" charset="0"/>
+              </a:rPr>
+              <a:t> </a:t>
+            </a:r>
+            <a:r>
+              <a:rPr lang="en-US" dirty="0" err="1" smtClean="0">
+                <a:latin typeface="Calibri" panose="020F0502020204030204" pitchFamily="34" charset="0"/>
+                <a:cs typeface="Calibri" panose="020F0502020204030204" pitchFamily="34" charset="0"/>
               </a:rPr>
               <a:t>và</a:t>
             </a:r>
             <a:r>
-              <a:rPr lang="en-US" sz="1600" dirty="0" smtClean="0">
-                <a:latin typeface="Arial" panose="020B0604020202020204" pitchFamily="34" charset="0"/>
-                <a:cs typeface="Arial" panose="020B0604020202020204" pitchFamily="34" charset="0"/>
-              </a:rPr>
-              <a:t> </a:t>
-            </a:r>
-            <a:r>
-              <a:rPr lang="en-US" sz="1600" dirty="0" err="1" smtClean="0">
-                <a:latin typeface="Arial" panose="020B0604020202020204" pitchFamily="34" charset="0"/>
-                <a:cs typeface="Arial" panose="020B0604020202020204" pitchFamily="34" charset="0"/>
+              <a:rPr lang="en-US" dirty="0" smtClean="0">
+                <a:latin typeface="Calibri" panose="020F0502020204030204" pitchFamily="34" charset="0"/>
+                <a:cs typeface="Calibri" panose="020F0502020204030204" pitchFamily="34" charset="0"/>
+              </a:rPr>
+              <a:t> </a:t>
+            </a:r>
+            <a:r>
+              <a:rPr lang="en-US" dirty="0" err="1" smtClean="0">
+                <a:latin typeface="Calibri" panose="020F0502020204030204" pitchFamily="34" charset="0"/>
+                <a:cs typeface="Calibri" panose="020F0502020204030204" pitchFamily="34" charset="0"/>
               </a:rPr>
               <a:t>sửa</a:t>
             </a:r>
             <a:r>
-              <a:rPr lang="en-US" sz="1600" dirty="0" smtClean="0">
-                <a:latin typeface="Arial" panose="020B0604020202020204" pitchFamily="34" charset="0"/>
-                <a:cs typeface="Arial" panose="020B0604020202020204" pitchFamily="34" charset="0"/>
-              </a:rPr>
-              <a:t> </a:t>
-            </a:r>
-            <a:r>
-              <a:rPr lang="en-US" sz="1600" dirty="0" err="1" smtClean="0">
-                <a:latin typeface="Arial" panose="020B0604020202020204" pitchFamily="34" charset="0"/>
-                <a:cs typeface="Arial" panose="020B0604020202020204" pitchFamily="34" charset="0"/>
+              <a:rPr lang="en-US" dirty="0" smtClean="0">
+                <a:latin typeface="Calibri" panose="020F0502020204030204" pitchFamily="34" charset="0"/>
+                <a:cs typeface="Calibri" panose="020F0502020204030204" pitchFamily="34" charset="0"/>
+              </a:rPr>
+              <a:t> </a:t>
+            </a:r>
+            <a:r>
+              <a:rPr lang="en-US" dirty="0" err="1" smtClean="0">
+                <a:latin typeface="Calibri" panose="020F0502020204030204" pitchFamily="34" charset="0"/>
+                <a:cs typeface="Calibri" panose="020F0502020204030204" pitchFamily="34" charset="0"/>
               </a:rPr>
               <a:t>nhân</a:t>
             </a:r>
             <a:r>
-              <a:rPr lang="en-US" sz="1600" dirty="0" smtClean="0">
-                <a:latin typeface="Arial" panose="020B0604020202020204" pitchFamily="34" charset="0"/>
-                <a:cs typeface="Arial" panose="020B0604020202020204" pitchFamily="34" charset="0"/>
-              </a:rPr>
-              <a:t> </a:t>
-            </a:r>
-            <a:r>
-              <a:rPr lang="en-US" sz="1600" dirty="0" err="1" smtClean="0">
-                <a:latin typeface="Arial" panose="020B0604020202020204" pitchFamily="34" charset="0"/>
-                <a:cs typeface="Arial" panose="020B0604020202020204" pitchFamily="34" charset="0"/>
+              <a:rPr lang="en-US" dirty="0" smtClean="0">
+                <a:latin typeface="Calibri" panose="020F0502020204030204" pitchFamily="34" charset="0"/>
+                <a:cs typeface="Calibri" panose="020F0502020204030204" pitchFamily="34" charset="0"/>
+              </a:rPr>
+              <a:t> </a:t>
+            </a:r>
+            <a:r>
+              <a:rPr lang="en-US" dirty="0" err="1" smtClean="0">
+                <a:latin typeface="Calibri" panose="020F0502020204030204" pitchFamily="34" charset="0"/>
+                <a:cs typeface="Calibri" panose="020F0502020204030204" pitchFamily="34" charset="0"/>
               </a:rPr>
               <a:t>viên</a:t>
             </a:r>
             <a:r>
-              <a:rPr lang="en-US" sz="1600" dirty="0" smtClean="0">
-                <a:latin typeface="Arial" panose="020B0604020202020204" pitchFamily="34" charset="0"/>
-                <a:cs typeface="Arial" panose="020B0604020202020204" pitchFamily="34" charset="0"/>
+              <a:rPr lang="en-US" dirty="0" smtClean="0">
+                <a:latin typeface="Calibri" panose="020F0502020204030204" pitchFamily="34" charset="0"/>
+                <a:cs typeface="Calibri" panose="020F0502020204030204" pitchFamily="34" charset="0"/>
               </a:rPr>
               <a:t>.</a:t>
             </a:r>
-            <a:endParaRPr lang="en-US" sz="1600" dirty="0">
-              <a:latin typeface="Arial" panose="020B0604020202020204" pitchFamily="34" charset="0"/>
-              <a:cs typeface="Arial" panose="020B0604020202020204" pitchFamily="34" charset="0"/>
+            <a:endParaRPr lang="en-US" dirty="0">
+              <a:latin typeface="Calibri" panose="020F0502020204030204" pitchFamily="34" charset="0"/>
+              <a:cs typeface="Calibri" panose="020F0502020204030204" pitchFamily="34" charset="0"/>
             </a:endParaRPr>
           </a:p>
         </p:txBody>
@@ -10411,14 +11012,14 @@
           </a:prstGeom>
         </p:spPr>
         <p:style>
-          <a:lnRef idx="1">
-            <a:schemeClr val="accent1"/>
+          <a:lnRef idx="3">
+            <a:schemeClr val="accent6"/>
           </a:lnRef>
           <a:fillRef idx="0">
-            <a:schemeClr val="accent1"/>
+            <a:schemeClr val="accent6"/>
           </a:fillRef>
-          <a:effectRef idx="0">
-            <a:schemeClr val="accent1"/>
+          <a:effectRef idx="2">
+            <a:schemeClr val="accent6"/>
           </a:effectRef>
           <a:fontRef idx="minor">
             <a:schemeClr val="tx1"/>
@@ -10472,7 +11073,7 @@
         </p:blipFill>
         <p:spPr bwMode="auto">
           <a:xfrm>
-            <a:off x="7305159" y="2115155"/>
+            <a:off x="7305159" y="2507887"/>
             <a:ext cx="3228975" cy="3790950"/>
           </a:xfrm>
           <a:prstGeom prst="rect">
@@ -10746,8 +11347,8 @@
         </p:nvSpPr>
         <p:spPr>
           <a:xfrm>
-            <a:off x="6992855" y="863755"/>
-            <a:ext cx="5087934" cy="830997"/>
+            <a:off x="7104066" y="1334793"/>
+            <a:ext cx="5087934" cy="923330"/>
           </a:xfrm>
           <a:prstGeom prst="rect">
             <a:avLst/>
@@ -10765,295 +11366,295 @@
               <a:buChar char="–"/>
             </a:pPr>
             <a:r>
-              <a:rPr lang="en-US" sz="1600" dirty="0" err="1">
-                <a:latin typeface="Arial" panose="020B0604020202020204" pitchFamily="34" charset="0"/>
-                <a:cs typeface="Arial" panose="020B0604020202020204" pitchFamily="34" charset="0"/>
+              <a:rPr lang="en-US" dirty="0" err="1">
+                <a:latin typeface="Calibri" panose="020F0502020204030204" pitchFamily="34" charset="0"/>
+                <a:cs typeface="Calibri" panose="020F0502020204030204" pitchFamily="34" charset="0"/>
               </a:rPr>
               <a:t>Khi</a:t>
             </a:r>
             <a:r>
-              <a:rPr lang="en-US" sz="1600" dirty="0">
-                <a:latin typeface="Arial" panose="020B0604020202020204" pitchFamily="34" charset="0"/>
-                <a:cs typeface="Arial" panose="020B0604020202020204" pitchFamily="34" charset="0"/>
-              </a:rPr>
-              <a:t> </a:t>
-            </a:r>
-            <a:r>
-              <a:rPr lang="en-US" sz="1600" dirty="0" err="1">
-                <a:latin typeface="Arial" panose="020B0604020202020204" pitchFamily="34" charset="0"/>
-                <a:cs typeface="Arial" panose="020B0604020202020204" pitchFamily="34" charset="0"/>
+              <a:rPr lang="en-US" dirty="0">
+                <a:latin typeface="Calibri" panose="020F0502020204030204" pitchFamily="34" charset="0"/>
+                <a:cs typeface="Calibri" panose="020F0502020204030204" pitchFamily="34" charset="0"/>
+              </a:rPr>
+              <a:t> </a:t>
+            </a:r>
+            <a:r>
+              <a:rPr lang="en-US" dirty="0" err="1">
+                <a:latin typeface="Calibri" panose="020F0502020204030204" pitchFamily="34" charset="0"/>
+                <a:cs typeface="Calibri" panose="020F0502020204030204" pitchFamily="34" charset="0"/>
               </a:rPr>
               <a:t>nhấn</a:t>
             </a:r>
             <a:r>
-              <a:rPr lang="en-US" sz="1600" dirty="0">
-                <a:latin typeface="Arial" panose="020B0604020202020204" pitchFamily="34" charset="0"/>
-                <a:cs typeface="Arial" panose="020B0604020202020204" pitchFamily="34" charset="0"/>
-              </a:rPr>
-              <a:t> </a:t>
-            </a:r>
-            <a:r>
-              <a:rPr lang="en-US" sz="1600" dirty="0" err="1" smtClean="0">
-                <a:latin typeface="Arial" panose="020B0604020202020204" pitchFamily="34" charset="0"/>
-                <a:cs typeface="Arial" panose="020B0604020202020204" pitchFamily="34" charset="0"/>
+              <a:rPr lang="en-US" dirty="0">
+                <a:latin typeface="Calibri" panose="020F0502020204030204" pitchFamily="34" charset="0"/>
+                <a:cs typeface="Calibri" panose="020F0502020204030204" pitchFamily="34" charset="0"/>
+              </a:rPr>
+              <a:t> </a:t>
+            </a:r>
+            <a:r>
+              <a:rPr lang="en-US" dirty="0" err="1" smtClean="0">
+                <a:latin typeface="Calibri" panose="020F0502020204030204" pitchFamily="34" charset="0"/>
+                <a:cs typeface="Calibri" panose="020F0502020204030204" pitchFamily="34" charset="0"/>
               </a:rPr>
               <a:t>nút</a:t>
             </a:r>
             <a:r>
-              <a:rPr lang="en-US" sz="1600" dirty="0" smtClean="0">
-                <a:latin typeface="Arial" panose="020B0604020202020204" pitchFamily="34" charset="0"/>
-                <a:cs typeface="Arial" panose="020B0604020202020204" pitchFamily="34" charset="0"/>
+              <a:rPr lang="en-US" dirty="0" smtClean="0">
+                <a:latin typeface="Calibri" panose="020F0502020204030204" pitchFamily="34" charset="0"/>
+                <a:cs typeface="Calibri" panose="020F0502020204030204" pitchFamily="34" charset="0"/>
               </a:rPr>
               <a:t> delete</a:t>
             </a:r>
             <a:r>
-              <a:rPr lang="en-US" sz="1600" dirty="0">
-                <a:latin typeface="Arial" panose="020B0604020202020204" pitchFamily="34" charset="0"/>
-                <a:cs typeface="Arial" panose="020B0604020202020204" pitchFamily="34" charset="0"/>
+              <a:rPr lang="en-US" dirty="0">
+                <a:latin typeface="Calibri" panose="020F0502020204030204" pitchFamily="34" charset="0"/>
+                <a:cs typeface="Calibri" panose="020F0502020204030204" pitchFamily="34" charset="0"/>
               </a:rPr>
               <a:t> </a:t>
             </a:r>
             <a:r>
-              <a:rPr lang="en-US" sz="1600" dirty="0" err="1" smtClean="0">
-                <a:latin typeface="Arial" panose="020B0604020202020204" pitchFamily="34" charset="0"/>
-                <a:cs typeface="Arial" panose="020B0604020202020204" pitchFamily="34" charset="0"/>
+              <a:rPr lang="en-US" dirty="0" err="1" smtClean="0">
+                <a:latin typeface="Calibri" panose="020F0502020204030204" pitchFamily="34" charset="0"/>
+                <a:cs typeface="Calibri" panose="020F0502020204030204" pitchFamily="34" charset="0"/>
               </a:rPr>
               <a:t>thì</a:t>
             </a:r>
             <a:r>
-              <a:rPr lang="en-US" sz="1600" dirty="0" smtClean="0">
-                <a:latin typeface="Arial" panose="020B0604020202020204" pitchFamily="34" charset="0"/>
-                <a:cs typeface="Arial" panose="020B0604020202020204" pitchFamily="34" charset="0"/>
-              </a:rPr>
-              <a:t> </a:t>
-            </a:r>
-            <a:r>
-              <a:rPr lang="en-US" sz="1600" dirty="0" err="1" smtClean="0">
-                <a:latin typeface="Arial" panose="020B0604020202020204" pitchFamily="34" charset="0"/>
-                <a:cs typeface="Arial" panose="020B0604020202020204" pitchFamily="34" charset="0"/>
+              <a:rPr lang="en-US" dirty="0" smtClean="0">
+                <a:latin typeface="Calibri" panose="020F0502020204030204" pitchFamily="34" charset="0"/>
+                <a:cs typeface="Calibri" panose="020F0502020204030204" pitchFamily="34" charset="0"/>
+              </a:rPr>
+              <a:t> </a:t>
+            </a:r>
+            <a:r>
+              <a:rPr lang="en-US" dirty="0" err="1" smtClean="0">
+                <a:latin typeface="Calibri" panose="020F0502020204030204" pitchFamily="34" charset="0"/>
+                <a:cs typeface="Calibri" panose="020F0502020204030204" pitchFamily="34" charset="0"/>
               </a:rPr>
               <a:t>nhân</a:t>
             </a:r>
             <a:r>
-              <a:rPr lang="en-US" sz="1600" dirty="0" smtClean="0">
-                <a:latin typeface="Arial" panose="020B0604020202020204" pitchFamily="34" charset="0"/>
-                <a:cs typeface="Arial" panose="020B0604020202020204" pitchFamily="34" charset="0"/>
-              </a:rPr>
-              <a:t> </a:t>
-            </a:r>
-            <a:r>
-              <a:rPr lang="en-US" sz="1600" dirty="0" err="1" smtClean="0">
-                <a:latin typeface="Arial" panose="020B0604020202020204" pitchFamily="34" charset="0"/>
-                <a:cs typeface="Arial" panose="020B0604020202020204" pitchFamily="34" charset="0"/>
+              <a:rPr lang="en-US" dirty="0" smtClean="0">
+                <a:latin typeface="Calibri" panose="020F0502020204030204" pitchFamily="34" charset="0"/>
+                <a:cs typeface="Calibri" panose="020F0502020204030204" pitchFamily="34" charset="0"/>
+              </a:rPr>
+              <a:t> </a:t>
+            </a:r>
+            <a:r>
+              <a:rPr lang="en-US" dirty="0" err="1" smtClean="0">
+                <a:latin typeface="Calibri" panose="020F0502020204030204" pitchFamily="34" charset="0"/>
+                <a:cs typeface="Calibri" panose="020F0502020204030204" pitchFamily="34" charset="0"/>
               </a:rPr>
               <a:t>viên</a:t>
             </a:r>
             <a:r>
-              <a:rPr lang="en-US" sz="1600" dirty="0" smtClean="0">
-                <a:latin typeface="Arial" panose="020B0604020202020204" pitchFamily="34" charset="0"/>
-                <a:cs typeface="Arial" panose="020B0604020202020204" pitchFamily="34" charset="0"/>
-              </a:rPr>
-              <a:t> </a:t>
-            </a:r>
-            <a:r>
-              <a:rPr lang="en-US" sz="1600" dirty="0" err="1" smtClean="0">
-                <a:latin typeface="Arial" panose="020B0604020202020204" pitchFamily="34" charset="0"/>
-                <a:cs typeface="Arial" panose="020B0604020202020204" pitchFamily="34" charset="0"/>
+              <a:rPr lang="en-US" dirty="0" smtClean="0">
+                <a:latin typeface="Calibri" panose="020F0502020204030204" pitchFamily="34" charset="0"/>
+                <a:cs typeface="Calibri" panose="020F0502020204030204" pitchFamily="34" charset="0"/>
+              </a:rPr>
+              <a:t> </a:t>
+            </a:r>
+            <a:r>
+              <a:rPr lang="en-US" dirty="0" err="1" smtClean="0">
+                <a:latin typeface="Calibri" panose="020F0502020204030204" pitchFamily="34" charset="0"/>
+                <a:cs typeface="Calibri" panose="020F0502020204030204" pitchFamily="34" charset="0"/>
               </a:rPr>
               <a:t>tương</a:t>
             </a:r>
             <a:r>
-              <a:rPr lang="en-US" sz="1600" dirty="0" smtClean="0">
-                <a:latin typeface="Arial" panose="020B0604020202020204" pitchFamily="34" charset="0"/>
-                <a:cs typeface="Arial" panose="020B0604020202020204" pitchFamily="34" charset="0"/>
-              </a:rPr>
-              <a:t> </a:t>
-            </a:r>
-            <a:r>
-              <a:rPr lang="en-US" sz="1600" dirty="0" err="1" smtClean="0">
-                <a:latin typeface="Arial" panose="020B0604020202020204" pitchFamily="34" charset="0"/>
-                <a:cs typeface="Arial" panose="020B0604020202020204" pitchFamily="34" charset="0"/>
+              <a:rPr lang="en-US" dirty="0" smtClean="0">
+                <a:latin typeface="Calibri" panose="020F0502020204030204" pitchFamily="34" charset="0"/>
+                <a:cs typeface="Calibri" panose="020F0502020204030204" pitchFamily="34" charset="0"/>
+              </a:rPr>
+              <a:t> </a:t>
+            </a:r>
+            <a:r>
+              <a:rPr lang="en-US" dirty="0" err="1" smtClean="0">
+                <a:latin typeface="Calibri" panose="020F0502020204030204" pitchFamily="34" charset="0"/>
+                <a:cs typeface="Calibri" panose="020F0502020204030204" pitchFamily="34" charset="0"/>
               </a:rPr>
               <a:t>ứng</a:t>
             </a:r>
             <a:r>
-              <a:rPr lang="en-US" sz="1600" dirty="0" smtClean="0">
-                <a:latin typeface="Arial" panose="020B0604020202020204" pitchFamily="34" charset="0"/>
-                <a:cs typeface="Arial" panose="020B0604020202020204" pitchFamily="34" charset="0"/>
-              </a:rPr>
-              <a:t> </a:t>
-            </a:r>
-            <a:r>
-              <a:rPr lang="en-US" sz="1600" dirty="0" err="1" smtClean="0">
-                <a:latin typeface="Arial" panose="020B0604020202020204" pitchFamily="34" charset="0"/>
-                <a:cs typeface="Arial" panose="020B0604020202020204" pitchFamily="34" charset="0"/>
+              <a:rPr lang="en-US" dirty="0" smtClean="0">
+                <a:latin typeface="Calibri" panose="020F0502020204030204" pitchFamily="34" charset="0"/>
+                <a:cs typeface="Calibri" panose="020F0502020204030204" pitchFamily="34" charset="0"/>
+              </a:rPr>
+              <a:t> </a:t>
+            </a:r>
+            <a:r>
+              <a:rPr lang="en-US" dirty="0" err="1" smtClean="0">
+                <a:latin typeface="Calibri" panose="020F0502020204030204" pitchFamily="34" charset="0"/>
+                <a:cs typeface="Calibri" panose="020F0502020204030204" pitchFamily="34" charset="0"/>
               </a:rPr>
               <a:t>với</a:t>
             </a:r>
             <a:r>
-              <a:rPr lang="en-US" sz="1600" dirty="0" smtClean="0">
-                <a:latin typeface="Arial" panose="020B0604020202020204" pitchFamily="34" charset="0"/>
-                <a:cs typeface="Arial" panose="020B0604020202020204" pitchFamily="34" charset="0"/>
-              </a:rPr>
-              <a:t> </a:t>
-            </a:r>
-            <a:r>
-              <a:rPr lang="en-US" sz="1600" dirty="0" err="1" smtClean="0">
-                <a:latin typeface="Arial" panose="020B0604020202020204" pitchFamily="34" charset="0"/>
-                <a:cs typeface="Arial" panose="020B0604020202020204" pitchFamily="34" charset="0"/>
+              <a:rPr lang="en-US" dirty="0" smtClean="0">
+                <a:latin typeface="Calibri" panose="020F0502020204030204" pitchFamily="34" charset="0"/>
+                <a:cs typeface="Calibri" panose="020F0502020204030204" pitchFamily="34" charset="0"/>
+              </a:rPr>
+              <a:t> </a:t>
+            </a:r>
+            <a:r>
+              <a:rPr lang="en-US" dirty="0" err="1" smtClean="0">
+                <a:latin typeface="Calibri" panose="020F0502020204030204" pitchFamily="34" charset="0"/>
+                <a:cs typeface="Calibri" panose="020F0502020204030204" pitchFamily="34" charset="0"/>
               </a:rPr>
               <a:t>dòng</a:t>
             </a:r>
             <a:r>
-              <a:rPr lang="en-US" sz="1600" dirty="0" smtClean="0">
-                <a:latin typeface="Arial" panose="020B0604020202020204" pitchFamily="34" charset="0"/>
-                <a:cs typeface="Arial" panose="020B0604020202020204" pitchFamily="34" charset="0"/>
-              </a:rPr>
-              <a:t> </a:t>
-            </a:r>
-            <a:r>
-              <a:rPr lang="en-US" sz="1600" dirty="0" err="1" smtClean="0">
-                <a:latin typeface="Arial" panose="020B0604020202020204" pitchFamily="34" charset="0"/>
-                <a:cs typeface="Arial" panose="020B0604020202020204" pitchFamily="34" charset="0"/>
+              <a:rPr lang="en-US" dirty="0" smtClean="0">
+                <a:latin typeface="Calibri" panose="020F0502020204030204" pitchFamily="34" charset="0"/>
+                <a:cs typeface="Calibri" panose="020F0502020204030204" pitchFamily="34" charset="0"/>
+              </a:rPr>
+              <a:t> </a:t>
+            </a:r>
+            <a:r>
+              <a:rPr lang="en-US" dirty="0" err="1" smtClean="0">
+                <a:latin typeface="Calibri" panose="020F0502020204030204" pitchFamily="34" charset="0"/>
+                <a:cs typeface="Calibri" panose="020F0502020204030204" pitchFamily="34" charset="0"/>
               </a:rPr>
               <a:t>vừa</a:t>
             </a:r>
             <a:r>
-              <a:rPr lang="en-US" sz="1600" dirty="0" smtClean="0">
-                <a:latin typeface="Arial" panose="020B0604020202020204" pitchFamily="34" charset="0"/>
-                <a:cs typeface="Arial" panose="020B0604020202020204" pitchFamily="34" charset="0"/>
-              </a:rPr>
-              <a:t> </a:t>
-            </a:r>
-            <a:r>
-              <a:rPr lang="en-US" sz="1600" dirty="0" err="1" smtClean="0">
-                <a:latin typeface="Arial" panose="020B0604020202020204" pitchFamily="34" charset="0"/>
-                <a:cs typeface="Arial" panose="020B0604020202020204" pitchFamily="34" charset="0"/>
+              <a:rPr lang="en-US" dirty="0" smtClean="0">
+                <a:latin typeface="Calibri" panose="020F0502020204030204" pitchFamily="34" charset="0"/>
+                <a:cs typeface="Calibri" panose="020F0502020204030204" pitchFamily="34" charset="0"/>
+              </a:rPr>
+              <a:t> </a:t>
+            </a:r>
+            <a:r>
+              <a:rPr lang="en-US" dirty="0" err="1" smtClean="0">
+                <a:latin typeface="Calibri" panose="020F0502020204030204" pitchFamily="34" charset="0"/>
+                <a:cs typeface="Calibri" panose="020F0502020204030204" pitchFamily="34" charset="0"/>
               </a:rPr>
               <a:t>nhấn</a:t>
             </a:r>
             <a:r>
-              <a:rPr lang="en-US" sz="1600" dirty="0" smtClean="0">
-                <a:latin typeface="Arial" panose="020B0604020202020204" pitchFamily="34" charset="0"/>
-                <a:cs typeface="Arial" panose="020B0604020202020204" pitchFamily="34" charset="0"/>
-              </a:rPr>
-              <a:t> </a:t>
-            </a:r>
-            <a:r>
-              <a:rPr lang="en-US" sz="1600" dirty="0" err="1" smtClean="0">
-                <a:latin typeface="Arial" panose="020B0604020202020204" pitchFamily="34" charset="0"/>
-                <a:cs typeface="Arial" panose="020B0604020202020204" pitchFamily="34" charset="0"/>
+              <a:rPr lang="en-US" dirty="0" smtClean="0">
+                <a:latin typeface="Calibri" panose="020F0502020204030204" pitchFamily="34" charset="0"/>
+                <a:cs typeface="Calibri" panose="020F0502020204030204" pitchFamily="34" charset="0"/>
+              </a:rPr>
+              <a:t> </a:t>
+            </a:r>
+            <a:r>
+              <a:rPr lang="en-US" dirty="0" err="1" smtClean="0">
+                <a:latin typeface="Calibri" panose="020F0502020204030204" pitchFamily="34" charset="0"/>
+                <a:cs typeface="Calibri" panose="020F0502020204030204" pitchFamily="34" charset="0"/>
               </a:rPr>
               <a:t>sẽ</a:t>
             </a:r>
             <a:r>
-              <a:rPr lang="en-US" sz="1600" dirty="0" smtClean="0">
-                <a:latin typeface="Arial" panose="020B0604020202020204" pitchFamily="34" charset="0"/>
-                <a:cs typeface="Arial" panose="020B0604020202020204" pitchFamily="34" charset="0"/>
-              </a:rPr>
-              <a:t> </a:t>
-            </a:r>
-            <a:r>
-              <a:rPr lang="en-US" sz="1600" dirty="0" err="1" smtClean="0">
-                <a:latin typeface="Arial" panose="020B0604020202020204" pitchFamily="34" charset="0"/>
-                <a:cs typeface="Arial" panose="020B0604020202020204" pitchFamily="34" charset="0"/>
+              <a:rPr lang="en-US" dirty="0" smtClean="0">
+                <a:latin typeface="Calibri" panose="020F0502020204030204" pitchFamily="34" charset="0"/>
+                <a:cs typeface="Calibri" panose="020F0502020204030204" pitchFamily="34" charset="0"/>
+              </a:rPr>
+              <a:t> </a:t>
+            </a:r>
+            <a:r>
+              <a:rPr lang="en-US" dirty="0" err="1" smtClean="0">
+                <a:latin typeface="Calibri" panose="020F0502020204030204" pitchFamily="34" charset="0"/>
+                <a:cs typeface="Calibri" panose="020F0502020204030204" pitchFamily="34" charset="0"/>
               </a:rPr>
               <a:t>được</a:t>
             </a:r>
             <a:r>
-              <a:rPr lang="en-US" sz="1600" dirty="0" smtClean="0">
-                <a:latin typeface="Arial" panose="020B0604020202020204" pitchFamily="34" charset="0"/>
-                <a:cs typeface="Arial" panose="020B0604020202020204" pitchFamily="34" charset="0"/>
-              </a:rPr>
-              <a:t> </a:t>
-            </a:r>
-            <a:r>
-              <a:rPr lang="en-US" sz="1600" dirty="0" err="1" smtClean="0">
-                <a:latin typeface="Arial" panose="020B0604020202020204" pitchFamily="34" charset="0"/>
-                <a:cs typeface="Arial" panose="020B0604020202020204" pitchFamily="34" charset="0"/>
+              <a:rPr lang="en-US" dirty="0" smtClean="0">
+                <a:latin typeface="Calibri" panose="020F0502020204030204" pitchFamily="34" charset="0"/>
+                <a:cs typeface="Calibri" panose="020F0502020204030204" pitchFamily="34" charset="0"/>
+              </a:rPr>
+              <a:t> </a:t>
+            </a:r>
+            <a:r>
+              <a:rPr lang="en-US" dirty="0" err="1" smtClean="0">
+                <a:latin typeface="Calibri" panose="020F0502020204030204" pitchFamily="34" charset="0"/>
+                <a:cs typeface="Calibri" panose="020F0502020204030204" pitchFamily="34" charset="0"/>
               </a:rPr>
               <a:t>xóa</a:t>
             </a:r>
             <a:r>
-              <a:rPr lang="en-US" sz="1600" dirty="0" smtClean="0">
-                <a:latin typeface="Arial" panose="020B0604020202020204" pitchFamily="34" charset="0"/>
-                <a:cs typeface="Arial" panose="020B0604020202020204" pitchFamily="34" charset="0"/>
-              </a:rPr>
-              <a:t> </a:t>
-            </a:r>
-            <a:r>
-              <a:rPr lang="en-US" sz="1600" dirty="0" err="1" smtClean="0">
-                <a:latin typeface="Arial" panose="020B0604020202020204" pitchFamily="34" charset="0"/>
-                <a:cs typeface="Arial" panose="020B0604020202020204" pitchFamily="34" charset="0"/>
+              <a:rPr lang="en-US" dirty="0" smtClean="0">
+                <a:latin typeface="Calibri" panose="020F0502020204030204" pitchFamily="34" charset="0"/>
+                <a:cs typeface="Calibri" panose="020F0502020204030204" pitchFamily="34" charset="0"/>
+              </a:rPr>
+              <a:t> </a:t>
+            </a:r>
+            <a:r>
+              <a:rPr lang="en-US" dirty="0" err="1" smtClean="0">
+                <a:latin typeface="Calibri" panose="020F0502020204030204" pitchFamily="34" charset="0"/>
+                <a:cs typeface="Calibri" panose="020F0502020204030204" pitchFamily="34" charset="0"/>
               </a:rPr>
               <a:t>và</a:t>
             </a:r>
             <a:r>
-              <a:rPr lang="en-US" sz="1600" dirty="0" smtClean="0">
-                <a:latin typeface="Arial" panose="020B0604020202020204" pitchFamily="34" charset="0"/>
-                <a:cs typeface="Arial" panose="020B0604020202020204" pitchFamily="34" charset="0"/>
-              </a:rPr>
-              <a:t> </a:t>
-            </a:r>
-            <a:r>
-              <a:rPr lang="en-US" sz="1600" dirty="0" err="1" smtClean="0">
-                <a:latin typeface="Arial" panose="020B0604020202020204" pitchFamily="34" charset="0"/>
-                <a:cs typeface="Arial" panose="020B0604020202020204" pitchFamily="34" charset="0"/>
+              <a:rPr lang="en-US" dirty="0" smtClean="0">
+                <a:latin typeface="Calibri" panose="020F0502020204030204" pitchFamily="34" charset="0"/>
+                <a:cs typeface="Calibri" panose="020F0502020204030204" pitchFamily="34" charset="0"/>
+              </a:rPr>
+              <a:t> </a:t>
+            </a:r>
+            <a:r>
+              <a:rPr lang="en-US" dirty="0" err="1" smtClean="0">
+                <a:latin typeface="Calibri" panose="020F0502020204030204" pitchFamily="34" charset="0"/>
+                <a:cs typeface="Calibri" panose="020F0502020204030204" pitchFamily="34" charset="0"/>
               </a:rPr>
               <a:t>trang</a:t>
             </a:r>
             <a:r>
-              <a:rPr lang="en-US" sz="1600" dirty="0" smtClean="0">
-                <a:latin typeface="Arial" panose="020B0604020202020204" pitchFamily="34" charset="0"/>
-                <a:cs typeface="Arial" panose="020B0604020202020204" pitchFamily="34" charset="0"/>
-              </a:rPr>
-              <a:t> </a:t>
-            </a:r>
-            <a:r>
-              <a:rPr lang="en-US" sz="1600" dirty="0" err="1" smtClean="0">
-                <a:latin typeface="Arial" panose="020B0604020202020204" pitchFamily="34" charset="0"/>
-                <a:cs typeface="Arial" panose="020B0604020202020204" pitchFamily="34" charset="0"/>
+              <a:rPr lang="en-US" dirty="0" smtClean="0">
+                <a:latin typeface="Calibri" panose="020F0502020204030204" pitchFamily="34" charset="0"/>
+                <a:cs typeface="Calibri" panose="020F0502020204030204" pitchFamily="34" charset="0"/>
+              </a:rPr>
+              <a:t> </a:t>
+            </a:r>
+            <a:r>
+              <a:rPr lang="en-US" dirty="0" err="1" smtClean="0">
+                <a:latin typeface="Calibri" panose="020F0502020204030204" pitchFamily="34" charset="0"/>
+                <a:cs typeface="Calibri" panose="020F0502020204030204" pitchFamily="34" charset="0"/>
               </a:rPr>
               <a:t>sẽ</a:t>
             </a:r>
             <a:r>
-              <a:rPr lang="en-US" sz="1600" dirty="0" smtClean="0">
-                <a:latin typeface="Arial" panose="020B0604020202020204" pitchFamily="34" charset="0"/>
-                <a:cs typeface="Arial" panose="020B0604020202020204" pitchFamily="34" charset="0"/>
-              </a:rPr>
-              <a:t> </a:t>
-            </a:r>
-            <a:r>
-              <a:rPr lang="en-US" sz="1600" dirty="0" err="1" smtClean="0">
-                <a:latin typeface="Arial" panose="020B0604020202020204" pitchFamily="34" charset="0"/>
-                <a:cs typeface="Arial" panose="020B0604020202020204" pitchFamily="34" charset="0"/>
+              <a:rPr lang="en-US" dirty="0" smtClean="0">
+                <a:latin typeface="Calibri" panose="020F0502020204030204" pitchFamily="34" charset="0"/>
+                <a:cs typeface="Calibri" panose="020F0502020204030204" pitchFamily="34" charset="0"/>
+              </a:rPr>
+              <a:t> </a:t>
+            </a:r>
+            <a:r>
+              <a:rPr lang="en-US" dirty="0" err="1" smtClean="0">
+                <a:latin typeface="Calibri" panose="020F0502020204030204" pitchFamily="34" charset="0"/>
+                <a:cs typeface="Calibri" panose="020F0502020204030204" pitchFamily="34" charset="0"/>
               </a:rPr>
               <a:t>được</a:t>
             </a:r>
             <a:r>
-              <a:rPr lang="en-US" sz="1600" dirty="0" smtClean="0">
-                <a:latin typeface="Arial" panose="020B0604020202020204" pitchFamily="34" charset="0"/>
-                <a:cs typeface="Arial" panose="020B0604020202020204" pitchFamily="34" charset="0"/>
+              <a:rPr lang="en-US" dirty="0" smtClean="0">
+                <a:latin typeface="Calibri" panose="020F0502020204030204" pitchFamily="34" charset="0"/>
+                <a:cs typeface="Calibri" panose="020F0502020204030204" pitchFamily="34" charset="0"/>
               </a:rPr>
               <a:t> reload </a:t>
             </a:r>
             <a:r>
-              <a:rPr lang="en-US" sz="1600" dirty="0" err="1" smtClean="0">
-                <a:latin typeface="Arial" panose="020B0604020202020204" pitchFamily="34" charset="0"/>
-                <a:cs typeface="Arial" panose="020B0604020202020204" pitchFamily="34" charset="0"/>
+              <a:rPr lang="en-US" dirty="0" err="1" smtClean="0">
+                <a:latin typeface="Calibri" panose="020F0502020204030204" pitchFamily="34" charset="0"/>
+                <a:cs typeface="Calibri" panose="020F0502020204030204" pitchFamily="34" charset="0"/>
               </a:rPr>
               <a:t>lại</a:t>
             </a:r>
             <a:r>
-              <a:rPr lang="en-US" sz="1600" dirty="0" smtClean="0">
-                <a:latin typeface="Arial" panose="020B0604020202020204" pitchFamily="34" charset="0"/>
-                <a:cs typeface="Arial" panose="020B0604020202020204" pitchFamily="34" charset="0"/>
+              <a:rPr lang="en-US" dirty="0" smtClean="0">
+                <a:latin typeface="Calibri" panose="020F0502020204030204" pitchFamily="34" charset="0"/>
+                <a:cs typeface="Calibri" panose="020F0502020204030204" pitchFamily="34" charset="0"/>
               </a:rPr>
               <a:t>.</a:t>
             </a:r>
-            <a:endParaRPr lang="en-US" sz="1600" dirty="0">
-              <a:latin typeface="Arial" panose="020B0604020202020204" pitchFamily="34" charset="0"/>
-              <a:cs typeface="Arial" panose="020B0604020202020204" pitchFamily="34" charset="0"/>
+            <a:endParaRPr lang="en-US" dirty="0">
+              <a:latin typeface="Calibri" panose="020F0502020204030204" pitchFamily="34" charset="0"/>
+              <a:cs typeface="Calibri" panose="020F0502020204030204" pitchFamily="34" charset="0"/>
             </a:endParaRPr>
           </a:p>
         </p:txBody>
@@ -11074,14 +11675,14 @@
           </a:prstGeom>
         </p:spPr>
         <p:style>
-          <a:lnRef idx="1">
-            <a:schemeClr val="accent1"/>
+          <a:lnRef idx="3">
+            <a:schemeClr val="accent6"/>
           </a:lnRef>
           <a:fillRef idx="0">
-            <a:schemeClr val="accent1"/>
+            <a:schemeClr val="accent6"/>
           </a:fillRef>
-          <a:effectRef idx="0">
-            <a:schemeClr val="accent1"/>
+          <a:effectRef idx="2">
+            <a:schemeClr val="accent6"/>
           </a:effectRef>
           <a:fontRef idx="minor">
             <a:schemeClr val="tx1"/>
@@ -13498,8 +14099,8 @@
         </p:blipFill>
         <p:spPr bwMode="auto">
           <a:xfrm>
-            <a:off x="926756" y="2711444"/>
-            <a:ext cx="7006281" cy="2333626"/>
+            <a:off x="926757" y="2711444"/>
+            <a:ext cx="6512012" cy="2333626"/>
           </a:xfrm>
           <a:prstGeom prst="rect">
             <a:avLst/>
@@ -13516,6 +14117,308 @@
           </a:extLst>
         </p:spPr>
       </p:pic>
+      <p:sp>
+        <p:nvSpPr>
+          <p:cNvPr id="3" name="TextBox 2"/>
+          <p:cNvSpPr txBox="1"/>
+          <p:nvPr/>
+        </p:nvSpPr>
+        <p:spPr>
+          <a:xfrm>
+            <a:off x="7722973" y="2755763"/>
+            <a:ext cx="4469027" cy="1477328"/>
+          </a:xfrm>
+          <a:prstGeom prst="rect">
+            <a:avLst/>
+          </a:prstGeom>
+          <a:noFill/>
+        </p:spPr>
+        <p:txBody>
+          <a:bodyPr wrap="square" rtlCol="0">
+            <a:spAutoFit/>
+          </a:bodyPr>
+          <a:lstStyle/>
+          <a:p>
+            <a:pPr marL="285750" indent="-285750">
+              <a:buFont typeface="Arial" panose="020B0604020202020204" pitchFamily="34" charset="0"/>
+              <a:buChar char="–"/>
+            </a:pPr>
+            <a:r>
+              <a:rPr lang="en-US" dirty="0" err="1" smtClean="0">
+                <a:latin typeface="Arial" panose="020B0604020202020204" pitchFamily="34" charset="0"/>
+                <a:cs typeface="Arial" panose="020B0604020202020204" pitchFamily="34" charset="0"/>
+              </a:rPr>
+              <a:t>Có</a:t>
+            </a:r>
+            <a:r>
+              <a:rPr lang="en-US" dirty="0" smtClean="0">
+                <a:latin typeface="Arial" panose="020B0604020202020204" pitchFamily="34" charset="0"/>
+                <a:cs typeface="Arial" panose="020B0604020202020204" pitchFamily="34" charset="0"/>
+              </a:rPr>
+              <a:t> </a:t>
+            </a:r>
+            <a:r>
+              <a:rPr lang="en-US" dirty="0" err="1" smtClean="0">
+                <a:latin typeface="Arial" panose="020B0604020202020204" pitchFamily="34" charset="0"/>
+                <a:cs typeface="Arial" panose="020B0604020202020204" pitchFamily="34" charset="0"/>
+              </a:rPr>
+              <a:t>thể</a:t>
+            </a:r>
+            <a:r>
+              <a:rPr lang="en-US" dirty="0" smtClean="0">
+                <a:latin typeface="Arial" panose="020B0604020202020204" pitchFamily="34" charset="0"/>
+                <a:cs typeface="Arial" panose="020B0604020202020204" pitchFamily="34" charset="0"/>
+              </a:rPr>
+              <a:t> </a:t>
+            </a:r>
+            <a:r>
+              <a:rPr lang="en-US" dirty="0" err="1" smtClean="0">
+                <a:latin typeface="Arial" panose="020B0604020202020204" pitchFamily="34" charset="0"/>
+                <a:cs typeface="Arial" panose="020B0604020202020204" pitchFamily="34" charset="0"/>
+              </a:rPr>
+              <a:t>tạo</a:t>
+            </a:r>
+            <a:r>
+              <a:rPr lang="en-US" dirty="0" smtClean="0">
+                <a:latin typeface="Arial" panose="020B0604020202020204" pitchFamily="34" charset="0"/>
+                <a:cs typeface="Arial" panose="020B0604020202020204" pitchFamily="34" charset="0"/>
+              </a:rPr>
+              <a:t> </a:t>
+            </a:r>
+            <a:r>
+              <a:rPr lang="en-US" dirty="0" err="1" smtClean="0">
+                <a:latin typeface="Arial" panose="020B0604020202020204" pitchFamily="34" charset="0"/>
+                <a:cs typeface="Arial" panose="020B0604020202020204" pitchFamily="34" charset="0"/>
+              </a:rPr>
+              <a:t>hoặc</a:t>
+            </a:r>
+            <a:r>
+              <a:rPr lang="en-US" dirty="0" smtClean="0">
+                <a:latin typeface="Arial" panose="020B0604020202020204" pitchFamily="34" charset="0"/>
+                <a:cs typeface="Arial" panose="020B0604020202020204" pitchFamily="34" charset="0"/>
+              </a:rPr>
+              <a:t> </a:t>
+            </a:r>
+            <a:r>
+              <a:rPr lang="en-US" dirty="0" err="1" smtClean="0">
+                <a:latin typeface="Arial" panose="020B0604020202020204" pitchFamily="34" charset="0"/>
+                <a:cs typeface="Arial" panose="020B0604020202020204" pitchFamily="34" charset="0"/>
+              </a:rPr>
+              <a:t>dùng</a:t>
+            </a:r>
+            <a:r>
+              <a:rPr lang="en-US" dirty="0" smtClean="0">
+                <a:latin typeface="Arial" panose="020B0604020202020204" pitchFamily="34" charset="0"/>
+                <a:cs typeface="Arial" panose="020B0604020202020204" pitchFamily="34" charset="0"/>
+              </a:rPr>
+              <a:t> file backup </a:t>
+            </a:r>
+            <a:r>
+              <a:rPr lang="en-US" dirty="0" err="1" smtClean="0">
+                <a:latin typeface="Arial" panose="020B0604020202020204" pitchFamily="34" charset="0"/>
+                <a:cs typeface="Arial" panose="020B0604020202020204" pitchFamily="34" charset="0"/>
+              </a:rPr>
+              <a:t>đã</a:t>
+            </a:r>
+            <a:r>
+              <a:rPr lang="en-US" dirty="0" smtClean="0">
+                <a:latin typeface="Arial" panose="020B0604020202020204" pitchFamily="34" charset="0"/>
+                <a:cs typeface="Arial" panose="020B0604020202020204" pitchFamily="34" charset="0"/>
+              </a:rPr>
+              <a:t> </a:t>
+            </a:r>
+            <a:r>
+              <a:rPr lang="en-US" dirty="0" err="1" smtClean="0">
+                <a:latin typeface="Arial" panose="020B0604020202020204" pitchFamily="34" charset="0"/>
+                <a:cs typeface="Arial" panose="020B0604020202020204" pitchFamily="34" charset="0"/>
+              </a:rPr>
+              <a:t>cung</a:t>
+            </a:r>
+            <a:r>
+              <a:rPr lang="en-US" dirty="0" smtClean="0">
+                <a:latin typeface="Arial" panose="020B0604020202020204" pitchFamily="34" charset="0"/>
+                <a:cs typeface="Arial" panose="020B0604020202020204" pitchFamily="34" charset="0"/>
+              </a:rPr>
+              <a:t> </a:t>
+            </a:r>
+            <a:r>
+              <a:rPr lang="en-US" dirty="0" err="1" smtClean="0">
+                <a:latin typeface="Arial" panose="020B0604020202020204" pitchFamily="34" charset="0"/>
+                <a:cs typeface="Arial" panose="020B0604020202020204" pitchFamily="34" charset="0"/>
+              </a:rPr>
+              <a:t>cấp</a:t>
+            </a:r>
+            <a:r>
+              <a:rPr lang="en-US" dirty="0" smtClean="0">
+                <a:latin typeface="Arial" panose="020B0604020202020204" pitchFamily="34" charset="0"/>
+                <a:cs typeface="Arial" panose="020B0604020202020204" pitchFamily="34" charset="0"/>
+              </a:rPr>
+              <a:t> </a:t>
+            </a:r>
+            <a:r>
+              <a:rPr lang="en-US" dirty="0" err="1" smtClean="0">
+                <a:latin typeface="Arial" panose="020B0604020202020204" pitchFamily="34" charset="0"/>
+                <a:cs typeface="Arial" panose="020B0604020202020204" pitchFamily="34" charset="0"/>
+              </a:rPr>
+              <a:t>trên</a:t>
+            </a:r>
+            <a:r>
+              <a:rPr lang="en-US" dirty="0" smtClean="0">
+                <a:latin typeface="Arial" panose="020B0604020202020204" pitchFamily="34" charset="0"/>
+                <a:cs typeface="Arial" panose="020B0604020202020204" pitchFamily="34" charset="0"/>
+              </a:rPr>
+              <a:t> </a:t>
+            </a:r>
+            <a:r>
+              <a:rPr lang="en-US" dirty="0" err="1" smtClean="0">
+                <a:latin typeface="Arial" panose="020B0604020202020204" pitchFamily="34" charset="0"/>
+                <a:cs typeface="Arial" panose="020B0604020202020204" pitchFamily="34" charset="0"/>
+              </a:rPr>
+              <a:t>github</a:t>
+            </a:r>
+            <a:r>
+              <a:rPr lang="en-US" dirty="0">
+                <a:latin typeface="Arial" panose="020B0604020202020204" pitchFamily="34" charset="0"/>
+                <a:cs typeface="Arial" panose="020B0604020202020204" pitchFamily="34" charset="0"/>
+              </a:rPr>
+              <a:t> </a:t>
+            </a:r>
+            <a:r>
+              <a:rPr lang="en-US" dirty="0" err="1" smtClean="0">
+                <a:latin typeface="Arial" panose="020B0604020202020204" pitchFamily="34" charset="0"/>
+                <a:cs typeface="Arial" panose="020B0604020202020204" pitchFamily="34" charset="0"/>
+              </a:rPr>
+              <a:t>trong</a:t>
+            </a:r>
+            <a:r>
+              <a:rPr lang="en-US" dirty="0" smtClean="0">
+                <a:latin typeface="Arial" panose="020B0604020202020204" pitchFamily="34" charset="0"/>
+                <a:cs typeface="Arial" panose="020B0604020202020204" pitchFamily="34" charset="0"/>
+              </a:rPr>
+              <a:t> </a:t>
+            </a:r>
+            <a:r>
+              <a:rPr lang="en-US" dirty="0" err="1" smtClean="0">
+                <a:latin typeface="Arial" panose="020B0604020202020204" pitchFamily="34" charset="0"/>
+                <a:cs typeface="Arial" panose="020B0604020202020204" pitchFamily="34" charset="0"/>
+              </a:rPr>
+              <a:t>thư</a:t>
+            </a:r>
+            <a:r>
+              <a:rPr lang="en-US" dirty="0" smtClean="0">
+                <a:latin typeface="Arial" panose="020B0604020202020204" pitchFamily="34" charset="0"/>
+                <a:cs typeface="Arial" panose="020B0604020202020204" pitchFamily="34" charset="0"/>
+              </a:rPr>
+              <a:t> </a:t>
+            </a:r>
+            <a:r>
+              <a:rPr lang="en-US" dirty="0" err="1" smtClean="0">
+                <a:latin typeface="Arial" panose="020B0604020202020204" pitchFamily="34" charset="0"/>
+                <a:cs typeface="Arial" panose="020B0604020202020204" pitchFamily="34" charset="0"/>
+              </a:rPr>
+              <a:t>mục</a:t>
+            </a:r>
+            <a:r>
+              <a:rPr lang="en-US" dirty="0" smtClean="0">
+                <a:latin typeface="Arial" panose="020B0604020202020204" pitchFamily="34" charset="0"/>
+                <a:cs typeface="Arial" panose="020B0604020202020204" pitchFamily="34" charset="0"/>
+              </a:rPr>
+              <a:t> database.</a:t>
+            </a:r>
+          </a:p>
+          <a:p>
+            <a:pPr marL="285750" indent="-285750">
+              <a:buFont typeface="Arial" panose="020B0604020202020204" pitchFamily="34" charset="0"/>
+              <a:buChar char="–"/>
+            </a:pPr>
+            <a:endParaRPr lang="en-US" dirty="0" smtClean="0">
+              <a:latin typeface="Arial" panose="020B0604020202020204" pitchFamily="34" charset="0"/>
+              <a:cs typeface="Arial" panose="020B0604020202020204" pitchFamily="34" charset="0"/>
+            </a:endParaRPr>
+          </a:p>
+          <a:p>
+            <a:pPr marL="285750" indent="-285750">
+              <a:buFont typeface="Arial" panose="020B0604020202020204" pitchFamily="34" charset="0"/>
+              <a:buChar char="–"/>
+            </a:pPr>
+            <a:r>
+              <a:rPr lang="en-US" dirty="0" err="1" smtClean="0">
+                <a:solidFill>
+                  <a:schemeClr val="tx1">
+                    <a:lumMod val="95000"/>
+                    <a:lumOff val="5000"/>
+                  </a:schemeClr>
+                </a:solidFill>
+                <a:latin typeface="Arial" panose="020B0604020202020204" pitchFamily="34" charset="0"/>
+                <a:cs typeface="Arial" panose="020B0604020202020204" pitchFamily="34" charset="0"/>
+              </a:rPr>
+              <a:t>Tên</a:t>
+            </a:r>
+            <a:r>
+              <a:rPr lang="en-US" dirty="0" smtClean="0">
+                <a:solidFill>
+                  <a:schemeClr val="tx1">
+                    <a:lumMod val="95000"/>
+                    <a:lumOff val="5000"/>
+                  </a:schemeClr>
+                </a:solidFill>
+                <a:latin typeface="Arial" panose="020B0604020202020204" pitchFamily="34" charset="0"/>
+                <a:cs typeface="Arial" panose="020B0604020202020204" pitchFamily="34" charset="0"/>
+              </a:rPr>
+              <a:t> database </a:t>
+            </a:r>
+            <a:r>
+              <a:rPr lang="en-US" dirty="0" err="1" smtClean="0">
+                <a:solidFill>
+                  <a:schemeClr val="tx1">
+                    <a:lumMod val="95000"/>
+                    <a:lumOff val="5000"/>
+                  </a:schemeClr>
+                </a:solidFill>
+                <a:latin typeface="Arial" panose="020B0604020202020204" pitchFamily="34" charset="0"/>
+                <a:cs typeface="Arial" panose="020B0604020202020204" pitchFamily="34" charset="0"/>
+              </a:rPr>
+              <a:t>là</a:t>
+            </a:r>
+            <a:r>
+              <a:rPr lang="en-US" dirty="0" smtClean="0">
+                <a:solidFill>
+                  <a:schemeClr val="tx1">
+                    <a:lumMod val="95000"/>
+                    <a:lumOff val="5000"/>
+                  </a:schemeClr>
+                </a:solidFill>
+                <a:latin typeface="Arial" panose="020B0604020202020204" pitchFamily="34" charset="0"/>
+                <a:cs typeface="Arial" panose="020B0604020202020204" pitchFamily="34" charset="0"/>
+              </a:rPr>
+              <a:t>: </a:t>
+            </a:r>
+            <a:r>
+              <a:rPr lang="en-US" dirty="0" err="1">
+                <a:solidFill>
+                  <a:schemeClr val="tx1">
+                    <a:lumMod val="95000"/>
+                    <a:lumOff val="5000"/>
+                  </a:schemeClr>
+                </a:solidFill>
+                <a:latin typeface="Arial" panose="020B0604020202020204" pitchFamily="34" charset="0"/>
+                <a:cs typeface="Arial" panose="020B0604020202020204" pitchFamily="34" charset="0"/>
+              </a:rPr>
+              <a:t>hibernate_employee</a:t>
+            </a:r>
+            <a:endParaRPr lang="en-US" dirty="0">
+              <a:solidFill>
+                <a:schemeClr val="tx1">
+                  <a:lumMod val="95000"/>
+                  <a:lumOff val="5000"/>
+                </a:schemeClr>
+              </a:solidFill>
+              <a:latin typeface="Arial" panose="020B0604020202020204" pitchFamily="34" charset="0"/>
+              <a:cs typeface="Arial" panose="020B0604020202020204" pitchFamily="34" charset="0"/>
+            </a:endParaRPr>
+          </a:p>
+        </p:txBody>
+      </p:sp>
     </p:spTree>
     <p:extLst>
       <p:ext uri="{BB962C8B-B14F-4D97-AF65-F5344CB8AC3E}">

--- a/docs/Hibernate.pptx
+++ b/docs/Hibernate.pptx
@@ -27,7 +27,8 @@
     <p:sldId id="275" r:id="rId21"/>
     <p:sldId id="276" r:id="rId22"/>
     <p:sldId id="277" r:id="rId23"/>
-    <p:sldId id="278" r:id="rId24"/>
+    <p:sldId id="279" r:id="rId24"/>
+    <p:sldId id="278" r:id="rId25"/>
   </p:sldIdLst>
   <p:sldSz cx="12192000" cy="6858000"/>
   <p:notesSz cx="6858000" cy="9144000"/>
@@ -265,7 +266,7 @@
           <a:p>
             <a:fld id="{61BB0489-8C90-4CD3-904E-D129A9BD28F2}" type="datetimeFigureOut">
               <a:rPr lang="en-US" smtClean="0"/>
-              <a:t>10/27/2022</a:t>
+              <a:t>10/31/2022</a:t>
             </a:fld>
             <a:endParaRPr lang="en-US"/>
           </a:p>
@@ -435,7 +436,7 @@
           <a:p>
             <a:fld id="{61BB0489-8C90-4CD3-904E-D129A9BD28F2}" type="datetimeFigureOut">
               <a:rPr lang="en-US" smtClean="0"/>
-              <a:t>10/27/2022</a:t>
+              <a:t>10/31/2022</a:t>
             </a:fld>
             <a:endParaRPr lang="en-US"/>
           </a:p>
@@ -615,7 +616,7 @@
           <a:p>
             <a:fld id="{61BB0489-8C90-4CD3-904E-D129A9BD28F2}" type="datetimeFigureOut">
               <a:rPr lang="en-US" smtClean="0"/>
-              <a:t>10/27/2022</a:t>
+              <a:t>10/31/2022</a:t>
             </a:fld>
             <a:endParaRPr lang="en-US"/>
           </a:p>
@@ -785,7 +786,7 @@
           <a:p>
             <a:fld id="{61BB0489-8C90-4CD3-904E-D129A9BD28F2}" type="datetimeFigureOut">
               <a:rPr lang="en-US" smtClean="0"/>
-              <a:t>10/27/2022</a:t>
+              <a:t>10/31/2022</a:t>
             </a:fld>
             <a:endParaRPr lang="en-US"/>
           </a:p>
@@ -1031,7 +1032,7 @@
           <a:p>
             <a:fld id="{61BB0489-8C90-4CD3-904E-D129A9BD28F2}" type="datetimeFigureOut">
               <a:rPr lang="en-US" smtClean="0"/>
-              <a:t>10/27/2022</a:t>
+              <a:t>10/31/2022</a:t>
             </a:fld>
             <a:endParaRPr lang="en-US"/>
           </a:p>
@@ -1263,7 +1264,7 @@
           <a:p>
             <a:fld id="{61BB0489-8C90-4CD3-904E-D129A9BD28F2}" type="datetimeFigureOut">
               <a:rPr lang="en-US" smtClean="0"/>
-              <a:t>10/27/2022</a:t>
+              <a:t>10/31/2022</a:t>
             </a:fld>
             <a:endParaRPr lang="en-US"/>
           </a:p>
@@ -1630,7 +1631,7 @@
           <a:p>
             <a:fld id="{61BB0489-8C90-4CD3-904E-D129A9BD28F2}" type="datetimeFigureOut">
               <a:rPr lang="en-US" smtClean="0"/>
-              <a:t>10/27/2022</a:t>
+              <a:t>10/31/2022</a:t>
             </a:fld>
             <a:endParaRPr lang="en-US"/>
           </a:p>
@@ -1748,7 +1749,7 @@
           <a:p>
             <a:fld id="{61BB0489-8C90-4CD3-904E-D129A9BD28F2}" type="datetimeFigureOut">
               <a:rPr lang="en-US" smtClean="0"/>
-              <a:t>10/27/2022</a:t>
+              <a:t>10/31/2022</a:t>
             </a:fld>
             <a:endParaRPr lang="en-US"/>
           </a:p>
@@ -1843,7 +1844,7 @@
           <a:p>
             <a:fld id="{61BB0489-8C90-4CD3-904E-D129A9BD28F2}" type="datetimeFigureOut">
               <a:rPr lang="en-US" smtClean="0"/>
-              <a:t>10/27/2022</a:t>
+              <a:t>10/31/2022</a:t>
             </a:fld>
             <a:endParaRPr lang="en-US"/>
           </a:p>
@@ -2120,7 +2121,7 @@
           <a:p>
             <a:fld id="{61BB0489-8C90-4CD3-904E-D129A9BD28F2}" type="datetimeFigureOut">
               <a:rPr lang="en-US" smtClean="0"/>
-              <a:t>10/27/2022</a:t>
+              <a:t>10/31/2022</a:t>
             </a:fld>
             <a:endParaRPr lang="en-US"/>
           </a:p>
@@ -2373,7 +2374,7 @@
           <a:p>
             <a:fld id="{61BB0489-8C90-4CD3-904E-D129A9BD28F2}" type="datetimeFigureOut">
               <a:rPr lang="en-US" smtClean="0"/>
-              <a:t>10/27/2022</a:t>
+              <a:t>10/31/2022</a:t>
             </a:fld>
             <a:endParaRPr lang="en-US"/>
           </a:p>
@@ -2586,7 +2587,7 @@
           <a:p>
             <a:fld id="{61BB0489-8C90-4CD3-904E-D129A9BD28F2}" type="datetimeFigureOut">
               <a:rPr lang="en-US" smtClean="0"/>
-              <a:t>10/27/2022</a:t>
+              <a:t>10/31/2022</a:t>
             </a:fld>
             <a:endParaRPr lang="en-US"/>
           </a:p>
@@ -3414,8 +3415,8 @@
         </p:nvSpPr>
         <p:spPr>
           <a:xfrm>
-            <a:off x="562312" y="525201"/>
-            <a:ext cx="7173017" cy="1169551"/>
+            <a:off x="460375" y="240115"/>
+            <a:ext cx="9866791" cy="1292662"/>
           </a:xfrm>
           <a:prstGeom prst="rect">
             <a:avLst/>
@@ -3429,56 +3430,56 @@
           <a:lstStyle/>
           <a:p>
             <a:r>
-              <a:rPr lang="en-US" sz="2200" b="1" dirty="0">
+              <a:rPr lang="en-US" sz="3200" b="1" dirty="0">
                 <a:latin typeface="Times New Roman" panose="02020603050405020304" pitchFamily="18" charset="0"/>
                 <a:cs typeface="Times New Roman" panose="02020603050405020304" pitchFamily="18" charset="0"/>
               </a:rPr>
               <a:t>2</a:t>
             </a:r>
             <a:r>
-              <a:rPr lang="en-US" sz="2200" b="1" dirty="0" smtClean="0">
+              <a:rPr lang="en-US" sz="3200" b="1" dirty="0" smtClean="0">
                 <a:latin typeface="Times New Roman" panose="02020603050405020304" pitchFamily="18" charset="0"/>
                 <a:cs typeface="Times New Roman" panose="02020603050405020304" pitchFamily="18" charset="0"/>
               </a:rPr>
               <a:t>. </a:t>
             </a:r>
             <a:r>
-              <a:rPr lang="en-US" sz="2200" b="1" dirty="0" err="1">
+              <a:rPr lang="en-US" sz="3200" b="1" dirty="0" err="1">
                 <a:latin typeface="Times New Roman" panose="02020603050405020304" pitchFamily="18" charset="0"/>
                 <a:cs typeface="Times New Roman" panose="02020603050405020304" pitchFamily="18" charset="0"/>
               </a:rPr>
               <a:t>Tạo</a:t>
             </a:r>
             <a:r>
-              <a:rPr lang="en-US" sz="2200" b="1" dirty="0">
-                <a:latin typeface="Times New Roman" panose="02020603050405020304" pitchFamily="18" charset="0"/>
-                <a:cs typeface="Times New Roman" panose="02020603050405020304" pitchFamily="18" charset="0"/>
-              </a:rPr>
-              <a:t> </a:t>
-            </a:r>
-            <a:r>
-              <a:rPr lang="en-US" sz="2200" b="1" dirty="0" err="1">
+              <a:rPr lang="en-US" sz="3200" b="1" dirty="0">
+                <a:latin typeface="Times New Roman" panose="02020603050405020304" pitchFamily="18" charset="0"/>
+                <a:cs typeface="Times New Roman" panose="02020603050405020304" pitchFamily="18" charset="0"/>
+              </a:rPr>
+              <a:t> </a:t>
+            </a:r>
+            <a:r>
+              <a:rPr lang="en-US" sz="3200" b="1" dirty="0" err="1">
                 <a:latin typeface="Times New Roman" panose="02020603050405020304" pitchFamily="18" charset="0"/>
                 <a:cs typeface="Times New Roman" panose="02020603050405020304" pitchFamily="18" charset="0"/>
               </a:rPr>
               <a:t>một</a:t>
             </a:r>
             <a:r>
-              <a:rPr lang="en-US" sz="2200" b="1" dirty="0">
+              <a:rPr lang="en-US" sz="3200" b="1" dirty="0">
                 <a:latin typeface="Times New Roman" panose="02020603050405020304" pitchFamily="18" charset="0"/>
                 <a:cs typeface="Times New Roman" panose="02020603050405020304" pitchFamily="18" charset="0"/>
               </a:rPr>
               <a:t> web </a:t>
             </a:r>
             <a:r>
-              <a:rPr lang="en-US" sz="2200" b="1" dirty="0" err="1">
+              <a:rPr lang="en-US" sz="3200" b="1" dirty="0" err="1">
                 <a:latin typeface="Times New Roman" panose="02020603050405020304" pitchFamily="18" charset="0"/>
                 <a:cs typeface="Times New Roman" panose="02020603050405020304" pitchFamily="18" charset="0"/>
               </a:rPr>
               <a:t>mới</a:t>
             </a:r>
             <a:r>
-              <a:rPr lang="en-US" sz="2200" b="1" dirty="0">
+              <a:rPr lang="en-US" sz="3200" b="1" dirty="0">
                 <a:latin typeface="Times New Roman" panose="02020603050405020304" pitchFamily="18" charset="0"/>
                 <a:cs typeface="Times New Roman" panose="02020603050405020304" pitchFamily="18" charset="0"/>
               </a:rPr>
@@ -3550,7 +3551,7 @@
         <p:spPr>
           <a:xfrm>
             <a:off x="6064160" y="1647475"/>
-            <a:ext cx="5708822" cy="3693319"/>
+            <a:ext cx="5708822" cy="4585871"/>
           </a:xfrm>
           <a:prstGeom prst="rect">
             <a:avLst/>
@@ -3568,47 +3569,80 @@
               <a:buAutoNum type="arabicPeriod"/>
             </a:pPr>
             <a:r>
-              <a:rPr lang="en-US" dirty="0" err="1" smtClean="0"/>
+              <a:rPr lang="en-US" sz="2000" dirty="0" err="1" smtClean="0">
+                <a:latin typeface="Arial" panose="020B0604020202020204" pitchFamily="34" charset="0"/>
+                <a:cs typeface="Arial" panose="020B0604020202020204" pitchFamily="34" charset="0"/>
+              </a:rPr>
               <a:t>Trên</a:t>
             </a:r>
             <a:r>
-              <a:rPr lang="en-US" dirty="0" smtClean="0"/>
-              <a:t> </a:t>
-            </a:r>
-            <a:r>
-              <a:rPr lang="en-US" dirty="0"/>
+              <a:rPr lang="en-US" sz="2000" dirty="0" smtClean="0">
+                <a:latin typeface="Arial" panose="020B0604020202020204" pitchFamily="34" charset="0"/>
+                <a:cs typeface="Arial" panose="020B0604020202020204" pitchFamily="34" charset="0"/>
+              </a:rPr>
+              <a:t> </a:t>
+            </a:r>
+            <a:r>
+              <a:rPr lang="en-US" sz="2000" dirty="0">
+                <a:latin typeface="Arial" panose="020B0604020202020204" pitchFamily="34" charset="0"/>
+                <a:cs typeface="Arial" panose="020B0604020202020204" pitchFamily="34" charset="0"/>
+              </a:rPr>
               <a:t>menu </a:t>
             </a:r>
             <a:r>
-              <a:rPr lang="en-US" dirty="0" err="1"/>
+              <a:rPr lang="en-US" sz="2000" dirty="0" err="1">
+                <a:latin typeface="Arial" panose="020B0604020202020204" pitchFamily="34" charset="0"/>
+                <a:cs typeface="Arial" panose="020B0604020202020204" pitchFamily="34" charset="0"/>
+              </a:rPr>
               <a:t>chọn</a:t>
             </a:r>
             <a:r>
-              <a:rPr lang="en-US" dirty="0"/>
-              <a:t> </a:t>
-            </a:r>
-            <a:r>
-              <a:rPr lang="en-US" b="1" dirty="0"/>
+              <a:rPr lang="en-US" sz="2000" dirty="0">
+                <a:latin typeface="Arial" panose="020B0604020202020204" pitchFamily="34" charset="0"/>
+                <a:cs typeface="Arial" panose="020B0604020202020204" pitchFamily="34" charset="0"/>
+              </a:rPr>
+              <a:t> </a:t>
+            </a:r>
+            <a:r>
+              <a:rPr lang="en-US" sz="2000" b="1" dirty="0">
+                <a:latin typeface="Arial" panose="020B0604020202020204" pitchFamily="34" charset="0"/>
+                <a:cs typeface="Arial" panose="020B0604020202020204" pitchFamily="34" charset="0"/>
+              </a:rPr>
               <a:t>File</a:t>
             </a:r>
             <a:r>
-              <a:rPr lang="en-US" dirty="0"/>
+              <a:rPr lang="en-US" sz="2000" dirty="0">
+                <a:latin typeface="Arial" panose="020B0604020202020204" pitchFamily="34" charset="0"/>
+                <a:cs typeface="Arial" panose="020B0604020202020204" pitchFamily="34" charset="0"/>
+              </a:rPr>
               <a:t> &gt; </a:t>
             </a:r>
             <a:r>
-              <a:rPr lang="en-US" b="1" dirty="0"/>
+              <a:rPr lang="en-US" sz="2000" b="1" dirty="0">
+                <a:latin typeface="Arial" panose="020B0604020202020204" pitchFamily="34" charset="0"/>
+                <a:cs typeface="Arial" panose="020B0604020202020204" pitchFamily="34" charset="0"/>
+              </a:rPr>
               <a:t>New</a:t>
             </a:r>
             <a:r>
-              <a:rPr lang="en-US" dirty="0"/>
+              <a:rPr lang="en-US" sz="2000" dirty="0">
+                <a:latin typeface="Arial" panose="020B0604020202020204" pitchFamily="34" charset="0"/>
+                <a:cs typeface="Arial" panose="020B0604020202020204" pitchFamily="34" charset="0"/>
+              </a:rPr>
               <a:t> &gt; </a:t>
             </a:r>
             <a:r>
-              <a:rPr lang="en-US" b="1" dirty="0"/>
+              <a:rPr lang="en-US" sz="2000" b="1" dirty="0">
+                <a:latin typeface="Arial" panose="020B0604020202020204" pitchFamily="34" charset="0"/>
+                <a:cs typeface="Arial" panose="020B0604020202020204" pitchFamily="34" charset="0"/>
+              </a:rPr>
               <a:t>Project</a:t>
             </a:r>
             <a:r>
-              <a:rPr lang="en-US" b="1" dirty="0" smtClean="0"/>
+              <a:rPr lang="en-US" sz="2000" b="1" dirty="0" smtClean="0">
+                <a:latin typeface="Arial" panose="020B0604020202020204" pitchFamily="34" charset="0"/>
+                <a:cs typeface="Arial" panose="020B0604020202020204" pitchFamily="34" charset="0"/>
+              </a:rPr>
               <a:t>…</a:t>
             </a:r>
           </a:p>
@@ -3617,7 +3651,10 @@
               <a:buFont typeface="+mj-lt"/>
               <a:buAutoNum type="arabicPeriod"/>
             </a:pPr>
-            <a:endParaRPr lang="en-US" b="1" dirty="0"/>
+            <a:endParaRPr lang="en-US" sz="2000" b="1" dirty="0">
+              <a:latin typeface="Arial" panose="020B0604020202020204" pitchFamily="34" charset="0"/>
+              <a:cs typeface="Arial" panose="020B0604020202020204" pitchFamily="34" charset="0"/>
+            </a:endParaRPr>
           </a:p>
           <a:p>
             <a:pPr marL="342900" indent="-342900">
@@ -3625,59 +3662,101 @@
               <a:buAutoNum type="arabicPeriod"/>
             </a:pPr>
             <a:r>
-              <a:rPr lang="en-US" dirty="0" err="1"/>
+              <a:rPr lang="en-US" sz="2000" dirty="0" err="1">
+                <a:latin typeface="Arial" panose="020B0604020202020204" pitchFamily="34" charset="0"/>
+                <a:cs typeface="Arial" panose="020B0604020202020204" pitchFamily="34" charset="0"/>
+              </a:rPr>
               <a:t>Một</a:t>
             </a:r>
             <a:r>
-              <a:rPr lang="en-US" dirty="0"/>
-              <a:t> </a:t>
-            </a:r>
-            <a:r>
-              <a:rPr lang="en-US" dirty="0" err="1"/>
+              <a:rPr lang="en-US" sz="2000" dirty="0">
+                <a:latin typeface="Arial" panose="020B0604020202020204" pitchFamily="34" charset="0"/>
+                <a:cs typeface="Arial" panose="020B0604020202020204" pitchFamily="34" charset="0"/>
+              </a:rPr>
+              <a:t> </a:t>
+            </a:r>
+            <a:r>
+              <a:rPr lang="en-US" sz="2000" dirty="0" err="1">
+                <a:latin typeface="Arial" panose="020B0604020202020204" pitchFamily="34" charset="0"/>
+                <a:cs typeface="Arial" panose="020B0604020202020204" pitchFamily="34" charset="0"/>
+              </a:rPr>
               <a:t>cửa</a:t>
             </a:r>
             <a:r>
-              <a:rPr lang="en-US" dirty="0"/>
-              <a:t> </a:t>
-            </a:r>
-            <a:r>
-              <a:rPr lang="en-US" dirty="0" err="1"/>
+              <a:rPr lang="en-US" sz="2000" dirty="0">
+                <a:latin typeface="Arial" panose="020B0604020202020204" pitchFamily="34" charset="0"/>
+                <a:cs typeface="Arial" panose="020B0604020202020204" pitchFamily="34" charset="0"/>
+              </a:rPr>
+              <a:t> </a:t>
+            </a:r>
+            <a:r>
+              <a:rPr lang="en-US" sz="2000" dirty="0" err="1">
+                <a:latin typeface="Arial" panose="020B0604020202020204" pitchFamily="34" charset="0"/>
+                <a:cs typeface="Arial" panose="020B0604020202020204" pitchFamily="34" charset="0"/>
+              </a:rPr>
               <a:t>sổ</a:t>
             </a:r>
             <a:r>
-              <a:rPr lang="en-US" dirty="0"/>
-              <a:t> </a:t>
-            </a:r>
-            <a:r>
-              <a:rPr lang="en-US" dirty="0" err="1"/>
+              <a:rPr lang="en-US" sz="2000" dirty="0">
+                <a:latin typeface="Arial" panose="020B0604020202020204" pitchFamily="34" charset="0"/>
+                <a:cs typeface="Arial" panose="020B0604020202020204" pitchFamily="34" charset="0"/>
+              </a:rPr>
+              <a:t> </a:t>
+            </a:r>
+            <a:r>
+              <a:rPr lang="en-US" sz="2000" dirty="0" err="1">
+                <a:latin typeface="Arial" panose="020B0604020202020204" pitchFamily="34" charset="0"/>
+                <a:cs typeface="Arial" panose="020B0604020202020204" pitchFamily="34" charset="0"/>
+              </a:rPr>
               <a:t>hiện</a:t>
             </a:r>
             <a:r>
-              <a:rPr lang="en-US" dirty="0"/>
-              <a:t> </a:t>
-            </a:r>
-            <a:r>
-              <a:rPr lang="en-US" dirty="0" err="1"/>
+              <a:rPr lang="en-US" sz="2000" dirty="0">
+                <a:latin typeface="Arial" panose="020B0604020202020204" pitchFamily="34" charset="0"/>
+                <a:cs typeface="Arial" panose="020B0604020202020204" pitchFamily="34" charset="0"/>
+              </a:rPr>
+              <a:t> </a:t>
+            </a:r>
+            <a:r>
+              <a:rPr lang="en-US" sz="2000" dirty="0" err="1">
+                <a:latin typeface="Arial" panose="020B0604020202020204" pitchFamily="34" charset="0"/>
+                <a:cs typeface="Arial" panose="020B0604020202020204" pitchFamily="34" charset="0"/>
+              </a:rPr>
               <a:t>lên</a:t>
             </a:r>
             <a:r>
-              <a:rPr lang="en-US" dirty="0"/>
-              <a:t> </a:t>
-            </a:r>
-            <a:r>
-              <a:rPr lang="en-US" dirty="0" err="1"/>
+              <a:rPr lang="en-US" sz="2000" dirty="0">
+                <a:latin typeface="Arial" panose="020B0604020202020204" pitchFamily="34" charset="0"/>
+                <a:cs typeface="Arial" panose="020B0604020202020204" pitchFamily="34" charset="0"/>
+              </a:rPr>
+              <a:t> </a:t>
+            </a:r>
+            <a:r>
+              <a:rPr lang="en-US" sz="2000" dirty="0" err="1">
+                <a:latin typeface="Arial" panose="020B0604020202020204" pitchFamily="34" charset="0"/>
+                <a:cs typeface="Arial" panose="020B0604020202020204" pitchFamily="34" charset="0"/>
+              </a:rPr>
               <a:t>chọn</a:t>
             </a:r>
             <a:r>
-              <a:rPr lang="en-US" dirty="0"/>
+              <a:rPr lang="en-US" sz="2000" dirty="0">
+                <a:latin typeface="Arial" panose="020B0604020202020204" pitchFamily="34" charset="0"/>
+                <a:cs typeface="Arial" panose="020B0604020202020204" pitchFamily="34" charset="0"/>
+              </a:rPr>
               <a:t> Web &gt; </a:t>
             </a:r>
             <a:r>
-              <a:rPr lang="en-US" b="1" dirty="0"/>
+              <a:rPr lang="en-US" sz="2000" b="1" dirty="0">
+                <a:latin typeface="Arial" panose="020B0604020202020204" pitchFamily="34" charset="0"/>
+                <a:cs typeface="Arial" panose="020B0604020202020204" pitchFamily="34" charset="0"/>
+              </a:rPr>
               <a:t>Dynamic Web Project</a:t>
             </a:r>
             <a:r>
-              <a:rPr lang="en-US" b="1" dirty="0" smtClean="0"/>
+              <a:rPr lang="en-US" sz="2000" b="1" dirty="0" smtClean="0">
+                <a:latin typeface="Arial" panose="020B0604020202020204" pitchFamily="34" charset="0"/>
+                <a:cs typeface="Arial" panose="020B0604020202020204" pitchFamily="34" charset="0"/>
+              </a:rPr>
               <a:t>.</a:t>
             </a:r>
           </a:p>
@@ -3686,7 +3765,10 @@
               <a:buFont typeface="+mj-lt"/>
               <a:buAutoNum type="arabicPeriod"/>
             </a:pPr>
-            <a:endParaRPr lang="en-US" b="1" dirty="0" smtClean="0"/>
+            <a:endParaRPr lang="en-US" sz="2000" b="1" dirty="0" smtClean="0">
+              <a:latin typeface="Arial" panose="020B0604020202020204" pitchFamily="34" charset="0"/>
+              <a:cs typeface="Arial" panose="020B0604020202020204" pitchFamily="34" charset="0"/>
+            </a:endParaRPr>
           </a:p>
           <a:p>
             <a:pPr marL="342900" indent="-342900">
@@ -3694,43 +3776,73 @@
               <a:buAutoNum type="arabicPeriod"/>
             </a:pPr>
             <a:r>
-              <a:rPr lang="en-US" dirty="0" err="1"/>
+              <a:rPr lang="en-US" sz="2000" dirty="0" err="1">
+                <a:latin typeface="Arial" panose="020B0604020202020204" pitchFamily="34" charset="0"/>
+                <a:cs typeface="Arial" panose="020B0604020202020204" pitchFamily="34" charset="0"/>
+              </a:rPr>
               <a:t>Kích</a:t>
             </a:r>
             <a:r>
-              <a:rPr lang="en-US" dirty="0"/>
-              <a:t> </a:t>
-            </a:r>
-            <a:r>
-              <a:rPr lang="en-US" dirty="0" err="1"/>
+              <a:rPr lang="en-US" sz="2000" dirty="0">
+                <a:latin typeface="Arial" panose="020B0604020202020204" pitchFamily="34" charset="0"/>
+                <a:cs typeface="Arial" panose="020B0604020202020204" pitchFamily="34" charset="0"/>
+              </a:rPr>
+              <a:t> </a:t>
+            </a:r>
+            <a:r>
+              <a:rPr lang="en-US" sz="2000" dirty="0" err="1">
+                <a:latin typeface="Arial" panose="020B0604020202020204" pitchFamily="34" charset="0"/>
+                <a:cs typeface="Arial" panose="020B0604020202020204" pitchFamily="34" charset="0"/>
+              </a:rPr>
               <a:t>chuột</a:t>
             </a:r>
             <a:r>
-              <a:rPr lang="en-US" dirty="0"/>
-              <a:t> </a:t>
-            </a:r>
-            <a:r>
-              <a:rPr lang="en-US" dirty="0" err="1"/>
+              <a:rPr lang="en-US" sz="2000" dirty="0">
+                <a:latin typeface="Arial" panose="020B0604020202020204" pitchFamily="34" charset="0"/>
+                <a:cs typeface="Arial" panose="020B0604020202020204" pitchFamily="34" charset="0"/>
+              </a:rPr>
+              <a:t> </a:t>
+            </a:r>
+            <a:r>
+              <a:rPr lang="en-US" sz="2000" dirty="0" err="1">
+                <a:latin typeface="Arial" panose="020B0604020202020204" pitchFamily="34" charset="0"/>
+                <a:cs typeface="Arial" panose="020B0604020202020204" pitchFamily="34" charset="0"/>
+              </a:rPr>
               <a:t>vào</a:t>
             </a:r>
             <a:r>
-              <a:rPr lang="en-US" dirty="0"/>
-              <a:t> </a:t>
-            </a:r>
-            <a:r>
-              <a:rPr lang="en-US" dirty="0" err="1"/>
+              <a:rPr lang="en-US" sz="2000" dirty="0">
+                <a:latin typeface="Arial" panose="020B0604020202020204" pitchFamily="34" charset="0"/>
+                <a:cs typeface="Arial" panose="020B0604020202020204" pitchFamily="34" charset="0"/>
+              </a:rPr>
+              <a:t> </a:t>
+            </a:r>
+            <a:r>
+              <a:rPr lang="en-US" sz="2000" dirty="0" err="1">
+                <a:latin typeface="Arial" panose="020B0604020202020204" pitchFamily="34" charset="0"/>
+                <a:cs typeface="Arial" panose="020B0604020202020204" pitchFamily="34" charset="0"/>
+              </a:rPr>
               <a:t>nút</a:t>
             </a:r>
             <a:r>
-              <a:rPr lang="en-US" dirty="0"/>
-              <a:t> </a:t>
-            </a:r>
-            <a:r>
-              <a:rPr lang="en-US" b="1" dirty="0"/>
+              <a:rPr lang="en-US" sz="2000" dirty="0">
+                <a:latin typeface="Arial" panose="020B0604020202020204" pitchFamily="34" charset="0"/>
+                <a:cs typeface="Arial" panose="020B0604020202020204" pitchFamily="34" charset="0"/>
+              </a:rPr>
+              <a:t> </a:t>
+            </a:r>
+            <a:r>
+              <a:rPr lang="en-US" sz="2000" b="1" dirty="0">
+                <a:latin typeface="Arial" panose="020B0604020202020204" pitchFamily="34" charset="0"/>
+                <a:cs typeface="Arial" panose="020B0604020202020204" pitchFamily="34" charset="0"/>
+              </a:rPr>
               <a:t>Next</a:t>
             </a:r>
             <a:r>
-              <a:rPr lang="en-US" dirty="0" smtClean="0"/>
+              <a:rPr lang="en-US" sz="2000" dirty="0" smtClean="0">
+                <a:latin typeface="Arial" panose="020B0604020202020204" pitchFamily="34" charset="0"/>
+                <a:cs typeface="Arial" panose="020B0604020202020204" pitchFamily="34" charset="0"/>
+              </a:rPr>
               <a:t>.</a:t>
             </a:r>
           </a:p>
@@ -3739,7 +3851,10 @@
               <a:buFont typeface="+mj-lt"/>
               <a:buAutoNum type="arabicPeriod"/>
             </a:pPr>
-            <a:endParaRPr lang="en-US" dirty="0"/>
+            <a:endParaRPr lang="en-US" sz="2000" dirty="0">
+              <a:latin typeface="Arial" panose="020B0604020202020204" pitchFamily="34" charset="0"/>
+              <a:cs typeface="Arial" panose="020B0604020202020204" pitchFamily="34" charset="0"/>
+            </a:endParaRPr>
           </a:p>
           <a:p>
             <a:pPr marL="342900" indent="-342900">
@@ -3747,63 +3862,108 @@
               <a:buAutoNum type="arabicPeriod"/>
             </a:pPr>
             <a:r>
-              <a:rPr lang="en-US" dirty="0" err="1"/>
+              <a:rPr lang="en-US" sz="2000" dirty="0" err="1">
+                <a:latin typeface="Arial" panose="020B0604020202020204" pitchFamily="34" charset="0"/>
+                <a:cs typeface="Arial" panose="020B0604020202020204" pitchFamily="34" charset="0"/>
+              </a:rPr>
               <a:t>Nhập</a:t>
             </a:r>
             <a:r>
-              <a:rPr lang="en-US" dirty="0"/>
-              <a:t> </a:t>
-            </a:r>
-            <a:r>
-              <a:rPr lang="en-US" dirty="0" err="1"/>
+              <a:rPr lang="en-US" sz="2000" dirty="0">
+                <a:latin typeface="Arial" panose="020B0604020202020204" pitchFamily="34" charset="0"/>
+                <a:cs typeface="Arial" panose="020B0604020202020204" pitchFamily="34" charset="0"/>
+              </a:rPr>
+              <a:t> </a:t>
+            </a:r>
+            <a:r>
+              <a:rPr lang="en-US" sz="2000" dirty="0" err="1">
+                <a:latin typeface="Arial" panose="020B0604020202020204" pitchFamily="34" charset="0"/>
+                <a:cs typeface="Arial" panose="020B0604020202020204" pitchFamily="34" charset="0"/>
+              </a:rPr>
               <a:t>tên</a:t>
             </a:r>
             <a:r>
-              <a:rPr lang="en-US" dirty="0"/>
-              <a:t> </a:t>
-            </a:r>
-            <a:r>
-              <a:rPr lang="en-US" dirty="0" err="1"/>
+              <a:rPr lang="en-US" sz="2000" dirty="0">
+                <a:latin typeface="Arial" panose="020B0604020202020204" pitchFamily="34" charset="0"/>
+                <a:cs typeface="Arial" panose="020B0604020202020204" pitchFamily="34" charset="0"/>
+              </a:rPr>
+              <a:t> </a:t>
+            </a:r>
+            <a:r>
+              <a:rPr lang="en-US" sz="2000" dirty="0" err="1">
+                <a:latin typeface="Arial" panose="020B0604020202020204" pitchFamily="34" charset="0"/>
+                <a:cs typeface="Arial" panose="020B0604020202020204" pitchFamily="34" charset="0"/>
+              </a:rPr>
               <a:t>dự</a:t>
             </a:r>
             <a:r>
-              <a:rPr lang="en-US" dirty="0"/>
-              <a:t> </a:t>
-            </a:r>
-            <a:r>
-              <a:rPr lang="en-US" dirty="0" err="1"/>
+              <a:rPr lang="en-US" sz="2000" dirty="0">
+                <a:latin typeface="Arial" panose="020B0604020202020204" pitchFamily="34" charset="0"/>
+                <a:cs typeface="Arial" panose="020B0604020202020204" pitchFamily="34" charset="0"/>
+              </a:rPr>
+              <a:t> </a:t>
+            </a:r>
+            <a:r>
+              <a:rPr lang="en-US" sz="2000" dirty="0" err="1">
+                <a:latin typeface="Arial" panose="020B0604020202020204" pitchFamily="34" charset="0"/>
+                <a:cs typeface="Arial" panose="020B0604020202020204" pitchFamily="34" charset="0"/>
+              </a:rPr>
               <a:t>án</a:t>
             </a:r>
             <a:r>
-              <a:rPr lang="en-US" dirty="0"/>
-              <a:t> </a:t>
-            </a:r>
-            <a:r>
-              <a:rPr lang="en-US" dirty="0" err="1"/>
+              <a:rPr lang="en-US" sz="2000" dirty="0">
+                <a:latin typeface="Arial" panose="020B0604020202020204" pitchFamily="34" charset="0"/>
+                <a:cs typeface="Arial" panose="020B0604020202020204" pitchFamily="34" charset="0"/>
+              </a:rPr>
+              <a:t> </a:t>
+            </a:r>
+            <a:r>
+              <a:rPr lang="en-US" sz="2000" dirty="0" err="1">
+                <a:latin typeface="Arial" panose="020B0604020202020204" pitchFamily="34" charset="0"/>
+                <a:cs typeface="Arial" panose="020B0604020202020204" pitchFamily="34" charset="0"/>
+              </a:rPr>
               <a:t>là</a:t>
             </a:r>
             <a:r>
-              <a:rPr lang="en-US" dirty="0"/>
+              <a:rPr lang="en-US" sz="2000" dirty="0">
+                <a:latin typeface="Arial" panose="020B0604020202020204" pitchFamily="34" charset="0"/>
+                <a:cs typeface="Arial" panose="020B0604020202020204" pitchFamily="34" charset="0"/>
+              </a:rPr>
               <a:t> “</a:t>
             </a:r>
             <a:r>
-              <a:rPr lang="en-US" dirty="0" err="1"/>
+              <a:rPr lang="en-US" sz="2000" dirty="0" err="1">
+                <a:latin typeface="Arial" panose="020B0604020202020204" pitchFamily="34" charset="0"/>
+                <a:cs typeface="Arial" panose="020B0604020202020204" pitchFamily="34" charset="0"/>
+              </a:rPr>
               <a:t>jsp</a:t>
             </a:r>
             <a:r>
-              <a:rPr lang="en-US" dirty="0"/>
+              <a:rPr lang="en-US" sz="2000" dirty="0">
+                <a:latin typeface="Arial" panose="020B0604020202020204" pitchFamily="34" charset="0"/>
+                <a:cs typeface="Arial" panose="020B0604020202020204" pitchFamily="34" charset="0"/>
+              </a:rPr>
               <a:t>-servlet-hibernate-</a:t>
             </a:r>
             <a:r>
-              <a:rPr lang="en-US" dirty="0" err="1"/>
+              <a:rPr lang="en-US" sz="2000" dirty="0" err="1">
+                <a:latin typeface="Arial" panose="020B0604020202020204" pitchFamily="34" charset="0"/>
+                <a:cs typeface="Arial" panose="020B0604020202020204" pitchFamily="34" charset="0"/>
+              </a:rPr>
               <a:t>mysql</a:t>
             </a:r>
             <a:r>
-              <a:rPr lang="en-US" dirty="0"/>
+              <a:rPr lang="en-US" sz="2000" dirty="0">
+                <a:latin typeface="Arial" panose="020B0604020202020204" pitchFamily="34" charset="0"/>
+                <a:cs typeface="Arial" panose="020B0604020202020204" pitchFamily="34" charset="0"/>
+              </a:rPr>
               <a:t>-curd</a:t>
             </a:r>
             <a:r>
-              <a:rPr lang="en-US" dirty="0" smtClean="0"/>
+              <a:rPr lang="en-US" sz="2000" dirty="0" smtClean="0">
+                <a:latin typeface="Arial" panose="020B0604020202020204" pitchFamily="34" charset="0"/>
+                <a:cs typeface="Arial" panose="020B0604020202020204" pitchFamily="34" charset="0"/>
+              </a:rPr>
               <a:t>”</a:t>
             </a:r>
           </a:p>
@@ -3812,7 +3972,10 @@
               <a:buFont typeface="+mj-lt"/>
               <a:buAutoNum type="arabicPeriod"/>
             </a:pPr>
-            <a:endParaRPr lang="en-US" dirty="0"/>
+            <a:endParaRPr lang="en-US" sz="2000" dirty="0">
+              <a:latin typeface="Arial" panose="020B0604020202020204" pitchFamily="34" charset="0"/>
+              <a:cs typeface="Arial" panose="020B0604020202020204" pitchFamily="34" charset="0"/>
+            </a:endParaRPr>
           </a:p>
           <a:p>
             <a:pPr marL="342900" indent="-342900">
@@ -3820,15 +3983,24 @@
               <a:buAutoNum type="arabicPeriod"/>
             </a:pPr>
             <a:r>
-              <a:rPr lang="en-US" dirty="0" err="1"/>
+              <a:rPr lang="en-US" sz="2000" dirty="0" err="1">
+                <a:latin typeface="Arial" panose="020B0604020202020204" pitchFamily="34" charset="0"/>
+                <a:cs typeface="Arial" panose="020B0604020202020204" pitchFamily="34" charset="0"/>
+              </a:rPr>
               <a:t>Chọn</a:t>
             </a:r>
             <a:r>
-              <a:rPr lang="en-US" dirty="0"/>
-              <a:t> </a:t>
-            </a:r>
-            <a:r>
-              <a:rPr lang="en-US" b="1" dirty="0"/>
+              <a:rPr lang="en-US" sz="2000" dirty="0">
+                <a:latin typeface="Arial" panose="020B0604020202020204" pitchFamily="34" charset="0"/>
+                <a:cs typeface="Arial" panose="020B0604020202020204" pitchFamily="34" charset="0"/>
+              </a:rPr>
+              <a:t> </a:t>
+            </a:r>
+            <a:r>
+              <a:rPr lang="en-US" sz="2000" b="1" dirty="0">
+                <a:latin typeface="Arial" panose="020B0604020202020204" pitchFamily="34" charset="0"/>
+                <a:cs typeface="Arial" panose="020B0604020202020204" pitchFamily="34" charset="0"/>
+              </a:rPr>
               <a:t>Finish</a:t>
             </a:r>
           </a:p>
@@ -4019,8 +4191,8 @@
         </p:nvSpPr>
         <p:spPr>
           <a:xfrm>
-            <a:off x="562312" y="525201"/>
-            <a:ext cx="7173017" cy="1169551"/>
+            <a:off x="679022" y="257575"/>
+            <a:ext cx="7173017" cy="1292662"/>
           </a:xfrm>
           <a:prstGeom prst="rect">
             <a:avLst/>
@@ -4034,76 +4206,76 @@
           <a:lstStyle/>
           <a:p>
             <a:r>
-              <a:rPr lang="en-US" sz="2200" b="1" dirty="0" smtClean="0">
+              <a:rPr lang="en-US" sz="3200" b="1" dirty="0" smtClean="0">
                 <a:latin typeface="Times New Roman" panose="02020603050405020304" pitchFamily="18" charset="0"/>
                 <a:cs typeface="Times New Roman" panose="02020603050405020304" pitchFamily="18" charset="0"/>
               </a:rPr>
               <a:t>3. </a:t>
             </a:r>
             <a:r>
-              <a:rPr lang="en-US" sz="2200" b="1" dirty="0" err="1" smtClean="0">
+              <a:rPr lang="en-US" sz="3200" b="1" dirty="0" err="1" smtClean="0">
                 <a:latin typeface="Times New Roman" panose="02020603050405020304" pitchFamily="18" charset="0"/>
                 <a:cs typeface="Times New Roman" panose="02020603050405020304" pitchFamily="18" charset="0"/>
               </a:rPr>
               <a:t>Thêm</a:t>
             </a:r>
             <a:r>
-              <a:rPr lang="en-US" sz="2200" b="1" dirty="0" smtClean="0">
-                <a:latin typeface="Times New Roman" panose="02020603050405020304" pitchFamily="18" charset="0"/>
-                <a:cs typeface="Times New Roman" panose="02020603050405020304" pitchFamily="18" charset="0"/>
-              </a:rPr>
-              <a:t> </a:t>
-            </a:r>
-            <a:r>
-              <a:rPr lang="en-US" sz="2200" b="1" dirty="0" err="1" smtClean="0">
+              <a:rPr lang="en-US" sz="3200" b="1" dirty="0" smtClean="0">
+                <a:latin typeface="Times New Roman" panose="02020603050405020304" pitchFamily="18" charset="0"/>
+                <a:cs typeface="Times New Roman" panose="02020603050405020304" pitchFamily="18" charset="0"/>
+              </a:rPr>
+              <a:t> </a:t>
+            </a:r>
+            <a:r>
+              <a:rPr lang="en-US" sz="3200" b="1" dirty="0" err="1" smtClean="0">
                 <a:latin typeface="Times New Roman" panose="02020603050405020304" pitchFamily="18" charset="0"/>
                 <a:cs typeface="Times New Roman" panose="02020603050405020304" pitchFamily="18" charset="0"/>
               </a:rPr>
               <a:t>thư</a:t>
             </a:r>
             <a:r>
-              <a:rPr lang="en-US" sz="2200" b="1" dirty="0" smtClean="0">
-                <a:latin typeface="Times New Roman" panose="02020603050405020304" pitchFamily="18" charset="0"/>
-                <a:cs typeface="Times New Roman" panose="02020603050405020304" pitchFamily="18" charset="0"/>
-              </a:rPr>
-              <a:t> </a:t>
-            </a:r>
-            <a:r>
-              <a:rPr lang="en-US" sz="2200" b="1" dirty="0" err="1" smtClean="0">
+              <a:rPr lang="en-US" sz="3200" b="1" dirty="0" smtClean="0">
+                <a:latin typeface="Times New Roman" panose="02020603050405020304" pitchFamily="18" charset="0"/>
+                <a:cs typeface="Times New Roman" panose="02020603050405020304" pitchFamily="18" charset="0"/>
+              </a:rPr>
+              <a:t> </a:t>
+            </a:r>
+            <a:r>
+              <a:rPr lang="en-US" sz="3200" b="1" dirty="0" err="1" smtClean="0">
                 <a:latin typeface="Times New Roman" panose="02020603050405020304" pitchFamily="18" charset="0"/>
                 <a:cs typeface="Times New Roman" panose="02020603050405020304" pitchFamily="18" charset="0"/>
               </a:rPr>
               <a:t>viện</a:t>
             </a:r>
             <a:r>
-              <a:rPr lang="en-US" sz="2200" b="1" dirty="0" smtClean="0">
-                <a:latin typeface="Times New Roman" panose="02020603050405020304" pitchFamily="18" charset="0"/>
-                <a:cs typeface="Times New Roman" panose="02020603050405020304" pitchFamily="18" charset="0"/>
-              </a:rPr>
-              <a:t> </a:t>
-            </a:r>
-            <a:r>
-              <a:rPr lang="en-US" sz="2200" b="1" dirty="0" err="1" smtClean="0">
+              <a:rPr lang="en-US" sz="3200" b="1" dirty="0" smtClean="0">
+                <a:latin typeface="Times New Roman" panose="02020603050405020304" pitchFamily="18" charset="0"/>
+                <a:cs typeface="Times New Roman" panose="02020603050405020304" pitchFamily="18" charset="0"/>
+              </a:rPr>
+              <a:t> </a:t>
+            </a:r>
+            <a:r>
+              <a:rPr lang="en-US" sz="3200" b="1" dirty="0" err="1" smtClean="0">
                 <a:latin typeface="Times New Roman" panose="02020603050405020304" pitchFamily="18" charset="0"/>
                 <a:cs typeface="Times New Roman" panose="02020603050405020304" pitchFamily="18" charset="0"/>
               </a:rPr>
               <a:t>hỗ</a:t>
             </a:r>
             <a:r>
-              <a:rPr lang="en-US" sz="2200" b="1" dirty="0" smtClean="0">
-                <a:latin typeface="Times New Roman" panose="02020603050405020304" pitchFamily="18" charset="0"/>
-                <a:cs typeface="Times New Roman" panose="02020603050405020304" pitchFamily="18" charset="0"/>
-              </a:rPr>
-              <a:t> </a:t>
-            </a:r>
-            <a:r>
-              <a:rPr lang="en-US" sz="2200" b="1" dirty="0" err="1" smtClean="0">
+              <a:rPr lang="en-US" sz="3200" b="1" dirty="0" smtClean="0">
+                <a:latin typeface="Times New Roman" panose="02020603050405020304" pitchFamily="18" charset="0"/>
+                <a:cs typeface="Times New Roman" panose="02020603050405020304" pitchFamily="18" charset="0"/>
+              </a:rPr>
+              <a:t> </a:t>
+            </a:r>
+            <a:r>
+              <a:rPr lang="en-US" sz="3200" b="1" dirty="0" err="1" smtClean="0">
                 <a:latin typeface="Times New Roman" panose="02020603050405020304" pitchFamily="18" charset="0"/>
                 <a:cs typeface="Times New Roman" panose="02020603050405020304" pitchFamily="18" charset="0"/>
               </a:rPr>
               <a:t>trợ</a:t>
             </a:r>
-            <a:endParaRPr lang="en-US" sz="2200" b="1" dirty="0">
+            <a:endParaRPr lang="en-US" sz="3200" b="1" dirty="0">
               <a:latin typeface="Times New Roman" panose="02020603050405020304" pitchFamily="18" charset="0"/>
               <a:cs typeface="Times New Roman" panose="02020603050405020304" pitchFamily="18" charset="0"/>
             </a:endParaRPr>
@@ -4132,7 +4304,7 @@
         <p:spPr>
           <a:xfrm>
             <a:off x="5622464" y="2275519"/>
-            <a:ext cx="6311296" cy="1754326"/>
+            <a:ext cx="6311296" cy="2462213"/>
           </a:xfrm>
           <a:prstGeom prst="rect">
             <a:avLst/>
@@ -4150,93 +4322,159 @@
               <a:buChar char="–"/>
             </a:pPr>
             <a:r>
-              <a:rPr lang="en-US" dirty="0" smtClean="0"/>
+              <a:rPr lang="en-US" sz="2000" dirty="0" smtClean="0">
+                <a:latin typeface="Arial" panose="020B0604020202020204" pitchFamily="34" charset="0"/>
+                <a:cs typeface="Arial" panose="020B0604020202020204" pitchFamily="34" charset="0"/>
+              </a:rPr>
               <a:t>Cup </a:t>
             </a:r>
             <a:r>
-              <a:rPr lang="en-US" dirty="0" err="1" smtClean="0"/>
+              <a:rPr lang="en-US" sz="2000" dirty="0" err="1" smtClean="0">
+                <a:latin typeface="Arial" panose="020B0604020202020204" pitchFamily="34" charset="0"/>
+                <a:cs typeface="Arial" panose="020B0604020202020204" pitchFamily="34" charset="0"/>
+              </a:rPr>
               <a:t>cấp</a:t>
             </a:r>
             <a:r>
-              <a:rPr lang="en-US" dirty="0" smtClean="0"/>
-              <a:t> </a:t>
-            </a:r>
-            <a:r>
-              <a:rPr lang="en-US" dirty="0" err="1" smtClean="0"/>
+              <a:rPr lang="en-US" sz="2000" dirty="0" smtClean="0">
+                <a:latin typeface="Arial" panose="020B0604020202020204" pitchFamily="34" charset="0"/>
+                <a:cs typeface="Arial" panose="020B0604020202020204" pitchFamily="34" charset="0"/>
+              </a:rPr>
+              <a:t> </a:t>
+            </a:r>
+            <a:r>
+              <a:rPr lang="en-US" sz="2000" dirty="0" err="1" smtClean="0">
+                <a:latin typeface="Arial" panose="020B0604020202020204" pitchFamily="34" charset="0"/>
+                <a:cs typeface="Arial" panose="020B0604020202020204" pitchFamily="34" charset="0"/>
+              </a:rPr>
               <a:t>các</a:t>
             </a:r>
             <a:r>
-              <a:rPr lang="en-US" dirty="0"/>
-              <a:t> </a:t>
-            </a:r>
-            <a:r>
-              <a:rPr lang="en-US" dirty="0" err="1" smtClean="0"/>
+              <a:rPr lang="en-US" sz="2000" dirty="0">
+                <a:latin typeface="Arial" panose="020B0604020202020204" pitchFamily="34" charset="0"/>
+                <a:cs typeface="Arial" panose="020B0604020202020204" pitchFamily="34" charset="0"/>
+              </a:rPr>
+              <a:t> </a:t>
+            </a:r>
+            <a:r>
+              <a:rPr lang="en-US" sz="2000" dirty="0" err="1" smtClean="0">
+                <a:latin typeface="Arial" panose="020B0604020202020204" pitchFamily="34" charset="0"/>
+                <a:cs typeface="Arial" panose="020B0604020202020204" pitchFamily="34" charset="0"/>
+              </a:rPr>
               <a:t>thư</a:t>
             </a:r>
             <a:r>
-              <a:rPr lang="en-US" dirty="0" smtClean="0"/>
-              <a:t> </a:t>
-            </a:r>
-            <a:r>
-              <a:rPr lang="en-US" dirty="0" err="1" smtClean="0"/>
+              <a:rPr lang="en-US" sz="2000" dirty="0" smtClean="0">
+                <a:latin typeface="Arial" panose="020B0604020202020204" pitchFamily="34" charset="0"/>
+                <a:cs typeface="Arial" panose="020B0604020202020204" pitchFamily="34" charset="0"/>
+              </a:rPr>
+              <a:t> </a:t>
+            </a:r>
+            <a:r>
+              <a:rPr lang="en-US" sz="2000" dirty="0" err="1" smtClean="0">
+                <a:latin typeface="Arial" panose="020B0604020202020204" pitchFamily="34" charset="0"/>
+                <a:cs typeface="Arial" panose="020B0604020202020204" pitchFamily="34" charset="0"/>
+              </a:rPr>
               <a:t>viện</a:t>
             </a:r>
             <a:r>
-              <a:rPr lang="en-US" dirty="0" smtClean="0"/>
+              <a:rPr lang="en-US" sz="2000" dirty="0" smtClean="0">
+                <a:latin typeface="Arial" panose="020B0604020202020204" pitchFamily="34" charset="0"/>
+                <a:cs typeface="Arial" panose="020B0604020202020204" pitchFamily="34" charset="0"/>
+              </a:rPr>
               <a:t> file .jar </a:t>
             </a:r>
             <a:r>
-              <a:rPr lang="en-US" dirty="0" err="1" smtClean="0"/>
+              <a:rPr lang="en-US" sz="2000" dirty="0" err="1" smtClean="0">
+                <a:latin typeface="Arial" panose="020B0604020202020204" pitchFamily="34" charset="0"/>
+                <a:cs typeface="Arial" panose="020B0604020202020204" pitchFamily="34" charset="0"/>
+              </a:rPr>
               <a:t>vào</a:t>
             </a:r>
             <a:r>
-              <a:rPr lang="en-US" dirty="0" smtClean="0"/>
-              <a:t> </a:t>
-            </a:r>
-            <a:r>
-              <a:rPr lang="en-US" dirty="0" err="1" smtClean="0"/>
+              <a:rPr lang="en-US" sz="2000" dirty="0" smtClean="0">
+                <a:latin typeface="Arial" panose="020B0604020202020204" pitchFamily="34" charset="0"/>
+                <a:cs typeface="Arial" panose="020B0604020202020204" pitchFamily="34" charset="0"/>
+              </a:rPr>
+              <a:t> </a:t>
+            </a:r>
+            <a:r>
+              <a:rPr lang="en-US" sz="2000" dirty="0" err="1" smtClean="0">
+                <a:latin typeface="Arial" panose="020B0604020202020204" pitchFamily="34" charset="0"/>
+                <a:cs typeface="Arial" panose="020B0604020202020204" pitchFamily="34" charset="0"/>
+              </a:rPr>
               <a:t>thư</a:t>
             </a:r>
             <a:r>
-              <a:rPr lang="en-US" dirty="0" smtClean="0"/>
-              <a:t> </a:t>
-            </a:r>
-            <a:r>
-              <a:rPr lang="en-US" dirty="0" err="1" smtClean="0"/>
+              <a:rPr lang="en-US" sz="2000" dirty="0" smtClean="0">
+                <a:latin typeface="Arial" panose="020B0604020202020204" pitchFamily="34" charset="0"/>
+                <a:cs typeface="Arial" panose="020B0604020202020204" pitchFamily="34" charset="0"/>
+              </a:rPr>
+              <a:t> </a:t>
+            </a:r>
+            <a:r>
+              <a:rPr lang="en-US" sz="2000" dirty="0" err="1" smtClean="0">
+                <a:latin typeface="Arial" panose="020B0604020202020204" pitchFamily="34" charset="0"/>
+                <a:cs typeface="Arial" panose="020B0604020202020204" pitchFamily="34" charset="0"/>
+              </a:rPr>
               <a:t>mục</a:t>
             </a:r>
             <a:r>
-              <a:rPr lang="en-US" dirty="0" smtClean="0"/>
+              <a:rPr lang="en-US" sz="2000" dirty="0" smtClean="0">
+                <a:latin typeface="Arial" panose="020B0604020202020204" pitchFamily="34" charset="0"/>
+                <a:cs typeface="Arial" panose="020B0604020202020204" pitchFamily="34" charset="0"/>
+              </a:rPr>
               <a:t> lib </a:t>
             </a:r>
             <a:r>
-              <a:rPr lang="en-US" dirty="0" err="1" smtClean="0"/>
+              <a:rPr lang="en-US" sz="2000" dirty="0" err="1" smtClean="0">
+                <a:latin typeface="Arial" panose="020B0604020202020204" pitchFamily="34" charset="0"/>
+                <a:cs typeface="Arial" panose="020B0604020202020204" pitchFamily="34" charset="0"/>
+              </a:rPr>
               <a:t>như</a:t>
             </a:r>
             <a:r>
-              <a:rPr lang="en-US" dirty="0" smtClean="0"/>
-              <a:t> </a:t>
-            </a:r>
-            <a:r>
-              <a:rPr lang="en-US" dirty="0" err="1" smtClean="0"/>
+              <a:rPr lang="en-US" sz="2000" dirty="0" smtClean="0">
+                <a:latin typeface="Arial" panose="020B0604020202020204" pitchFamily="34" charset="0"/>
+                <a:cs typeface="Arial" panose="020B0604020202020204" pitchFamily="34" charset="0"/>
+              </a:rPr>
+              <a:t> </a:t>
+            </a:r>
+            <a:r>
+              <a:rPr lang="en-US" sz="2000" dirty="0" err="1" smtClean="0">
+                <a:latin typeface="Arial" panose="020B0604020202020204" pitchFamily="34" charset="0"/>
+                <a:cs typeface="Arial" panose="020B0604020202020204" pitchFamily="34" charset="0"/>
+              </a:rPr>
               <a:t>trong</a:t>
             </a:r>
             <a:r>
-              <a:rPr lang="en-US" dirty="0" smtClean="0"/>
-              <a:t> </a:t>
-            </a:r>
-            <a:r>
-              <a:rPr lang="en-US" dirty="0" err="1" smtClean="0"/>
+              <a:rPr lang="en-US" sz="2000" dirty="0" smtClean="0">
+                <a:latin typeface="Arial" panose="020B0604020202020204" pitchFamily="34" charset="0"/>
+                <a:cs typeface="Arial" panose="020B0604020202020204" pitchFamily="34" charset="0"/>
+              </a:rPr>
+              <a:t> </a:t>
+            </a:r>
+            <a:r>
+              <a:rPr lang="en-US" sz="2000" dirty="0" err="1" smtClean="0">
+                <a:latin typeface="Arial" panose="020B0604020202020204" pitchFamily="34" charset="0"/>
+                <a:cs typeface="Arial" panose="020B0604020202020204" pitchFamily="34" charset="0"/>
+              </a:rPr>
               <a:t>hình</a:t>
             </a:r>
-            <a:endParaRPr lang="en-US" dirty="0" smtClean="0"/>
+            <a:endParaRPr lang="en-US" sz="2000" dirty="0" smtClean="0">
+              <a:latin typeface="Arial" panose="020B0604020202020204" pitchFamily="34" charset="0"/>
+              <a:cs typeface="Arial" panose="020B0604020202020204" pitchFamily="34" charset="0"/>
+            </a:endParaRPr>
           </a:p>
           <a:p>
             <a:pPr marL="285750" indent="-285750">
               <a:buFont typeface="Calibri" panose="020F0502020204030204" pitchFamily="34" charset="0"/>
               <a:buChar char="–"/>
             </a:pPr>
-            <a:endParaRPr lang="en-US" dirty="0" smtClean="0"/>
+            <a:endParaRPr lang="en-US" sz="2000" dirty="0" smtClean="0">
+              <a:latin typeface="Arial" panose="020B0604020202020204" pitchFamily="34" charset="0"/>
+              <a:cs typeface="Arial" panose="020B0604020202020204" pitchFamily="34" charset="0"/>
+            </a:endParaRPr>
           </a:p>
           <a:p>
             <a:pPr marL="285750" indent="-285750">
@@ -4244,107 +4482,185 @@
               <a:buChar char="–"/>
             </a:pPr>
             <a:r>
-              <a:rPr lang="en-US" dirty="0" smtClean="0"/>
-              <a:t> </a:t>
-            </a:r>
-            <a:r>
-              <a:rPr lang="en-US" dirty="0" err="1" smtClean="0"/>
+              <a:rPr lang="en-US" sz="2000" dirty="0" smtClean="0">
+                <a:latin typeface="Arial" panose="020B0604020202020204" pitchFamily="34" charset="0"/>
+                <a:cs typeface="Arial" panose="020B0604020202020204" pitchFamily="34" charset="0"/>
+              </a:rPr>
+              <a:t> </a:t>
+            </a:r>
+            <a:r>
+              <a:rPr lang="en-US" sz="2000" dirty="0" err="1" smtClean="0">
+                <a:latin typeface="Arial" panose="020B0604020202020204" pitchFamily="34" charset="0"/>
+                <a:cs typeface="Arial" panose="020B0604020202020204" pitchFamily="34" charset="0"/>
+              </a:rPr>
               <a:t>Có</a:t>
             </a:r>
             <a:r>
-              <a:rPr lang="en-US" dirty="0" smtClean="0"/>
-              <a:t> </a:t>
-            </a:r>
-            <a:r>
-              <a:rPr lang="en-US" dirty="0" err="1" smtClean="0"/>
+              <a:rPr lang="en-US" sz="2000" dirty="0" smtClean="0">
+                <a:latin typeface="Arial" panose="020B0604020202020204" pitchFamily="34" charset="0"/>
+                <a:cs typeface="Arial" panose="020B0604020202020204" pitchFamily="34" charset="0"/>
+              </a:rPr>
+              <a:t> </a:t>
+            </a:r>
+            <a:r>
+              <a:rPr lang="en-US" sz="2000" dirty="0" err="1" smtClean="0">
+                <a:latin typeface="Arial" panose="020B0604020202020204" pitchFamily="34" charset="0"/>
+                <a:cs typeface="Arial" panose="020B0604020202020204" pitchFamily="34" charset="0"/>
+              </a:rPr>
               <a:t>thể</a:t>
             </a:r>
             <a:r>
-              <a:rPr lang="en-US" dirty="0" smtClean="0"/>
-              <a:t> </a:t>
-            </a:r>
-            <a:r>
-              <a:rPr lang="en-US" dirty="0" err="1" smtClean="0"/>
+              <a:rPr lang="en-US" sz="2000" dirty="0" smtClean="0">
+                <a:latin typeface="Arial" panose="020B0604020202020204" pitchFamily="34" charset="0"/>
+                <a:cs typeface="Arial" panose="020B0604020202020204" pitchFamily="34" charset="0"/>
+              </a:rPr>
+              <a:t> </a:t>
+            </a:r>
+            <a:r>
+              <a:rPr lang="en-US" sz="2000" dirty="0" err="1" smtClean="0">
+                <a:latin typeface="Arial" panose="020B0604020202020204" pitchFamily="34" charset="0"/>
+                <a:cs typeface="Arial" panose="020B0604020202020204" pitchFamily="34" charset="0"/>
+              </a:rPr>
               <a:t>lựa</a:t>
             </a:r>
             <a:r>
-              <a:rPr lang="en-US" dirty="0" smtClean="0"/>
-              <a:t> </a:t>
-            </a:r>
-            <a:r>
-              <a:rPr lang="en-US" dirty="0" err="1" smtClean="0"/>
+              <a:rPr lang="en-US" sz="2000" dirty="0" smtClean="0">
+                <a:latin typeface="Arial" panose="020B0604020202020204" pitchFamily="34" charset="0"/>
+                <a:cs typeface="Arial" panose="020B0604020202020204" pitchFamily="34" charset="0"/>
+              </a:rPr>
+              <a:t> </a:t>
+            </a:r>
+            <a:r>
+              <a:rPr lang="en-US" sz="2000" dirty="0" err="1" smtClean="0">
+                <a:latin typeface="Arial" panose="020B0604020202020204" pitchFamily="34" charset="0"/>
+                <a:cs typeface="Arial" panose="020B0604020202020204" pitchFamily="34" charset="0"/>
+              </a:rPr>
               <a:t>chọn</a:t>
             </a:r>
             <a:r>
-              <a:rPr lang="en-US" dirty="0" smtClean="0"/>
-              <a:t> </a:t>
-            </a:r>
-            <a:r>
-              <a:rPr lang="en-US" dirty="0" err="1" smtClean="0"/>
+              <a:rPr lang="en-US" sz="2000" dirty="0" smtClean="0">
+                <a:latin typeface="Arial" panose="020B0604020202020204" pitchFamily="34" charset="0"/>
+                <a:cs typeface="Arial" panose="020B0604020202020204" pitchFamily="34" charset="0"/>
+              </a:rPr>
+              <a:t> </a:t>
+            </a:r>
+            <a:r>
+              <a:rPr lang="en-US" sz="2000" dirty="0" err="1" smtClean="0">
+                <a:latin typeface="Arial" panose="020B0604020202020204" pitchFamily="34" charset="0"/>
+                <a:cs typeface="Arial" panose="020B0604020202020204" pitchFamily="34" charset="0"/>
+              </a:rPr>
               <a:t>bản</a:t>
             </a:r>
             <a:r>
-              <a:rPr lang="en-US" dirty="0" smtClean="0"/>
-              <a:t> </a:t>
-            </a:r>
-            <a:r>
-              <a:rPr lang="en-US" dirty="0" err="1" smtClean="0"/>
+              <a:rPr lang="en-US" sz="2000" dirty="0" smtClean="0">
+                <a:latin typeface="Arial" panose="020B0604020202020204" pitchFamily="34" charset="0"/>
+                <a:cs typeface="Arial" panose="020B0604020202020204" pitchFamily="34" charset="0"/>
+              </a:rPr>
+              <a:t> </a:t>
+            </a:r>
+            <a:r>
+              <a:rPr lang="en-US" sz="2000" dirty="0" err="1" smtClean="0">
+                <a:latin typeface="Arial" panose="020B0604020202020204" pitchFamily="34" charset="0"/>
+                <a:cs typeface="Arial" panose="020B0604020202020204" pitchFamily="34" charset="0"/>
+              </a:rPr>
               <a:t>phát</a:t>
             </a:r>
             <a:r>
-              <a:rPr lang="en-US" dirty="0" smtClean="0"/>
-              <a:t> </a:t>
-            </a:r>
-            <a:r>
-              <a:rPr lang="en-US" dirty="0" err="1" smtClean="0"/>
+              <a:rPr lang="en-US" sz="2000" dirty="0" smtClean="0">
+                <a:latin typeface="Arial" panose="020B0604020202020204" pitchFamily="34" charset="0"/>
+                <a:cs typeface="Arial" panose="020B0604020202020204" pitchFamily="34" charset="0"/>
+              </a:rPr>
+              <a:t> </a:t>
+            </a:r>
+            <a:r>
+              <a:rPr lang="en-US" sz="2000" dirty="0" err="1" smtClean="0">
+                <a:latin typeface="Arial" panose="020B0604020202020204" pitchFamily="34" charset="0"/>
+                <a:cs typeface="Arial" panose="020B0604020202020204" pitchFamily="34" charset="0"/>
+              </a:rPr>
               <a:t>hành</a:t>
             </a:r>
             <a:r>
-              <a:rPr lang="en-US" dirty="0" smtClean="0"/>
-              <a:t> </a:t>
-            </a:r>
-            <a:r>
-              <a:rPr lang="en-US" dirty="0" err="1" smtClean="0"/>
+              <a:rPr lang="en-US" sz="2000" dirty="0" smtClean="0">
+                <a:latin typeface="Arial" panose="020B0604020202020204" pitchFamily="34" charset="0"/>
+                <a:cs typeface="Arial" panose="020B0604020202020204" pitchFamily="34" charset="0"/>
+              </a:rPr>
+              <a:t> </a:t>
+            </a:r>
+            <a:r>
+              <a:rPr lang="en-US" sz="2000" dirty="0" err="1" smtClean="0">
+                <a:latin typeface="Arial" panose="020B0604020202020204" pitchFamily="34" charset="0"/>
+                <a:cs typeface="Arial" panose="020B0604020202020204" pitchFamily="34" charset="0"/>
+              </a:rPr>
               <a:t>mới</a:t>
             </a:r>
             <a:r>
-              <a:rPr lang="en-US" dirty="0" smtClean="0"/>
-              <a:t> </a:t>
-            </a:r>
-            <a:r>
-              <a:rPr lang="en-US" dirty="0" err="1" smtClean="0"/>
+              <a:rPr lang="en-US" sz="2000" dirty="0" smtClean="0">
+                <a:latin typeface="Arial" panose="020B0604020202020204" pitchFamily="34" charset="0"/>
+                <a:cs typeface="Arial" panose="020B0604020202020204" pitchFamily="34" charset="0"/>
+              </a:rPr>
+              <a:t> </a:t>
+            </a:r>
+            <a:r>
+              <a:rPr lang="en-US" sz="2000" dirty="0" err="1" smtClean="0">
+                <a:latin typeface="Arial" panose="020B0604020202020204" pitchFamily="34" charset="0"/>
+                <a:cs typeface="Arial" panose="020B0604020202020204" pitchFamily="34" charset="0"/>
+              </a:rPr>
               <a:t>nhất</a:t>
             </a:r>
             <a:r>
-              <a:rPr lang="en-US" dirty="0" smtClean="0"/>
-              <a:t> </a:t>
-            </a:r>
-            <a:r>
-              <a:rPr lang="en-US" dirty="0" err="1" smtClean="0"/>
+              <a:rPr lang="en-US" sz="2000" dirty="0" smtClean="0">
+                <a:latin typeface="Arial" panose="020B0604020202020204" pitchFamily="34" charset="0"/>
+                <a:cs typeface="Arial" panose="020B0604020202020204" pitchFamily="34" charset="0"/>
+              </a:rPr>
+              <a:t> </a:t>
+            </a:r>
+            <a:r>
+              <a:rPr lang="en-US" sz="2000" dirty="0" err="1" smtClean="0">
+                <a:latin typeface="Arial" panose="020B0604020202020204" pitchFamily="34" charset="0"/>
+                <a:cs typeface="Arial" panose="020B0604020202020204" pitchFamily="34" charset="0"/>
+              </a:rPr>
               <a:t>của</a:t>
             </a:r>
             <a:r>
-              <a:rPr lang="en-US" dirty="0" smtClean="0"/>
-              <a:t> </a:t>
-            </a:r>
-            <a:r>
-              <a:rPr lang="en-US" dirty="0" err="1" smtClean="0"/>
+              <a:rPr lang="en-US" sz="2000" dirty="0" smtClean="0">
+                <a:latin typeface="Arial" panose="020B0604020202020204" pitchFamily="34" charset="0"/>
+                <a:cs typeface="Arial" panose="020B0604020202020204" pitchFamily="34" charset="0"/>
+              </a:rPr>
+              <a:t> </a:t>
+            </a:r>
+            <a:r>
+              <a:rPr lang="en-US" sz="2000" dirty="0" err="1" smtClean="0">
+                <a:latin typeface="Arial" panose="020B0604020202020204" pitchFamily="34" charset="0"/>
+                <a:cs typeface="Arial" panose="020B0604020202020204" pitchFamily="34" charset="0"/>
+              </a:rPr>
               <a:t>các</a:t>
             </a:r>
             <a:r>
-              <a:rPr lang="en-US" dirty="0" smtClean="0"/>
-              <a:t> </a:t>
-            </a:r>
-            <a:r>
-              <a:rPr lang="en-US" dirty="0" err="1" smtClean="0"/>
+              <a:rPr lang="en-US" sz="2000" dirty="0" smtClean="0">
+                <a:latin typeface="Arial" panose="020B0604020202020204" pitchFamily="34" charset="0"/>
+                <a:cs typeface="Arial" panose="020B0604020202020204" pitchFamily="34" charset="0"/>
+              </a:rPr>
+              <a:t> </a:t>
+            </a:r>
+            <a:r>
+              <a:rPr lang="en-US" sz="2000" dirty="0" err="1" smtClean="0">
+                <a:latin typeface="Arial" panose="020B0604020202020204" pitchFamily="34" charset="0"/>
+                <a:cs typeface="Arial" panose="020B0604020202020204" pitchFamily="34" charset="0"/>
+              </a:rPr>
               <a:t>thư</a:t>
             </a:r>
             <a:r>
-              <a:rPr lang="en-US" dirty="0" smtClean="0"/>
-              <a:t> </a:t>
-            </a:r>
-            <a:r>
-              <a:rPr lang="en-US" dirty="0" err="1" smtClean="0"/>
+              <a:rPr lang="en-US" sz="2000" dirty="0" smtClean="0">
+                <a:latin typeface="Arial" panose="020B0604020202020204" pitchFamily="34" charset="0"/>
+                <a:cs typeface="Arial" panose="020B0604020202020204" pitchFamily="34" charset="0"/>
+              </a:rPr>
+              <a:t> </a:t>
+            </a:r>
+            <a:r>
+              <a:rPr lang="en-US" sz="2000" dirty="0" err="1" smtClean="0">
+                <a:latin typeface="Arial" panose="020B0604020202020204" pitchFamily="34" charset="0"/>
+                <a:cs typeface="Arial" panose="020B0604020202020204" pitchFamily="34" charset="0"/>
+              </a:rPr>
               <a:t>viện</a:t>
             </a:r>
             <a:r>
@@ -4493,7 +4809,7 @@
         </p:nvSpPr>
         <p:spPr>
           <a:xfrm>
-            <a:off x="-2101932" y="580741"/>
+            <a:off x="-1941295" y="319071"/>
             <a:ext cx="10880044" cy="646331"/>
           </a:xfrm>
           <a:prstGeom prst="rect">
@@ -4574,8 +4890,8 @@
         </p:nvSpPr>
         <p:spPr>
           <a:xfrm>
-            <a:off x="562312" y="525201"/>
-            <a:ext cx="7173017" cy="1169551"/>
+            <a:off x="575591" y="160338"/>
+            <a:ext cx="9717587" cy="1292662"/>
           </a:xfrm>
           <a:prstGeom prst="rect">
             <a:avLst/>
@@ -4589,174 +4905,174 @@
           <a:lstStyle/>
           <a:p>
             <a:r>
-              <a:rPr lang="en-US" sz="2200" b="1" dirty="0">
+              <a:rPr lang="en-US" sz="3200" b="1" dirty="0">
                 <a:latin typeface="Times New Roman" panose="02020603050405020304" pitchFamily="18" charset="0"/>
                 <a:cs typeface="Times New Roman" panose="02020603050405020304" pitchFamily="18" charset="0"/>
               </a:rPr>
               <a:t>4</a:t>
             </a:r>
             <a:r>
-              <a:rPr lang="en-US" sz="2200" b="1" dirty="0" smtClean="0">
+              <a:rPr lang="en-US" sz="3200" b="1" dirty="0" smtClean="0">
                 <a:latin typeface="Times New Roman" panose="02020603050405020304" pitchFamily="18" charset="0"/>
                 <a:cs typeface="Times New Roman" panose="02020603050405020304" pitchFamily="18" charset="0"/>
               </a:rPr>
               <a:t>. </a:t>
             </a:r>
             <a:r>
-              <a:rPr lang="en-US" sz="2200" b="1" dirty="0" err="1" smtClean="0">
+              <a:rPr lang="en-US" sz="3200" b="1" dirty="0" err="1" smtClean="0">
                 <a:latin typeface="Times New Roman" panose="02020603050405020304" pitchFamily="18" charset="0"/>
                 <a:cs typeface="Times New Roman" panose="02020603050405020304" pitchFamily="18" charset="0"/>
               </a:rPr>
               <a:t>Tạo</a:t>
             </a:r>
             <a:r>
-              <a:rPr lang="en-US" sz="2200" b="1" dirty="0" smtClean="0">
-                <a:latin typeface="Times New Roman" panose="02020603050405020304" pitchFamily="18" charset="0"/>
-                <a:cs typeface="Times New Roman" panose="02020603050405020304" pitchFamily="18" charset="0"/>
-              </a:rPr>
-              <a:t> </a:t>
-            </a:r>
-            <a:r>
-              <a:rPr lang="en-US" sz="2200" b="1" dirty="0" err="1" smtClean="0">
+              <a:rPr lang="en-US" sz="3200" b="1" dirty="0" smtClean="0">
+                <a:latin typeface="Times New Roman" panose="02020603050405020304" pitchFamily="18" charset="0"/>
+                <a:cs typeface="Times New Roman" panose="02020603050405020304" pitchFamily="18" charset="0"/>
+              </a:rPr>
+              <a:t> </a:t>
+            </a:r>
+            <a:r>
+              <a:rPr lang="en-US" sz="3200" b="1" dirty="0" err="1" smtClean="0">
                 <a:latin typeface="Times New Roman" panose="02020603050405020304" pitchFamily="18" charset="0"/>
                 <a:cs typeface="Times New Roman" panose="02020603050405020304" pitchFamily="18" charset="0"/>
               </a:rPr>
               <a:t>cấu</a:t>
             </a:r>
             <a:r>
-              <a:rPr lang="en-US" sz="2200" b="1" dirty="0" smtClean="0">
-                <a:latin typeface="Times New Roman" panose="02020603050405020304" pitchFamily="18" charset="0"/>
-                <a:cs typeface="Times New Roman" panose="02020603050405020304" pitchFamily="18" charset="0"/>
-              </a:rPr>
-              <a:t> </a:t>
-            </a:r>
-            <a:r>
-              <a:rPr lang="en-US" sz="2200" b="1" dirty="0" err="1" smtClean="0">
+              <a:rPr lang="en-US" sz="3200" b="1" dirty="0" smtClean="0">
+                <a:latin typeface="Times New Roman" panose="02020603050405020304" pitchFamily="18" charset="0"/>
+                <a:cs typeface="Times New Roman" panose="02020603050405020304" pitchFamily="18" charset="0"/>
+              </a:rPr>
+              <a:t> </a:t>
+            </a:r>
+            <a:r>
+              <a:rPr lang="en-US" sz="3200" b="1" dirty="0" err="1" smtClean="0">
                 <a:latin typeface="Times New Roman" panose="02020603050405020304" pitchFamily="18" charset="0"/>
                 <a:cs typeface="Times New Roman" panose="02020603050405020304" pitchFamily="18" charset="0"/>
               </a:rPr>
               <a:t>trúc</a:t>
             </a:r>
             <a:r>
-              <a:rPr lang="en-US" sz="2200" b="1" dirty="0" smtClean="0">
-                <a:latin typeface="Times New Roman" panose="02020603050405020304" pitchFamily="18" charset="0"/>
-                <a:cs typeface="Times New Roman" panose="02020603050405020304" pitchFamily="18" charset="0"/>
-              </a:rPr>
-              <a:t> </a:t>
-            </a:r>
-            <a:r>
-              <a:rPr lang="en-US" sz="2200" b="1" dirty="0" err="1" smtClean="0">
+              <a:rPr lang="en-US" sz="3200" b="1" dirty="0" smtClean="0">
+                <a:latin typeface="Times New Roman" panose="02020603050405020304" pitchFamily="18" charset="0"/>
+                <a:cs typeface="Times New Roman" panose="02020603050405020304" pitchFamily="18" charset="0"/>
+              </a:rPr>
+              <a:t> </a:t>
+            </a:r>
+            <a:r>
+              <a:rPr lang="en-US" sz="3200" b="1" dirty="0" err="1" smtClean="0">
                 <a:latin typeface="Times New Roman" panose="02020603050405020304" pitchFamily="18" charset="0"/>
                 <a:cs typeface="Times New Roman" panose="02020603050405020304" pitchFamily="18" charset="0"/>
               </a:rPr>
               <a:t>dự</a:t>
             </a:r>
             <a:r>
-              <a:rPr lang="en-US" sz="2200" b="1" dirty="0" smtClean="0">
-                <a:latin typeface="Times New Roman" panose="02020603050405020304" pitchFamily="18" charset="0"/>
-                <a:cs typeface="Times New Roman" panose="02020603050405020304" pitchFamily="18" charset="0"/>
-              </a:rPr>
-              <a:t> </a:t>
-            </a:r>
-            <a:r>
-              <a:rPr lang="en-US" sz="2200" b="1" dirty="0" err="1" smtClean="0">
+              <a:rPr lang="en-US" sz="3200" b="1" dirty="0" smtClean="0">
+                <a:latin typeface="Times New Roman" panose="02020603050405020304" pitchFamily="18" charset="0"/>
+                <a:cs typeface="Times New Roman" panose="02020603050405020304" pitchFamily="18" charset="0"/>
+              </a:rPr>
+              <a:t> </a:t>
+            </a:r>
+            <a:r>
+              <a:rPr lang="en-US" sz="3200" b="1" dirty="0" err="1" smtClean="0">
                 <a:latin typeface="Times New Roman" panose="02020603050405020304" pitchFamily="18" charset="0"/>
                 <a:cs typeface="Times New Roman" panose="02020603050405020304" pitchFamily="18" charset="0"/>
               </a:rPr>
               <a:t>án</a:t>
             </a:r>
             <a:r>
-              <a:rPr lang="en-US" sz="2200" b="1" dirty="0" smtClean="0">
-                <a:latin typeface="Times New Roman" panose="02020603050405020304" pitchFamily="18" charset="0"/>
-                <a:cs typeface="Times New Roman" panose="02020603050405020304" pitchFamily="18" charset="0"/>
-              </a:rPr>
-              <a:t> </a:t>
-            </a:r>
-            <a:r>
-              <a:rPr lang="en-US" sz="2200" b="1" dirty="0" err="1" smtClean="0">
+              <a:rPr lang="en-US" sz="3200" b="1" dirty="0" smtClean="0">
+                <a:latin typeface="Times New Roman" panose="02020603050405020304" pitchFamily="18" charset="0"/>
+                <a:cs typeface="Times New Roman" panose="02020603050405020304" pitchFamily="18" charset="0"/>
+              </a:rPr>
+              <a:t> </a:t>
+            </a:r>
+            <a:r>
+              <a:rPr lang="en-US" sz="3200" b="1" dirty="0" err="1" smtClean="0">
                 <a:latin typeface="Times New Roman" panose="02020603050405020304" pitchFamily="18" charset="0"/>
                 <a:cs typeface="Times New Roman" panose="02020603050405020304" pitchFamily="18" charset="0"/>
               </a:rPr>
               <a:t>và</a:t>
             </a:r>
             <a:r>
-              <a:rPr lang="en-US" sz="2200" b="1" dirty="0" smtClean="0">
-                <a:latin typeface="Times New Roman" panose="02020603050405020304" pitchFamily="18" charset="0"/>
-                <a:cs typeface="Times New Roman" panose="02020603050405020304" pitchFamily="18" charset="0"/>
-              </a:rPr>
-              <a:t> </a:t>
-            </a:r>
-            <a:r>
-              <a:rPr lang="en-US" sz="2200" b="1" dirty="0" err="1" smtClean="0">
+              <a:rPr lang="en-US" sz="3200" b="1" dirty="0" smtClean="0">
+                <a:latin typeface="Times New Roman" panose="02020603050405020304" pitchFamily="18" charset="0"/>
+                <a:cs typeface="Times New Roman" panose="02020603050405020304" pitchFamily="18" charset="0"/>
+              </a:rPr>
+              <a:t> </a:t>
+            </a:r>
+            <a:r>
+              <a:rPr lang="en-US" sz="3200" b="1" dirty="0" err="1" smtClean="0">
                 <a:latin typeface="Times New Roman" panose="02020603050405020304" pitchFamily="18" charset="0"/>
                 <a:cs typeface="Times New Roman" panose="02020603050405020304" pitchFamily="18" charset="0"/>
               </a:rPr>
               <a:t>hoàn</a:t>
             </a:r>
             <a:r>
-              <a:rPr lang="en-US" sz="2200" b="1" dirty="0" smtClean="0">
-                <a:latin typeface="Times New Roman" panose="02020603050405020304" pitchFamily="18" charset="0"/>
-                <a:cs typeface="Times New Roman" panose="02020603050405020304" pitchFamily="18" charset="0"/>
-              </a:rPr>
-              <a:t> </a:t>
-            </a:r>
-            <a:r>
-              <a:rPr lang="en-US" sz="2200" b="1" dirty="0" err="1" smtClean="0">
+              <a:rPr lang="en-US" sz="3200" b="1" dirty="0" smtClean="0">
+                <a:latin typeface="Times New Roman" panose="02020603050405020304" pitchFamily="18" charset="0"/>
+                <a:cs typeface="Times New Roman" panose="02020603050405020304" pitchFamily="18" charset="0"/>
+              </a:rPr>
+              <a:t> </a:t>
+            </a:r>
+            <a:r>
+              <a:rPr lang="en-US" sz="3200" b="1" dirty="0" err="1" smtClean="0">
                 <a:latin typeface="Times New Roman" panose="02020603050405020304" pitchFamily="18" charset="0"/>
                 <a:cs typeface="Times New Roman" panose="02020603050405020304" pitchFamily="18" charset="0"/>
               </a:rPr>
               <a:t>đoạn</a:t>
             </a:r>
             <a:r>
-              <a:rPr lang="en-US" sz="2200" b="1" dirty="0" smtClean="0">
-                <a:latin typeface="Times New Roman" panose="02020603050405020304" pitchFamily="18" charset="0"/>
-                <a:cs typeface="Times New Roman" panose="02020603050405020304" pitchFamily="18" charset="0"/>
-              </a:rPr>
-              <a:t> </a:t>
-            </a:r>
-            <a:r>
-              <a:rPr lang="en-US" sz="2200" b="1" dirty="0" err="1" smtClean="0">
+              <a:rPr lang="en-US" sz="3200" b="1" dirty="0" smtClean="0">
+                <a:latin typeface="Times New Roman" panose="02020603050405020304" pitchFamily="18" charset="0"/>
+                <a:cs typeface="Times New Roman" panose="02020603050405020304" pitchFamily="18" charset="0"/>
+              </a:rPr>
+              <a:t> </a:t>
+            </a:r>
+            <a:r>
+              <a:rPr lang="en-US" sz="3200" b="1" dirty="0" err="1" smtClean="0">
                 <a:latin typeface="Times New Roman" panose="02020603050405020304" pitchFamily="18" charset="0"/>
                 <a:cs typeface="Times New Roman" panose="02020603050405020304" pitchFamily="18" charset="0"/>
               </a:rPr>
               <a:t>mã</a:t>
             </a:r>
             <a:r>
-              <a:rPr lang="en-US" sz="2200" b="1" dirty="0" smtClean="0">
-                <a:latin typeface="Times New Roman" panose="02020603050405020304" pitchFamily="18" charset="0"/>
-                <a:cs typeface="Times New Roman" panose="02020603050405020304" pitchFamily="18" charset="0"/>
-              </a:rPr>
-              <a:t> </a:t>
-            </a:r>
-            <a:r>
-              <a:rPr lang="en-US" sz="2200" b="1" dirty="0" err="1" smtClean="0">
+              <a:rPr lang="en-US" sz="3200" b="1" dirty="0" smtClean="0">
+                <a:latin typeface="Times New Roman" panose="02020603050405020304" pitchFamily="18" charset="0"/>
+                <a:cs typeface="Times New Roman" panose="02020603050405020304" pitchFamily="18" charset="0"/>
+              </a:rPr>
+              <a:t> </a:t>
+            </a:r>
+            <a:r>
+              <a:rPr lang="en-US" sz="3200" b="1" dirty="0" err="1" smtClean="0">
                 <a:latin typeface="Times New Roman" panose="02020603050405020304" pitchFamily="18" charset="0"/>
                 <a:cs typeface="Times New Roman" panose="02020603050405020304" pitchFamily="18" charset="0"/>
               </a:rPr>
               <a:t>cho</a:t>
             </a:r>
             <a:r>
-              <a:rPr lang="en-US" sz="2200" b="1" dirty="0" smtClean="0">
-                <a:latin typeface="Times New Roman" panose="02020603050405020304" pitchFamily="18" charset="0"/>
-                <a:cs typeface="Times New Roman" panose="02020603050405020304" pitchFamily="18" charset="0"/>
-              </a:rPr>
-              <a:t> </a:t>
-            </a:r>
-            <a:r>
-              <a:rPr lang="en-US" sz="2200" b="1" dirty="0" err="1" smtClean="0">
+              <a:rPr lang="en-US" sz="3200" b="1" dirty="0" smtClean="0">
+                <a:latin typeface="Times New Roman" panose="02020603050405020304" pitchFamily="18" charset="0"/>
+                <a:cs typeface="Times New Roman" panose="02020603050405020304" pitchFamily="18" charset="0"/>
+              </a:rPr>
+              <a:t> </a:t>
+            </a:r>
+            <a:r>
+              <a:rPr lang="en-US" sz="3200" b="1" dirty="0" err="1" smtClean="0">
                 <a:latin typeface="Times New Roman" panose="02020603050405020304" pitchFamily="18" charset="0"/>
                 <a:cs typeface="Times New Roman" panose="02020603050405020304" pitchFamily="18" charset="0"/>
               </a:rPr>
               <a:t>các</a:t>
             </a:r>
             <a:r>
-              <a:rPr lang="en-US" sz="2200" b="1" dirty="0" smtClean="0">
+              <a:rPr lang="en-US" sz="3200" b="1" dirty="0" smtClean="0">
                 <a:latin typeface="Times New Roman" panose="02020603050405020304" pitchFamily="18" charset="0"/>
                 <a:cs typeface="Times New Roman" panose="02020603050405020304" pitchFamily="18" charset="0"/>
               </a:rPr>
               <a:t> file </a:t>
             </a:r>
-            <a:endParaRPr lang="en-US" sz="2200" b="1" dirty="0">
+            <a:endParaRPr lang="en-US" sz="3200" b="1" dirty="0">
               <a:latin typeface="Times New Roman" panose="02020603050405020304" pitchFamily="18" charset="0"/>
               <a:cs typeface="Times New Roman" panose="02020603050405020304" pitchFamily="18" charset="0"/>
             </a:endParaRPr>
@@ -4784,8 +5100,8 @@
         </p:nvSpPr>
         <p:spPr>
           <a:xfrm>
-            <a:off x="5282979" y="1385832"/>
-            <a:ext cx="6311296" cy="1754326"/>
+            <a:off x="5567184" y="1735830"/>
+            <a:ext cx="6311296" cy="1846659"/>
           </a:xfrm>
           <a:prstGeom prst="rect">
             <a:avLst/>
@@ -4803,85 +5119,148 @@
               <a:buChar char="–"/>
             </a:pPr>
             <a:r>
-              <a:rPr lang="en-US" dirty="0" err="1" smtClean="0"/>
+              <a:rPr lang="en-US" sz="2000" dirty="0" err="1" smtClean="0">
+                <a:latin typeface="Arial" panose="020B0604020202020204" pitchFamily="34" charset="0"/>
+                <a:cs typeface="Arial" panose="020B0604020202020204" pitchFamily="34" charset="0"/>
+              </a:rPr>
               <a:t>Cấu</a:t>
             </a:r>
             <a:r>
-              <a:rPr lang="en-US" dirty="0" smtClean="0"/>
-              <a:t> </a:t>
-            </a:r>
-            <a:r>
-              <a:rPr lang="en-US" dirty="0" err="1" smtClean="0"/>
+              <a:rPr lang="en-US" sz="2000" dirty="0" smtClean="0">
+                <a:latin typeface="Arial" panose="020B0604020202020204" pitchFamily="34" charset="0"/>
+                <a:cs typeface="Arial" panose="020B0604020202020204" pitchFamily="34" charset="0"/>
+              </a:rPr>
+              <a:t> </a:t>
+            </a:r>
+            <a:r>
+              <a:rPr lang="en-US" sz="2000" dirty="0" err="1" smtClean="0">
+                <a:latin typeface="Arial" panose="020B0604020202020204" pitchFamily="34" charset="0"/>
+                <a:cs typeface="Arial" panose="020B0604020202020204" pitchFamily="34" charset="0"/>
+              </a:rPr>
               <a:t>trúc</a:t>
             </a:r>
             <a:r>
-              <a:rPr lang="en-US" dirty="0" smtClean="0"/>
-              <a:t> </a:t>
-            </a:r>
-            <a:r>
-              <a:rPr lang="en-US" dirty="0" err="1" smtClean="0"/>
+              <a:rPr lang="en-US" sz="2000" dirty="0" smtClean="0">
+                <a:latin typeface="Arial" panose="020B0604020202020204" pitchFamily="34" charset="0"/>
+                <a:cs typeface="Arial" panose="020B0604020202020204" pitchFamily="34" charset="0"/>
+              </a:rPr>
+              <a:t> </a:t>
+            </a:r>
+            <a:r>
+              <a:rPr lang="en-US" sz="2000" dirty="0" err="1" smtClean="0">
+                <a:latin typeface="Arial" panose="020B0604020202020204" pitchFamily="34" charset="0"/>
+                <a:cs typeface="Arial" panose="020B0604020202020204" pitchFamily="34" charset="0"/>
+              </a:rPr>
               <a:t>dự</a:t>
             </a:r>
             <a:r>
-              <a:rPr lang="en-US" dirty="0" smtClean="0"/>
-              <a:t> </a:t>
-            </a:r>
-            <a:r>
-              <a:rPr lang="en-US" dirty="0" err="1" smtClean="0"/>
+              <a:rPr lang="en-US" sz="2000" dirty="0" smtClean="0">
+                <a:latin typeface="Arial" panose="020B0604020202020204" pitchFamily="34" charset="0"/>
+                <a:cs typeface="Arial" panose="020B0604020202020204" pitchFamily="34" charset="0"/>
+              </a:rPr>
+              <a:t> </a:t>
+            </a:r>
+            <a:r>
+              <a:rPr lang="en-US" sz="2000" dirty="0" err="1" smtClean="0">
+                <a:latin typeface="Arial" panose="020B0604020202020204" pitchFamily="34" charset="0"/>
+                <a:cs typeface="Arial" panose="020B0604020202020204" pitchFamily="34" charset="0"/>
+              </a:rPr>
               <a:t>án</a:t>
             </a:r>
             <a:r>
-              <a:rPr lang="en-US" dirty="0" smtClean="0"/>
-              <a:t> </a:t>
-            </a:r>
-            <a:r>
-              <a:rPr lang="en-US" dirty="0" err="1" smtClean="0"/>
+              <a:rPr lang="en-US" sz="2000" dirty="0" smtClean="0">
+                <a:latin typeface="Arial" panose="020B0604020202020204" pitchFamily="34" charset="0"/>
+                <a:cs typeface="Arial" panose="020B0604020202020204" pitchFamily="34" charset="0"/>
+              </a:rPr>
+              <a:t> </a:t>
+            </a:r>
+            <a:r>
+              <a:rPr lang="en-US" sz="2000" dirty="0" err="1" smtClean="0">
+                <a:latin typeface="Arial" panose="020B0604020202020204" pitchFamily="34" charset="0"/>
+                <a:cs typeface="Arial" panose="020B0604020202020204" pitchFamily="34" charset="0"/>
+              </a:rPr>
               <a:t>tiêu</a:t>
             </a:r>
             <a:r>
-              <a:rPr lang="en-US" dirty="0" smtClean="0"/>
-              <a:t> </a:t>
-            </a:r>
-            <a:r>
-              <a:rPr lang="en-US" dirty="0" err="1" smtClean="0"/>
+              <a:rPr lang="en-US" sz="2000" dirty="0" smtClean="0">
+                <a:latin typeface="Arial" panose="020B0604020202020204" pitchFamily="34" charset="0"/>
+                <a:cs typeface="Arial" panose="020B0604020202020204" pitchFamily="34" charset="0"/>
+              </a:rPr>
+              <a:t> </a:t>
+            </a:r>
+            <a:r>
+              <a:rPr lang="en-US" sz="2000" dirty="0" err="1" smtClean="0">
+                <a:latin typeface="Arial" panose="020B0604020202020204" pitchFamily="34" charset="0"/>
+                <a:cs typeface="Arial" panose="020B0604020202020204" pitchFamily="34" charset="0"/>
+              </a:rPr>
               <a:t>chuẩn</a:t>
             </a:r>
             <a:r>
-              <a:rPr lang="en-US" dirty="0" smtClean="0"/>
-              <a:t> </a:t>
-            </a:r>
-            <a:r>
-              <a:rPr lang="en-US" dirty="0" err="1" smtClean="0"/>
+              <a:rPr lang="en-US" sz="2000" dirty="0" smtClean="0">
+                <a:latin typeface="Arial" panose="020B0604020202020204" pitchFamily="34" charset="0"/>
+                <a:cs typeface="Arial" panose="020B0604020202020204" pitchFamily="34" charset="0"/>
+              </a:rPr>
+              <a:t> </a:t>
+            </a:r>
+            <a:r>
+              <a:rPr lang="en-US" sz="2000" dirty="0" err="1" smtClean="0">
+                <a:latin typeface="Arial" panose="020B0604020202020204" pitchFamily="34" charset="0"/>
+                <a:cs typeface="Arial" panose="020B0604020202020204" pitchFamily="34" charset="0"/>
+              </a:rPr>
               <a:t>cho</a:t>
             </a:r>
             <a:r>
-              <a:rPr lang="en-US" dirty="0" smtClean="0"/>
-              <a:t> </a:t>
-            </a:r>
-            <a:r>
-              <a:rPr lang="en-US" dirty="0" err="1" smtClean="0"/>
+              <a:rPr lang="en-US" sz="2000" dirty="0" smtClean="0">
+                <a:latin typeface="Arial" panose="020B0604020202020204" pitchFamily="34" charset="0"/>
+                <a:cs typeface="Arial" panose="020B0604020202020204" pitchFamily="34" charset="0"/>
+              </a:rPr>
+              <a:t> </a:t>
+            </a:r>
+            <a:r>
+              <a:rPr lang="en-US" sz="2000" dirty="0" err="1" smtClean="0">
+                <a:latin typeface="Arial" panose="020B0604020202020204" pitchFamily="34" charset="0"/>
+                <a:cs typeface="Arial" panose="020B0604020202020204" pitchFamily="34" charset="0"/>
+              </a:rPr>
               <a:t>mô</a:t>
             </a:r>
             <a:r>
-              <a:rPr lang="en-US" dirty="0" smtClean="0"/>
-              <a:t> </a:t>
-            </a:r>
-            <a:r>
-              <a:rPr lang="en-US" dirty="0" err="1" smtClean="0"/>
+              <a:rPr lang="en-US" sz="2000" dirty="0" smtClean="0">
+                <a:latin typeface="Arial" panose="020B0604020202020204" pitchFamily="34" charset="0"/>
+                <a:cs typeface="Arial" panose="020B0604020202020204" pitchFamily="34" charset="0"/>
+              </a:rPr>
+              <a:t> </a:t>
+            </a:r>
+            <a:r>
+              <a:rPr lang="en-US" sz="2000" dirty="0" err="1" smtClean="0">
+                <a:latin typeface="Arial" panose="020B0604020202020204" pitchFamily="34" charset="0"/>
+                <a:cs typeface="Arial" panose="020B0604020202020204" pitchFamily="34" charset="0"/>
+              </a:rPr>
               <a:t>hình</a:t>
             </a:r>
             <a:r>
-              <a:rPr lang="en-US" dirty="0"/>
-              <a:t> </a:t>
-            </a:r>
-            <a:r>
-              <a:rPr lang="en-US" dirty="0" err="1" smtClean="0"/>
+              <a:rPr lang="en-US" sz="2000" dirty="0">
+                <a:latin typeface="Arial" panose="020B0604020202020204" pitchFamily="34" charset="0"/>
+                <a:cs typeface="Arial" panose="020B0604020202020204" pitchFamily="34" charset="0"/>
+              </a:rPr>
+              <a:t> </a:t>
+            </a:r>
+            <a:r>
+              <a:rPr lang="en-US" sz="2000" dirty="0" err="1" smtClean="0">
+                <a:latin typeface="Arial" panose="020B0604020202020204" pitchFamily="34" charset="0"/>
+                <a:cs typeface="Arial" panose="020B0604020202020204" pitchFamily="34" charset="0"/>
+              </a:rPr>
               <a:t>mvc</a:t>
             </a:r>
-            <a:endParaRPr lang="en-US" dirty="0" smtClean="0"/>
-          </a:p>
-          <a:p>
-            <a:endParaRPr lang="en-US" dirty="0" smtClean="0"/>
+            <a:endParaRPr lang="en-US" sz="2000" dirty="0" smtClean="0">
+              <a:latin typeface="Arial" panose="020B0604020202020204" pitchFamily="34" charset="0"/>
+              <a:cs typeface="Arial" panose="020B0604020202020204" pitchFamily="34" charset="0"/>
+            </a:endParaRPr>
+          </a:p>
+          <a:p>
+            <a:endParaRPr lang="en-US" sz="2000" dirty="0" smtClean="0">
+              <a:latin typeface="Arial" panose="020B0604020202020204" pitchFamily="34" charset="0"/>
+              <a:cs typeface="Arial" panose="020B0604020202020204" pitchFamily="34" charset="0"/>
+            </a:endParaRPr>
           </a:p>
           <a:p>
             <a:pPr marL="285750" indent="-285750">
@@ -4889,71 +5268,122 @@
               <a:buChar char="–"/>
             </a:pPr>
             <a:r>
-              <a:rPr lang="en-US" dirty="0" err="1" smtClean="0"/>
+              <a:rPr lang="en-US" sz="2000" dirty="0" err="1" smtClean="0">
+                <a:latin typeface="Arial" panose="020B0604020202020204" pitchFamily="34" charset="0"/>
+                <a:cs typeface="Arial" panose="020B0604020202020204" pitchFamily="34" charset="0"/>
+              </a:rPr>
               <a:t>Coppy</a:t>
             </a:r>
             <a:r>
-              <a:rPr lang="en-US" dirty="0" smtClean="0"/>
-              <a:t> </a:t>
-            </a:r>
-            <a:r>
-              <a:rPr lang="en-US" dirty="0" err="1" smtClean="0"/>
+              <a:rPr lang="en-US" sz="2000" dirty="0" smtClean="0">
+                <a:latin typeface="Arial" panose="020B0604020202020204" pitchFamily="34" charset="0"/>
+                <a:cs typeface="Arial" panose="020B0604020202020204" pitchFamily="34" charset="0"/>
+              </a:rPr>
+              <a:t> </a:t>
+            </a:r>
+            <a:r>
+              <a:rPr lang="en-US" sz="2000" dirty="0" err="1" smtClean="0">
+                <a:latin typeface="Arial" panose="020B0604020202020204" pitchFamily="34" charset="0"/>
+                <a:cs typeface="Arial" panose="020B0604020202020204" pitchFamily="34" charset="0"/>
+              </a:rPr>
               <a:t>nội</a:t>
             </a:r>
             <a:r>
-              <a:rPr lang="en-US" dirty="0" smtClean="0"/>
+              <a:rPr lang="en-US" sz="2000" dirty="0" smtClean="0">
+                <a:latin typeface="Arial" panose="020B0604020202020204" pitchFamily="34" charset="0"/>
+                <a:cs typeface="Arial" panose="020B0604020202020204" pitchFamily="34" charset="0"/>
+              </a:rPr>
               <a:t> dung </a:t>
             </a:r>
             <a:r>
-              <a:rPr lang="en-US" dirty="0" err="1" smtClean="0"/>
+              <a:rPr lang="en-US" sz="2000" dirty="0" err="1" smtClean="0">
+                <a:latin typeface="Arial" panose="020B0604020202020204" pitchFamily="34" charset="0"/>
+                <a:cs typeface="Arial" panose="020B0604020202020204" pitchFamily="34" charset="0"/>
+              </a:rPr>
               <a:t>của</a:t>
             </a:r>
             <a:r>
-              <a:rPr lang="en-US" dirty="0" smtClean="0"/>
-              <a:t> </a:t>
-            </a:r>
-            <a:r>
-              <a:rPr lang="en-US" dirty="0" err="1" smtClean="0"/>
+              <a:rPr lang="en-US" sz="2000" dirty="0" smtClean="0">
+                <a:latin typeface="Arial" panose="020B0604020202020204" pitchFamily="34" charset="0"/>
+                <a:cs typeface="Arial" panose="020B0604020202020204" pitchFamily="34" charset="0"/>
+              </a:rPr>
+              <a:t> </a:t>
+            </a:r>
+            <a:r>
+              <a:rPr lang="en-US" sz="2000" dirty="0" err="1" smtClean="0">
+                <a:latin typeface="Arial" panose="020B0604020202020204" pitchFamily="34" charset="0"/>
+                <a:cs typeface="Arial" panose="020B0604020202020204" pitchFamily="34" charset="0"/>
+              </a:rPr>
               <a:t>các</a:t>
             </a:r>
             <a:r>
-              <a:rPr lang="en-US" dirty="0" smtClean="0"/>
+              <a:rPr lang="en-US" sz="2000" dirty="0" smtClean="0">
+                <a:latin typeface="Arial" panose="020B0604020202020204" pitchFamily="34" charset="0"/>
+                <a:cs typeface="Arial" panose="020B0604020202020204" pitchFamily="34" charset="0"/>
+              </a:rPr>
               <a:t> file </a:t>
             </a:r>
             <a:r>
-              <a:rPr lang="en-US" dirty="0" err="1" smtClean="0"/>
+              <a:rPr lang="en-US" sz="2000" dirty="0" err="1" smtClean="0">
+                <a:latin typeface="Arial" panose="020B0604020202020204" pitchFamily="34" charset="0"/>
+                <a:cs typeface="Arial" panose="020B0604020202020204" pitchFamily="34" charset="0"/>
+              </a:rPr>
               <a:t>trên</a:t>
             </a:r>
             <a:r>
-              <a:rPr lang="en-US" dirty="0" smtClean="0"/>
-              <a:t> </a:t>
-            </a:r>
-            <a:r>
-              <a:rPr lang="en-US" dirty="0" err="1" smtClean="0"/>
+              <a:rPr lang="en-US" sz="2000" dirty="0" smtClean="0">
+                <a:latin typeface="Arial" panose="020B0604020202020204" pitchFamily="34" charset="0"/>
+                <a:cs typeface="Arial" panose="020B0604020202020204" pitchFamily="34" charset="0"/>
+              </a:rPr>
+              <a:t> </a:t>
+            </a:r>
+            <a:r>
+              <a:rPr lang="en-US" sz="2000" dirty="0" err="1" smtClean="0">
+                <a:latin typeface="Arial" panose="020B0604020202020204" pitchFamily="34" charset="0"/>
+                <a:cs typeface="Arial" panose="020B0604020202020204" pitchFamily="34" charset="0"/>
+              </a:rPr>
               <a:t>github</a:t>
             </a:r>
             <a:r>
-              <a:rPr lang="en-US" dirty="0" smtClean="0"/>
-              <a:t> </a:t>
-            </a:r>
-            <a:r>
-              <a:rPr lang="en-US" dirty="0" err="1" smtClean="0"/>
+              <a:rPr lang="en-US" sz="2000" dirty="0" smtClean="0">
+                <a:latin typeface="Arial" panose="020B0604020202020204" pitchFamily="34" charset="0"/>
+                <a:cs typeface="Arial" panose="020B0604020202020204" pitchFamily="34" charset="0"/>
+              </a:rPr>
+              <a:t> </a:t>
+            </a:r>
+            <a:r>
+              <a:rPr lang="en-US" sz="2000" dirty="0" err="1" smtClean="0">
+                <a:latin typeface="Arial" panose="020B0604020202020204" pitchFamily="34" charset="0"/>
+                <a:cs typeface="Arial" panose="020B0604020202020204" pitchFamily="34" charset="0"/>
+              </a:rPr>
               <a:t>đã</a:t>
             </a:r>
             <a:r>
-              <a:rPr lang="en-US" dirty="0" smtClean="0"/>
-              <a:t> </a:t>
-            </a:r>
-            <a:r>
-              <a:rPr lang="en-US" dirty="0" err="1" smtClean="0"/>
+              <a:rPr lang="en-US" sz="2000" dirty="0" smtClean="0">
+                <a:latin typeface="Arial" panose="020B0604020202020204" pitchFamily="34" charset="0"/>
+                <a:cs typeface="Arial" panose="020B0604020202020204" pitchFamily="34" charset="0"/>
+              </a:rPr>
+              <a:t> </a:t>
+            </a:r>
+            <a:r>
+              <a:rPr lang="en-US" sz="2000" dirty="0" err="1" smtClean="0">
+                <a:latin typeface="Arial" panose="020B0604020202020204" pitchFamily="34" charset="0"/>
+                <a:cs typeface="Arial" panose="020B0604020202020204" pitchFamily="34" charset="0"/>
+              </a:rPr>
               <a:t>cung</a:t>
             </a:r>
             <a:r>
-              <a:rPr lang="en-US" dirty="0" smtClean="0"/>
-              <a:t> </a:t>
-            </a:r>
-            <a:r>
-              <a:rPr lang="en-US" dirty="0" err="1" smtClean="0"/>
+              <a:rPr lang="en-US" sz="2000" dirty="0" smtClean="0">
+                <a:latin typeface="Arial" panose="020B0604020202020204" pitchFamily="34" charset="0"/>
+                <a:cs typeface="Arial" panose="020B0604020202020204" pitchFamily="34" charset="0"/>
+              </a:rPr>
+              <a:t> </a:t>
+            </a:r>
+            <a:r>
+              <a:rPr lang="en-US" sz="2000" dirty="0" err="1" smtClean="0">
+                <a:latin typeface="Arial" panose="020B0604020202020204" pitchFamily="34" charset="0"/>
+                <a:cs typeface="Arial" panose="020B0604020202020204" pitchFamily="34" charset="0"/>
+              </a:rPr>
               <a:t>cấp</a:t>
             </a:r>
             <a:r>
@@ -5183,8 +5613,8 @@
         </p:nvSpPr>
         <p:spPr>
           <a:xfrm>
-            <a:off x="562312" y="525201"/>
-            <a:ext cx="7173017" cy="1169551"/>
+            <a:off x="562312" y="140665"/>
+            <a:ext cx="7173017" cy="1292662"/>
           </a:xfrm>
           <a:prstGeom prst="rect">
             <a:avLst/>
@@ -5198,48 +5628,48 @@
           <a:lstStyle/>
           <a:p>
             <a:r>
-              <a:rPr lang="en-US" sz="2200" b="1" dirty="0" smtClean="0">
+              <a:rPr lang="en-US" sz="3200" b="1" dirty="0" smtClean="0">
                 <a:latin typeface="Times New Roman" panose="02020603050405020304" pitchFamily="18" charset="0"/>
                 <a:cs typeface="Times New Roman" panose="02020603050405020304" pitchFamily="18" charset="0"/>
               </a:rPr>
               <a:t>5. </a:t>
             </a:r>
             <a:r>
-              <a:rPr lang="en-US" sz="2200" b="1" dirty="0" err="1" smtClean="0">
+              <a:rPr lang="en-US" sz="3200" b="1" dirty="0" err="1" smtClean="0">
                 <a:latin typeface="Times New Roman" panose="02020603050405020304" pitchFamily="18" charset="0"/>
                 <a:cs typeface="Times New Roman" panose="02020603050405020304" pitchFamily="18" charset="0"/>
               </a:rPr>
               <a:t>Chạy</a:t>
             </a:r>
             <a:r>
-              <a:rPr lang="en-US" sz="2200" b="1" dirty="0" smtClean="0">
-                <a:latin typeface="Times New Roman" panose="02020603050405020304" pitchFamily="18" charset="0"/>
-                <a:cs typeface="Times New Roman" panose="02020603050405020304" pitchFamily="18" charset="0"/>
-              </a:rPr>
-              <a:t> </a:t>
-            </a:r>
-            <a:r>
-              <a:rPr lang="en-US" sz="2200" b="1" dirty="0" err="1" smtClean="0">
+              <a:rPr lang="en-US" sz="3200" b="1" dirty="0" smtClean="0">
+                <a:latin typeface="Times New Roman" panose="02020603050405020304" pitchFamily="18" charset="0"/>
+                <a:cs typeface="Times New Roman" panose="02020603050405020304" pitchFamily="18" charset="0"/>
+              </a:rPr>
+              <a:t> </a:t>
+            </a:r>
+            <a:r>
+              <a:rPr lang="en-US" sz="3200" b="1" dirty="0" err="1" smtClean="0">
                 <a:latin typeface="Times New Roman" panose="02020603050405020304" pitchFamily="18" charset="0"/>
                 <a:cs typeface="Times New Roman" panose="02020603050405020304" pitchFamily="18" charset="0"/>
               </a:rPr>
               <a:t>chương</a:t>
             </a:r>
             <a:r>
-              <a:rPr lang="en-US" sz="2200" b="1" dirty="0" smtClean="0">
-                <a:latin typeface="Times New Roman" panose="02020603050405020304" pitchFamily="18" charset="0"/>
-                <a:cs typeface="Times New Roman" panose="02020603050405020304" pitchFamily="18" charset="0"/>
-              </a:rPr>
-              <a:t> </a:t>
-            </a:r>
-            <a:r>
-              <a:rPr lang="en-US" sz="2200" b="1" dirty="0" err="1" smtClean="0">
+              <a:rPr lang="en-US" sz="3200" b="1" dirty="0" smtClean="0">
+                <a:latin typeface="Times New Roman" panose="02020603050405020304" pitchFamily="18" charset="0"/>
+                <a:cs typeface="Times New Roman" panose="02020603050405020304" pitchFamily="18" charset="0"/>
+              </a:rPr>
+              <a:t> </a:t>
+            </a:r>
+            <a:r>
+              <a:rPr lang="en-US" sz="3200" b="1" dirty="0" err="1" smtClean="0">
                 <a:latin typeface="Times New Roman" panose="02020603050405020304" pitchFamily="18" charset="0"/>
                 <a:cs typeface="Times New Roman" panose="02020603050405020304" pitchFamily="18" charset="0"/>
               </a:rPr>
               <a:t>trình</a:t>
             </a:r>
-            <a:endParaRPr lang="en-US" sz="2200" b="1" dirty="0">
+            <a:endParaRPr lang="en-US" sz="3200" b="1" dirty="0">
               <a:latin typeface="Times New Roman" panose="02020603050405020304" pitchFamily="18" charset="0"/>
               <a:cs typeface="Times New Roman" panose="02020603050405020304" pitchFamily="18" charset="0"/>
             </a:endParaRPr>
@@ -5268,7 +5698,7 @@
         <p:spPr>
           <a:xfrm>
             <a:off x="678509" y="1220559"/>
-            <a:ext cx="6311296" cy="2585323"/>
+            <a:ext cx="6311296" cy="3354765"/>
           </a:xfrm>
           <a:prstGeom prst="rect">
             <a:avLst/>
@@ -5286,63 +5716,54 @@
               <a:buChar char="–"/>
             </a:pPr>
             <a:r>
-              <a:rPr lang="vi-VN" dirty="0" smtClean="0">
-                <a:latin typeface="Calibri" panose="020F0502020204030204" pitchFamily="34" charset="0"/>
+              <a:rPr lang="vi-VN" sz="2000" dirty="0" smtClean="0">
                 <a:cs typeface="Calibri" panose="020F0502020204030204" pitchFamily="34" charset="0"/>
               </a:rPr>
               <a:t>Kích </a:t>
             </a:r>
             <a:r>
-              <a:rPr lang="vi-VN" dirty="0">
-                <a:latin typeface="Calibri" panose="020F0502020204030204" pitchFamily="34" charset="0"/>
+              <a:rPr lang="vi-VN" sz="2000" dirty="0">
                 <a:cs typeface="Calibri" panose="020F0502020204030204" pitchFamily="34" charset="0"/>
               </a:rPr>
               <a:t>chuột phải vào </a:t>
             </a:r>
             <a:r>
-              <a:rPr lang="vi-VN" b="1" dirty="0">
-                <a:latin typeface="Calibri" panose="020F0502020204030204" pitchFamily="34" charset="0"/>
+              <a:rPr lang="vi-VN" sz="2000" b="1" dirty="0">
                 <a:cs typeface="Calibri" panose="020F0502020204030204" pitchFamily="34" charset="0"/>
               </a:rPr>
               <a:t>Project</a:t>
             </a:r>
             <a:r>
-              <a:rPr lang="vi-VN" dirty="0">
-                <a:latin typeface="Calibri" panose="020F0502020204030204" pitchFamily="34" charset="0"/>
+              <a:rPr lang="vi-VN" sz="2000" dirty="0">
                 <a:cs typeface="Calibri" panose="020F0502020204030204" pitchFamily="34" charset="0"/>
               </a:rPr>
               <a:t> chọn </a:t>
             </a:r>
             <a:r>
-              <a:rPr lang="vi-VN" b="1" dirty="0">
-                <a:latin typeface="Calibri" panose="020F0502020204030204" pitchFamily="34" charset="0"/>
+              <a:rPr lang="vi-VN" sz="2000" b="1" dirty="0">
                 <a:cs typeface="Calibri" panose="020F0502020204030204" pitchFamily="34" charset="0"/>
               </a:rPr>
               <a:t>Run As</a:t>
             </a:r>
             <a:r>
-              <a:rPr lang="vi-VN" dirty="0">
-                <a:latin typeface="Calibri" panose="020F0502020204030204" pitchFamily="34" charset="0"/>
+              <a:rPr lang="vi-VN" sz="2000" dirty="0">
                 <a:cs typeface="Calibri" panose="020F0502020204030204" pitchFamily="34" charset="0"/>
               </a:rPr>
               <a:t> &gt; </a:t>
             </a:r>
             <a:r>
-              <a:rPr lang="vi-VN" b="1" dirty="0">
-                <a:latin typeface="Calibri" panose="020F0502020204030204" pitchFamily="34" charset="0"/>
+              <a:rPr lang="vi-VN" sz="2000" b="1" dirty="0">
                 <a:cs typeface="Calibri" panose="020F0502020204030204" pitchFamily="34" charset="0"/>
               </a:rPr>
               <a:t>Run on </a:t>
             </a:r>
             <a:r>
-              <a:rPr lang="vi-VN" b="1" dirty="0" smtClean="0">
-                <a:latin typeface="Calibri" panose="020F0502020204030204" pitchFamily="34" charset="0"/>
+              <a:rPr lang="vi-VN" sz="2000" b="1" dirty="0" smtClean="0">
                 <a:cs typeface="Calibri" panose="020F0502020204030204" pitchFamily="34" charset="0"/>
               </a:rPr>
               <a:t>server</a:t>
             </a:r>
-            <a:endParaRPr lang="en-US" b="1" dirty="0" smtClean="0">
-              <a:latin typeface="Calibri" panose="020F0502020204030204" pitchFamily="34" charset="0"/>
+            <a:endParaRPr lang="en-US" sz="2000" b="1" dirty="0" smtClean="0">
               <a:cs typeface="Calibri" panose="020F0502020204030204" pitchFamily="34" charset="0"/>
             </a:endParaRPr>
           </a:p>
@@ -5351,8 +5772,7 @@
               <a:buFont typeface="Arial" panose="020B0604020202020204" pitchFamily="34" charset="0"/>
               <a:buChar char="–"/>
             </a:pPr>
-            <a:endParaRPr lang="vi-VN" dirty="0">
-              <a:latin typeface="Calibri" panose="020F0502020204030204" pitchFamily="34" charset="0"/>
+            <a:endParaRPr lang="vi-VN" sz="2000" dirty="0">
               <a:cs typeface="Calibri" panose="020F0502020204030204" pitchFamily="34" charset="0"/>
             </a:endParaRPr>
           </a:p>
@@ -5362,21 +5782,18 @@
               <a:buChar char="–"/>
             </a:pPr>
             <a:r>
-              <a:rPr lang="vi-VN" dirty="0">
-                <a:latin typeface="Calibri" panose="020F0502020204030204" pitchFamily="34" charset="0"/>
+              <a:rPr lang="vi-VN" sz="2000" dirty="0">
                 <a:cs typeface="Calibri" panose="020F0502020204030204" pitchFamily="34" charset="0"/>
               </a:rPr>
               <a:t>Sau khi chạy sẽ bị lỗi file error được </a:t>
             </a:r>
             <a:r>
-              <a:rPr lang="vi-VN" dirty="0" smtClean="0">
-                <a:latin typeface="Calibri" panose="020F0502020204030204" pitchFamily="34" charset="0"/>
+              <a:rPr lang="vi-VN" sz="2000" dirty="0" smtClean="0">
                 <a:cs typeface="Calibri" panose="020F0502020204030204" pitchFamily="34" charset="0"/>
               </a:rPr>
               <a:t>gọi</a:t>
             </a:r>
-            <a:endParaRPr lang="en-US" dirty="0" smtClean="0">
-              <a:latin typeface="Calibri" panose="020F0502020204030204" pitchFamily="34" charset="0"/>
+            <a:endParaRPr lang="en-US" sz="2000" dirty="0" smtClean="0">
               <a:cs typeface="Calibri" panose="020F0502020204030204" pitchFamily="34" charset="0"/>
             </a:endParaRPr>
           </a:p>
@@ -5385,8 +5802,7 @@
               <a:buFont typeface="Arial" panose="020B0604020202020204" pitchFamily="34" charset="0"/>
               <a:buChar char="–"/>
             </a:pPr>
-            <a:endParaRPr lang="vi-VN" dirty="0">
-              <a:latin typeface="Calibri" panose="020F0502020204030204" pitchFamily="34" charset="0"/>
+            <a:endParaRPr lang="vi-VN" sz="2000" dirty="0">
               <a:cs typeface="Calibri" panose="020F0502020204030204" pitchFamily="34" charset="0"/>
             </a:endParaRPr>
           </a:p>
@@ -5396,8 +5812,7 @@
               <a:buChar char="–"/>
             </a:pPr>
             <a:r>
-              <a:rPr lang="vi-VN" dirty="0">
-                <a:latin typeface="Calibri" panose="020F0502020204030204" pitchFamily="34" charset="0"/>
+              <a:rPr lang="vi-VN" sz="2000" dirty="0">
                 <a:cs typeface="Calibri" panose="020F0502020204030204" pitchFamily="34" charset="0"/>
               </a:rPr>
               <a:t>Lúc này ta sẽ quay lại ứng dụng Java và nhìn vào cổng Console</a:t>
@@ -5505,7 +5920,7 @@
         <p:spPr>
           <a:xfrm>
             <a:off x="7501099" y="1227072"/>
-            <a:ext cx="4312509" cy="1477328"/>
+            <a:ext cx="4312509" cy="1877437"/>
           </a:xfrm>
           <a:prstGeom prst="rect">
             <a:avLst/>
@@ -5519,41 +5934,38 @@
           <a:lstStyle/>
           <a:p>
             <a:r>
-              <a:rPr lang="vi-VN" dirty="0">
-                <a:latin typeface="Calibri" panose="020F0502020204030204" pitchFamily="34" charset="0"/>
+              <a:rPr lang="vi-VN" sz="2000" dirty="0">
                 <a:cs typeface="Calibri" panose="020F0502020204030204" pitchFamily="34" charset="0"/>
               </a:rPr>
               <a:t>Cách khắc phục lỗi này là tải thư viện:</a:t>
             </a:r>
             <a:r>
-              <a:rPr lang="vi-VN" b="1" dirty="0">
-                <a:latin typeface="Calibri" panose="020F0502020204030204" pitchFamily="34" charset="0"/>
+              <a:rPr lang="vi-VN" sz="2000" b="1" dirty="0">
                 <a:cs typeface="Calibri" panose="020F0502020204030204" pitchFamily="34" charset="0"/>
               </a:rPr>
               <a:t> </a:t>
             </a:r>
-            <a:endParaRPr lang="en-US" b="1" dirty="0" smtClean="0">
-              <a:latin typeface="Calibri" panose="020F0502020204030204" pitchFamily="34" charset="0"/>
+            <a:endParaRPr lang="en-US" sz="2000" b="1" dirty="0" smtClean="0">
               <a:cs typeface="Calibri" panose="020F0502020204030204" pitchFamily="34" charset="0"/>
             </a:endParaRPr>
           </a:p>
           <a:p>
-            <a:endParaRPr lang="en-US" b="1" dirty="0">
-              <a:latin typeface="Calibri" panose="020F0502020204030204" pitchFamily="34" charset="0"/>
-              <a:cs typeface="Calibri" panose="020F0502020204030204" pitchFamily="34" charset="0"/>
+            <a:endParaRPr lang="en-US" sz="2000" b="1" dirty="0">
+              <a:latin typeface="Arial" panose="020B0604020202020204" pitchFamily="34" charset="0"/>
+              <a:cs typeface="Arial" panose="020B0604020202020204" pitchFamily="34" charset="0"/>
             </a:endParaRPr>
           </a:p>
           <a:p>
             <a:r>
-              <a:rPr lang="vi-VN" b="1" dirty="0" smtClean="0">
-                <a:latin typeface="Calibri" panose="020F0502020204030204" pitchFamily="34" charset="0"/>
-                <a:cs typeface="Calibri" panose="020F0502020204030204" pitchFamily="34" charset="0"/>
+              <a:rPr lang="vi-VN" sz="2000" b="1" dirty="0" smtClean="0">
+                <a:latin typeface="Arial" panose="020B0604020202020204" pitchFamily="34" charset="0"/>
+                <a:cs typeface="Arial" panose="020B0604020202020204" pitchFamily="34" charset="0"/>
               </a:rPr>
               <a:t>jboss-logging-3.3.2.Final.jar</a:t>
             </a:r>
-            <a:endParaRPr lang="vi-VN" dirty="0">
-              <a:latin typeface="Calibri" panose="020F0502020204030204" pitchFamily="34" charset="0"/>
-              <a:cs typeface="Calibri" panose="020F0502020204030204" pitchFamily="34" charset="0"/>
+            <a:endParaRPr lang="vi-VN" sz="2000" dirty="0">
+              <a:latin typeface="Arial" panose="020B0604020202020204" pitchFamily="34" charset="0"/>
+              <a:cs typeface="Arial" panose="020B0604020202020204" pitchFamily="34" charset="0"/>
             </a:endParaRPr>
           </a:p>
           <a:p>
@@ -5591,7 +6003,7 @@
         </p:blipFill>
         <p:spPr bwMode="auto">
           <a:xfrm>
-            <a:off x="7735329" y="2693610"/>
+            <a:off x="7738966" y="3805882"/>
             <a:ext cx="3855309" cy="1724025"/>
           </a:xfrm>
           <a:prstGeom prst="rect">
@@ -5774,8 +6186,8 @@
         </p:nvSpPr>
         <p:spPr>
           <a:xfrm>
-            <a:off x="562312" y="525201"/>
-            <a:ext cx="7173017" cy="1169551"/>
+            <a:off x="678509" y="266750"/>
+            <a:ext cx="7173017" cy="1292662"/>
           </a:xfrm>
           <a:prstGeom prst="rect">
             <a:avLst/>
@@ -5789,48 +6201,48 @@
           <a:lstStyle/>
           <a:p>
             <a:r>
-              <a:rPr lang="en-US" sz="2200" b="1" dirty="0" smtClean="0">
+              <a:rPr lang="en-US" sz="3200" b="1" dirty="0" smtClean="0">
                 <a:latin typeface="Times New Roman" panose="02020603050405020304" pitchFamily="18" charset="0"/>
                 <a:cs typeface="Times New Roman" panose="02020603050405020304" pitchFamily="18" charset="0"/>
               </a:rPr>
               <a:t>5. </a:t>
             </a:r>
             <a:r>
-              <a:rPr lang="en-US" sz="2200" b="1" dirty="0" err="1" smtClean="0">
+              <a:rPr lang="en-US" sz="3200" b="1" dirty="0" err="1" smtClean="0">
                 <a:latin typeface="Times New Roman" panose="02020603050405020304" pitchFamily="18" charset="0"/>
                 <a:cs typeface="Times New Roman" panose="02020603050405020304" pitchFamily="18" charset="0"/>
               </a:rPr>
               <a:t>Chạy</a:t>
             </a:r>
             <a:r>
-              <a:rPr lang="en-US" sz="2200" b="1" dirty="0" smtClean="0">
-                <a:latin typeface="Times New Roman" panose="02020603050405020304" pitchFamily="18" charset="0"/>
-                <a:cs typeface="Times New Roman" panose="02020603050405020304" pitchFamily="18" charset="0"/>
-              </a:rPr>
-              <a:t> </a:t>
-            </a:r>
-            <a:r>
-              <a:rPr lang="en-US" sz="2200" b="1" dirty="0" err="1" smtClean="0">
+              <a:rPr lang="en-US" sz="3200" b="1" dirty="0" smtClean="0">
+                <a:latin typeface="Times New Roman" panose="02020603050405020304" pitchFamily="18" charset="0"/>
+                <a:cs typeface="Times New Roman" panose="02020603050405020304" pitchFamily="18" charset="0"/>
+              </a:rPr>
+              <a:t> </a:t>
+            </a:r>
+            <a:r>
+              <a:rPr lang="en-US" sz="3200" b="1" dirty="0" err="1" smtClean="0">
                 <a:latin typeface="Times New Roman" panose="02020603050405020304" pitchFamily="18" charset="0"/>
                 <a:cs typeface="Times New Roman" panose="02020603050405020304" pitchFamily="18" charset="0"/>
               </a:rPr>
               <a:t>chương</a:t>
             </a:r>
             <a:r>
-              <a:rPr lang="en-US" sz="2200" b="1" dirty="0" smtClean="0">
-                <a:latin typeface="Times New Roman" panose="02020603050405020304" pitchFamily="18" charset="0"/>
-                <a:cs typeface="Times New Roman" panose="02020603050405020304" pitchFamily="18" charset="0"/>
-              </a:rPr>
-              <a:t> </a:t>
-            </a:r>
-            <a:r>
-              <a:rPr lang="en-US" sz="2200" b="1" dirty="0" err="1" smtClean="0">
+              <a:rPr lang="en-US" sz="3200" b="1" dirty="0" smtClean="0">
+                <a:latin typeface="Times New Roman" panose="02020603050405020304" pitchFamily="18" charset="0"/>
+                <a:cs typeface="Times New Roman" panose="02020603050405020304" pitchFamily="18" charset="0"/>
+              </a:rPr>
+              <a:t> </a:t>
+            </a:r>
+            <a:r>
+              <a:rPr lang="en-US" sz="3200" b="1" dirty="0" err="1" smtClean="0">
                 <a:latin typeface="Times New Roman" panose="02020603050405020304" pitchFamily="18" charset="0"/>
                 <a:cs typeface="Times New Roman" panose="02020603050405020304" pitchFamily="18" charset="0"/>
               </a:rPr>
               <a:t>trình</a:t>
             </a:r>
-            <a:endParaRPr lang="en-US" sz="2200" b="1" dirty="0">
+            <a:endParaRPr lang="en-US" sz="3200" b="1" dirty="0">
               <a:latin typeface="Times New Roman" panose="02020603050405020304" pitchFamily="18" charset="0"/>
               <a:cs typeface="Times New Roman" panose="02020603050405020304" pitchFamily="18" charset="0"/>
             </a:endParaRPr>
@@ -5859,7 +6271,7 @@
         <p:spPr>
           <a:xfrm>
             <a:off x="678509" y="1220559"/>
-            <a:ext cx="6311296" cy="2585323"/>
+            <a:ext cx="6311296" cy="3354765"/>
           </a:xfrm>
           <a:prstGeom prst="rect">
             <a:avLst/>
@@ -5877,63 +6289,54 @@
               <a:buChar char="–"/>
             </a:pPr>
             <a:r>
-              <a:rPr lang="vi-VN" dirty="0" smtClean="0">
-                <a:latin typeface="Calibri" panose="020F0502020204030204" pitchFamily="34" charset="0"/>
+              <a:rPr lang="vi-VN" sz="2000" dirty="0" smtClean="0">
                 <a:cs typeface="Calibri" panose="020F0502020204030204" pitchFamily="34" charset="0"/>
               </a:rPr>
               <a:t>Kích </a:t>
             </a:r>
             <a:r>
-              <a:rPr lang="vi-VN" dirty="0">
-                <a:latin typeface="Calibri" panose="020F0502020204030204" pitchFamily="34" charset="0"/>
+              <a:rPr lang="vi-VN" sz="2000" dirty="0">
                 <a:cs typeface="Calibri" panose="020F0502020204030204" pitchFamily="34" charset="0"/>
               </a:rPr>
               <a:t>chuột phải vào </a:t>
             </a:r>
             <a:r>
-              <a:rPr lang="vi-VN" b="1" dirty="0">
-                <a:latin typeface="Calibri" panose="020F0502020204030204" pitchFamily="34" charset="0"/>
+              <a:rPr lang="vi-VN" sz="2000" b="1" dirty="0">
                 <a:cs typeface="Calibri" panose="020F0502020204030204" pitchFamily="34" charset="0"/>
               </a:rPr>
               <a:t>Project</a:t>
             </a:r>
             <a:r>
-              <a:rPr lang="vi-VN" dirty="0">
-                <a:latin typeface="Calibri" panose="020F0502020204030204" pitchFamily="34" charset="0"/>
+              <a:rPr lang="vi-VN" sz="2000" dirty="0">
                 <a:cs typeface="Calibri" panose="020F0502020204030204" pitchFamily="34" charset="0"/>
               </a:rPr>
               <a:t> chọn </a:t>
             </a:r>
             <a:r>
-              <a:rPr lang="vi-VN" b="1" dirty="0">
-                <a:latin typeface="Calibri" panose="020F0502020204030204" pitchFamily="34" charset="0"/>
+              <a:rPr lang="vi-VN" sz="2000" b="1" dirty="0">
                 <a:cs typeface="Calibri" panose="020F0502020204030204" pitchFamily="34" charset="0"/>
               </a:rPr>
               <a:t>Run As</a:t>
             </a:r>
             <a:r>
-              <a:rPr lang="vi-VN" dirty="0">
-                <a:latin typeface="Calibri" panose="020F0502020204030204" pitchFamily="34" charset="0"/>
+              <a:rPr lang="vi-VN" sz="2000" dirty="0">
                 <a:cs typeface="Calibri" panose="020F0502020204030204" pitchFamily="34" charset="0"/>
               </a:rPr>
               <a:t> &gt; </a:t>
             </a:r>
             <a:r>
-              <a:rPr lang="vi-VN" b="1" dirty="0">
-                <a:latin typeface="Calibri" panose="020F0502020204030204" pitchFamily="34" charset="0"/>
+              <a:rPr lang="vi-VN" sz="2000" b="1" dirty="0">
                 <a:cs typeface="Calibri" panose="020F0502020204030204" pitchFamily="34" charset="0"/>
               </a:rPr>
               <a:t>Run on </a:t>
             </a:r>
             <a:r>
-              <a:rPr lang="vi-VN" b="1" dirty="0" smtClean="0">
-                <a:latin typeface="Calibri" panose="020F0502020204030204" pitchFamily="34" charset="0"/>
+              <a:rPr lang="vi-VN" sz="2000" b="1" dirty="0" smtClean="0">
                 <a:cs typeface="Calibri" panose="020F0502020204030204" pitchFamily="34" charset="0"/>
               </a:rPr>
               <a:t>server</a:t>
             </a:r>
-            <a:endParaRPr lang="en-US" b="1" dirty="0" smtClean="0">
-              <a:latin typeface="Calibri" panose="020F0502020204030204" pitchFamily="34" charset="0"/>
+            <a:endParaRPr lang="en-US" sz="2000" b="1" dirty="0" smtClean="0">
               <a:cs typeface="Calibri" panose="020F0502020204030204" pitchFamily="34" charset="0"/>
             </a:endParaRPr>
           </a:p>
@@ -5942,8 +6345,7 @@
               <a:buFont typeface="Arial" panose="020B0604020202020204" pitchFamily="34" charset="0"/>
               <a:buChar char="–"/>
             </a:pPr>
-            <a:endParaRPr lang="vi-VN" dirty="0">
-              <a:latin typeface="Calibri" panose="020F0502020204030204" pitchFamily="34" charset="0"/>
+            <a:endParaRPr lang="vi-VN" sz="2000" dirty="0">
               <a:cs typeface="Calibri" panose="020F0502020204030204" pitchFamily="34" charset="0"/>
             </a:endParaRPr>
           </a:p>
@@ -5953,28 +6355,24 @@
               <a:buChar char="–"/>
             </a:pPr>
             <a:r>
-              <a:rPr lang="vi-VN" b="1" dirty="0">
-                <a:latin typeface="Calibri" panose="020F0502020204030204" pitchFamily="34" charset="0"/>
+              <a:rPr lang="vi-VN" sz="2000" b="1" dirty="0">
                 <a:cs typeface="Calibri" panose="020F0502020204030204" pitchFamily="34" charset="0"/>
               </a:rPr>
               <a:t>S</a:t>
             </a:r>
             <a:r>
-              <a:rPr lang="vi-VN" dirty="0">
-                <a:latin typeface="Calibri" panose="020F0502020204030204" pitchFamily="34" charset="0"/>
+              <a:rPr lang="vi-VN" sz="2000" dirty="0">
                 <a:cs typeface="Calibri" panose="020F0502020204030204" pitchFamily="34" charset="0"/>
               </a:rPr>
               <a:t>au khi chạy sẽ bị lỗi file error được </a:t>
             </a:r>
             <a:r>
-              <a:rPr lang="vi-VN" dirty="0" smtClean="0">
-                <a:latin typeface="Calibri" panose="020F0502020204030204" pitchFamily="34" charset="0"/>
+              <a:rPr lang="vi-VN" sz="2000" dirty="0" smtClean="0">
                 <a:cs typeface="Calibri" panose="020F0502020204030204" pitchFamily="34" charset="0"/>
               </a:rPr>
               <a:t>gọi</a:t>
             </a:r>
-            <a:endParaRPr lang="en-US" dirty="0" smtClean="0">
-              <a:latin typeface="Calibri" panose="020F0502020204030204" pitchFamily="34" charset="0"/>
+            <a:endParaRPr lang="en-US" sz="2000" dirty="0" smtClean="0">
               <a:cs typeface="Calibri" panose="020F0502020204030204" pitchFamily="34" charset="0"/>
             </a:endParaRPr>
           </a:p>
@@ -5983,8 +6381,7 @@
               <a:buFont typeface="Arial" panose="020B0604020202020204" pitchFamily="34" charset="0"/>
               <a:buChar char="–"/>
             </a:pPr>
-            <a:endParaRPr lang="vi-VN" dirty="0">
-              <a:latin typeface="Calibri" panose="020F0502020204030204" pitchFamily="34" charset="0"/>
+            <a:endParaRPr lang="vi-VN" sz="2000" dirty="0">
               <a:cs typeface="Calibri" panose="020F0502020204030204" pitchFamily="34" charset="0"/>
             </a:endParaRPr>
           </a:p>
@@ -5994,8 +6391,7 @@
               <a:buChar char="–"/>
             </a:pPr>
             <a:r>
-              <a:rPr lang="vi-VN" dirty="0">
-                <a:latin typeface="Calibri" panose="020F0502020204030204" pitchFamily="34" charset="0"/>
+              <a:rPr lang="vi-VN" sz="2000" dirty="0">
                 <a:cs typeface="Calibri" panose="020F0502020204030204" pitchFamily="34" charset="0"/>
               </a:rPr>
               <a:t>Lúc này ta sẽ quay lại ứng dụng Java và nhìn vào cổng Console</a:t>
@@ -6062,7 +6458,7 @@
         <p:spPr>
           <a:xfrm>
             <a:off x="7286319" y="1290402"/>
-            <a:ext cx="4714429" cy="1754326"/>
+            <a:ext cx="4714429" cy="2154436"/>
           </a:xfrm>
           <a:prstGeom prst="rect">
             <a:avLst/>
@@ -6076,41 +6472,41 @@
           <a:lstStyle/>
           <a:p>
             <a:r>
-              <a:rPr lang="vi-VN" dirty="0">
-                <a:latin typeface="Calibri" panose="020F0502020204030204" pitchFamily="34" charset="0"/>
-                <a:cs typeface="Calibri" panose="020F0502020204030204" pitchFamily="34" charset="0"/>
+              <a:rPr lang="vi-VN" sz="2000" dirty="0">
+                <a:latin typeface="Arial" panose="020B0604020202020204" pitchFamily="34" charset="0"/>
+                <a:cs typeface="Arial" panose="020B0604020202020204" pitchFamily="34" charset="0"/>
               </a:rPr>
               <a:t>Cách khắc phục lỗi này là tải thư viện:</a:t>
             </a:r>
             <a:r>
-              <a:rPr lang="vi-VN" b="1" dirty="0">
-                <a:latin typeface="Calibri" panose="020F0502020204030204" pitchFamily="34" charset="0"/>
-                <a:cs typeface="Calibri" panose="020F0502020204030204" pitchFamily="34" charset="0"/>
-              </a:rPr>
-              <a:t> </a:t>
-            </a:r>
-            <a:endParaRPr lang="en-US" b="1" dirty="0" smtClean="0">
-              <a:latin typeface="Calibri" panose="020F0502020204030204" pitchFamily="34" charset="0"/>
-              <a:cs typeface="Calibri" panose="020F0502020204030204" pitchFamily="34" charset="0"/>
+              <a:rPr lang="vi-VN" sz="2000" b="1" dirty="0">
+                <a:latin typeface="Arial" panose="020B0604020202020204" pitchFamily="34" charset="0"/>
+                <a:cs typeface="Arial" panose="020B0604020202020204" pitchFamily="34" charset="0"/>
+              </a:rPr>
+              <a:t> </a:t>
+            </a:r>
+            <a:endParaRPr lang="en-US" sz="2000" b="1" dirty="0" smtClean="0">
+              <a:latin typeface="Arial" panose="020B0604020202020204" pitchFamily="34" charset="0"/>
+              <a:cs typeface="Arial" panose="020B0604020202020204" pitchFamily="34" charset="0"/>
             </a:endParaRPr>
           </a:p>
           <a:p>
-            <a:endParaRPr lang="en-US" b="1" dirty="0">
-              <a:latin typeface="Calibri" panose="020F0502020204030204" pitchFamily="34" charset="0"/>
-              <a:cs typeface="Calibri" panose="020F0502020204030204" pitchFamily="34" charset="0"/>
+            <a:endParaRPr lang="en-US" sz="2000" b="1" dirty="0">
+              <a:latin typeface="Arial" panose="020B0604020202020204" pitchFamily="34" charset="0"/>
+              <a:cs typeface="Arial" panose="020B0604020202020204" pitchFamily="34" charset="0"/>
             </a:endParaRPr>
           </a:p>
           <a:p>
             <a:r>
-              <a:rPr lang="en-US" b="1" dirty="0">
-                <a:latin typeface="Calibri" panose="020F0502020204030204" pitchFamily="34" charset="0"/>
-                <a:cs typeface="Calibri" panose="020F0502020204030204" pitchFamily="34" charset="0"/>
+              <a:rPr lang="en-US" sz="2000" b="1" dirty="0">
+                <a:latin typeface="Arial" panose="020B0604020202020204" pitchFamily="34" charset="0"/>
+                <a:cs typeface="Arial" panose="020B0604020202020204" pitchFamily="34" charset="0"/>
               </a:rPr>
               <a:t>jboss-transaction-api_1.2_spec-1.1.1.Final.jar</a:t>
             </a:r>
-            <a:endParaRPr lang="en-US" dirty="0">
-              <a:latin typeface="Calibri" panose="020F0502020204030204" pitchFamily="34" charset="0"/>
-              <a:cs typeface="Calibri" panose="020F0502020204030204" pitchFamily="34" charset="0"/>
+            <a:endParaRPr lang="en-US" sz="2000" dirty="0">
+              <a:latin typeface="Arial" panose="020B0604020202020204" pitchFamily="34" charset="0"/>
+              <a:cs typeface="Arial" panose="020B0604020202020204" pitchFamily="34" charset="0"/>
             </a:endParaRPr>
           </a:p>
           <a:p>
@@ -6155,7 +6551,7 @@
         </p:blipFill>
         <p:spPr bwMode="auto">
           <a:xfrm>
-            <a:off x="777201" y="3441303"/>
+            <a:off x="747658" y="3700795"/>
             <a:ext cx="6289237" cy="2508436"/>
           </a:xfrm>
           <a:prstGeom prst="rect">
@@ -6196,7 +6592,7 @@
         </p:blipFill>
         <p:spPr bwMode="auto">
           <a:xfrm>
-            <a:off x="7363385" y="3441303"/>
+            <a:off x="7333409" y="3442604"/>
             <a:ext cx="3761828" cy="2265439"/>
           </a:xfrm>
           <a:prstGeom prst="rect">
@@ -6379,8 +6775,8 @@
         </p:nvSpPr>
         <p:spPr>
           <a:xfrm>
-            <a:off x="562312" y="525201"/>
-            <a:ext cx="7173017" cy="1169551"/>
+            <a:off x="613642" y="166079"/>
+            <a:ext cx="7173017" cy="1292662"/>
           </a:xfrm>
           <a:prstGeom prst="rect">
             <a:avLst/>
@@ -6394,48 +6790,48 @@
           <a:lstStyle/>
           <a:p>
             <a:r>
-              <a:rPr lang="en-US" sz="2200" b="1" dirty="0" smtClean="0">
+              <a:rPr lang="en-US" sz="3200" b="1" dirty="0" smtClean="0">
                 <a:latin typeface="Times New Roman" panose="02020603050405020304" pitchFamily="18" charset="0"/>
                 <a:cs typeface="Times New Roman" panose="02020603050405020304" pitchFamily="18" charset="0"/>
               </a:rPr>
               <a:t>5. </a:t>
             </a:r>
             <a:r>
-              <a:rPr lang="en-US" sz="2200" b="1" dirty="0" err="1" smtClean="0">
+              <a:rPr lang="en-US" sz="3200" b="1" dirty="0" err="1" smtClean="0">
                 <a:latin typeface="Times New Roman" panose="02020603050405020304" pitchFamily="18" charset="0"/>
                 <a:cs typeface="Times New Roman" panose="02020603050405020304" pitchFamily="18" charset="0"/>
               </a:rPr>
               <a:t>Chạy</a:t>
             </a:r>
             <a:r>
-              <a:rPr lang="en-US" sz="2200" b="1" dirty="0" smtClean="0">
-                <a:latin typeface="Times New Roman" panose="02020603050405020304" pitchFamily="18" charset="0"/>
-                <a:cs typeface="Times New Roman" panose="02020603050405020304" pitchFamily="18" charset="0"/>
-              </a:rPr>
-              <a:t> </a:t>
-            </a:r>
-            <a:r>
-              <a:rPr lang="en-US" sz="2200" b="1" dirty="0" err="1" smtClean="0">
+              <a:rPr lang="en-US" sz="3200" b="1" dirty="0" smtClean="0">
+                <a:latin typeface="Times New Roman" panose="02020603050405020304" pitchFamily="18" charset="0"/>
+                <a:cs typeface="Times New Roman" panose="02020603050405020304" pitchFamily="18" charset="0"/>
+              </a:rPr>
+              <a:t> </a:t>
+            </a:r>
+            <a:r>
+              <a:rPr lang="en-US" sz="3200" b="1" dirty="0" err="1" smtClean="0">
                 <a:latin typeface="Times New Roman" panose="02020603050405020304" pitchFamily="18" charset="0"/>
                 <a:cs typeface="Times New Roman" panose="02020603050405020304" pitchFamily="18" charset="0"/>
               </a:rPr>
               <a:t>chương</a:t>
             </a:r>
             <a:r>
-              <a:rPr lang="en-US" sz="2200" b="1" dirty="0" smtClean="0">
-                <a:latin typeface="Times New Roman" panose="02020603050405020304" pitchFamily="18" charset="0"/>
-                <a:cs typeface="Times New Roman" panose="02020603050405020304" pitchFamily="18" charset="0"/>
-              </a:rPr>
-              <a:t> </a:t>
-            </a:r>
-            <a:r>
-              <a:rPr lang="en-US" sz="2200" b="1" dirty="0" err="1" smtClean="0">
+              <a:rPr lang="en-US" sz="3200" b="1" dirty="0" smtClean="0">
+                <a:latin typeface="Times New Roman" panose="02020603050405020304" pitchFamily="18" charset="0"/>
+                <a:cs typeface="Times New Roman" panose="02020603050405020304" pitchFamily="18" charset="0"/>
+              </a:rPr>
+              <a:t> </a:t>
+            </a:r>
+            <a:r>
+              <a:rPr lang="en-US" sz="3200" b="1" dirty="0" err="1" smtClean="0">
                 <a:latin typeface="Times New Roman" panose="02020603050405020304" pitchFamily="18" charset="0"/>
                 <a:cs typeface="Times New Roman" panose="02020603050405020304" pitchFamily="18" charset="0"/>
               </a:rPr>
               <a:t>trình</a:t>
             </a:r>
-            <a:endParaRPr lang="en-US" sz="2200" b="1" dirty="0">
+            <a:endParaRPr lang="en-US" sz="3200" b="1" dirty="0">
               <a:latin typeface="Times New Roman" panose="02020603050405020304" pitchFamily="18" charset="0"/>
               <a:cs typeface="Times New Roman" panose="02020603050405020304" pitchFamily="18" charset="0"/>
             </a:endParaRPr>
@@ -6464,7 +6860,7 @@
         <p:spPr>
           <a:xfrm>
             <a:off x="678509" y="1220559"/>
-            <a:ext cx="6311296" cy="2585323"/>
+            <a:ext cx="6311296" cy="3354765"/>
           </a:xfrm>
           <a:prstGeom prst="rect">
             <a:avLst/>
@@ -6482,64 +6878,64 @@
               <a:buChar char="–"/>
             </a:pPr>
             <a:r>
-              <a:rPr lang="vi-VN" dirty="0" smtClean="0">
-                <a:latin typeface="Calibri" panose="020F0502020204030204" pitchFamily="34" charset="0"/>
-                <a:cs typeface="Calibri" panose="020F0502020204030204" pitchFamily="34" charset="0"/>
+              <a:rPr lang="vi-VN" sz="2000" dirty="0" smtClean="0">
+                <a:latin typeface="Arial" panose="020B0604020202020204" pitchFamily="34" charset="0"/>
+                <a:cs typeface="Arial" panose="020B0604020202020204" pitchFamily="34" charset="0"/>
               </a:rPr>
               <a:t>Kích </a:t>
             </a:r>
             <a:r>
-              <a:rPr lang="vi-VN" dirty="0">
-                <a:latin typeface="Calibri" panose="020F0502020204030204" pitchFamily="34" charset="0"/>
-                <a:cs typeface="Calibri" panose="020F0502020204030204" pitchFamily="34" charset="0"/>
+              <a:rPr lang="vi-VN" sz="2000" dirty="0">
+                <a:latin typeface="Arial" panose="020B0604020202020204" pitchFamily="34" charset="0"/>
+                <a:cs typeface="Arial" panose="020B0604020202020204" pitchFamily="34" charset="0"/>
               </a:rPr>
               <a:t>chuột phải vào </a:t>
             </a:r>
             <a:r>
-              <a:rPr lang="vi-VN" b="1" dirty="0">
-                <a:latin typeface="Calibri" panose="020F0502020204030204" pitchFamily="34" charset="0"/>
-                <a:cs typeface="Calibri" panose="020F0502020204030204" pitchFamily="34" charset="0"/>
+              <a:rPr lang="vi-VN" sz="2000" b="1" dirty="0">
+                <a:latin typeface="Arial" panose="020B0604020202020204" pitchFamily="34" charset="0"/>
+                <a:cs typeface="Arial" panose="020B0604020202020204" pitchFamily="34" charset="0"/>
               </a:rPr>
               <a:t>Project</a:t>
             </a:r>
             <a:r>
-              <a:rPr lang="vi-VN" dirty="0">
-                <a:latin typeface="Calibri" panose="020F0502020204030204" pitchFamily="34" charset="0"/>
-                <a:cs typeface="Calibri" panose="020F0502020204030204" pitchFamily="34" charset="0"/>
+              <a:rPr lang="vi-VN" sz="2000" dirty="0">
+                <a:latin typeface="Arial" panose="020B0604020202020204" pitchFamily="34" charset="0"/>
+                <a:cs typeface="Arial" panose="020B0604020202020204" pitchFamily="34" charset="0"/>
               </a:rPr>
               <a:t> chọn </a:t>
             </a:r>
             <a:r>
-              <a:rPr lang="vi-VN" b="1" dirty="0">
-                <a:latin typeface="Calibri" panose="020F0502020204030204" pitchFamily="34" charset="0"/>
-                <a:cs typeface="Calibri" panose="020F0502020204030204" pitchFamily="34" charset="0"/>
+              <a:rPr lang="vi-VN" sz="2000" b="1" dirty="0">
+                <a:latin typeface="Arial" panose="020B0604020202020204" pitchFamily="34" charset="0"/>
+                <a:cs typeface="Arial" panose="020B0604020202020204" pitchFamily="34" charset="0"/>
               </a:rPr>
               <a:t>Run As</a:t>
             </a:r>
             <a:r>
-              <a:rPr lang="vi-VN" dirty="0">
-                <a:latin typeface="Calibri" panose="020F0502020204030204" pitchFamily="34" charset="0"/>
-                <a:cs typeface="Calibri" panose="020F0502020204030204" pitchFamily="34" charset="0"/>
+              <a:rPr lang="vi-VN" sz="2000" dirty="0">
+                <a:latin typeface="Arial" panose="020B0604020202020204" pitchFamily="34" charset="0"/>
+                <a:cs typeface="Arial" panose="020B0604020202020204" pitchFamily="34" charset="0"/>
               </a:rPr>
               <a:t> &gt; </a:t>
             </a:r>
             <a:r>
-              <a:rPr lang="vi-VN" b="1" dirty="0">
-                <a:latin typeface="Calibri" panose="020F0502020204030204" pitchFamily="34" charset="0"/>
-                <a:cs typeface="Calibri" panose="020F0502020204030204" pitchFamily="34" charset="0"/>
+              <a:rPr lang="vi-VN" sz="2000" b="1" dirty="0">
+                <a:latin typeface="Arial" panose="020B0604020202020204" pitchFamily="34" charset="0"/>
+                <a:cs typeface="Arial" panose="020B0604020202020204" pitchFamily="34" charset="0"/>
               </a:rPr>
               <a:t>Run on </a:t>
             </a:r>
             <a:r>
-              <a:rPr lang="vi-VN" b="1" dirty="0" smtClean="0">
-                <a:latin typeface="Calibri" panose="020F0502020204030204" pitchFamily="34" charset="0"/>
-                <a:cs typeface="Calibri" panose="020F0502020204030204" pitchFamily="34" charset="0"/>
+              <a:rPr lang="vi-VN" sz="2000" b="1" dirty="0" smtClean="0">
+                <a:latin typeface="Arial" panose="020B0604020202020204" pitchFamily="34" charset="0"/>
+                <a:cs typeface="Arial" panose="020B0604020202020204" pitchFamily="34" charset="0"/>
               </a:rPr>
               <a:t>server</a:t>
             </a:r>
-            <a:endParaRPr lang="en-US" b="1" dirty="0" smtClean="0">
-              <a:latin typeface="Calibri" panose="020F0502020204030204" pitchFamily="34" charset="0"/>
-              <a:cs typeface="Calibri" panose="020F0502020204030204" pitchFamily="34" charset="0"/>
+            <a:endParaRPr lang="en-US" sz="2000" b="1" dirty="0" smtClean="0">
+              <a:latin typeface="Arial" panose="020B0604020202020204" pitchFamily="34" charset="0"/>
+              <a:cs typeface="Arial" panose="020B0604020202020204" pitchFamily="34" charset="0"/>
             </a:endParaRPr>
           </a:p>
           <a:p>
@@ -6547,9 +6943,9 @@
               <a:buFont typeface="Arial" panose="020B0604020202020204" pitchFamily="34" charset="0"/>
               <a:buChar char="–"/>
             </a:pPr>
-            <a:endParaRPr lang="vi-VN" dirty="0">
-              <a:latin typeface="Calibri" panose="020F0502020204030204" pitchFamily="34" charset="0"/>
-              <a:cs typeface="Calibri" panose="020F0502020204030204" pitchFamily="34" charset="0"/>
+            <a:endParaRPr lang="vi-VN" sz="2000" dirty="0">
+              <a:latin typeface="Arial" panose="020B0604020202020204" pitchFamily="34" charset="0"/>
+              <a:cs typeface="Arial" panose="020B0604020202020204" pitchFamily="34" charset="0"/>
             </a:endParaRPr>
           </a:p>
           <a:p>
@@ -6558,29 +6954,29 @@
               <a:buChar char="–"/>
             </a:pPr>
             <a:r>
-              <a:rPr lang="vi-VN" b="1" dirty="0">
-                <a:latin typeface="Calibri" panose="020F0502020204030204" pitchFamily="34" charset="0"/>
-                <a:cs typeface="Calibri" panose="020F0502020204030204" pitchFamily="34" charset="0"/>
+              <a:rPr lang="vi-VN" sz="2000" b="1" dirty="0">
+                <a:latin typeface="Arial" panose="020B0604020202020204" pitchFamily="34" charset="0"/>
+                <a:cs typeface="Arial" panose="020B0604020202020204" pitchFamily="34" charset="0"/>
               </a:rPr>
               <a:t>S</a:t>
             </a:r>
             <a:r>
-              <a:rPr lang="vi-VN" dirty="0">
-                <a:latin typeface="Calibri" panose="020F0502020204030204" pitchFamily="34" charset="0"/>
-                <a:cs typeface="Calibri" panose="020F0502020204030204" pitchFamily="34" charset="0"/>
+              <a:rPr lang="vi-VN" sz="2000" dirty="0">
+                <a:latin typeface="Arial" panose="020B0604020202020204" pitchFamily="34" charset="0"/>
+                <a:cs typeface="Arial" panose="020B0604020202020204" pitchFamily="34" charset="0"/>
               </a:rPr>
               <a:t>au khi chạy sẽ bị lỗi file error được </a:t>
             </a:r>
             <a:r>
-              <a:rPr lang="vi-VN" dirty="0" smtClean="0">
-                <a:latin typeface="Calibri" panose="020F0502020204030204" pitchFamily="34" charset="0"/>
-                <a:cs typeface="Calibri" panose="020F0502020204030204" pitchFamily="34" charset="0"/>
+              <a:rPr lang="vi-VN" sz="2000" dirty="0" smtClean="0">
+                <a:latin typeface="Arial" panose="020B0604020202020204" pitchFamily="34" charset="0"/>
+                <a:cs typeface="Arial" panose="020B0604020202020204" pitchFamily="34" charset="0"/>
               </a:rPr>
               <a:t>gọi</a:t>
             </a:r>
-            <a:endParaRPr lang="en-US" dirty="0" smtClean="0">
-              <a:latin typeface="Calibri" panose="020F0502020204030204" pitchFamily="34" charset="0"/>
-              <a:cs typeface="Calibri" panose="020F0502020204030204" pitchFamily="34" charset="0"/>
+            <a:endParaRPr lang="en-US" sz="2000" dirty="0" smtClean="0">
+              <a:latin typeface="Arial" panose="020B0604020202020204" pitchFamily="34" charset="0"/>
+              <a:cs typeface="Arial" panose="020B0604020202020204" pitchFamily="34" charset="0"/>
             </a:endParaRPr>
           </a:p>
           <a:p>
@@ -6588,9 +6984,9 @@
               <a:buFont typeface="Arial" panose="020B0604020202020204" pitchFamily="34" charset="0"/>
               <a:buChar char="–"/>
             </a:pPr>
-            <a:endParaRPr lang="vi-VN" dirty="0">
-              <a:latin typeface="Calibri" panose="020F0502020204030204" pitchFamily="34" charset="0"/>
-              <a:cs typeface="Calibri" panose="020F0502020204030204" pitchFamily="34" charset="0"/>
+            <a:endParaRPr lang="vi-VN" sz="2000" dirty="0">
+              <a:latin typeface="Arial" panose="020B0604020202020204" pitchFamily="34" charset="0"/>
+              <a:cs typeface="Arial" panose="020B0604020202020204" pitchFamily="34" charset="0"/>
             </a:endParaRPr>
           </a:p>
           <a:p>
@@ -6599,9 +6995,9 @@
               <a:buChar char="–"/>
             </a:pPr>
             <a:r>
-              <a:rPr lang="vi-VN" dirty="0">
-                <a:latin typeface="Calibri" panose="020F0502020204030204" pitchFamily="34" charset="0"/>
-                <a:cs typeface="Calibri" panose="020F0502020204030204" pitchFamily="34" charset="0"/>
+              <a:rPr lang="vi-VN" sz="2000" dirty="0">
+                <a:latin typeface="Arial" panose="020B0604020202020204" pitchFamily="34" charset="0"/>
+                <a:cs typeface="Arial" panose="020B0604020202020204" pitchFamily="34" charset="0"/>
               </a:rPr>
               <a:t>Lúc này ta sẽ quay lại ứng dụng Java và nhìn vào cổng Console</a:t>
             </a:r>
@@ -6667,7 +7063,7 @@
         <p:spPr>
           <a:xfrm>
             <a:off x="7333409" y="1109976"/>
-            <a:ext cx="4714429" cy="1477328"/>
+            <a:ext cx="4714429" cy="1569660"/>
           </a:xfrm>
           <a:prstGeom prst="rect">
             <a:avLst/>
@@ -6681,35 +7077,35 @@
           <a:lstStyle/>
           <a:p>
             <a:r>
-              <a:rPr lang="vi-VN" dirty="0">
-                <a:latin typeface="Calibri" panose="020F0502020204030204" pitchFamily="34" charset="0"/>
-                <a:cs typeface="Calibri" panose="020F0502020204030204" pitchFamily="34" charset="0"/>
+              <a:rPr lang="vi-VN" sz="2000" dirty="0">
+                <a:latin typeface="Arial" panose="020B0604020202020204" pitchFamily="34" charset="0"/>
+                <a:cs typeface="Arial" panose="020B0604020202020204" pitchFamily="34" charset="0"/>
               </a:rPr>
               <a:t>Cách khắc phục lỗi này là tải thư viện:</a:t>
             </a:r>
             <a:r>
-              <a:rPr lang="vi-VN" b="1" dirty="0">
-                <a:latin typeface="Calibri" panose="020F0502020204030204" pitchFamily="34" charset="0"/>
-                <a:cs typeface="Calibri" panose="020F0502020204030204" pitchFamily="34" charset="0"/>
-              </a:rPr>
-              <a:t> </a:t>
-            </a:r>
-            <a:endParaRPr lang="en-US" b="1" dirty="0" smtClean="0">
-              <a:latin typeface="Calibri" panose="020F0502020204030204" pitchFamily="34" charset="0"/>
-              <a:cs typeface="Calibri" panose="020F0502020204030204" pitchFamily="34" charset="0"/>
+              <a:rPr lang="vi-VN" sz="2000" b="1" dirty="0">
+                <a:latin typeface="Arial" panose="020B0604020202020204" pitchFamily="34" charset="0"/>
+                <a:cs typeface="Arial" panose="020B0604020202020204" pitchFamily="34" charset="0"/>
+              </a:rPr>
+              <a:t> </a:t>
+            </a:r>
+            <a:endParaRPr lang="en-US" sz="2000" b="1" dirty="0" smtClean="0">
+              <a:latin typeface="Arial" panose="020B0604020202020204" pitchFamily="34" charset="0"/>
+              <a:cs typeface="Arial" panose="020B0604020202020204" pitchFamily="34" charset="0"/>
             </a:endParaRPr>
           </a:p>
           <a:p>
-            <a:endParaRPr lang="en-US" b="1" dirty="0">
-              <a:latin typeface="Calibri" panose="020F0502020204030204" pitchFamily="34" charset="0"/>
-              <a:cs typeface="Calibri" panose="020F0502020204030204" pitchFamily="34" charset="0"/>
+            <a:endParaRPr lang="en-US" sz="2000" b="1" dirty="0">
+              <a:latin typeface="Arial" panose="020B0604020202020204" pitchFamily="34" charset="0"/>
+              <a:cs typeface="Arial" panose="020B0604020202020204" pitchFamily="34" charset="0"/>
             </a:endParaRPr>
           </a:p>
           <a:p>
             <a:r>
-              <a:rPr lang="en-US" b="1" dirty="0">
-                <a:latin typeface="Calibri" panose="020F0502020204030204" pitchFamily="34" charset="0"/>
-                <a:cs typeface="Calibri" panose="020F0502020204030204" pitchFamily="34" charset="0"/>
+              <a:rPr lang="en-US" sz="2000" b="1" dirty="0">
+                <a:latin typeface="Arial" panose="020B0604020202020204" pitchFamily="34" charset="0"/>
+                <a:cs typeface="Arial" panose="020B0604020202020204" pitchFamily="34" charset="0"/>
               </a:rPr>
               <a:t>javax.xml.bind.jar</a:t>
             </a:r>
@@ -6754,7 +7150,7 @@
         </p:blipFill>
         <p:spPr bwMode="auto">
           <a:xfrm>
-            <a:off x="664224" y="2965622"/>
+            <a:off x="678509" y="3708570"/>
             <a:ext cx="6376935" cy="2774053"/>
           </a:xfrm>
           <a:prstGeom prst="rect">
@@ -6795,7 +7191,7 @@
         </p:blipFill>
         <p:spPr bwMode="auto">
           <a:xfrm>
-            <a:off x="7396788" y="2338515"/>
+            <a:off x="7446215" y="2679636"/>
             <a:ext cx="3711936" cy="2740111"/>
           </a:xfrm>
           <a:prstGeom prst="rect">
@@ -6978,8 +7374,8 @@
         </p:nvSpPr>
         <p:spPr>
           <a:xfrm>
-            <a:off x="562312" y="525201"/>
-            <a:ext cx="7173017" cy="1169551"/>
+            <a:off x="587025" y="221583"/>
+            <a:ext cx="7173017" cy="1292662"/>
           </a:xfrm>
           <a:prstGeom prst="rect">
             <a:avLst/>
@@ -6993,48 +7389,48 @@
           <a:lstStyle/>
           <a:p>
             <a:r>
-              <a:rPr lang="en-US" sz="2200" b="1" dirty="0" smtClean="0">
+              <a:rPr lang="en-US" sz="3200" b="1" dirty="0" smtClean="0">
                 <a:latin typeface="Times New Roman" panose="02020603050405020304" pitchFamily="18" charset="0"/>
                 <a:cs typeface="Times New Roman" panose="02020603050405020304" pitchFamily="18" charset="0"/>
               </a:rPr>
               <a:t>5. </a:t>
             </a:r>
             <a:r>
-              <a:rPr lang="en-US" sz="2200" b="1" dirty="0" err="1" smtClean="0">
+              <a:rPr lang="en-US" sz="3200" b="1" dirty="0" err="1" smtClean="0">
                 <a:latin typeface="Times New Roman" panose="02020603050405020304" pitchFamily="18" charset="0"/>
                 <a:cs typeface="Times New Roman" panose="02020603050405020304" pitchFamily="18" charset="0"/>
               </a:rPr>
               <a:t>Chạy</a:t>
             </a:r>
             <a:r>
-              <a:rPr lang="en-US" sz="2200" b="1" dirty="0" smtClean="0">
-                <a:latin typeface="Times New Roman" panose="02020603050405020304" pitchFamily="18" charset="0"/>
-                <a:cs typeface="Times New Roman" panose="02020603050405020304" pitchFamily="18" charset="0"/>
-              </a:rPr>
-              <a:t> </a:t>
-            </a:r>
-            <a:r>
-              <a:rPr lang="en-US" sz="2200" b="1" dirty="0" err="1" smtClean="0">
+              <a:rPr lang="en-US" sz="3200" b="1" dirty="0" smtClean="0">
+                <a:latin typeface="Times New Roman" panose="02020603050405020304" pitchFamily="18" charset="0"/>
+                <a:cs typeface="Times New Roman" panose="02020603050405020304" pitchFamily="18" charset="0"/>
+              </a:rPr>
+              <a:t> </a:t>
+            </a:r>
+            <a:r>
+              <a:rPr lang="en-US" sz="3200" b="1" dirty="0" err="1" smtClean="0">
                 <a:latin typeface="Times New Roman" panose="02020603050405020304" pitchFamily="18" charset="0"/>
                 <a:cs typeface="Times New Roman" panose="02020603050405020304" pitchFamily="18" charset="0"/>
               </a:rPr>
               <a:t>chương</a:t>
             </a:r>
             <a:r>
-              <a:rPr lang="en-US" sz="2200" b="1" dirty="0" smtClean="0">
-                <a:latin typeface="Times New Roman" panose="02020603050405020304" pitchFamily="18" charset="0"/>
-                <a:cs typeface="Times New Roman" panose="02020603050405020304" pitchFamily="18" charset="0"/>
-              </a:rPr>
-              <a:t> </a:t>
-            </a:r>
-            <a:r>
-              <a:rPr lang="en-US" sz="2200" b="1" dirty="0" err="1" smtClean="0">
+              <a:rPr lang="en-US" sz="3200" b="1" dirty="0" smtClean="0">
+                <a:latin typeface="Times New Roman" panose="02020603050405020304" pitchFamily="18" charset="0"/>
+                <a:cs typeface="Times New Roman" panose="02020603050405020304" pitchFamily="18" charset="0"/>
+              </a:rPr>
+              <a:t> </a:t>
+            </a:r>
+            <a:r>
+              <a:rPr lang="en-US" sz="3200" b="1" dirty="0" err="1" smtClean="0">
                 <a:latin typeface="Times New Roman" panose="02020603050405020304" pitchFamily="18" charset="0"/>
                 <a:cs typeface="Times New Roman" panose="02020603050405020304" pitchFamily="18" charset="0"/>
               </a:rPr>
               <a:t>trình</a:t>
             </a:r>
-            <a:endParaRPr lang="en-US" sz="2200" b="1" dirty="0">
+            <a:endParaRPr lang="en-US" sz="3200" b="1" dirty="0">
               <a:latin typeface="Times New Roman" panose="02020603050405020304" pitchFamily="18" charset="0"/>
               <a:cs typeface="Times New Roman" panose="02020603050405020304" pitchFamily="18" charset="0"/>
             </a:endParaRPr>
@@ -7063,7 +7459,7 @@
         <p:spPr>
           <a:xfrm>
             <a:off x="678509" y="1220559"/>
-            <a:ext cx="6311296" cy="2585323"/>
+            <a:ext cx="6311296" cy="3354765"/>
           </a:xfrm>
           <a:prstGeom prst="rect">
             <a:avLst/>
@@ -7081,50 +7477,50 @@
               <a:buChar char="–"/>
             </a:pPr>
             <a:r>
-              <a:rPr lang="vi-VN" dirty="0" smtClean="0">
-                <a:latin typeface="Calibri" panose="020F0502020204030204" pitchFamily="34" charset="0"/>
-                <a:cs typeface="Calibri" panose="020F0502020204030204" pitchFamily="34" charset="0"/>
+              <a:rPr lang="vi-VN" sz="2000" dirty="0" smtClean="0">
+                <a:latin typeface="Arial" panose="020B0604020202020204" pitchFamily="34" charset="0"/>
+                <a:cs typeface="Arial" panose="020B0604020202020204" pitchFamily="34" charset="0"/>
               </a:rPr>
               <a:t>Kích chuột phải vào </a:t>
             </a:r>
             <a:r>
-              <a:rPr lang="vi-VN" b="1" dirty="0" smtClean="0">
-                <a:latin typeface="Calibri" panose="020F0502020204030204" pitchFamily="34" charset="0"/>
-                <a:cs typeface="Calibri" panose="020F0502020204030204" pitchFamily="34" charset="0"/>
+              <a:rPr lang="vi-VN" sz="2000" b="1" dirty="0" smtClean="0">
+                <a:latin typeface="Arial" panose="020B0604020202020204" pitchFamily="34" charset="0"/>
+                <a:cs typeface="Arial" panose="020B0604020202020204" pitchFamily="34" charset="0"/>
               </a:rPr>
               <a:t>Project</a:t>
             </a:r>
             <a:r>
-              <a:rPr lang="vi-VN" dirty="0" smtClean="0">
-                <a:latin typeface="Calibri" panose="020F0502020204030204" pitchFamily="34" charset="0"/>
-                <a:cs typeface="Calibri" panose="020F0502020204030204" pitchFamily="34" charset="0"/>
+              <a:rPr lang="vi-VN" sz="2000" dirty="0" smtClean="0">
+                <a:latin typeface="Arial" panose="020B0604020202020204" pitchFamily="34" charset="0"/>
+                <a:cs typeface="Arial" panose="020B0604020202020204" pitchFamily="34" charset="0"/>
               </a:rPr>
               <a:t> chọn </a:t>
             </a:r>
             <a:r>
-              <a:rPr lang="vi-VN" b="1" dirty="0" smtClean="0">
-                <a:latin typeface="Calibri" panose="020F0502020204030204" pitchFamily="34" charset="0"/>
-                <a:cs typeface="Calibri" panose="020F0502020204030204" pitchFamily="34" charset="0"/>
+              <a:rPr lang="vi-VN" sz="2000" b="1" dirty="0" smtClean="0">
+                <a:latin typeface="Arial" panose="020B0604020202020204" pitchFamily="34" charset="0"/>
+                <a:cs typeface="Arial" panose="020B0604020202020204" pitchFamily="34" charset="0"/>
               </a:rPr>
               <a:t>Run As</a:t>
             </a:r>
             <a:r>
-              <a:rPr lang="vi-VN" dirty="0" smtClean="0">
-                <a:latin typeface="Calibri" panose="020F0502020204030204" pitchFamily="34" charset="0"/>
-                <a:cs typeface="Calibri" panose="020F0502020204030204" pitchFamily="34" charset="0"/>
+              <a:rPr lang="vi-VN" sz="2000" dirty="0" smtClean="0">
+                <a:latin typeface="Arial" panose="020B0604020202020204" pitchFamily="34" charset="0"/>
+                <a:cs typeface="Arial" panose="020B0604020202020204" pitchFamily="34" charset="0"/>
               </a:rPr>
               <a:t> &gt; </a:t>
             </a:r>
             <a:r>
-              <a:rPr lang="vi-VN" b="1" dirty="0" smtClean="0">
-                <a:latin typeface="Calibri" panose="020F0502020204030204" pitchFamily="34" charset="0"/>
-                <a:cs typeface="Calibri" panose="020F0502020204030204" pitchFamily="34" charset="0"/>
+              <a:rPr lang="vi-VN" sz="2000" b="1" dirty="0" smtClean="0">
+                <a:latin typeface="Arial" panose="020B0604020202020204" pitchFamily="34" charset="0"/>
+                <a:cs typeface="Arial" panose="020B0604020202020204" pitchFamily="34" charset="0"/>
               </a:rPr>
               <a:t>Run on server</a:t>
             </a:r>
-            <a:endParaRPr lang="en-US" b="1" dirty="0" smtClean="0">
-              <a:latin typeface="Calibri" panose="020F0502020204030204" pitchFamily="34" charset="0"/>
-              <a:cs typeface="Calibri" panose="020F0502020204030204" pitchFamily="34" charset="0"/>
+            <a:endParaRPr lang="en-US" sz="2000" b="1" dirty="0" smtClean="0">
+              <a:latin typeface="Arial" panose="020B0604020202020204" pitchFamily="34" charset="0"/>
+              <a:cs typeface="Arial" panose="020B0604020202020204" pitchFamily="34" charset="0"/>
             </a:endParaRPr>
           </a:p>
           <a:p>
@@ -7132,9 +7528,9 @@
               <a:buFont typeface="Arial" panose="020B0604020202020204" pitchFamily="34" charset="0"/>
               <a:buChar char="–"/>
             </a:pPr>
-            <a:endParaRPr lang="vi-VN" dirty="0" smtClean="0">
-              <a:latin typeface="Calibri" panose="020F0502020204030204" pitchFamily="34" charset="0"/>
-              <a:cs typeface="Calibri" panose="020F0502020204030204" pitchFamily="34" charset="0"/>
+            <a:endParaRPr lang="vi-VN" sz="2000" dirty="0" smtClean="0">
+              <a:latin typeface="Arial" panose="020B0604020202020204" pitchFamily="34" charset="0"/>
+              <a:cs typeface="Arial" panose="020B0604020202020204" pitchFamily="34" charset="0"/>
             </a:endParaRPr>
           </a:p>
           <a:p>
@@ -7143,22 +7539,22 @@
               <a:buChar char="–"/>
             </a:pPr>
             <a:r>
-              <a:rPr lang="vi-VN" b="1" dirty="0" smtClean="0">
-                <a:latin typeface="Calibri" panose="020F0502020204030204" pitchFamily="34" charset="0"/>
-                <a:cs typeface="Calibri" panose="020F0502020204030204" pitchFamily="34" charset="0"/>
+              <a:rPr lang="vi-VN" sz="2000" b="1" dirty="0" smtClean="0">
+                <a:latin typeface="Arial" panose="020B0604020202020204" pitchFamily="34" charset="0"/>
+                <a:cs typeface="Arial" panose="020B0604020202020204" pitchFamily="34" charset="0"/>
               </a:rPr>
               <a:t>S</a:t>
             </a:r>
             <a:r>
-              <a:rPr lang="vi-VN" dirty="0" smtClean="0">
-                <a:latin typeface="Calibri" panose="020F0502020204030204" pitchFamily="34" charset="0"/>
-                <a:cs typeface="Calibri" panose="020F0502020204030204" pitchFamily="34" charset="0"/>
+              <a:rPr lang="vi-VN" sz="2000" dirty="0" smtClean="0">
+                <a:latin typeface="Arial" panose="020B0604020202020204" pitchFamily="34" charset="0"/>
+                <a:cs typeface="Arial" panose="020B0604020202020204" pitchFamily="34" charset="0"/>
               </a:rPr>
               <a:t>au khi chạy sẽ bị lỗi file error được gọi</a:t>
             </a:r>
-            <a:endParaRPr lang="en-US" dirty="0" smtClean="0">
-              <a:latin typeface="Calibri" panose="020F0502020204030204" pitchFamily="34" charset="0"/>
-              <a:cs typeface="Calibri" panose="020F0502020204030204" pitchFamily="34" charset="0"/>
+            <a:endParaRPr lang="en-US" sz="2000" dirty="0" smtClean="0">
+              <a:latin typeface="Arial" panose="020B0604020202020204" pitchFamily="34" charset="0"/>
+              <a:cs typeface="Arial" panose="020B0604020202020204" pitchFamily="34" charset="0"/>
             </a:endParaRPr>
           </a:p>
           <a:p>
@@ -7166,9 +7562,9 @@
               <a:buFont typeface="Arial" panose="020B0604020202020204" pitchFamily="34" charset="0"/>
               <a:buChar char="–"/>
             </a:pPr>
-            <a:endParaRPr lang="vi-VN" dirty="0" smtClean="0">
-              <a:latin typeface="Calibri" panose="020F0502020204030204" pitchFamily="34" charset="0"/>
-              <a:cs typeface="Calibri" panose="020F0502020204030204" pitchFamily="34" charset="0"/>
+            <a:endParaRPr lang="vi-VN" sz="2000" dirty="0" smtClean="0">
+              <a:latin typeface="Arial" panose="020B0604020202020204" pitchFamily="34" charset="0"/>
+              <a:cs typeface="Arial" panose="020B0604020202020204" pitchFamily="34" charset="0"/>
             </a:endParaRPr>
           </a:p>
           <a:p>
@@ -7177,9 +7573,9 @@
               <a:buChar char="–"/>
             </a:pPr>
             <a:r>
-              <a:rPr lang="vi-VN" dirty="0" smtClean="0">
-                <a:latin typeface="Calibri" panose="020F0502020204030204" pitchFamily="34" charset="0"/>
-                <a:cs typeface="Calibri" panose="020F0502020204030204" pitchFamily="34" charset="0"/>
+              <a:rPr lang="vi-VN" sz="2000" dirty="0" smtClean="0">
+                <a:latin typeface="Arial" panose="020B0604020202020204" pitchFamily="34" charset="0"/>
+                <a:cs typeface="Arial" panose="020B0604020202020204" pitchFamily="34" charset="0"/>
               </a:rPr>
               <a:t>Lúc này ta sẽ quay lại ứng dụng Java và nhìn vào cổng Console</a:t>
             </a:r>
@@ -7245,7 +7641,7 @@
         <p:spPr>
           <a:xfrm>
             <a:off x="7333409" y="1109976"/>
-            <a:ext cx="4714429" cy="2031325"/>
+            <a:ext cx="4714429" cy="2123658"/>
           </a:xfrm>
           <a:prstGeom prst="rect">
             <a:avLst/>
@@ -7259,40 +7655,34 @@
           <a:lstStyle/>
           <a:p>
             <a:r>
-              <a:rPr lang="vi-VN" dirty="0">
-                <a:latin typeface="Calibri" panose="020F0502020204030204" pitchFamily="34" charset="0"/>
+              <a:rPr lang="vi-VN" sz="2000" dirty="0">
                 <a:cs typeface="Calibri" panose="020F0502020204030204" pitchFamily="34" charset="0"/>
               </a:rPr>
               <a:t>Cách khắc phục lỗi này là tải thư viện:</a:t>
             </a:r>
             <a:r>
-              <a:rPr lang="vi-VN" b="1" dirty="0">
-                <a:latin typeface="Calibri" panose="020F0502020204030204" pitchFamily="34" charset="0"/>
+              <a:rPr lang="vi-VN" sz="2000" b="1" dirty="0">
                 <a:cs typeface="Calibri" panose="020F0502020204030204" pitchFamily="34" charset="0"/>
               </a:rPr>
               <a:t> </a:t>
             </a:r>
-            <a:endParaRPr lang="en-US" b="1" dirty="0" smtClean="0">
-              <a:latin typeface="Calibri" panose="020F0502020204030204" pitchFamily="34" charset="0"/>
+            <a:endParaRPr lang="en-US" sz="2000" b="1" dirty="0" smtClean="0">
               <a:cs typeface="Calibri" panose="020F0502020204030204" pitchFamily="34" charset="0"/>
             </a:endParaRPr>
           </a:p>
           <a:p>
-            <a:endParaRPr lang="en-US" b="1" dirty="0">
-              <a:latin typeface="Calibri" panose="020F0502020204030204" pitchFamily="34" charset="0"/>
+            <a:endParaRPr lang="en-US" sz="2000" b="1" dirty="0">
               <a:cs typeface="Calibri" panose="020F0502020204030204" pitchFamily="34" charset="0"/>
             </a:endParaRPr>
           </a:p>
           <a:p>
             <a:r>
-              <a:rPr lang="en-US" b="1" dirty="0">
-                <a:latin typeface="Calibri" panose="020F0502020204030204" pitchFamily="34" charset="0"/>
+              <a:rPr lang="en-US" sz="2000" b="1" dirty="0">
                 <a:cs typeface="Calibri" panose="020F0502020204030204" pitchFamily="34" charset="0"/>
               </a:rPr>
               <a:t>dom4j-2.1.1.jar</a:t>
             </a:r>
-            <a:endParaRPr lang="en-US" dirty="0">
-              <a:latin typeface="Calibri" panose="020F0502020204030204" pitchFamily="34" charset="0"/>
+            <a:endParaRPr lang="en-US" sz="2000" dirty="0">
               <a:cs typeface="Calibri" panose="020F0502020204030204" pitchFamily="34" charset="0"/>
             </a:endParaRPr>
           </a:p>
@@ -7345,7 +7735,7 @@
         </p:blipFill>
         <p:spPr bwMode="auto">
           <a:xfrm>
-            <a:off x="562312" y="3328859"/>
+            <a:off x="678509" y="3711918"/>
             <a:ext cx="6247917" cy="2777160"/>
           </a:xfrm>
           <a:prstGeom prst="rect">
@@ -7386,7 +7776,7 @@
         </p:blipFill>
         <p:spPr bwMode="auto">
           <a:xfrm>
-            <a:off x="7333409" y="2711021"/>
+            <a:off x="7472970" y="3094080"/>
             <a:ext cx="4121305" cy="2228850"/>
           </a:xfrm>
           <a:prstGeom prst="rect">
@@ -7569,8 +7959,8 @@
         </p:nvSpPr>
         <p:spPr>
           <a:xfrm>
-            <a:off x="562312" y="525201"/>
-            <a:ext cx="7173017" cy="1169551"/>
+            <a:off x="678509" y="143736"/>
+            <a:ext cx="7173017" cy="1292662"/>
           </a:xfrm>
           <a:prstGeom prst="rect">
             <a:avLst/>
@@ -7584,48 +7974,48 @@
           <a:lstStyle/>
           <a:p>
             <a:r>
-              <a:rPr lang="en-US" sz="2200" b="1" dirty="0" smtClean="0">
+              <a:rPr lang="en-US" sz="3200" b="1" dirty="0" smtClean="0">
                 <a:latin typeface="Times New Roman" panose="02020603050405020304" pitchFamily="18" charset="0"/>
                 <a:cs typeface="Times New Roman" panose="02020603050405020304" pitchFamily="18" charset="0"/>
               </a:rPr>
               <a:t>5. </a:t>
             </a:r>
             <a:r>
-              <a:rPr lang="en-US" sz="2200" b="1" dirty="0" err="1" smtClean="0">
+              <a:rPr lang="en-US" sz="3200" b="1" dirty="0" err="1" smtClean="0">
                 <a:latin typeface="Times New Roman" panose="02020603050405020304" pitchFamily="18" charset="0"/>
                 <a:cs typeface="Times New Roman" panose="02020603050405020304" pitchFamily="18" charset="0"/>
               </a:rPr>
               <a:t>Chạy</a:t>
             </a:r>
             <a:r>
-              <a:rPr lang="en-US" sz="2200" b="1" dirty="0" smtClean="0">
-                <a:latin typeface="Times New Roman" panose="02020603050405020304" pitchFamily="18" charset="0"/>
-                <a:cs typeface="Times New Roman" panose="02020603050405020304" pitchFamily="18" charset="0"/>
-              </a:rPr>
-              <a:t> </a:t>
-            </a:r>
-            <a:r>
-              <a:rPr lang="en-US" sz="2200" b="1" dirty="0" err="1" smtClean="0">
+              <a:rPr lang="en-US" sz="3200" b="1" dirty="0" smtClean="0">
+                <a:latin typeface="Times New Roman" panose="02020603050405020304" pitchFamily="18" charset="0"/>
+                <a:cs typeface="Times New Roman" panose="02020603050405020304" pitchFamily="18" charset="0"/>
+              </a:rPr>
+              <a:t> </a:t>
+            </a:r>
+            <a:r>
+              <a:rPr lang="en-US" sz="3200" b="1" dirty="0" err="1" smtClean="0">
                 <a:latin typeface="Times New Roman" panose="02020603050405020304" pitchFamily="18" charset="0"/>
                 <a:cs typeface="Times New Roman" panose="02020603050405020304" pitchFamily="18" charset="0"/>
               </a:rPr>
               <a:t>chương</a:t>
             </a:r>
             <a:r>
-              <a:rPr lang="en-US" sz="2200" b="1" dirty="0" smtClean="0">
-                <a:latin typeface="Times New Roman" panose="02020603050405020304" pitchFamily="18" charset="0"/>
-                <a:cs typeface="Times New Roman" panose="02020603050405020304" pitchFamily="18" charset="0"/>
-              </a:rPr>
-              <a:t> </a:t>
-            </a:r>
-            <a:r>
-              <a:rPr lang="en-US" sz="2200" b="1" dirty="0" err="1" smtClean="0">
+              <a:rPr lang="en-US" sz="3200" b="1" dirty="0" smtClean="0">
+                <a:latin typeface="Times New Roman" panose="02020603050405020304" pitchFamily="18" charset="0"/>
+                <a:cs typeface="Times New Roman" panose="02020603050405020304" pitchFamily="18" charset="0"/>
+              </a:rPr>
+              <a:t> </a:t>
+            </a:r>
+            <a:r>
+              <a:rPr lang="en-US" sz="3200" b="1" dirty="0" err="1" smtClean="0">
                 <a:latin typeface="Times New Roman" panose="02020603050405020304" pitchFamily="18" charset="0"/>
                 <a:cs typeface="Times New Roman" panose="02020603050405020304" pitchFamily="18" charset="0"/>
               </a:rPr>
               <a:t>trình</a:t>
             </a:r>
-            <a:endParaRPr lang="en-US" sz="2200" b="1" dirty="0">
+            <a:endParaRPr lang="en-US" sz="3200" b="1" dirty="0">
               <a:latin typeface="Times New Roman" panose="02020603050405020304" pitchFamily="18" charset="0"/>
               <a:cs typeface="Times New Roman" panose="02020603050405020304" pitchFamily="18" charset="0"/>
             </a:endParaRPr>
@@ -7654,7 +8044,7 @@
         <p:spPr>
           <a:xfrm>
             <a:off x="678509" y="1220559"/>
-            <a:ext cx="6311296" cy="2585323"/>
+            <a:ext cx="6311296" cy="3354765"/>
           </a:xfrm>
           <a:prstGeom prst="rect">
             <a:avLst/>
@@ -7672,63 +8062,54 @@
               <a:buChar char="–"/>
             </a:pPr>
             <a:r>
-              <a:rPr lang="vi-VN" dirty="0" smtClean="0">
-                <a:latin typeface="Calibri" panose="020F0502020204030204" pitchFamily="34" charset="0"/>
+              <a:rPr lang="vi-VN" sz="2000" dirty="0" smtClean="0">
                 <a:cs typeface="Calibri" panose="020F0502020204030204" pitchFamily="34" charset="0"/>
               </a:rPr>
               <a:t>Kích </a:t>
             </a:r>
             <a:r>
-              <a:rPr lang="vi-VN" dirty="0">
-                <a:latin typeface="Calibri" panose="020F0502020204030204" pitchFamily="34" charset="0"/>
+              <a:rPr lang="vi-VN" sz="2000" dirty="0">
                 <a:cs typeface="Calibri" panose="020F0502020204030204" pitchFamily="34" charset="0"/>
               </a:rPr>
               <a:t>chuột phải vào </a:t>
             </a:r>
             <a:r>
-              <a:rPr lang="vi-VN" b="1" dirty="0">
-                <a:latin typeface="Calibri" panose="020F0502020204030204" pitchFamily="34" charset="0"/>
+              <a:rPr lang="vi-VN" sz="2000" b="1" dirty="0">
                 <a:cs typeface="Calibri" panose="020F0502020204030204" pitchFamily="34" charset="0"/>
               </a:rPr>
               <a:t>Project</a:t>
             </a:r>
             <a:r>
-              <a:rPr lang="vi-VN" dirty="0">
-                <a:latin typeface="Calibri" panose="020F0502020204030204" pitchFamily="34" charset="0"/>
+              <a:rPr lang="vi-VN" sz="2000" dirty="0">
                 <a:cs typeface="Calibri" panose="020F0502020204030204" pitchFamily="34" charset="0"/>
               </a:rPr>
               <a:t> chọn </a:t>
             </a:r>
             <a:r>
-              <a:rPr lang="vi-VN" b="1" dirty="0">
-                <a:latin typeface="Calibri" panose="020F0502020204030204" pitchFamily="34" charset="0"/>
+              <a:rPr lang="vi-VN" sz="2000" b="1" dirty="0">
                 <a:cs typeface="Calibri" panose="020F0502020204030204" pitchFamily="34" charset="0"/>
               </a:rPr>
               <a:t>Run As</a:t>
             </a:r>
             <a:r>
-              <a:rPr lang="vi-VN" dirty="0">
-                <a:latin typeface="Calibri" panose="020F0502020204030204" pitchFamily="34" charset="0"/>
+              <a:rPr lang="vi-VN" sz="2000" dirty="0">
                 <a:cs typeface="Calibri" panose="020F0502020204030204" pitchFamily="34" charset="0"/>
               </a:rPr>
               <a:t> &gt; </a:t>
             </a:r>
             <a:r>
-              <a:rPr lang="vi-VN" b="1" dirty="0">
-                <a:latin typeface="Calibri" panose="020F0502020204030204" pitchFamily="34" charset="0"/>
+              <a:rPr lang="vi-VN" sz="2000" b="1" dirty="0">
                 <a:cs typeface="Calibri" panose="020F0502020204030204" pitchFamily="34" charset="0"/>
               </a:rPr>
               <a:t>Run on </a:t>
             </a:r>
             <a:r>
-              <a:rPr lang="vi-VN" b="1" dirty="0" smtClean="0">
-                <a:latin typeface="Calibri" panose="020F0502020204030204" pitchFamily="34" charset="0"/>
+              <a:rPr lang="vi-VN" sz="2000" b="1" dirty="0" smtClean="0">
                 <a:cs typeface="Calibri" panose="020F0502020204030204" pitchFamily="34" charset="0"/>
               </a:rPr>
               <a:t>server</a:t>
             </a:r>
-            <a:endParaRPr lang="en-US" b="1" dirty="0" smtClean="0">
-              <a:latin typeface="Calibri" panose="020F0502020204030204" pitchFamily="34" charset="0"/>
+            <a:endParaRPr lang="en-US" sz="2000" b="1" dirty="0" smtClean="0">
               <a:cs typeface="Calibri" panose="020F0502020204030204" pitchFamily="34" charset="0"/>
             </a:endParaRPr>
           </a:p>
@@ -7737,8 +8118,7 @@
               <a:buFont typeface="Arial" panose="020B0604020202020204" pitchFamily="34" charset="0"/>
               <a:buChar char="–"/>
             </a:pPr>
-            <a:endParaRPr lang="vi-VN" dirty="0">
-              <a:latin typeface="Calibri" panose="020F0502020204030204" pitchFamily="34" charset="0"/>
+            <a:endParaRPr lang="vi-VN" sz="2000" dirty="0">
               <a:cs typeface="Calibri" panose="020F0502020204030204" pitchFamily="34" charset="0"/>
             </a:endParaRPr>
           </a:p>
@@ -7748,28 +8128,24 @@
               <a:buChar char="–"/>
             </a:pPr>
             <a:r>
-              <a:rPr lang="vi-VN" b="1" dirty="0">
-                <a:latin typeface="Calibri" panose="020F0502020204030204" pitchFamily="34" charset="0"/>
+              <a:rPr lang="vi-VN" sz="2000" b="1" dirty="0">
                 <a:cs typeface="Calibri" panose="020F0502020204030204" pitchFamily="34" charset="0"/>
               </a:rPr>
               <a:t>S</a:t>
             </a:r>
             <a:r>
-              <a:rPr lang="vi-VN" dirty="0">
-                <a:latin typeface="Calibri" panose="020F0502020204030204" pitchFamily="34" charset="0"/>
+              <a:rPr lang="vi-VN" sz="2000" dirty="0">
                 <a:cs typeface="Calibri" panose="020F0502020204030204" pitchFamily="34" charset="0"/>
               </a:rPr>
               <a:t>au khi chạy sẽ bị lỗi file error được </a:t>
             </a:r>
             <a:r>
-              <a:rPr lang="vi-VN" dirty="0" smtClean="0">
-                <a:latin typeface="Calibri" panose="020F0502020204030204" pitchFamily="34" charset="0"/>
+              <a:rPr lang="vi-VN" sz="2000" dirty="0" smtClean="0">
                 <a:cs typeface="Calibri" panose="020F0502020204030204" pitchFamily="34" charset="0"/>
               </a:rPr>
               <a:t>gọi</a:t>
             </a:r>
-            <a:endParaRPr lang="en-US" dirty="0" smtClean="0">
-              <a:latin typeface="Calibri" panose="020F0502020204030204" pitchFamily="34" charset="0"/>
+            <a:endParaRPr lang="en-US" sz="2000" dirty="0" smtClean="0">
               <a:cs typeface="Calibri" panose="020F0502020204030204" pitchFamily="34" charset="0"/>
             </a:endParaRPr>
           </a:p>
@@ -7778,8 +8154,7 @@
               <a:buFont typeface="Arial" panose="020B0604020202020204" pitchFamily="34" charset="0"/>
               <a:buChar char="–"/>
             </a:pPr>
-            <a:endParaRPr lang="vi-VN" dirty="0">
-              <a:latin typeface="Calibri" panose="020F0502020204030204" pitchFamily="34" charset="0"/>
+            <a:endParaRPr lang="vi-VN" sz="2000" dirty="0">
               <a:cs typeface="Calibri" panose="020F0502020204030204" pitchFamily="34" charset="0"/>
             </a:endParaRPr>
           </a:p>
@@ -7789,8 +8164,7 @@
               <a:buChar char="–"/>
             </a:pPr>
             <a:r>
-              <a:rPr lang="vi-VN" dirty="0">
-                <a:latin typeface="Calibri" panose="020F0502020204030204" pitchFamily="34" charset="0"/>
+              <a:rPr lang="vi-VN" sz="2000" dirty="0">
                 <a:cs typeface="Calibri" panose="020F0502020204030204" pitchFamily="34" charset="0"/>
               </a:rPr>
               <a:t>Lúc này ta sẽ quay lại ứng dụng Java và nhìn vào cổng Console</a:t>
@@ -7857,7 +8231,7 @@
         <p:spPr>
           <a:xfrm>
             <a:off x="7333409" y="1109976"/>
-            <a:ext cx="4714429" cy="2308324"/>
+            <a:ext cx="4714429" cy="2400657"/>
           </a:xfrm>
           <a:prstGeom prst="rect">
             <a:avLst/>
@@ -7871,24 +8245,24 @@
           <a:lstStyle/>
           <a:p>
             <a:r>
-              <a:rPr lang="vi-VN" dirty="0"/>
+              <a:rPr lang="vi-VN" sz="2000" dirty="0"/>
               <a:t>Cách khắc phục lỗi này là tải thư viện:</a:t>
             </a:r>
             <a:r>
-              <a:rPr lang="vi-VN" b="1" dirty="0"/>
-              <a:t> </a:t>
-            </a:r>
-            <a:endParaRPr lang="en-US" b="1" dirty="0" smtClean="0"/>
-          </a:p>
-          <a:p>
-            <a:endParaRPr lang="en-US" b="1" dirty="0"/>
-          </a:p>
-          <a:p>
-            <a:r>
-              <a:rPr lang="en-US" b="1" dirty="0"/>
+              <a:rPr lang="vi-VN" sz="2000" b="1" dirty="0"/>
+              <a:t> </a:t>
+            </a:r>
+            <a:endParaRPr lang="en-US" sz="2000" b="1" dirty="0" smtClean="0"/>
+          </a:p>
+          <a:p>
+            <a:endParaRPr lang="en-US" sz="2000" b="1" dirty="0"/>
+          </a:p>
+          <a:p>
+            <a:r>
+              <a:rPr lang="en-US" sz="2000" b="1" dirty="0"/>
               <a:t>byte-buddy-1.8.17.jar</a:t>
             </a:r>
-            <a:endParaRPr lang="en-US" dirty="0"/>
+            <a:endParaRPr lang="en-US" sz="2000" dirty="0"/>
           </a:p>
           <a:p>
             <a:r>
@@ -7946,7 +8320,7 @@
         </p:blipFill>
         <p:spPr bwMode="auto">
           <a:xfrm>
-            <a:off x="815897" y="3284066"/>
+            <a:off x="871963" y="4067280"/>
             <a:ext cx="5924388" cy="1460929"/>
           </a:xfrm>
           <a:prstGeom prst="rect">
@@ -7987,7 +8361,7 @@
         </p:blipFill>
         <p:spPr bwMode="auto">
           <a:xfrm>
-            <a:off x="7333409" y="2610494"/>
+            <a:off x="7361326" y="2672230"/>
             <a:ext cx="3454040" cy="2390775"/>
           </a:xfrm>
           <a:prstGeom prst="rect">
@@ -8170,8 +8544,8 @@
         </p:nvSpPr>
         <p:spPr>
           <a:xfrm>
-            <a:off x="562312" y="525201"/>
-            <a:ext cx="7173017" cy="1169551"/>
+            <a:off x="678509" y="260785"/>
+            <a:ext cx="7173017" cy="1292662"/>
           </a:xfrm>
           <a:prstGeom prst="rect">
             <a:avLst/>
@@ -8185,48 +8559,48 @@
           <a:lstStyle/>
           <a:p>
             <a:r>
-              <a:rPr lang="en-US" sz="2200" b="1" dirty="0" smtClean="0">
+              <a:rPr lang="en-US" sz="3200" b="1" dirty="0" smtClean="0">
                 <a:latin typeface="Times New Roman" panose="02020603050405020304" pitchFamily="18" charset="0"/>
                 <a:cs typeface="Times New Roman" panose="02020603050405020304" pitchFamily="18" charset="0"/>
               </a:rPr>
               <a:t>5. </a:t>
             </a:r>
             <a:r>
-              <a:rPr lang="en-US" sz="2200" b="1" dirty="0" err="1" smtClean="0">
+              <a:rPr lang="en-US" sz="3200" b="1" dirty="0" err="1" smtClean="0">
                 <a:latin typeface="Times New Roman" panose="02020603050405020304" pitchFamily="18" charset="0"/>
                 <a:cs typeface="Times New Roman" panose="02020603050405020304" pitchFamily="18" charset="0"/>
               </a:rPr>
               <a:t>Chạy</a:t>
             </a:r>
             <a:r>
-              <a:rPr lang="en-US" sz="2200" b="1" dirty="0" smtClean="0">
-                <a:latin typeface="Times New Roman" panose="02020603050405020304" pitchFamily="18" charset="0"/>
-                <a:cs typeface="Times New Roman" panose="02020603050405020304" pitchFamily="18" charset="0"/>
-              </a:rPr>
-              <a:t> </a:t>
-            </a:r>
-            <a:r>
-              <a:rPr lang="en-US" sz="2200" b="1" dirty="0" err="1" smtClean="0">
+              <a:rPr lang="en-US" sz="3200" b="1" dirty="0" smtClean="0">
+                <a:latin typeface="Times New Roman" panose="02020603050405020304" pitchFamily="18" charset="0"/>
+                <a:cs typeface="Times New Roman" panose="02020603050405020304" pitchFamily="18" charset="0"/>
+              </a:rPr>
+              <a:t> </a:t>
+            </a:r>
+            <a:r>
+              <a:rPr lang="en-US" sz="3200" b="1" dirty="0" err="1" smtClean="0">
                 <a:latin typeface="Times New Roman" panose="02020603050405020304" pitchFamily="18" charset="0"/>
                 <a:cs typeface="Times New Roman" panose="02020603050405020304" pitchFamily="18" charset="0"/>
               </a:rPr>
               <a:t>chương</a:t>
             </a:r>
             <a:r>
-              <a:rPr lang="en-US" sz="2200" b="1" dirty="0" smtClean="0">
-                <a:latin typeface="Times New Roman" panose="02020603050405020304" pitchFamily="18" charset="0"/>
-                <a:cs typeface="Times New Roman" panose="02020603050405020304" pitchFamily="18" charset="0"/>
-              </a:rPr>
-              <a:t> </a:t>
-            </a:r>
-            <a:r>
-              <a:rPr lang="en-US" sz="2200" b="1" dirty="0" err="1" smtClean="0">
+              <a:rPr lang="en-US" sz="3200" b="1" dirty="0" smtClean="0">
+                <a:latin typeface="Times New Roman" panose="02020603050405020304" pitchFamily="18" charset="0"/>
+                <a:cs typeface="Times New Roman" panose="02020603050405020304" pitchFamily="18" charset="0"/>
+              </a:rPr>
+              <a:t> </a:t>
+            </a:r>
+            <a:r>
+              <a:rPr lang="en-US" sz="3200" b="1" dirty="0" err="1" smtClean="0">
                 <a:latin typeface="Times New Roman" panose="02020603050405020304" pitchFamily="18" charset="0"/>
                 <a:cs typeface="Times New Roman" panose="02020603050405020304" pitchFamily="18" charset="0"/>
               </a:rPr>
               <a:t>trình</a:t>
             </a:r>
-            <a:endParaRPr lang="en-US" sz="2200" b="1" dirty="0">
+            <a:endParaRPr lang="en-US" sz="3200" b="1" dirty="0">
               <a:latin typeface="Times New Roman" panose="02020603050405020304" pitchFamily="18" charset="0"/>
               <a:cs typeface="Times New Roman" panose="02020603050405020304" pitchFamily="18" charset="0"/>
             </a:endParaRPr>
@@ -8255,7 +8629,7 @@
         <p:spPr>
           <a:xfrm>
             <a:off x="678509" y="1220559"/>
-            <a:ext cx="6311296" cy="2585323"/>
+            <a:ext cx="6311296" cy="3354765"/>
           </a:xfrm>
           <a:prstGeom prst="rect">
             <a:avLst/>
@@ -8273,64 +8647,64 @@
               <a:buChar char="–"/>
             </a:pPr>
             <a:r>
-              <a:rPr lang="vi-VN" dirty="0" smtClean="0">
-                <a:latin typeface="Calibri" panose="020F0502020204030204" pitchFamily="34" charset="0"/>
-                <a:cs typeface="Calibri" panose="020F0502020204030204" pitchFamily="34" charset="0"/>
+              <a:rPr lang="vi-VN" sz="2000" dirty="0" smtClean="0">
+                <a:latin typeface="Arial" panose="020B0604020202020204" pitchFamily="34" charset="0"/>
+                <a:cs typeface="Arial" panose="020B0604020202020204" pitchFamily="34" charset="0"/>
               </a:rPr>
               <a:t>Kích </a:t>
             </a:r>
             <a:r>
-              <a:rPr lang="vi-VN" dirty="0">
-                <a:latin typeface="Calibri" panose="020F0502020204030204" pitchFamily="34" charset="0"/>
-                <a:cs typeface="Calibri" panose="020F0502020204030204" pitchFamily="34" charset="0"/>
+              <a:rPr lang="vi-VN" sz="2000" dirty="0">
+                <a:latin typeface="Arial" panose="020B0604020202020204" pitchFamily="34" charset="0"/>
+                <a:cs typeface="Arial" panose="020B0604020202020204" pitchFamily="34" charset="0"/>
               </a:rPr>
               <a:t>chuột phải vào </a:t>
             </a:r>
             <a:r>
-              <a:rPr lang="vi-VN" b="1" dirty="0">
-                <a:latin typeface="Calibri" panose="020F0502020204030204" pitchFamily="34" charset="0"/>
-                <a:cs typeface="Calibri" panose="020F0502020204030204" pitchFamily="34" charset="0"/>
+              <a:rPr lang="vi-VN" sz="2000" b="1" dirty="0">
+                <a:latin typeface="Arial" panose="020B0604020202020204" pitchFamily="34" charset="0"/>
+                <a:cs typeface="Arial" panose="020B0604020202020204" pitchFamily="34" charset="0"/>
               </a:rPr>
               <a:t>Project</a:t>
             </a:r>
             <a:r>
-              <a:rPr lang="vi-VN" dirty="0">
-                <a:latin typeface="Calibri" panose="020F0502020204030204" pitchFamily="34" charset="0"/>
-                <a:cs typeface="Calibri" panose="020F0502020204030204" pitchFamily="34" charset="0"/>
+              <a:rPr lang="vi-VN" sz="2000" dirty="0">
+                <a:latin typeface="Arial" panose="020B0604020202020204" pitchFamily="34" charset="0"/>
+                <a:cs typeface="Arial" panose="020B0604020202020204" pitchFamily="34" charset="0"/>
               </a:rPr>
               <a:t> chọn </a:t>
             </a:r>
             <a:r>
-              <a:rPr lang="vi-VN" b="1" dirty="0">
-                <a:latin typeface="Calibri" panose="020F0502020204030204" pitchFamily="34" charset="0"/>
-                <a:cs typeface="Calibri" panose="020F0502020204030204" pitchFamily="34" charset="0"/>
+              <a:rPr lang="vi-VN" sz="2000" b="1" dirty="0">
+                <a:latin typeface="Arial" panose="020B0604020202020204" pitchFamily="34" charset="0"/>
+                <a:cs typeface="Arial" panose="020B0604020202020204" pitchFamily="34" charset="0"/>
               </a:rPr>
               <a:t>Run As</a:t>
             </a:r>
             <a:r>
-              <a:rPr lang="vi-VN" dirty="0">
-                <a:latin typeface="Calibri" panose="020F0502020204030204" pitchFamily="34" charset="0"/>
-                <a:cs typeface="Calibri" panose="020F0502020204030204" pitchFamily="34" charset="0"/>
+              <a:rPr lang="vi-VN" sz="2000" dirty="0">
+                <a:latin typeface="Arial" panose="020B0604020202020204" pitchFamily="34" charset="0"/>
+                <a:cs typeface="Arial" panose="020B0604020202020204" pitchFamily="34" charset="0"/>
               </a:rPr>
               <a:t> &gt; </a:t>
             </a:r>
             <a:r>
-              <a:rPr lang="vi-VN" b="1" dirty="0">
-                <a:latin typeface="Calibri" panose="020F0502020204030204" pitchFamily="34" charset="0"/>
-                <a:cs typeface="Calibri" panose="020F0502020204030204" pitchFamily="34" charset="0"/>
+              <a:rPr lang="vi-VN" sz="2000" b="1" dirty="0">
+                <a:latin typeface="Arial" panose="020B0604020202020204" pitchFamily="34" charset="0"/>
+                <a:cs typeface="Arial" panose="020B0604020202020204" pitchFamily="34" charset="0"/>
               </a:rPr>
               <a:t>Run on </a:t>
             </a:r>
             <a:r>
-              <a:rPr lang="vi-VN" b="1" dirty="0" smtClean="0">
-                <a:latin typeface="Calibri" panose="020F0502020204030204" pitchFamily="34" charset="0"/>
-                <a:cs typeface="Calibri" panose="020F0502020204030204" pitchFamily="34" charset="0"/>
+              <a:rPr lang="vi-VN" sz="2000" b="1" dirty="0" smtClean="0">
+                <a:latin typeface="Arial" panose="020B0604020202020204" pitchFamily="34" charset="0"/>
+                <a:cs typeface="Arial" panose="020B0604020202020204" pitchFamily="34" charset="0"/>
               </a:rPr>
               <a:t>server</a:t>
             </a:r>
-            <a:endParaRPr lang="en-US" b="1" dirty="0" smtClean="0">
-              <a:latin typeface="Calibri" panose="020F0502020204030204" pitchFamily="34" charset="0"/>
-              <a:cs typeface="Calibri" panose="020F0502020204030204" pitchFamily="34" charset="0"/>
+            <a:endParaRPr lang="en-US" sz="2000" b="1" dirty="0" smtClean="0">
+              <a:latin typeface="Arial" panose="020B0604020202020204" pitchFamily="34" charset="0"/>
+              <a:cs typeface="Arial" panose="020B0604020202020204" pitchFamily="34" charset="0"/>
             </a:endParaRPr>
           </a:p>
           <a:p>
@@ -8338,9 +8712,9 @@
               <a:buFont typeface="Arial" panose="020B0604020202020204" pitchFamily="34" charset="0"/>
               <a:buChar char="–"/>
             </a:pPr>
-            <a:endParaRPr lang="vi-VN" dirty="0">
-              <a:latin typeface="Calibri" panose="020F0502020204030204" pitchFamily="34" charset="0"/>
-              <a:cs typeface="Calibri" panose="020F0502020204030204" pitchFamily="34" charset="0"/>
+            <a:endParaRPr lang="vi-VN" sz="2000" dirty="0">
+              <a:latin typeface="Arial" panose="020B0604020202020204" pitchFamily="34" charset="0"/>
+              <a:cs typeface="Arial" panose="020B0604020202020204" pitchFamily="34" charset="0"/>
             </a:endParaRPr>
           </a:p>
           <a:p>
@@ -8349,29 +8723,29 @@
               <a:buChar char="–"/>
             </a:pPr>
             <a:r>
-              <a:rPr lang="vi-VN" b="1" dirty="0">
-                <a:latin typeface="Calibri" panose="020F0502020204030204" pitchFamily="34" charset="0"/>
-                <a:cs typeface="Calibri" panose="020F0502020204030204" pitchFamily="34" charset="0"/>
+              <a:rPr lang="vi-VN" sz="2000" b="1" dirty="0">
+                <a:latin typeface="Arial" panose="020B0604020202020204" pitchFamily="34" charset="0"/>
+                <a:cs typeface="Arial" panose="020B0604020202020204" pitchFamily="34" charset="0"/>
               </a:rPr>
               <a:t>S</a:t>
             </a:r>
             <a:r>
-              <a:rPr lang="vi-VN" dirty="0">
-                <a:latin typeface="Calibri" panose="020F0502020204030204" pitchFamily="34" charset="0"/>
-                <a:cs typeface="Calibri" panose="020F0502020204030204" pitchFamily="34" charset="0"/>
+              <a:rPr lang="vi-VN" sz="2000" dirty="0">
+                <a:latin typeface="Arial" panose="020B0604020202020204" pitchFamily="34" charset="0"/>
+                <a:cs typeface="Arial" panose="020B0604020202020204" pitchFamily="34" charset="0"/>
               </a:rPr>
               <a:t>au khi chạy sẽ bị lỗi file error được </a:t>
             </a:r>
             <a:r>
-              <a:rPr lang="vi-VN" dirty="0" smtClean="0">
-                <a:latin typeface="Calibri" panose="020F0502020204030204" pitchFamily="34" charset="0"/>
-                <a:cs typeface="Calibri" panose="020F0502020204030204" pitchFamily="34" charset="0"/>
+              <a:rPr lang="vi-VN" sz="2000" dirty="0" smtClean="0">
+                <a:latin typeface="Arial" panose="020B0604020202020204" pitchFamily="34" charset="0"/>
+                <a:cs typeface="Arial" panose="020B0604020202020204" pitchFamily="34" charset="0"/>
               </a:rPr>
               <a:t>gọi</a:t>
             </a:r>
-            <a:endParaRPr lang="en-US" dirty="0" smtClean="0">
-              <a:latin typeface="Calibri" panose="020F0502020204030204" pitchFamily="34" charset="0"/>
-              <a:cs typeface="Calibri" panose="020F0502020204030204" pitchFamily="34" charset="0"/>
+            <a:endParaRPr lang="en-US" sz="2000" dirty="0" smtClean="0">
+              <a:latin typeface="Arial" panose="020B0604020202020204" pitchFamily="34" charset="0"/>
+              <a:cs typeface="Arial" panose="020B0604020202020204" pitchFamily="34" charset="0"/>
             </a:endParaRPr>
           </a:p>
           <a:p>
@@ -8379,9 +8753,9 @@
               <a:buFont typeface="Arial" panose="020B0604020202020204" pitchFamily="34" charset="0"/>
               <a:buChar char="–"/>
             </a:pPr>
-            <a:endParaRPr lang="vi-VN" dirty="0">
-              <a:latin typeface="Calibri" panose="020F0502020204030204" pitchFamily="34" charset="0"/>
-              <a:cs typeface="Calibri" panose="020F0502020204030204" pitchFamily="34" charset="0"/>
+            <a:endParaRPr lang="vi-VN" sz="2000" dirty="0">
+              <a:latin typeface="Arial" panose="020B0604020202020204" pitchFamily="34" charset="0"/>
+              <a:cs typeface="Arial" panose="020B0604020202020204" pitchFamily="34" charset="0"/>
             </a:endParaRPr>
           </a:p>
           <a:p>
@@ -8390,9 +8764,9 @@
               <a:buChar char="–"/>
             </a:pPr>
             <a:r>
-              <a:rPr lang="vi-VN" dirty="0">
-                <a:latin typeface="Calibri" panose="020F0502020204030204" pitchFamily="34" charset="0"/>
-                <a:cs typeface="Calibri" panose="020F0502020204030204" pitchFamily="34" charset="0"/>
+              <a:rPr lang="vi-VN" sz="2000" dirty="0">
+                <a:latin typeface="Arial" panose="020B0604020202020204" pitchFamily="34" charset="0"/>
+                <a:cs typeface="Arial" panose="020B0604020202020204" pitchFamily="34" charset="0"/>
               </a:rPr>
               <a:t>Lúc này ta sẽ quay lại ứng dụng Java và nhìn vào cổng Console</a:t>
             </a:r>
@@ -8458,7 +8832,7 @@
         <p:spPr>
           <a:xfrm>
             <a:off x="7333409" y="1109976"/>
-            <a:ext cx="4714429" cy="2585323"/>
+            <a:ext cx="4714429" cy="2677656"/>
           </a:xfrm>
           <a:prstGeom prst="rect">
             <a:avLst/>
@@ -8472,24 +8846,24 @@
           <a:lstStyle/>
           <a:p>
             <a:r>
-              <a:rPr lang="vi-VN" dirty="0"/>
+              <a:rPr lang="vi-VN" sz="2000" dirty="0"/>
               <a:t>Cách khắc phục lỗi này là tải thư viện:</a:t>
             </a:r>
             <a:r>
-              <a:rPr lang="vi-VN" b="1" dirty="0"/>
-              <a:t> </a:t>
-            </a:r>
-            <a:endParaRPr lang="en-US" b="1" dirty="0" smtClean="0"/>
-          </a:p>
-          <a:p>
-            <a:endParaRPr lang="en-US" b="1" dirty="0"/>
-          </a:p>
-          <a:p>
-            <a:r>
-              <a:rPr lang="en-US" b="1" dirty="0"/>
+              <a:rPr lang="vi-VN" sz="2000" b="1" dirty="0"/>
+              <a:t> </a:t>
+            </a:r>
+            <a:endParaRPr lang="en-US" sz="2000" b="1" dirty="0" smtClean="0"/>
+          </a:p>
+          <a:p>
+            <a:endParaRPr lang="en-US" sz="2000" b="1" dirty="0"/>
+          </a:p>
+          <a:p>
+            <a:r>
+              <a:rPr lang="en-US" sz="2000" b="1" dirty="0"/>
               <a:t>classmate-1.3.4.jar</a:t>
             </a:r>
-            <a:endParaRPr lang="en-US" dirty="0"/>
+            <a:endParaRPr lang="en-US" sz="2000" dirty="0"/>
           </a:p>
           <a:p>
             <a:r>
@@ -8595,7 +8969,7 @@
         </p:blipFill>
         <p:spPr bwMode="auto">
           <a:xfrm>
-            <a:off x="7333409" y="2513220"/>
+            <a:off x="7333409" y="2578799"/>
             <a:ext cx="4010094" cy="2657476"/>
           </a:xfrm>
           <a:prstGeom prst="rect">
@@ -8863,7 +9237,7 @@
         <p:spPr>
           <a:xfrm>
             <a:off x="678509" y="1220559"/>
-            <a:ext cx="6311296" cy="2585323"/>
+            <a:ext cx="6311296" cy="3354765"/>
           </a:xfrm>
           <a:prstGeom prst="rect">
             <a:avLst/>
@@ -8881,62 +9255,62 @@
               <a:buChar char="–"/>
             </a:pPr>
             <a:r>
-              <a:rPr lang="vi-VN" dirty="0" smtClean="0">
+              <a:rPr lang="vi-VN" sz="2000" dirty="0" smtClean="0">
                 <a:latin typeface="Calibri" panose="020F0502020204030204" pitchFamily="34" charset="0"/>
                 <a:cs typeface="Calibri" panose="020F0502020204030204" pitchFamily="34" charset="0"/>
               </a:rPr>
               <a:t>Kích </a:t>
             </a:r>
             <a:r>
-              <a:rPr lang="vi-VN" dirty="0">
+              <a:rPr lang="vi-VN" sz="2000" dirty="0">
                 <a:latin typeface="Calibri" panose="020F0502020204030204" pitchFamily="34" charset="0"/>
                 <a:cs typeface="Calibri" panose="020F0502020204030204" pitchFamily="34" charset="0"/>
               </a:rPr>
               <a:t>chuột phải vào </a:t>
             </a:r>
             <a:r>
-              <a:rPr lang="vi-VN" b="1" dirty="0">
+              <a:rPr lang="vi-VN" sz="2000" b="1" dirty="0">
                 <a:latin typeface="Calibri" panose="020F0502020204030204" pitchFamily="34" charset="0"/>
                 <a:cs typeface="Calibri" panose="020F0502020204030204" pitchFamily="34" charset="0"/>
               </a:rPr>
               <a:t>Project</a:t>
             </a:r>
             <a:r>
-              <a:rPr lang="vi-VN" dirty="0">
+              <a:rPr lang="vi-VN" sz="2000" dirty="0">
                 <a:latin typeface="Calibri" panose="020F0502020204030204" pitchFamily="34" charset="0"/>
                 <a:cs typeface="Calibri" panose="020F0502020204030204" pitchFamily="34" charset="0"/>
               </a:rPr>
               <a:t> chọn </a:t>
             </a:r>
             <a:r>
-              <a:rPr lang="vi-VN" b="1" dirty="0">
+              <a:rPr lang="vi-VN" sz="2000" b="1" dirty="0">
                 <a:latin typeface="Calibri" panose="020F0502020204030204" pitchFamily="34" charset="0"/>
                 <a:cs typeface="Calibri" panose="020F0502020204030204" pitchFamily="34" charset="0"/>
               </a:rPr>
               <a:t>Run As</a:t>
             </a:r>
             <a:r>
-              <a:rPr lang="vi-VN" dirty="0">
+              <a:rPr lang="vi-VN" sz="2000" dirty="0">
                 <a:latin typeface="Calibri" panose="020F0502020204030204" pitchFamily="34" charset="0"/>
                 <a:cs typeface="Calibri" panose="020F0502020204030204" pitchFamily="34" charset="0"/>
               </a:rPr>
               <a:t> &gt; </a:t>
             </a:r>
             <a:r>
-              <a:rPr lang="vi-VN" b="1" dirty="0">
+              <a:rPr lang="vi-VN" sz="2000" b="1" dirty="0">
                 <a:latin typeface="Calibri" panose="020F0502020204030204" pitchFamily="34" charset="0"/>
                 <a:cs typeface="Calibri" panose="020F0502020204030204" pitchFamily="34" charset="0"/>
               </a:rPr>
               <a:t>Run on </a:t>
             </a:r>
             <a:r>
-              <a:rPr lang="vi-VN" b="1" dirty="0" smtClean="0">
+              <a:rPr lang="vi-VN" sz="2000" b="1" dirty="0" smtClean="0">
                 <a:latin typeface="Calibri" panose="020F0502020204030204" pitchFamily="34" charset="0"/>
                 <a:cs typeface="Calibri" panose="020F0502020204030204" pitchFamily="34" charset="0"/>
               </a:rPr>
               <a:t>server</a:t>
             </a:r>
-            <a:endParaRPr lang="en-US" b="1" dirty="0" smtClean="0">
+            <a:endParaRPr lang="en-US" sz="2000" b="1" dirty="0" smtClean="0">
               <a:latin typeface="Calibri" panose="020F0502020204030204" pitchFamily="34" charset="0"/>
               <a:cs typeface="Calibri" panose="020F0502020204030204" pitchFamily="34" charset="0"/>
             </a:endParaRPr>
@@ -8946,7 +9320,7 @@
               <a:buFont typeface="Arial" panose="020B0604020202020204" pitchFamily="34" charset="0"/>
               <a:buChar char="–"/>
             </a:pPr>
-            <a:endParaRPr lang="vi-VN" dirty="0">
+            <a:endParaRPr lang="vi-VN" sz="2000" dirty="0">
               <a:latin typeface="Calibri" panose="020F0502020204030204" pitchFamily="34" charset="0"/>
               <a:cs typeface="Calibri" panose="020F0502020204030204" pitchFamily="34" charset="0"/>
             </a:endParaRPr>
@@ -8957,27 +9331,27 @@
               <a:buChar char="–"/>
             </a:pPr>
             <a:r>
-              <a:rPr lang="vi-VN" b="1" dirty="0">
+              <a:rPr lang="vi-VN" sz="2000" b="1" dirty="0">
                 <a:latin typeface="Calibri" panose="020F0502020204030204" pitchFamily="34" charset="0"/>
                 <a:cs typeface="Calibri" panose="020F0502020204030204" pitchFamily="34" charset="0"/>
               </a:rPr>
               <a:t>S</a:t>
             </a:r>
             <a:r>
-              <a:rPr lang="vi-VN" dirty="0">
+              <a:rPr lang="vi-VN" sz="2000" dirty="0">
                 <a:latin typeface="Calibri" panose="020F0502020204030204" pitchFamily="34" charset="0"/>
                 <a:cs typeface="Calibri" panose="020F0502020204030204" pitchFamily="34" charset="0"/>
               </a:rPr>
               <a:t>au khi chạy sẽ bị lỗi file error được </a:t>
             </a:r>
             <a:r>
-              <a:rPr lang="vi-VN" dirty="0" smtClean="0">
+              <a:rPr lang="vi-VN" sz="2000" dirty="0" smtClean="0">
                 <a:latin typeface="Calibri" panose="020F0502020204030204" pitchFamily="34" charset="0"/>
                 <a:cs typeface="Calibri" panose="020F0502020204030204" pitchFamily="34" charset="0"/>
               </a:rPr>
               <a:t>gọi</a:t>
             </a:r>
-            <a:endParaRPr lang="en-US" dirty="0" smtClean="0">
+            <a:endParaRPr lang="en-US" sz="2000" dirty="0" smtClean="0">
               <a:latin typeface="Calibri" panose="020F0502020204030204" pitchFamily="34" charset="0"/>
               <a:cs typeface="Calibri" panose="020F0502020204030204" pitchFamily="34" charset="0"/>
             </a:endParaRPr>
@@ -8987,7 +9361,7 @@
               <a:buFont typeface="Arial" panose="020B0604020202020204" pitchFamily="34" charset="0"/>
               <a:buChar char="–"/>
             </a:pPr>
-            <a:endParaRPr lang="vi-VN" dirty="0">
+            <a:endParaRPr lang="vi-VN" sz="2000" dirty="0">
               <a:latin typeface="Calibri" panose="020F0502020204030204" pitchFamily="34" charset="0"/>
               <a:cs typeface="Calibri" panose="020F0502020204030204" pitchFamily="34" charset="0"/>
             </a:endParaRPr>
@@ -8998,7 +9372,7 @@
               <a:buChar char="–"/>
             </a:pPr>
             <a:r>
-              <a:rPr lang="vi-VN" dirty="0">
+              <a:rPr lang="vi-VN" sz="2000" dirty="0">
                 <a:latin typeface="Calibri" panose="020F0502020204030204" pitchFamily="34" charset="0"/>
                 <a:cs typeface="Calibri" panose="020F0502020204030204" pitchFamily="34" charset="0"/>
               </a:rPr>
@@ -9066,7 +9440,7 @@
         <p:spPr>
           <a:xfrm>
             <a:off x="7333409" y="1109976"/>
-            <a:ext cx="4714429" cy="2308324"/>
+            <a:ext cx="4714429" cy="2400657"/>
           </a:xfrm>
           <a:prstGeom prst="rect">
             <a:avLst/>
@@ -9080,33 +9454,33 @@
           <a:lstStyle/>
           <a:p>
             <a:r>
-              <a:rPr lang="vi-VN" dirty="0">
+              <a:rPr lang="vi-VN" sz="2000" dirty="0">
                 <a:latin typeface="Calibri" panose="020F0502020204030204" pitchFamily="34" charset="0"/>
                 <a:cs typeface="Calibri" panose="020F0502020204030204" pitchFamily="34" charset="0"/>
               </a:rPr>
               <a:t>Cách khắc phục lỗi này là tải thư viện:</a:t>
             </a:r>
             <a:r>
-              <a:rPr lang="vi-VN" b="1" dirty="0">
+              <a:rPr lang="vi-VN" sz="2000" b="1" dirty="0">
                 <a:latin typeface="Calibri" panose="020F0502020204030204" pitchFamily="34" charset="0"/>
                 <a:cs typeface="Calibri" panose="020F0502020204030204" pitchFamily="34" charset="0"/>
               </a:rPr>
               <a:t> </a:t>
             </a:r>
-            <a:endParaRPr lang="en-US" b="1" dirty="0" smtClean="0">
+            <a:endParaRPr lang="en-US" sz="2000" b="1" dirty="0" smtClean="0">
               <a:latin typeface="Calibri" panose="020F0502020204030204" pitchFamily="34" charset="0"/>
               <a:cs typeface="Calibri" panose="020F0502020204030204" pitchFamily="34" charset="0"/>
             </a:endParaRPr>
           </a:p>
           <a:p>
-            <a:endParaRPr lang="en-US" b="1" dirty="0">
+            <a:endParaRPr lang="en-US" sz="2000" b="1" dirty="0">
               <a:latin typeface="Calibri" panose="020F0502020204030204" pitchFamily="34" charset="0"/>
               <a:cs typeface="Calibri" panose="020F0502020204030204" pitchFamily="34" charset="0"/>
             </a:endParaRPr>
           </a:p>
           <a:p>
             <a:r>
-              <a:rPr lang="en-US" b="1" dirty="0">
+              <a:rPr lang="en-US" sz="2000" b="1" dirty="0">
                 <a:latin typeface="Calibri" panose="020F0502020204030204" pitchFamily="34" charset="0"/>
                 <a:cs typeface="Calibri" panose="020F0502020204030204" pitchFamily="34" charset="0"/>
               </a:rPr>
@@ -9446,8 +9820,8 @@
         </p:nvSpPr>
         <p:spPr>
           <a:xfrm>
-            <a:off x="5913913" y="2476559"/>
-            <a:ext cx="6103976" cy="2031325"/>
+            <a:off x="5601134" y="2001629"/>
+            <a:ext cx="6590866" cy="2246769"/>
           </a:xfrm>
           <a:prstGeom prst="rect">
             <a:avLst/>
@@ -9464,35 +9838,35 @@
               <a:buAutoNum type="romanUcPeriod"/>
             </a:pPr>
             <a:r>
-              <a:rPr lang="en-US" b="1" dirty="0" smtClean="0">
+              <a:rPr lang="en-US" sz="2000" b="1" dirty="0" smtClean="0">
                 <a:latin typeface="Arial" panose="020B0604020202020204" pitchFamily="34" charset="0"/>
                 <a:cs typeface="Arial" panose="020B0604020202020204" pitchFamily="34" charset="0"/>
               </a:rPr>
               <a:t>Hibernate Framework </a:t>
             </a:r>
             <a:r>
-              <a:rPr lang="en-US" b="1" dirty="0" err="1" smtClean="0">
+              <a:rPr lang="en-US" sz="2000" b="1" dirty="0" err="1" smtClean="0">
                 <a:latin typeface="Arial" panose="020B0604020202020204" pitchFamily="34" charset="0"/>
                 <a:cs typeface="Arial" panose="020B0604020202020204" pitchFamily="34" charset="0"/>
               </a:rPr>
               <a:t>là</a:t>
             </a:r>
             <a:r>
-              <a:rPr lang="en-US" b="1" dirty="0" smtClean="0">
-                <a:latin typeface="Arial" panose="020B0604020202020204" pitchFamily="34" charset="0"/>
-                <a:cs typeface="Arial" panose="020B0604020202020204" pitchFamily="34" charset="0"/>
-              </a:rPr>
-              <a:t> </a:t>
-            </a:r>
-            <a:r>
-              <a:rPr lang="en-US" b="1" dirty="0" err="1" smtClean="0">
+              <a:rPr lang="en-US" sz="2000" b="1" dirty="0" smtClean="0">
+                <a:latin typeface="Arial" panose="020B0604020202020204" pitchFamily="34" charset="0"/>
+                <a:cs typeface="Arial" panose="020B0604020202020204" pitchFamily="34" charset="0"/>
+              </a:rPr>
+              <a:t> </a:t>
+            </a:r>
+            <a:r>
+              <a:rPr lang="en-US" sz="2000" b="1" dirty="0" err="1" smtClean="0">
                 <a:latin typeface="Arial" panose="020B0604020202020204" pitchFamily="34" charset="0"/>
                 <a:cs typeface="Arial" panose="020B0604020202020204" pitchFamily="34" charset="0"/>
               </a:rPr>
               <a:t>gì</a:t>
             </a:r>
             <a:r>
-              <a:rPr lang="en-US" b="1" dirty="0" smtClean="0">
+              <a:rPr lang="en-US" sz="2000" b="1" dirty="0" smtClean="0">
                 <a:latin typeface="Arial" panose="020B0604020202020204" pitchFamily="34" charset="0"/>
                 <a:cs typeface="Arial" panose="020B0604020202020204" pitchFamily="34" charset="0"/>
               </a:rPr>
@@ -9503,7 +9877,7 @@
             <a:pPr marL="400050" indent="-400050">
               <a:buAutoNum type="romanUcPeriod"/>
             </a:pPr>
-            <a:endParaRPr lang="en-US" b="1" dirty="0" smtClean="0">
+            <a:endParaRPr lang="en-US" sz="2000" b="1" dirty="0" smtClean="0">
               <a:latin typeface="Arial" panose="020B0604020202020204" pitchFamily="34" charset="0"/>
               <a:cs typeface="Arial" panose="020B0604020202020204" pitchFamily="34" charset="0"/>
             </a:endParaRPr>
@@ -9513,28 +9887,28 @@
               <a:buAutoNum type="romanUcPeriod"/>
             </a:pPr>
             <a:r>
-              <a:rPr lang="en-US" b="1" dirty="0" err="1" smtClean="0">
+              <a:rPr lang="en-US" sz="2000" b="1" dirty="0" err="1" smtClean="0">
                 <a:latin typeface="Arial" panose="020B0604020202020204" pitchFamily="34" charset="0"/>
                 <a:cs typeface="Arial" panose="020B0604020202020204" pitchFamily="34" charset="0"/>
               </a:rPr>
               <a:t>Kiến</a:t>
             </a:r>
             <a:r>
-              <a:rPr lang="en-US" b="1" dirty="0" smtClean="0">
-                <a:latin typeface="Arial" panose="020B0604020202020204" pitchFamily="34" charset="0"/>
-                <a:cs typeface="Arial" panose="020B0604020202020204" pitchFamily="34" charset="0"/>
-              </a:rPr>
-              <a:t> </a:t>
-            </a:r>
-            <a:r>
-              <a:rPr lang="en-US" b="1" dirty="0" err="1" smtClean="0">
+              <a:rPr lang="en-US" sz="2000" b="1" dirty="0" smtClean="0">
+                <a:latin typeface="Arial" panose="020B0604020202020204" pitchFamily="34" charset="0"/>
+                <a:cs typeface="Arial" panose="020B0604020202020204" pitchFamily="34" charset="0"/>
+              </a:rPr>
+              <a:t> </a:t>
+            </a:r>
+            <a:r>
+              <a:rPr lang="en-US" sz="2000" b="1" dirty="0" err="1" smtClean="0">
                 <a:latin typeface="Arial" panose="020B0604020202020204" pitchFamily="34" charset="0"/>
                 <a:cs typeface="Arial" panose="020B0604020202020204" pitchFamily="34" charset="0"/>
               </a:rPr>
               <a:t>trúc</a:t>
             </a:r>
             <a:r>
-              <a:rPr lang="en-US" b="1" dirty="0" smtClean="0">
+              <a:rPr lang="en-US" sz="2000" b="1" dirty="0" smtClean="0">
                 <a:latin typeface="Arial" panose="020B0604020202020204" pitchFamily="34" charset="0"/>
                 <a:cs typeface="Arial" panose="020B0604020202020204" pitchFamily="34" charset="0"/>
               </a:rPr>
@@ -9545,7 +9919,7 @@
             <a:pPr marL="400050" indent="-400050">
               <a:buAutoNum type="romanUcPeriod"/>
             </a:pPr>
-            <a:endParaRPr lang="en-US" b="1" dirty="0" smtClean="0">
+            <a:endParaRPr lang="en-US" sz="2000" b="1" dirty="0" smtClean="0">
               <a:latin typeface="Arial" panose="020B0604020202020204" pitchFamily="34" charset="0"/>
               <a:cs typeface="Arial" panose="020B0604020202020204" pitchFamily="34" charset="0"/>
             </a:endParaRPr>
@@ -9555,91 +9929,84 @@
               <a:buAutoNum type="romanUcPeriod"/>
             </a:pPr>
             <a:r>
-              <a:rPr lang="en-US" b="1" dirty="0" err="1" smtClean="0">
+              <a:rPr lang="en-US" sz="2000" b="1" dirty="0" err="1" smtClean="0">
                 <a:latin typeface="Arial" panose="020B0604020202020204" pitchFamily="34" charset="0"/>
                 <a:cs typeface="Arial" panose="020B0604020202020204" pitchFamily="34" charset="0"/>
               </a:rPr>
               <a:t>Tại</a:t>
             </a:r>
             <a:r>
-              <a:rPr lang="en-US" b="1" dirty="0" smtClean="0">
-                <a:latin typeface="Arial" panose="020B0604020202020204" pitchFamily="34" charset="0"/>
-                <a:cs typeface="Arial" panose="020B0604020202020204" pitchFamily="34" charset="0"/>
-              </a:rPr>
-              <a:t> </a:t>
-            </a:r>
-            <a:r>
-              <a:rPr lang="en-US" b="1" dirty="0" err="1" smtClean="0">
+              <a:rPr lang="en-US" sz="2000" b="1" dirty="0" smtClean="0">
+                <a:latin typeface="Arial" panose="020B0604020202020204" pitchFamily="34" charset="0"/>
+                <a:cs typeface="Arial" panose="020B0604020202020204" pitchFamily="34" charset="0"/>
+              </a:rPr>
+              <a:t> </a:t>
+            </a:r>
+            <a:r>
+              <a:rPr lang="en-US" sz="2000" b="1" dirty="0" err="1" smtClean="0">
                 <a:latin typeface="Arial" panose="020B0604020202020204" pitchFamily="34" charset="0"/>
                 <a:cs typeface="Arial" panose="020B0604020202020204" pitchFamily="34" charset="0"/>
               </a:rPr>
               <a:t>sao</a:t>
             </a:r>
             <a:r>
-              <a:rPr lang="en-US" b="1" dirty="0" smtClean="0">
-                <a:latin typeface="Arial" panose="020B0604020202020204" pitchFamily="34" charset="0"/>
-                <a:cs typeface="Arial" panose="020B0604020202020204" pitchFamily="34" charset="0"/>
-              </a:rPr>
-              <a:t> </a:t>
-            </a:r>
-            <a:r>
-              <a:rPr lang="en-US" b="1" dirty="0" err="1" smtClean="0">
+              <a:rPr lang="en-US" sz="2000" b="1" dirty="0" smtClean="0">
+                <a:latin typeface="Arial" panose="020B0604020202020204" pitchFamily="34" charset="0"/>
+                <a:cs typeface="Arial" panose="020B0604020202020204" pitchFamily="34" charset="0"/>
+              </a:rPr>
+              <a:t> </a:t>
+            </a:r>
+            <a:r>
+              <a:rPr lang="en-US" sz="2000" b="1" dirty="0" err="1" smtClean="0">
                 <a:latin typeface="Arial" panose="020B0604020202020204" pitchFamily="34" charset="0"/>
                 <a:cs typeface="Arial" panose="020B0604020202020204" pitchFamily="34" charset="0"/>
               </a:rPr>
               <a:t>nên</a:t>
             </a:r>
             <a:r>
-              <a:rPr lang="en-US" b="1" dirty="0" smtClean="0">
-                <a:latin typeface="Arial" panose="020B0604020202020204" pitchFamily="34" charset="0"/>
-                <a:cs typeface="Arial" panose="020B0604020202020204" pitchFamily="34" charset="0"/>
-              </a:rPr>
-              <a:t> </a:t>
-            </a:r>
-            <a:r>
-              <a:rPr lang="en-US" b="1" dirty="0" err="1" smtClean="0">
+              <a:rPr lang="en-US" sz="2000" b="1" dirty="0" smtClean="0">
+                <a:latin typeface="Arial" panose="020B0604020202020204" pitchFamily="34" charset="0"/>
+                <a:cs typeface="Arial" panose="020B0604020202020204" pitchFamily="34" charset="0"/>
+              </a:rPr>
+              <a:t> </a:t>
+            </a:r>
+            <a:r>
+              <a:rPr lang="en-US" sz="2000" b="1" dirty="0" err="1" smtClean="0">
                 <a:latin typeface="Arial" panose="020B0604020202020204" pitchFamily="34" charset="0"/>
                 <a:cs typeface="Arial" panose="020B0604020202020204" pitchFamily="34" charset="0"/>
               </a:rPr>
               <a:t>dùng</a:t>
             </a:r>
             <a:r>
-              <a:rPr lang="en-US" b="1" dirty="0" smtClean="0">
-                <a:latin typeface="Arial" panose="020B0604020202020204" pitchFamily="34" charset="0"/>
-                <a:cs typeface="Arial" panose="020B0604020202020204" pitchFamily="34" charset="0"/>
-              </a:rPr>
-              <a:t> </a:t>
-            </a:r>
-            <a:r>
-              <a:rPr lang="en-US" b="1" dirty="0" smtClean="0">
-                <a:latin typeface="Arial" panose="020B0604020202020204" pitchFamily="34" charset="0"/>
-                <a:cs typeface="Arial" panose="020B0604020202020204" pitchFamily="34" charset="0"/>
-              </a:rPr>
-              <a:t>Hibernate </a:t>
-            </a:r>
-            <a:r>
-              <a:rPr lang="en-US" b="1" dirty="0" err="1" smtClean="0">
+              <a:rPr lang="en-US" sz="2000" b="1" dirty="0" smtClean="0">
+                <a:latin typeface="Arial" panose="020B0604020202020204" pitchFamily="34" charset="0"/>
+                <a:cs typeface="Arial" panose="020B0604020202020204" pitchFamily="34" charset="0"/>
+              </a:rPr>
+              <a:t> Hibernate </a:t>
+            </a:r>
+            <a:r>
+              <a:rPr lang="en-US" sz="2000" b="1" dirty="0" err="1" smtClean="0">
                 <a:latin typeface="Arial" panose="020B0604020202020204" pitchFamily="34" charset="0"/>
                 <a:cs typeface="Arial" panose="020B0604020202020204" pitchFamily="34" charset="0"/>
               </a:rPr>
               <a:t>thay</a:t>
             </a:r>
             <a:r>
-              <a:rPr lang="en-US" b="1" dirty="0" smtClean="0">
-                <a:latin typeface="Arial" panose="020B0604020202020204" pitchFamily="34" charset="0"/>
-                <a:cs typeface="Arial" panose="020B0604020202020204" pitchFamily="34" charset="0"/>
-              </a:rPr>
-              <a:t> </a:t>
-            </a:r>
-            <a:r>
-              <a:rPr lang="en-US" b="1" dirty="0" err="1" smtClean="0">
+              <a:rPr lang="en-US" sz="2000" b="1" dirty="0" smtClean="0">
+                <a:latin typeface="Arial" panose="020B0604020202020204" pitchFamily="34" charset="0"/>
+                <a:cs typeface="Arial" panose="020B0604020202020204" pitchFamily="34" charset="0"/>
+              </a:rPr>
+              <a:t> </a:t>
+            </a:r>
+            <a:r>
+              <a:rPr lang="en-US" sz="2000" b="1" dirty="0" err="1" smtClean="0">
                 <a:latin typeface="Arial" panose="020B0604020202020204" pitchFamily="34" charset="0"/>
                 <a:cs typeface="Arial" panose="020B0604020202020204" pitchFamily="34" charset="0"/>
               </a:rPr>
               <a:t>vì</a:t>
             </a:r>
             <a:r>
-              <a:rPr lang="en-US" b="1" dirty="0" smtClean="0">
+              <a:rPr lang="en-US" sz="2000" b="1" dirty="0" smtClean="0">
                 <a:latin typeface="Arial" panose="020B0604020202020204" pitchFamily="34" charset="0"/>
                 <a:cs typeface="Arial" panose="020B0604020202020204" pitchFamily="34" charset="0"/>
               </a:rPr>
@@ -9650,7 +10017,7 @@
             <a:pPr marL="400050" indent="-400050">
               <a:buAutoNum type="romanUcPeriod"/>
             </a:pPr>
-            <a:endParaRPr lang="en-US" b="1" dirty="0" smtClean="0">
+            <a:endParaRPr lang="en-US" sz="2000" b="1" dirty="0" smtClean="0">
               <a:latin typeface="Arial" panose="020B0604020202020204" pitchFamily="34" charset="0"/>
               <a:cs typeface="Arial" panose="020B0604020202020204" pitchFamily="34" charset="0"/>
             </a:endParaRPr>
@@ -9660,123 +10027,130 @@
               <a:buAutoNum type="romanUcPeriod"/>
             </a:pPr>
             <a:r>
-              <a:rPr lang="en-US" b="1" dirty="0" err="1">
+              <a:rPr lang="en-US" sz="2000" b="1" dirty="0" err="1">
                 <a:latin typeface="Arial" panose="020B0604020202020204" pitchFamily="34" charset="0"/>
                 <a:cs typeface="Arial" panose="020B0604020202020204" pitchFamily="34" charset="0"/>
               </a:rPr>
               <a:t>H</a:t>
             </a:r>
             <a:r>
-              <a:rPr lang="en-US" b="1" dirty="0" err="1" smtClean="0">
+              <a:rPr lang="en-US" sz="2000" b="1" dirty="0" err="1" smtClean="0">
                 <a:latin typeface="Arial" panose="020B0604020202020204" pitchFamily="34" charset="0"/>
                 <a:cs typeface="Arial" panose="020B0604020202020204" pitchFamily="34" charset="0"/>
               </a:rPr>
               <a:t>ướng</a:t>
             </a:r>
             <a:r>
+              <a:rPr lang="en-US" sz="2000" b="1" dirty="0" smtClean="0">
+                <a:latin typeface="Arial" panose="020B0604020202020204" pitchFamily="34" charset="0"/>
+                <a:cs typeface="Arial" panose="020B0604020202020204" pitchFamily="34" charset="0"/>
+              </a:rPr>
+              <a:t> </a:t>
+            </a:r>
+            <a:r>
+              <a:rPr lang="en-US" sz="2000" b="1" dirty="0" err="1" smtClean="0">
+                <a:latin typeface="Arial" panose="020B0604020202020204" pitchFamily="34" charset="0"/>
+                <a:cs typeface="Arial" panose="020B0604020202020204" pitchFamily="34" charset="0"/>
+              </a:rPr>
+              <a:t>dẫn</a:t>
+            </a:r>
+            <a:r>
+              <a:rPr lang="en-US" sz="2000" b="1" dirty="0" smtClean="0">
+                <a:latin typeface="Arial" panose="020B0604020202020204" pitchFamily="34" charset="0"/>
+                <a:cs typeface="Arial" panose="020B0604020202020204" pitchFamily="34" charset="0"/>
+              </a:rPr>
+              <a:t> </a:t>
+            </a:r>
+            <a:r>
+              <a:rPr lang="en-US" sz="2000" b="1" dirty="0" err="1" smtClean="0">
+                <a:latin typeface="Arial" panose="020B0604020202020204" pitchFamily="34" charset="0"/>
+                <a:cs typeface="Arial" panose="020B0604020202020204" pitchFamily="34" charset="0"/>
+              </a:rPr>
+              <a:t>các</a:t>
+            </a:r>
+            <a:r>
+              <a:rPr lang="en-US" sz="2000" b="1" dirty="0" smtClean="0">
+                <a:latin typeface="Arial" panose="020B0604020202020204" pitchFamily="34" charset="0"/>
+                <a:cs typeface="Arial" panose="020B0604020202020204" pitchFamily="34" charset="0"/>
+              </a:rPr>
+              <a:t> </a:t>
+            </a:r>
+            <a:r>
+              <a:rPr lang="en-US" sz="2000" b="1" dirty="0" err="1" smtClean="0">
+                <a:latin typeface="Arial" panose="020B0604020202020204" pitchFamily="34" charset="0"/>
+                <a:cs typeface="Arial" panose="020B0604020202020204" pitchFamily="34" charset="0"/>
+              </a:rPr>
+              <a:t>tính</a:t>
+            </a:r>
+            <a:r>
+              <a:rPr lang="en-US" sz="2000" b="1" dirty="0" smtClean="0">
+                <a:latin typeface="Arial" panose="020B0604020202020204" pitchFamily="34" charset="0"/>
+                <a:cs typeface="Arial" panose="020B0604020202020204" pitchFamily="34" charset="0"/>
+              </a:rPr>
+              <a:t> </a:t>
+            </a:r>
+            <a:r>
+              <a:rPr lang="en-US" sz="2000" b="1" dirty="0" err="1" smtClean="0">
+                <a:latin typeface="Arial" panose="020B0604020202020204" pitchFamily="34" charset="0"/>
+                <a:cs typeface="Arial" panose="020B0604020202020204" pitchFamily="34" charset="0"/>
+              </a:rPr>
+              <a:t>năng</a:t>
+            </a:r>
+            <a:r>
+              <a:rPr lang="en-US" sz="2000" b="1" dirty="0" smtClean="0">
+                <a:latin typeface="Arial" panose="020B0604020202020204" pitchFamily="34" charset="0"/>
+                <a:cs typeface="Arial" panose="020B0604020202020204" pitchFamily="34" charset="0"/>
+              </a:rPr>
+              <a:t> </a:t>
+            </a:r>
+            <a:r>
+              <a:rPr lang="en-US" sz="2000" b="1" dirty="0" err="1" smtClean="0">
+                <a:latin typeface="Arial" panose="020B0604020202020204" pitchFamily="34" charset="0"/>
+                <a:cs typeface="Arial" panose="020B0604020202020204" pitchFamily="34" charset="0"/>
+              </a:rPr>
+              <a:t>cơ</a:t>
+            </a:r>
+            <a:r>
+              <a:rPr lang="en-US" sz="2000" b="1" dirty="0" smtClean="0">
+                <a:latin typeface="Arial" panose="020B0604020202020204" pitchFamily="34" charset="0"/>
+                <a:cs typeface="Arial" panose="020B0604020202020204" pitchFamily="34" charset="0"/>
+              </a:rPr>
+              <a:t> </a:t>
+            </a:r>
+            <a:r>
+              <a:rPr lang="en-US" sz="2000" b="1" dirty="0" err="1" smtClean="0">
+                <a:latin typeface="Arial" panose="020B0604020202020204" pitchFamily="34" charset="0"/>
+                <a:cs typeface="Arial" panose="020B0604020202020204" pitchFamily="34" charset="0"/>
+              </a:rPr>
+              <a:t>bản</a:t>
+            </a:r>
+            <a:r>
+              <a:rPr lang="en-US" sz="2000" b="1" dirty="0" smtClean="0">
+                <a:latin typeface="Arial" panose="020B0604020202020204" pitchFamily="34" charset="0"/>
+                <a:cs typeface="Arial" panose="020B0604020202020204" pitchFamily="34" charset="0"/>
+              </a:rPr>
+              <a:t> </a:t>
+            </a:r>
+            <a:r>
+              <a:rPr lang="en-US" sz="2000" b="1" dirty="0" err="1" smtClean="0">
+                <a:latin typeface="Arial" panose="020B0604020202020204" pitchFamily="34" charset="0"/>
+                <a:cs typeface="Arial" panose="020B0604020202020204" pitchFamily="34" charset="0"/>
+              </a:rPr>
+              <a:t>với</a:t>
+            </a:r>
+            <a:r>
+              <a:rPr lang="en-US" sz="2000" b="1" dirty="0" smtClean="0">
+                <a:latin typeface="Arial" panose="020B0604020202020204" pitchFamily="34" charset="0"/>
+                <a:cs typeface="Arial" panose="020B0604020202020204" pitchFamily="34" charset="0"/>
+              </a:rPr>
+              <a:t> Hibernate</a:t>
+            </a:r>
+            <a:r>
               <a:rPr lang="en-US" b="1" dirty="0" smtClean="0">
                 <a:latin typeface="Arial" panose="020B0604020202020204" pitchFamily="34" charset="0"/>
                 <a:cs typeface="Arial" panose="020B0604020202020204" pitchFamily="34" charset="0"/>
               </a:rPr>
-              <a:t> </a:t>
-            </a:r>
-            <a:r>
-              <a:rPr lang="en-US" b="1" dirty="0" err="1" smtClean="0">
-                <a:latin typeface="Arial" panose="020B0604020202020204" pitchFamily="34" charset="0"/>
-                <a:cs typeface="Arial" panose="020B0604020202020204" pitchFamily="34" charset="0"/>
-              </a:rPr>
-              <a:t>dẫn</a:t>
-            </a:r>
-            <a:r>
-              <a:rPr lang="en-US" b="1" dirty="0" smtClean="0">
-                <a:latin typeface="Arial" panose="020B0604020202020204" pitchFamily="34" charset="0"/>
-                <a:cs typeface="Arial" panose="020B0604020202020204" pitchFamily="34" charset="0"/>
-              </a:rPr>
-              <a:t> </a:t>
-            </a:r>
-            <a:r>
-              <a:rPr lang="en-US" b="1" dirty="0" err="1" smtClean="0">
-                <a:latin typeface="Arial" panose="020B0604020202020204" pitchFamily="34" charset="0"/>
-                <a:cs typeface="Arial" panose="020B0604020202020204" pitchFamily="34" charset="0"/>
-              </a:rPr>
-              <a:t>các</a:t>
-            </a:r>
-            <a:r>
-              <a:rPr lang="en-US" b="1" dirty="0" smtClean="0">
-                <a:latin typeface="Arial" panose="020B0604020202020204" pitchFamily="34" charset="0"/>
-                <a:cs typeface="Arial" panose="020B0604020202020204" pitchFamily="34" charset="0"/>
-              </a:rPr>
-              <a:t> </a:t>
-            </a:r>
-            <a:r>
-              <a:rPr lang="en-US" b="1" dirty="0" err="1" smtClean="0">
-                <a:latin typeface="Arial" panose="020B0604020202020204" pitchFamily="34" charset="0"/>
-                <a:cs typeface="Arial" panose="020B0604020202020204" pitchFamily="34" charset="0"/>
-              </a:rPr>
-              <a:t>tính</a:t>
-            </a:r>
-            <a:r>
-              <a:rPr lang="en-US" b="1" dirty="0" smtClean="0">
-                <a:latin typeface="Arial" panose="020B0604020202020204" pitchFamily="34" charset="0"/>
-                <a:cs typeface="Arial" panose="020B0604020202020204" pitchFamily="34" charset="0"/>
-              </a:rPr>
-              <a:t> </a:t>
-            </a:r>
-            <a:r>
-              <a:rPr lang="en-US" b="1" dirty="0" err="1" smtClean="0">
-                <a:latin typeface="Arial" panose="020B0604020202020204" pitchFamily="34" charset="0"/>
-                <a:cs typeface="Arial" panose="020B0604020202020204" pitchFamily="34" charset="0"/>
-              </a:rPr>
-              <a:t>năng</a:t>
-            </a:r>
-            <a:r>
-              <a:rPr lang="en-US" b="1" dirty="0" smtClean="0">
-                <a:latin typeface="Arial" panose="020B0604020202020204" pitchFamily="34" charset="0"/>
-                <a:cs typeface="Arial" panose="020B0604020202020204" pitchFamily="34" charset="0"/>
-              </a:rPr>
-              <a:t> </a:t>
-            </a:r>
-            <a:r>
-              <a:rPr lang="en-US" b="1" dirty="0" err="1" smtClean="0">
-                <a:latin typeface="Arial" panose="020B0604020202020204" pitchFamily="34" charset="0"/>
-                <a:cs typeface="Arial" panose="020B0604020202020204" pitchFamily="34" charset="0"/>
-              </a:rPr>
-              <a:t>cơ</a:t>
-            </a:r>
-            <a:r>
-              <a:rPr lang="en-US" b="1" dirty="0" smtClean="0">
-                <a:latin typeface="Arial" panose="020B0604020202020204" pitchFamily="34" charset="0"/>
-                <a:cs typeface="Arial" panose="020B0604020202020204" pitchFamily="34" charset="0"/>
-              </a:rPr>
-              <a:t> </a:t>
-            </a:r>
-            <a:r>
-              <a:rPr lang="en-US" b="1" dirty="0" err="1" smtClean="0">
-                <a:latin typeface="Arial" panose="020B0604020202020204" pitchFamily="34" charset="0"/>
-                <a:cs typeface="Arial" panose="020B0604020202020204" pitchFamily="34" charset="0"/>
-              </a:rPr>
-              <a:t>bản</a:t>
-            </a:r>
-            <a:r>
-              <a:rPr lang="en-US" b="1" dirty="0" smtClean="0">
-                <a:latin typeface="Arial" panose="020B0604020202020204" pitchFamily="34" charset="0"/>
-                <a:cs typeface="Arial" panose="020B0604020202020204" pitchFamily="34" charset="0"/>
-              </a:rPr>
-              <a:t> </a:t>
-            </a:r>
-            <a:r>
-              <a:rPr lang="en-US" b="1" dirty="0" err="1" smtClean="0">
-                <a:latin typeface="Arial" panose="020B0604020202020204" pitchFamily="34" charset="0"/>
-                <a:cs typeface="Arial" panose="020B0604020202020204" pitchFamily="34" charset="0"/>
-              </a:rPr>
-              <a:t>với</a:t>
-            </a:r>
-            <a:r>
-              <a:rPr lang="en-US" b="1" dirty="0" smtClean="0">
-                <a:latin typeface="Arial" panose="020B0604020202020204" pitchFamily="34" charset="0"/>
-                <a:cs typeface="Arial" panose="020B0604020202020204" pitchFamily="34" charset="0"/>
-              </a:rPr>
-              <a:t> Hibernate.</a:t>
+              <a:t>.</a:t>
             </a:r>
             <a:endParaRPr lang="en-US" b="1" dirty="0">
               <a:latin typeface="Arial" panose="020B0604020202020204" pitchFamily="34" charset="0"/>
@@ -10076,7 +10450,7 @@
         <p:spPr>
           <a:xfrm>
             <a:off x="7104066" y="1227072"/>
-            <a:ext cx="5087934" cy="2862322"/>
+            <a:ext cx="5087934" cy="3016210"/>
           </a:xfrm>
           <a:prstGeom prst="rect">
             <a:avLst/>
@@ -10094,55 +10468,55 @@
               <a:buChar char="–"/>
             </a:pPr>
             <a:r>
-              <a:rPr lang="vi-VN" dirty="0" smtClean="0">
+              <a:rPr lang="vi-VN" sz="2000" dirty="0" smtClean="0">
                 <a:latin typeface="Calibri" panose="020F0502020204030204" pitchFamily="34" charset="0"/>
                 <a:cs typeface="Calibri" panose="020F0502020204030204" pitchFamily="34" charset="0"/>
               </a:rPr>
               <a:t>Kích </a:t>
             </a:r>
             <a:r>
-              <a:rPr lang="vi-VN" dirty="0">
+              <a:rPr lang="vi-VN" sz="2000" dirty="0">
                 <a:latin typeface="Calibri" panose="020F0502020204030204" pitchFamily="34" charset="0"/>
                 <a:cs typeface="Calibri" panose="020F0502020204030204" pitchFamily="34" charset="0"/>
               </a:rPr>
               <a:t>chuột phải vào </a:t>
             </a:r>
             <a:r>
-              <a:rPr lang="vi-VN" b="1" dirty="0">
+              <a:rPr lang="vi-VN" sz="2000" b="1" dirty="0">
                 <a:latin typeface="Calibri" panose="020F0502020204030204" pitchFamily="34" charset="0"/>
                 <a:cs typeface="Calibri" panose="020F0502020204030204" pitchFamily="34" charset="0"/>
               </a:rPr>
               <a:t>Project</a:t>
             </a:r>
             <a:r>
-              <a:rPr lang="vi-VN" dirty="0">
+              <a:rPr lang="vi-VN" sz="2000" dirty="0">
                 <a:latin typeface="Calibri" panose="020F0502020204030204" pitchFamily="34" charset="0"/>
                 <a:cs typeface="Calibri" panose="020F0502020204030204" pitchFamily="34" charset="0"/>
               </a:rPr>
               <a:t> chọn </a:t>
             </a:r>
             <a:r>
-              <a:rPr lang="vi-VN" b="1" dirty="0">
+              <a:rPr lang="vi-VN" sz="2000" b="1" dirty="0">
                 <a:latin typeface="Calibri" panose="020F0502020204030204" pitchFamily="34" charset="0"/>
                 <a:cs typeface="Calibri" panose="020F0502020204030204" pitchFamily="34" charset="0"/>
               </a:rPr>
               <a:t>Run As</a:t>
             </a:r>
             <a:r>
-              <a:rPr lang="vi-VN" dirty="0">
+              <a:rPr lang="vi-VN" sz="2000" dirty="0">
                 <a:latin typeface="Calibri" panose="020F0502020204030204" pitchFamily="34" charset="0"/>
                 <a:cs typeface="Calibri" panose="020F0502020204030204" pitchFamily="34" charset="0"/>
               </a:rPr>
               <a:t> &gt; </a:t>
             </a:r>
             <a:r>
-              <a:rPr lang="vi-VN" b="1" dirty="0">
+              <a:rPr lang="vi-VN" sz="2000" b="1" dirty="0">
                 <a:latin typeface="Calibri" panose="020F0502020204030204" pitchFamily="34" charset="0"/>
                 <a:cs typeface="Calibri" panose="020F0502020204030204" pitchFamily="34" charset="0"/>
               </a:rPr>
               <a:t>Run on server</a:t>
             </a:r>
-            <a:endParaRPr lang="vi-VN" dirty="0">
+            <a:endParaRPr lang="vi-VN" sz="2000" dirty="0">
               <a:latin typeface="Calibri" panose="020F0502020204030204" pitchFamily="34" charset="0"/>
               <a:cs typeface="Calibri" panose="020F0502020204030204" pitchFamily="34" charset="0"/>
             </a:endParaRPr>
@@ -10153,216 +10527,216 @@
               <a:buChar char="–"/>
             </a:pPr>
             <a:r>
-              <a:rPr lang="vi-VN" dirty="0">
+              <a:rPr lang="vi-VN" sz="2000" dirty="0">
                 <a:latin typeface="Calibri" panose="020F0502020204030204" pitchFamily="34" charset="0"/>
                 <a:cs typeface="Calibri" panose="020F0502020204030204" pitchFamily="34" charset="0"/>
               </a:rPr>
               <a:t>Sau khi chạy </a:t>
             </a:r>
             <a:r>
-              <a:rPr lang="vi-VN" dirty="0" smtClean="0">
+              <a:rPr lang="vi-VN" sz="2000" dirty="0" smtClean="0">
                 <a:latin typeface="Calibri" panose="020F0502020204030204" pitchFamily="34" charset="0"/>
                 <a:cs typeface="Calibri" panose="020F0502020204030204" pitchFamily="34" charset="0"/>
               </a:rPr>
               <a:t>sẽ</a:t>
             </a:r>
             <a:r>
-              <a:rPr lang="en-US" dirty="0" smtClean="0">
+              <a:rPr lang="en-US" sz="2000" dirty="0" smtClean="0">
                 <a:latin typeface="Calibri" panose="020F0502020204030204" pitchFamily="34" charset="0"/>
                 <a:cs typeface="Calibri" panose="020F0502020204030204" pitchFamily="34" charset="0"/>
               </a:rPr>
               <a:t> </a:t>
             </a:r>
             <a:r>
-              <a:rPr lang="en-US" dirty="0">
+              <a:rPr lang="en-US" sz="2000" dirty="0">
                 <a:latin typeface="Calibri" panose="020F0502020204030204" pitchFamily="34" charset="0"/>
                 <a:cs typeface="Calibri" panose="020F0502020204030204" pitchFamily="34" charset="0"/>
               </a:rPr>
               <a:t> </a:t>
             </a:r>
             <a:r>
-              <a:rPr lang="en-US" dirty="0" err="1">
+              <a:rPr lang="en-US" sz="2000" dirty="0" err="1">
                 <a:latin typeface="Calibri" panose="020F0502020204030204" pitchFamily="34" charset="0"/>
                 <a:cs typeface="Calibri" panose="020F0502020204030204" pitchFamily="34" charset="0"/>
               </a:rPr>
               <a:t>Không</a:t>
             </a:r>
             <a:r>
-              <a:rPr lang="en-US" dirty="0">
+              <a:rPr lang="en-US" sz="2000" dirty="0">
                 <a:latin typeface="Calibri" panose="020F0502020204030204" pitchFamily="34" charset="0"/>
                 <a:cs typeface="Calibri" panose="020F0502020204030204" pitchFamily="34" charset="0"/>
               </a:rPr>
               <a:t> </a:t>
             </a:r>
             <a:r>
-              <a:rPr lang="en-US" dirty="0" err="1">
+              <a:rPr lang="en-US" sz="2000" dirty="0" err="1">
                 <a:latin typeface="Calibri" panose="020F0502020204030204" pitchFamily="34" charset="0"/>
                 <a:cs typeface="Calibri" panose="020F0502020204030204" pitchFamily="34" charset="0"/>
               </a:rPr>
               <a:t>còn</a:t>
             </a:r>
             <a:r>
-              <a:rPr lang="en-US" dirty="0">
+              <a:rPr lang="en-US" sz="2000" dirty="0">
                 <a:latin typeface="Calibri" panose="020F0502020204030204" pitchFamily="34" charset="0"/>
                 <a:cs typeface="Calibri" panose="020F0502020204030204" pitchFamily="34" charset="0"/>
               </a:rPr>
               <a:t> </a:t>
             </a:r>
             <a:r>
-              <a:rPr lang="en-US" dirty="0" err="1">
+              <a:rPr lang="en-US" sz="2000" dirty="0" err="1">
                 <a:latin typeface="Calibri" panose="020F0502020204030204" pitchFamily="34" charset="0"/>
                 <a:cs typeface="Calibri" panose="020F0502020204030204" pitchFamily="34" charset="0"/>
               </a:rPr>
               <a:t>lỗi</a:t>
             </a:r>
             <a:r>
-              <a:rPr lang="en-US" dirty="0">
+              <a:rPr lang="en-US" sz="2000" dirty="0">
                 <a:latin typeface="Calibri" panose="020F0502020204030204" pitchFamily="34" charset="0"/>
                 <a:cs typeface="Calibri" panose="020F0502020204030204" pitchFamily="34" charset="0"/>
               </a:rPr>
               <a:t> </a:t>
             </a:r>
             <a:r>
-              <a:rPr lang="en-US" dirty="0" err="1">
+              <a:rPr lang="en-US" sz="2000" dirty="0" err="1">
                 <a:latin typeface="Calibri" panose="020F0502020204030204" pitchFamily="34" charset="0"/>
                 <a:cs typeface="Calibri" panose="020F0502020204030204" pitchFamily="34" charset="0"/>
               </a:rPr>
               <a:t>trang</a:t>
             </a:r>
             <a:r>
-              <a:rPr lang="en-US" dirty="0">
+              <a:rPr lang="en-US" sz="2000" dirty="0">
                 <a:latin typeface="Calibri" panose="020F0502020204030204" pitchFamily="34" charset="0"/>
                 <a:cs typeface="Calibri" panose="020F0502020204030204" pitchFamily="34" charset="0"/>
               </a:rPr>
               <a:t> </a:t>
             </a:r>
             <a:r>
-              <a:rPr lang="en-US" dirty="0" err="1">
+              <a:rPr lang="en-US" sz="2000" dirty="0" err="1">
                 <a:latin typeface="Calibri" panose="020F0502020204030204" pitchFamily="34" charset="0"/>
                 <a:cs typeface="Calibri" panose="020F0502020204030204" pitchFamily="34" charset="0"/>
               </a:rPr>
               <a:t>employee_list.jsp</a:t>
             </a:r>
             <a:r>
-              <a:rPr lang="en-US" dirty="0">
+              <a:rPr lang="en-US" sz="2000" dirty="0">
                 <a:latin typeface="Calibri" panose="020F0502020204030204" pitchFamily="34" charset="0"/>
                 <a:cs typeface="Calibri" panose="020F0502020204030204" pitchFamily="34" charset="0"/>
               </a:rPr>
               <a:t> </a:t>
             </a:r>
             <a:r>
-              <a:rPr lang="en-US" dirty="0" err="1">
+              <a:rPr lang="en-US" sz="2000" dirty="0" err="1">
                 <a:latin typeface="Calibri" panose="020F0502020204030204" pitchFamily="34" charset="0"/>
                 <a:cs typeface="Calibri" panose="020F0502020204030204" pitchFamily="34" charset="0"/>
               </a:rPr>
               <a:t>hiển</a:t>
             </a:r>
             <a:r>
-              <a:rPr lang="en-US" dirty="0">
+              <a:rPr lang="en-US" sz="2000" dirty="0">
                 <a:latin typeface="Calibri" panose="020F0502020204030204" pitchFamily="34" charset="0"/>
                 <a:cs typeface="Calibri" panose="020F0502020204030204" pitchFamily="34" charset="0"/>
               </a:rPr>
               <a:t> </a:t>
             </a:r>
             <a:r>
-              <a:rPr lang="en-US" dirty="0" err="1">
+              <a:rPr lang="en-US" sz="2000" dirty="0" err="1">
                 <a:latin typeface="Calibri" panose="020F0502020204030204" pitchFamily="34" charset="0"/>
                 <a:cs typeface="Calibri" panose="020F0502020204030204" pitchFamily="34" charset="0"/>
               </a:rPr>
               <a:t>thị</a:t>
             </a:r>
             <a:r>
-              <a:rPr lang="en-US" dirty="0">
+              <a:rPr lang="en-US" sz="2000" dirty="0">
                 <a:latin typeface="Calibri" panose="020F0502020204030204" pitchFamily="34" charset="0"/>
                 <a:cs typeface="Calibri" panose="020F0502020204030204" pitchFamily="34" charset="0"/>
               </a:rPr>
               <a:t> </a:t>
             </a:r>
             <a:r>
-              <a:rPr lang="en-US" dirty="0" err="1">
+              <a:rPr lang="en-US" sz="2000" dirty="0" err="1">
                 <a:latin typeface="Calibri" panose="020F0502020204030204" pitchFamily="34" charset="0"/>
                 <a:cs typeface="Calibri" panose="020F0502020204030204" pitchFamily="34" charset="0"/>
               </a:rPr>
               <a:t>toàn</a:t>
             </a:r>
             <a:r>
-              <a:rPr lang="en-US" dirty="0">
+              <a:rPr lang="en-US" sz="2000" dirty="0">
                 <a:latin typeface="Calibri" panose="020F0502020204030204" pitchFamily="34" charset="0"/>
                 <a:cs typeface="Calibri" panose="020F0502020204030204" pitchFamily="34" charset="0"/>
               </a:rPr>
               <a:t> </a:t>
             </a:r>
             <a:r>
-              <a:rPr lang="en-US" dirty="0" err="1">
+              <a:rPr lang="en-US" sz="2000" dirty="0" err="1">
                 <a:latin typeface="Calibri" panose="020F0502020204030204" pitchFamily="34" charset="0"/>
                 <a:cs typeface="Calibri" panose="020F0502020204030204" pitchFamily="34" charset="0"/>
               </a:rPr>
               <a:t>bộ</a:t>
             </a:r>
             <a:r>
-              <a:rPr lang="en-US" dirty="0">
+              <a:rPr lang="en-US" sz="2000" dirty="0">
                 <a:latin typeface="Calibri" panose="020F0502020204030204" pitchFamily="34" charset="0"/>
                 <a:cs typeface="Calibri" panose="020F0502020204030204" pitchFamily="34" charset="0"/>
               </a:rPr>
               <a:t> </a:t>
             </a:r>
             <a:r>
-              <a:rPr lang="en-US" dirty="0" err="1">
+              <a:rPr lang="en-US" sz="2000" dirty="0" err="1">
                 <a:latin typeface="Calibri" panose="020F0502020204030204" pitchFamily="34" charset="0"/>
                 <a:cs typeface="Calibri" panose="020F0502020204030204" pitchFamily="34" charset="0"/>
               </a:rPr>
               <a:t>danh</a:t>
             </a:r>
             <a:r>
-              <a:rPr lang="en-US" dirty="0">
+              <a:rPr lang="en-US" sz="2000" dirty="0">
                 <a:latin typeface="Calibri" panose="020F0502020204030204" pitchFamily="34" charset="0"/>
                 <a:cs typeface="Calibri" panose="020F0502020204030204" pitchFamily="34" charset="0"/>
               </a:rPr>
               <a:t> </a:t>
             </a:r>
             <a:r>
-              <a:rPr lang="en-US" dirty="0" err="1">
+              <a:rPr lang="en-US" sz="2000" dirty="0" err="1">
                 <a:latin typeface="Calibri" panose="020F0502020204030204" pitchFamily="34" charset="0"/>
                 <a:cs typeface="Calibri" panose="020F0502020204030204" pitchFamily="34" charset="0"/>
               </a:rPr>
               <a:t>sách</a:t>
             </a:r>
             <a:r>
-              <a:rPr lang="en-US" dirty="0">
+              <a:rPr lang="en-US" sz="2000" dirty="0">
                 <a:latin typeface="Calibri" panose="020F0502020204030204" pitchFamily="34" charset="0"/>
                 <a:cs typeface="Calibri" panose="020F0502020204030204" pitchFamily="34" charset="0"/>
               </a:rPr>
               <a:t> </a:t>
             </a:r>
             <a:r>
-              <a:rPr lang="en-US" dirty="0" err="1">
+              <a:rPr lang="en-US" sz="2000" dirty="0" err="1">
                 <a:latin typeface="Calibri" panose="020F0502020204030204" pitchFamily="34" charset="0"/>
                 <a:cs typeface="Calibri" panose="020F0502020204030204" pitchFamily="34" charset="0"/>
               </a:rPr>
               <a:t>nhân</a:t>
             </a:r>
             <a:r>
-              <a:rPr lang="en-US" dirty="0">
+              <a:rPr lang="en-US" sz="2000" dirty="0">
                 <a:latin typeface="Calibri" panose="020F0502020204030204" pitchFamily="34" charset="0"/>
                 <a:cs typeface="Calibri" panose="020F0502020204030204" pitchFamily="34" charset="0"/>
               </a:rPr>
               <a:t> </a:t>
             </a:r>
             <a:r>
-              <a:rPr lang="en-US" dirty="0" err="1" smtClean="0">
+              <a:rPr lang="en-US" sz="2000" dirty="0" err="1" smtClean="0">
                 <a:latin typeface="Calibri" panose="020F0502020204030204" pitchFamily="34" charset="0"/>
                 <a:cs typeface="Calibri" panose="020F0502020204030204" pitchFamily="34" charset="0"/>
               </a:rPr>
               <a:t>viên</a:t>
             </a:r>
             <a:r>
-              <a:rPr lang="en-US" b="1" dirty="0" smtClean="0">
+              <a:rPr lang="en-US" sz="2000" b="1" dirty="0" smtClean="0">
                 <a:latin typeface="Calibri" panose="020F0502020204030204" pitchFamily="34" charset="0"/>
                 <a:cs typeface="Calibri" panose="020F0502020204030204" pitchFamily="34" charset="0"/>
               </a:rPr>
               <a:t>.</a:t>
             </a:r>
-            <a:endParaRPr lang="en-US" dirty="0">
+            <a:endParaRPr lang="en-US" sz="2000" dirty="0">
               <a:latin typeface="Calibri" panose="020F0502020204030204" pitchFamily="34" charset="0"/>
               <a:cs typeface="Calibri" panose="020F0502020204030204" pitchFamily="34" charset="0"/>
             </a:endParaRPr>
@@ -10473,7 +10847,7 @@
         </p:blipFill>
         <p:spPr bwMode="auto">
           <a:xfrm>
-            <a:off x="7479475" y="2848431"/>
+            <a:off x="7219984" y="2934928"/>
             <a:ext cx="4114800" cy="2891244"/>
           </a:xfrm>
           <a:prstGeom prst="rect">
@@ -10656,8 +11030,8 @@
         </p:nvSpPr>
         <p:spPr>
           <a:xfrm>
-            <a:off x="562312" y="525201"/>
-            <a:ext cx="7173017" cy="1169551"/>
+            <a:off x="562312" y="197685"/>
+            <a:ext cx="7173017" cy="1292662"/>
           </a:xfrm>
           <a:prstGeom prst="rect">
             <a:avLst/>
@@ -10671,69 +11045,69 @@
           <a:lstStyle/>
           <a:p>
             <a:r>
-              <a:rPr lang="en-US" sz="2200" b="1" dirty="0">
+              <a:rPr lang="en-US" sz="3200" b="1" dirty="0">
                 <a:latin typeface="Times New Roman" panose="02020603050405020304" pitchFamily="18" charset="0"/>
                 <a:cs typeface="Times New Roman" panose="02020603050405020304" pitchFamily="18" charset="0"/>
               </a:rPr>
               <a:t>6</a:t>
             </a:r>
             <a:r>
-              <a:rPr lang="en-US" sz="2200" b="1" dirty="0" smtClean="0">
+              <a:rPr lang="en-US" sz="3200" b="1" dirty="0" smtClean="0">
                 <a:latin typeface="Times New Roman" panose="02020603050405020304" pitchFamily="18" charset="0"/>
                 <a:cs typeface="Times New Roman" panose="02020603050405020304" pitchFamily="18" charset="0"/>
               </a:rPr>
               <a:t>. </a:t>
             </a:r>
             <a:r>
-              <a:rPr lang="en-US" sz="2200" b="1" dirty="0" err="1" smtClean="0">
+              <a:rPr lang="en-US" sz="3200" b="1" dirty="0" err="1" smtClean="0">
                 <a:latin typeface="Times New Roman" panose="02020603050405020304" pitchFamily="18" charset="0"/>
                 <a:cs typeface="Times New Roman" panose="02020603050405020304" pitchFamily="18" charset="0"/>
               </a:rPr>
               <a:t>Thêm</a:t>
             </a:r>
             <a:r>
-              <a:rPr lang="en-US" sz="2200" b="1" dirty="0" smtClean="0">
+              <a:rPr lang="en-US" sz="3200" b="1" dirty="0" smtClean="0">
                 <a:latin typeface="Times New Roman" panose="02020603050405020304" pitchFamily="18" charset="0"/>
                 <a:cs typeface="Times New Roman" panose="02020603050405020304" pitchFamily="18" charset="0"/>
               </a:rPr>
               <a:t>,  </a:t>
             </a:r>
             <a:r>
-              <a:rPr lang="en-US" sz="2200" b="1" dirty="0" err="1" smtClean="0">
+              <a:rPr lang="en-US" sz="3200" b="1" dirty="0" err="1" smtClean="0">
                 <a:latin typeface="Times New Roman" panose="02020603050405020304" pitchFamily="18" charset="0"/>
                 <a:cs typeface="Times New Roman" panose="02020603050405020304" pitchFamily="18" charset="0"/>
               </a:rPr>
               <a:t>sửa</a:t>
             </a:r>
             <a:r>
-              <a:rPr lang="en-US" sz="2200" b="1" dirty="0" smtClean="0">
-                <a:latin typeface="Times New Roman" panose="02020603050405020304" pitchFamily="18" charset="0"/>
-                <a:cs typeface="Times New Roman" panose="02020603050405020304" pitchFamily="18" charset="0"/>
-              </a:rPr>
-              <a:t> </a:t>
-            </a:r>
-            <a:r>
-              <a:rPr lang="en-US" sz="2200" b="1" dirty="0" err="1" smtClean="0">
+              <a:rPr lang="en-US" sz="3200" b="1" dirty="0" smtClean="0">
+                <a:latin typeface="Times New Roman" panose="02020603050405020304" pitchFamily="18" charset="0"/>
+                <a:cs typeface="Times New Roman" panose="02020603050405020304" pitchFamily="18" charset="0"/>
+              </a:rPr>
+              <a:t> </a:t>
+            </a:r>
+            <a:r>
+              <a:rPr lang="en-US" sz="3200" b="1" dirty="0" err="1" smtClean="0">
                 <a:latin typeface="Times New Roman" panose="02020603050405020304" pitchFamily="18" charset="0"/>
                 <a:cs typeface="Times New Roman" panose="02020603050405020304" pitchFamily="18" charset="0"/>
               </a:rPr>
               <a:t>nhân</a:t>
             </a:r>
             <a:r>
-              <a:rPr lang="en-US" sz="2200" b="1" dirty="0" smtClean="0">
-                <a:latin typeface="Times New Roman" panose="02020603050405020304" pitchFamily="18" charset="0"/>
-                <a:cs typeface="Times New Roman" panose="02020603050405020304" pitchFamily="18" charset="0"/>
-              </a:rPr>
-              <a:t> </a:t>
-            </a:r>
-            <a:r>
-              <a:rPr lang="en-US" sz="2200" b="1" dirty="0" err="1" smtClean="0">
+              <a:rPr lang="en-US" sz="3200" b="1" dirty="0" smtClean="0">
+                <a:latin typeface="Times New Roman" panose="02020603050405020304" pitchFamily="18" charset="0"/>
+                <a:cs typeface="Times New Roman" panose="02020603050405020304" pitchFamily="18" charset="0"/>
+              </a:rPr>
+              <a:t> </a:t>
+            </a:r>
+            <a:r>
+              <a:rPr lang="en-US" sz="3200" b="1" dirty="0" err="1" smtClean="0">
                 <a:latin typeface="Times New Roman" panose="02020603050405020304" pitchFamily="18" charset="0"/>
                 <a:cs typeface="Times New Roman" panose="02020603050405020304" pitchFamily="18" charset="0"/>
               </a:rPr>
               <a:t>viên</a:t>
             </a:r>
-            <a:endParaRPr lang="en-US" sz="2200" b="1" dirty="0">
+            <a:endParaRPr lang="en-US" sz="3200" b="1" dirty="0">
               <a:latin typeface="Times New Roman" panose="02020603050405020304" pitchFamily="18" charset="0"/>
               <a:cs typeface="Times New Roman" panose="02020603050405020304" pitchFamily="18" charset="0"/>
             </a:endParaRPr>
@@ -10761,8 +11135,8 @@
         </p:nvSpPr>
         <p:spPr>
           <a:xfrm>
-            <a:off x="7005212" y="1466927"/>
-            <a:ext cx="5087934" cy="923330"/>
+            <a:off x="7017568" y="1139643"/>
+            <a:ext cx="5087934" cy="1015663"/>
           </a:xfrm>
           <a:prstGeom prst="rect">
             <a:avLst/>
@@ -10780,218 +11154,218 @@
               <a:buChar char="–"/>
             </a:pPr>
             <a:r>
-              <a:rPr lang="en-US" dirty="0" err="1">
-                <a:latin typeface="Calibri" panose="020F0502020204030204" pitchFamily="34" charset="0"/>
-                <a:cs typeface="Calibri" panose="020F0502020204030204" pitchFamily="34" charset="0"/>
+              <a:rPr lang="en-US" sz="2000" dirty="0" err="1">
+                <a:latin typeface="Arial" panose="020B0604020202020204" pitchFamily="34" charset="0"/>
+                <a:cs typeface="Arial" panose="020B0604020202020204" pitchFamily="34" charset="0"/>
               </a:rPr>
               <a:t>Khi</a:t>
             </a:r>
             <a:r>
-              <a:rPr lang="en-US" dirty="0">
-                <a:latin typeface="Calibri" panose="020F0502020204030204" pitchFamily="34" charset="0"/>
-                <a:cs typeface="Calibri" panose="020F0502020204030204" pitchFamily="34" charset="0"/>
-              </a:rPr>
-              <a:t> </a:t>
-            </a:r>
-            <a:r>
-              <a:rPr lang="en-US" dirty="0" err="1">
-                <a:latin typeface="Calibri" panose="020F0502020204030204" pitchFamily="34" charset="0"/>
-                <a:cs typeface="Calibri" panose="020F0502020204030204" pitchFamily="34" charset="0"/>
+              <a:rPr lang="en-US" sz="2000" dirty="0">
+                <a:latin typeface="Arial" panose="020B0604020202020204" pitchFamily="34" charset="0"/>
+                <a:cs typeface="Arial" panose="020B0604020202020204" pitchFamily="34" charset="0"/>
+              </a:rPr>
+              <a:t> </a:t>
+            </a:r>
+            <a:r>
+              <a:rPr lang="en-US" sz="2000" dirty="0" err="1">
+                <a:latin typeface="Arial" panose="020B0604020202020204" pitchFamily="34" charset="0"/>
+                <a:cs typeface="Arial" panose="020B0604020202020204" pitchFamily="34" charset="0"/>
               </a:rPr>
               <a:t>nhấn</a:t>
             </a:r>
             <a:r>
-              <a:rPr lang="en-US" dirty="0">
-                <a:latin typeface="Calibri" panose="020F0502020204030204" pitchFamily="34" charset="0"/>
-                <a:cs typeface="Calibri" panose="020F0502020204030204" pitchFamily="34" charset="0"/>
+              <a:rPr lang="en-US" sz="2000" dirty="0">
+                <a:latin typeface="Arial" panose="020B0604020202020204" pitchFamily="34" charset="0"/>
+                <a:cs typeface="Arial" panose="020B0604020202020204" pitchFamily="34" charset="0"/>
               </a:rPr>
               <a:t> edit </a:t>
             </a:r>
             <a:r>
-              <a:rPr lang="en-US" dirty="0" err="1">
-                <a:latin typeface="Calibri" panose="020F0502020204030204" pitchFamily="34" charset="0"/>
-                <a:cs typeface="Calibri" panose="020F0502020204030204" pitchFamily="34" charset="0"/>
+              <a:rPr lang="en-US" sz="2000" dirty="0" err="1">
+                <a:latin typeface="Arial" panose="020B0604020202020204" pitchFamily="34" charset="0"/>
+                <a:cs typeface="Arial" panose="020B0604020202020204" pitchFamily="34" charset="0"/>
               </a:rPr>
               <a:t>và</a:t>
             </a:r>
             <a:r>
-              <a:rPr lang="en-US" dirty="0">
-                <a:latin typeface="Calibri" panose="020F0502020204030204" pitchFamily="34" charset="0"/>
-                <a:cs typeface="Calibri" panose="020F0502020204030204" pitchFamily="34" charset="0"/>
+              <a:rPr lang="en-US" sz="2000" dirty="0">
+                <a:latin typeface="Arial" panose="020B0604020202020204" pitchFamily="34" charset="0"/>
+                <a:cs typeface="Arial" panose="020B0604020202020204" pitchFamily="34" charset="0"/>
               </a:rPr>
               <a:t> Add New Employee  </a:t>
             </a:r>
             <a:r>
-              <a:rPr lang="en-US" dirty="0" err="1">
-                <a:latin typeface="Calibri" panose="020F0502020204030204" pitchFamily="34" charset="0"/>
-                <a:cs typeface="Calibri" panose="020F0502020204030204" pitchFamily="34" charset="0"/>
+              <a:rPr lang="en-US" sz="2000" dirty="0" err="1">
+                <a:latin typeface="Arial" panose="020B0604020202020204" pitchFamily="34" charset="0"/>
+                <a:cs typeface="Arial" panose="020B0604020202020204" pitchFamily="34" charset="0"/>
               </a:rPr>
               <a:t>thì</a:t>
             </a:r>
             <a:r>
-              <a:rPr lang="en-US" dirty="0">
-                <a:latin typeface="Calibri" panose="020F0502020204030204" pitchFamily="34" charset="0"/>
-                <a:cs typeface="Calibri" panose="020F0502020204030204" pitchFamily="34" charset="0"/>
-              </a:rPr>
-              <a:t> </a:t>
-            </a:r>
-            <a:r>
-              <a:rPr lang="en-US" dirty="0" err="1">
-                <a:latin typeface="Calibri" panose="020F0502020204030204" pitchFamily="34" charset="0"/>
-                <a:cs typeface="Calibri" panose="020F0502020204030204" pitchFamily="34" charset="0"/>
+              <a:rPr lang="en-US" sz="2000" dirty="0">
+                <a:latin typeface="Arial" panose="020B0604020202020204" pitchFamily="34" charset="0"/>
+                <a:cs typeface="Arial" panose="020B0604020202020204" pitchFamily="34" charset="0"/>
+              </a:rPr>
+              <a:t> </a:t>
+            </a:r>
+            <a:r>
+              <a:rPr lang="en-US" sz="2000" dirty="0" err="1">
+                <a:latin typeface="Arial" panose="020B0604020202020204" pitchFamily="34" charset="0"/>
+                <a:cs typeface="Arial" panose="020B0604020202020204" pitchFamily="34" charset="0"/>
               </a:rPr>
               <a:t>trang</a:t>
             </a:r>
             <a:r>
-              <a:rPr lang="en-US" dirty="0">
-                <a:latin typeface="Calibri" panose="020F0502020204030204" pitchFamily="34" charset="0"/>
-                <a:cs typeface="Calibri" panose="020F0502020204030204" pitchFamily="34" charset="0"/>
-              </a:rPr>
-              <a:t> </a:t>
-            </a:r>
-            <a:r>
-              <a:rPr lang="en-US" dirty="0" err="1">
-                <a:latin typeface="Calibri" panose="020F0502020204030204" pitchFamily="34" charset="0"/>
-                <a:cs typeface="Calibri" panose="020F0502020204030204" pitchFamily="34" charset="0"/>
+              <a:rPr lang="en-US" sz="2000" dirty="0">
+                <a:latin typeface="Arial" panose="020B0604020202020204" pitchFamily="34" charset="0"/>
+                <a:cs typeface="Arial" panose="020B0604020202020204" pitchFamily="34" charset="0"/>
+              </a:rPr>
+              <a:t> </a:t>
+            </a:r>
+            <a:r>
+              <a:rPr lang="en-US" sz="2000" dirty="0" err="1">
+                <a:latin typeface="Arial" panose="020B0604020202020204" pitchFamily="34" charset="0"/>
+                <a:cs typeface="Arial" panose="020B0604020202020204" pitchFamily="34" charset="0"/>
               </a:rPr>
               <a:t>employee_form.jsp</a:t>
             </a:r>
             <a:r>
-              <a:rPr lang="en-US" dirty="0">
-                <a:latin typeface="Calibri" panose="020F0502020204030204" pitchFamily="34" charset="0"/>
-                <a:cs typeface="Calibri" panose="020F0502020204030204" pitchFamily="34" charset="0"/>
-              </a:rPr>
-              <a:t> </a:t>
-            </a:r>
-            <a:r>
-              <a:rPr lang="en-US" dirty="0" err="1">
-                <a:latin typeface="Calibri" panose="020F0502020204030204" pitchFamily="34" charset="0"/>
-                <a:cs typeface="Calibri" panose="020F0502020204030204" pitchFamily="34" charset="0"/>
+              <a:rPr lang="en-US" sz="2000" dirty="0">
+                <a:latin typeface="Arial" panose="020B0604020202020204" pitchFamily="34" charset="0"/>
+                <a:cs typeface="Arial" panose="020B0604020202020204" pitchFamily="34" charset="0"/>
+              </a:rPr>
+              <a:t> </a:t>
+            </a:r>
+            <a:r>
+              <a:rPr lang="en-US" sz="2000" dirty="0" err="1">
+                <a:latin typeface="Arial" panose="020B0604020202020204" pitchFamily="34" charset="0"/>
+                <a:cs typeface="Arial" panose="020B0604020202020204" pitchFamily="34" charset="0"/>
               </a:rPr>
               <a:t>hiển</a:t>
             </a:r>
             <a:r>
-              <a:rPr lang="en-US" dirty="0">
-                <a:latin typeface="Calibri" panose="020F0502020204030204" pitchFamily="34" charset="0"/>
-                <a:cs typeface="Calibri" panose="020F0502020204030204" pitchFamily="34" charset="0"/>
-              </a:rPr>
-              <a:t> </a:t>
-            </a:r>
-            <a:r>
-              <a:rPr lang="en-US" dirty="0" err="1" smtClean="0">
-                <a:latin typeface="Calibri" panose="020F0502020204030204" pitchFamily="34" charset="0"/>
-                <a:cs typeface="Calibri" panose="020F0502020204030204" pitchFamily="34" charset="0"/>
+              <a:rPr lang="en-US" sz="2000" dirty="0">
+                <a:latin typeface="Arial" panose="020B0604020202020204" pitchFamily="34" charset="0"/>
+                <a:cs typeface="Arial" panose="020B0604020202020204" pitchFamily="34" charset="0"/>
+              </a:rPr>
+              <a:t> </a:t>
+            </a:r>
+            <a:r>
+              <a:rPr lang="en-US" sz="2000" dirty="0" err="1" smtClean="0">
+                <a:latin typeface="Arial" panose="020B0604020202020204" pitchFamily="34" charset="0"/>
+                <a:cs typeface="Arial" panose="020B0604020202020204" pitchFamily="34" charset="0"/>
               </a:rPr>
               <a:t>thị</a:t>
             </a:r>
             <a:r>
-              <a:rPr lang="en-US" dirty="0" smtClean="0">
-                <a:latin typeface="Calibri" panose="020F0502020204030204" pitchFamily="34" charset="0"/>
-                <a:cs typeface="Calibri" panose="020F0502020204030204" pitchFamily="34" charset="0"/>
-              </a:rPr>
-              <a:t> </a:t>
-            </a:r>
-            <a:r>
-              <a:rPr lang="en-US" dirty="0" err="1" smtClean="0">
-                <a:latin typeface="Calibri" panose="020F0502020204030204" pitchFamily="34" charset="0"/>
-                <a:cs typeface="Calibri" panose="020F0502020204030204" pitchFamily="34" charset="0"/>
+              <a:rPr lang="en-US" sz="2000" dirty="0" smtClean="0">
+                <a:latin typeface="Arial" panose="020B0604020202020204" pitchFamily="34" charset="0"/>
+                <a:cs typeface="Arial" panose="020B0604020202020204" pitchFamily="34" charset="0"/>
+              </a:rPr>
+              <a:t> </a:t>
+            </a:r>
+            <a:r>
+              <a:rPr lang="en-US" sz="2000" dirty="0" err="1" smtClean="0">
+                <a:latin typeface="Arial" panose="020B0604020202020204" pitchFamily="34" charset="0"/>
+                <a:cs typeface="Arial" panose="020B0604020202020204" pitchFamily="34" charset="0"/>
               </a:rPr>
               <a:t>cho</a:t>
             </a:r>
             <a:r>
-              <a:rPr lang="en-US" dirty="0" smtClean="0">
-                <a:latin typeface="Calibri" panose="020F0502020204030204" pitchFamily="34" charset="0"/>
-                <a:cs typeface="Calibri" panose="020F0502020204030204" pitchFamily="34" charset="0"/>
-              </a:rPr>
-              <a:t> </a:t>
-            </a:r>
-            <a:r>
-              <a:rPr lang="en-US" dirty="0" err="1" smtClean="0">
-                <a:latin typeface="Calibri" panose="020F0502020204030204" pitchFamily="34" charset="0"/>
-                <a:cs typeface="Calibri" panose="020F0502020204030204" pitchFamily="34" charset="0"/>
+              <a:rPr lang="en-US" sz="2000" dirty="0" smtClean="0">
+                <a:latin typeface="Arial" panose="020B0604020202020204" pitchFamily="34" charset="0"/>
+                <a:cs typeface="Arial" panose="020B0604020202020204" pitchFamily="34" charset="0"/>
+              </a:rPr>
+              <a:t> </a:t>
+            </a:r>
+            <a:r>
+              <a:rPr lang="en-US" sz="2000" dirty="0" err="1" smtClean="0">
+                <a:latin typeface="Arial" panose="020B0604020202020204" pitchFamily="34" charset="0"/>
+                <a:cs typeface="Arial" panose="020B0604020202020204" pitchFamily="34" charset="0"/>
               </a:rPr>
               <a:t>phép</a:t>
             </a:r>
             <a:r>
-              <a:rPr lang="en-US" dirty="0" smtClean="0">
-                <a:latin typeface="Calibri" panose="020F0502020204030204" pitchFamily="34" charset="0"/>
-                <a:cs typeface="Calibri" panose="020F0502020204030204" pitchFamily="34" charset="0"/>
-              </a:rPr>
-              <a:t> </a:t>
-            </a:r>
-            <a:r>
-              <a:rPr lang="en-US" dirty="0" err="1" smtClean="0">
-                <a:latin typeface="Calibri" panose="020F0502020204030204" pitchFamily="34" charset="0"/>
-                <a:cs typeface="Calibri" panose="020F0502020204030204" pitchFamily="34" charset="0"/>
+              <a:rPr lang="en-US" sz="2000" dirty="0" smtClean="0">
+                <a:latin typeface="Arial" panose="020B0604020202020204" pitchFamily="34" charset="0"/>
+                <a:cs typeface="Arial" panose="020B0604020202020204" pitchFamily="34" charset="0"/>
+              </a:rPr>
+              <a:t> </a:t>
+            </a:r>
+            <a:r>
+              <a:rPr lang="en-US" sz="2000" dirty="0" err="1" smtClean="0">
+                <a:latin typeface="Arial" panose="020B0604020202020204" pitchFamily="34" charset="0"/>
+                <a:cs typeface="Arial" panose="020B0604020202020204" pitchFamily="34" charset="0"/>
               </a:rPr>
               <a:t>thêm</a:t>
             </a:r>
             <a:r>
-              <a:rPr lang="en-US" dirty="0" smtClean="0">
-                <a:latin typeface="Calibri" panose="020F0502020204030204" pitchFamily="34" charset="0"/>
-                <a:cs typeface="Calibri" panose="020F0502020204030204" pitchFamily="34" charset="0"/>
-              </a:rPr>
-              <a:t> </a:t>
-            </a:r>
-            <a:r>
-              <a:rPr lang="en-US" dirty="0" err="1" smtClean="0">
-                <a:latin typeface="Calibri" panose="020F0502020204030204" pitchFamily="34" charset="0"/>
-                <a:cs typeface="Calibri" panose="020F0502020204030204" pitchFamily="34" charset="0"/>
+              <a:rPr lang="en-US" sz="2000" dirty="0" smtClean="0">
+                <a:latin typeface="Arial" panose="020B0604020202020204" pitchFamily="34" charset="0"/>
+                <a:cs typeface="Arial" panose="020B0604020202020204" pitchFamily="34" charset="0"/>
+              </a:rPr>
+              <a:t> </a:t>
+            </a:r>
+            <a:r>
+              <a:rPr lang="en-US" sz="2000" dirty="0" err="1" smtClean="0">
+                <a:latin typeface="Arial" panose="020B0604020202020204" pitchFamily="34" charset="0"/>
+                <a:cs typeface="Arial" panose="020B0604020202020204" pitchFamily="34" charset="0"/>
               </a:rPr>
               <a:t>và</a:t>
             </a:r>
             <a:r>
-              <a:rPr lang="en-US" dirty="0" smtClean="0">
-                <a:latin typeface="Calibri" panose="020F0502020204030204" pitchFamily="34" charset="0"/>
-                <a:cs typeface="Calibri" panose="020F0502020204030204" pitchFamily="34" charset="0"/>
-              </a:rPr>
-              <a:t> </a:t>
-            </a:r>
-            <a:r>
-              <a:rPr lang="en-US" dirty="0" err="1" smtClean="0">
-                <a:latin typeface="Calibri" panose="020F0502020204030204" pitchFamily="34" charset="0"/>
-                <a:cs typeface="Calibri" panose="020F0502020204030204" pitchFamily="34" charset="0"/>
+              <a:rPr lang="en-US" sz="2000" dirty="0" smtClean="0">
+                <a:latin typeface="Arial" panose="020B0604020202020204" pitchFamily="34" charset="0"/>
+                <a:cs typeface="Arial" panose="020B0604020202020204" pitchFamily="34" charset="0"/>
+              </a:rPr>
+              <a:t> </a:t>
+            </a:r>
+            <a:r>
+              <a:rPr lang="en-US" sz="2000" dirty="0" err="1" smtClean="0">
+                <a:latin typeface="Arial" panose="020B0604020202020204" pitchFamily="34" charset="0"/>
+                <a:cs typeface="Arial" panose="020B0604020202020204" pitchFamily="34" charset="0"/>
               </a:rPr>
               <a:t>sửa</a:t>
             </a:r>
             <a:r>
-              <a:rPr lang="en-US" dirty="0" smtClean="0">
-                <a:latin typeface="Calibri" panose="020F0502020204030204" pitchFamily="34" charset="0"/>
-                <a:cs typeface="Calibri" panose="020F0502020204030204" pitchFamily="34" charset="0"/>
-              </a:rPr>
-              <a:t> </a:t>
-            </a:r>
-            <a:r>
-              <a:rPr lang="en-US" dirty="0" err="1" smtClean="0">
-                <a:latin typeface="Calibri" panose="020F0502020204030204" pitchFamily="34" charset="0"/>
-                <a:cs typeface="Calibri" panose="020F0502020204030204" pitchFamily="34" charset="0"/>
+              <a:rPr lang="en-US" sz="2000" dirty="0" smtClean="0">
+                <a:latin typeface="Arial" panose="020B0604020202020204" pitchFamily="34" charset="0"/>
+                <a:cs typeface="Arial" panose="020B0604020202020204" pitchFamily="34" charset="0"/>
+              </a:rPr>
+              <a:t> </a:t>
+            </a:r>
+            <a:r>
+              <a:rPr lang="en-US" sz="2000" dirty="0" err="1" smtClean="0">
+                <a:latin typeface="Arial" panose="020B0604020202020204" pitchFamily="34" charset="0"/>
+                <a:cs typeface="Arial" panose="020B0604020202020204" pitchFamily="34" charset="0"/>
               </a:rPr>
               <a:t>nhân</a:t>
             </a:r>
             <a:r>
-              <a:rPr lang="en-US" dirty="0" smtClean="0">
-                <a:latin typeface="Calibri" panose="020F0502020204030204" pitchFamily="34" charset="0"/>
-                <a:cs typeface="Calibri" panose="020F0502020204030204" pitchFamily="34" charset="0"/>
-              </a:rPr>
-              <a:t> </a:t>
-            </a:r>
-            <a:r>
-              <a:rPr lang="en-US" dirty="0" err="1" smtClean="0">
-                <a:latin typeface="Calibri" panose="020F0502020204030204" pitchFamily="34" charset="0"/>
-                <a:cs typeface="Calibri" panose="020F0502020204030204" pitchFamily="34" charset="0"/>
+              <a:rPr lang="en-US" sz="2000" dirty="0" smtClean="0">
+                <a:latin typeface="Arial" panose="020B0604020202020204" pitchFamily="34" charset="0"/>
+                <a:cs typeface="Arial" panose="020B0604020202020204" pitchFamily="34" charset="0"/>
+              </a:rPr>
+              <a:t> </a:t>
+            </a:r>
+            <a:r>
+              <a:rPr lang="en-US" sz="2000" dirty="0" err="1" smtClean="0">
+                <a:latin typeface="Arial" panose="020B0604020202020204" pitchFamily="34" charset="0"/>
+                <a:cs typeface="Arial" panose="020B0604020202020204" pitchFamily="34" charset="0"/>
               </a:rPr>
               <a:t>viên</a:t>
             </a:r>
             <a:r>
-              <a:rPr lang="en-US" dirty="0" smtClean="0">
-                <a:latin typeface="Calibri" panose="020F0502020204030204" pitchFamily="34" charset="0"/>
-                <a:cs typeface="Calibri" panose="020F0502020204030204" pitchFamily="34" charset="0"/>
+              <a:rPr lang="en-US" sz="2000" dirty="0" smtClean="0">
+                <a:latin typeface="Arial" panose="020B0604020202020204" pitchFamily="34" charset="0"/>
+                <a:cs typeface="Arial" panose="020B0604020202020204" pitchFamily="34" charset="0"/>
               </a:rPr>
               <a:t>.</a:t>
             </a:r>
-            <a:endParaRPr lang="en-US" dirty="0">
-              <a:latin typeface="Calibri" panose="020F0502020204030204" pitchFamily="34" charset="0"/>
-              <a:cs typeface="Calibri" panose="020F0502020204030204" pitchFamily="34" charset="0"/>
+            <a:endParaRPr lang="en-US" sz="2000" dirty="0">
+              <a:latin typeface="Arial" panose="020B0604020202020204" pitchFamily="34" charset="0"/>
+              <a:cs typeface="Arial" panose="020B0604020202020204" pitchFamily="34" charset="0"/>
             </a:endParaRPr>
           </a:p>
         </p:txBody>
@@ -11256,8 +11630,8 @@
         </p:nvSpPr>
         <p:spPr>
           <a:xfrm>
-            <a:off x="562312" y="525201"/>
-            <a:ext cx="7173017" cy="1169551"/>
+            <a:off x="574669" y="119278"/>
+            <a:ext cx="7173017" cy="1292662"/>
           </a:xfrm>
           <a:prstGeom prst="rect">
             <a:avLst/>
@@ -11271,55 +11645,55 @@
           <a:lstStyle/>
           <a:p>
             <a:r>
-              <a:rPr lang="en-US" sz="2200" b="1" dirty="0">
+              <a:rPr lang="en-US" sz="3200" b="1" dirty="0">
                 <a:latin typeface="Times New Roman" panose="02020603050405020304" pitchFamily="18" charset="0"/>
                 <a:cs typeface="Times New Roman" panose="02020603050405020304" pitchFamily="18" charset="0"/>
               </a:rPr>
               <a:t>6</a:t>
             </a:r>
             <a:r>
-              <a:rPr lang="en-US" sz="2200" b="1" dirty="0" smtClean="0">
+              <a:rPr lang="en-US" sz="3200" b="1" dirty="0" smtClean="0">
                 <a:latin typeface="Times New Roman" panose="02020603050405020304" pitchFamily="18" charset="0"/>
                 <a:cs typeface="Times New Roman" panose="02020603050405020304" pitchFamily="18" charset="0"/>
               </a:rPr>
               <a:t>. </a:t>
             </a:r>
             <a:r>
-              <a:rPr lang="en-US" sz="2200" b="1" dirty="0" err="1" smtClean="0">
+              <a:rPr lang="en-US" sz="3200" b="1" dirty="0" err="1" smtClean="0">
                 <a:latin typeface="Times New Roman" panose="02020603050405020304" pitchFamily="18" charset="0"/>
                 <a:cs typeface="Times New Roman" panose="02020603050405020304" pitchFamily="18" charset="0"/>
               </a:rPr>
               <a:t>Xóa</a:t>
             </a:r>
             <a:r>
-              <a:rPr lang="en-US" sz="2200" b="1" dirty="0" smtClean="0">
-                <a:latin typeface="Times New Roman" panose="02020603050405020304" pitchFamily="18" charset="0"/>
-                <a:cs typeface="Times New Roman" panose="02020603050405020304" pitchFamily="18" charset="0"/>
-              </a:rPr>
-              <a:t> </a:t>
-            </a:r>
-            <a:r>
-              <a:rPr lang="en-US" sz="2200" b="1" dirty="0" err="1" smtClean="0">
+              <a:rPr lang="en-US" sz="3200" b="1" dirty="0" smtClean="0">
+                <a:latin typeface="Times New Roman" panose="02020603050405020304" pitchFamily="18" charset="0"/>
+                <a:cs typeface="Times New Roman" panose="02020603050405020304" pitchFamily="18" charset="0"/>
+              </a:rPr>
+              <a:t> </a:t>
+            </a:r>
+            <a:r>
+              <a:rPr lang="en-US" sz="3200" b="1" dirty="0" err="1" smtClean="0">
                 <a:latin typeface="Times New Roman" panose="02020603050405020304" pitchFamily="18" charset="0"/>
                 <a:cs typeface="Times New Roman" panose="02020603050405020304" pitchFamily="18" charset="0"/>
               </a:rPr>
               <a:t>nhân</a:t>
             </a:r>
             <a:r>
-              <a:rPr lang="en-US" sz="2200" b="1" dirty="0" smtClean="0">
-                <a:latin typeface="Times New Roman" panose="02020603050405020304" pitchFamily="18" charset="0"/>
-                <a:cs typeface="Times New Roman" panose="02020603050405020304" pitchFamily="18" charset="0"/>
-              </a:rPr>
-              <a:t> </a:t>
-            </a:r>
-            <a:r>
-              <a:rPr lang="en-US" sz="2200" b="1" dirty="0" err="1" smtClean="0">
+              <a:rPr lang="en-US" sz="3200" b="1" dirty="0" smtClean="0">
+                <a:latin typeface="Times New Roman" panose="02020603050405020304" pitchFamily="18" charset="0"/>
+                <a:cs typeface="Times New Roman" panose="02020603050405020304" pitchFamily="18" charset="0"/>
+              </a:rPr>
+              <a:t> </a:t>
+            </a:r>
+            <a:r>
+              <a:rPr lang="en-US" sz="3200" b="1" dirty="0" err="1" smtClean="0">
                 <a:latin typeface="Times New Roman" panose="02020603050405020304" pitchFamily="18" charset="0"/>
                 <a:cs typeface="Times New Roman" panose="02020603050405020304" pitchFamily="18" charset="0"/>
               </a:rPr>
               <a:t>viên</a:t>
             </a:r>
-            <a:endParaRPr lang="en-US" sz="2200" b="1" dirty="0">
+            <a:endParaRPr lang="en-US" sz="3200" b="1" dirty="0">
               <a:latin typeface="Times New Roman" panose="02020603050405020304" pitchFamily="18" charset="0"/>
               <a:cs typeface="Times New Roman" panose="02020603050405020304" pitchFamily="18" charset="0"/>
             </a:endParaRPr>
@@ -11348,7 +11722,7 @@
         <p:spPr>
           <a:xfrm>
             <a:off x="7104066" y="1334793"/>
-            <a:ext cx="5087934" cy="923330"/>
+            <a:ext cx="5087934" cy="1015663"/>
           </a:xfrm>
           <a:prstGeom prst="rect">
             <a:avLst/>
@@ -11366,295 +11740,295 @@
               <a:buChar char="–"/>
             </a:pPr>
             <a:r>
-              <a:rPr lang="en-US" dirty="0" err="1">
-                <a:latin typeface="Calibri" panose="020F0502020204030204" pitchFamily="34" charset="0"/>
-                <a:cs typeface="Calibri" panose="020F0502020204030204" pitchFamily="34" charset="0"/>
+              <a:rPr lang="en-US" sz="2000" dirty="0" err="1">
+                <a:latin typeface="Arial" panose="020B0604020202020204" pitchFamily="34" charset="0"/>
+                <a:cs typeface="Arial" panose="020B0604020202020204" pitchFamily="34" charset="0"/>
               </a:rPr>
               <a:t>Khi</a:t>
             </a:r>
             <a:r>
-              <a:rPr lang="en-US" dirty="0">
-                <a:latin typeface="Calibri" panose="020F0502020204030204" pitchFamily="34" charset="0"/>
-                <a:cs typeface="Calibri" panose="020F0502020204030204" pitchFamily="34" charset="0"/>
-              </a:rPr>
-              <a:t> </a:t>
-            </a:r>
-            <a:r>
-              <a:rPr lang="en-US" dirty="0" err="1">
-                <a:latin typeface="Calibri" panose="020F0502020204030204" pitchFamily="34" charset="0"/>
-                <a:cs typeface="Calibri" panose="020F0502020204030204" pitchFamily="34" charset="0"/>
+              <a:rPr lang="en-US" sz="2000" dirty="0">
+                <a:latin typeface="Arial" panose="020B0604020202020204" pitchFamily="34" charset="0"/>
+                <a:cs typeface="Arial" panose="020B0604020202020204" pitchFamily="34" charset="0"/>
+              </a:rPr>
+              <a:t> </a:t>
+            </a:r>
+            <a:r>
+              <a:rPr lang="en-US" sz="2000" dirty="0" err="1">
+                <a:latin typeface="Arial" panose="020B0604020202020204" pitchFamily="34" charset="0"/>
+                <a:cs typeface="Arial" panose="020B0604020202020204" pitchFamily="34" charset="0"/>
               </a:rPr>
               <a:t>nhấn</a:t>
             </a:r>
             <a:r>
-              <a:rPr lang="en-US" dirty="0">
-                <a:latin typeface="Calibri" panose="020F0502020204030204" pitchFamily="34" charset="0"/>
-                <a:cs typeface="Calibri" panose="020F0502020204030204" pitchFamily="34" charset="0"/>
-              </a:rPr>
-              <a:t> </a:t>
-            </a:r>
-            <a:r>
-              <a:rPr lang="en-US" dirty="0" err="1" smtClean="0">
-                <a:latin typeface="Calibri" panose="020F0502020204030204" pitchFamily="34" charset="0"/>
-                <a:cs typeface="Calibri" panose="020F0502020204030204" pitchFamily="34" charset="0"/>
+              <a:rPr lang="en-US" sz="2000" dirty="0">
+                <a:latin typeface="Arial" panose="020B0604020202020204" pitchFamily="34" charset="0"/>
+                <a:cs typeface="Arial" panose="020B0604020202020204" pitchFamily="34" charset="0"/>
+              </a:rPr>
+              <a:t> </a:t>
+            </a:r>
+            <a:r>
+              <a:rPr lang="en-US" sz="2000" dirty="0" err="1" smtClean="0">
+                <a:latin typeface="Arial" panose="020B0604020202020204" pitchFamily="34" charset="0"/>
+                <a:cs typeface="Arial" panose="020B0604020202020204" pitchFamily="34" charset="0"/>
               </a:rPr>
               <a:t>nút</a:t>
             </a:r>
             <a:r>
-              <a:rPr lang="en-US" dirty="0" smtClean="0">
-                <a:latin typeface="Calibri" panose="020F0502020204030204" pitchFamily="34" charset="0"/>
-                <a:cs typeface="Calibri" panose="020F0502020204030204" pitchFamily="34" charset="0"/>
+              <a:rPr lang="en-US" sz="2000" dirty="0" smtClean="0">
+                <a:latin typeface="Arial" panose="020B0604020202020204" pitchFamily="34" charset="0"/>
+                <a:cs typeface="Arial" panose="020B0604020202020204" pitchFamily="34" charset="0"/>
               </a:rPr>
               <a:t> delete</a:t>
             </a:r>
             <a:r>
-              <a:rPr lang="en-US" dirty="0">
-                <a:latin typeface="Calibri" panose="020F0502020204030204" pitchFamily="34" charset="0"/>
-                <a:cs typeface="Calibri" panose="020F0502020204030204" pitchFamily="34" charset="0"/>
+              <a:rPr lang="en-US" sz="2000" dirty="0">
+                <a:latin typeface="Arial" panose="020B0604020202020204" pitchFamily="34" charset="0"/>
+                <a:cs typeface="Arial" panose="020B0604020202020204" pitchFamily="34" charset="0"/>
               </a:rPr>
               <a:t> </a:t>
             </a:r>
             <a:r>
-              <a:rPr lang="en-US" dirty="0" err="1" smtClean="0">
-                <a:latin typeface="Calibri" panose="020F0502020204030204" pitchFamily="34" charset="0"/>
-                <a:cs typeface="Calibri" panose="020F0502020204030204" pitchFamily="34" charset="0"/>
+              <a:rPr lang="en-US" sz="2000" dirty="0" err="1" smtClean="0">
+                <a:latin typeface="Arial" panose="020B0604020202020204" pitchFamily="34" charset="0"/>
+                <a:cs typeface="Arial" panose="020B0604020202020204" pitchFamily="34" charset="0"/>
               </a:rPr>
               <a:t>thì</a:t>
             </a:r>
             <a:r>
-              <a:rPr lang="en-US" dirty="0" smtClean="0">
-                <a:latin typeface="Calibri" panose="020F0502020204030204" pitchFamily="34" charset="0"/>
-                <a:cs typeface="Calibri" panose="020F0502020204030204" pitchFamily="34" charset="0"/>
-              </a:rPr>
-              <a:t> </a:t>
-            </a:r>
-            <a:r>
-              <a:rPr lang="en-US" dirty="0" err="1" smtClean="0">
-                <a:latin typeface="Calibri" panose="020F0502020204030204" pitchFamily="34" charset="0"/>
-                <a:cs typeface="Calibri" panose="020F0502020204030204" pitchFamily="34" charset="0"/>
+              <a:rPr lang="en-US" sz="2000" dirty="0" smtClean="0">
+                <a:latin typeface="Arial" panose="020B0604020202020204" pitchFamily="34" charset="0"/>
+                <a:cs typeface="Arial" panose="020B0604020202020204" pitchFamily="34" charset="0"/>
+              </a:rPr>
+              <a:t> </a:t>
+            </a:r>
+            <a:r>
+              <a:rPr lang="en-US" sz="2000" dirty="0" err="1" smtClean="0">
+                <a:latin typeface="Arial" panose="020B0604020202020204" pitchFamily="34" charset="0"/>
+                <a:cs typeface="Arial" panose="020B0604020202020204" pitchFamily="34" charset="0"/>
               </a:rPr>
               <a:t>nhân</a:t>
             </a:r>
             <a:r>
-              <a:rPr lang="en-US" dirty="0" smtClean="0">
-                <a:latin typeface="Calibri" panose="020F0502020204030204" pitchFamily="34" charset="0"/>
-                <a:cs typeface="Calibri" panose="020F0502020204030204" pitchFamily="34" charset="0"/>
-              </a:rPr>
-              <a:t> </a:t>
-            </a:r>
-            <a:r>
-              <a:rPr lang="en-US" dirty="0" err="1" smtClean="0">
-                <a:latin typeface="Calibri" panose="020F0502020204030204" pitchFamily="34" charset="0"/>
-                <a:cs typeface="Calibri" panose="020F0502020204030204" pitchFamily="34" charset="0"/>
+              <a:rPr lang="en-US" sz="2000" dirty="0" smtClean="0">
+                <a:latin typeface="Arial" panose="020B0604020202020204" pitchFamily="34" charset="0"/>
+                <a:cs typeface="Arial" panose="020B0604020202020204" pitchFamily="34" charset="0"/>
+              </a:rPr>
+              <a:t> </a:t>
+            </a:r>
+            <a:r>
+              <a:rPr lang="en-US" sz="2000" dirty="0" err="1" smtClean="0">
+                <a:latin typeface="Arial" panose="020B0604020202020204" pitchFamily="34" charset="0"/>
+                <a:cs typeface="Arial" panose="020B0604020202020204" pitchFamily="34" charset="0"/>
               </a:rPr>
               <a:t>viên</a:t>
             </a:r>
             <a:r>
-              <a:rPr lang="en-US" dirty="0" smtClean="0">
-                <a:latin typeface="Calibri" panose="020F0502020204030204" pitchFamily="34" charset="0"/>
-                <a:cs typeface="Calibri" panose="020F0502020204030204" pitchFamily="34" charset="0"/>
-              </a:rPr>
-              <a:t> </a:t>
-            </a:r>
-            <a:r>
-              <a:rPr lang="en-US" dirty="0" err="1" smtClean="0">
-                <a:latin typeface="Calibri" panose="020F0502020204030204" pitchFamily="34" charset="0"/>
-                <a:cs typeface="Calibri" panose="020F0502020204030204" pitchFamily="34" charset="0"/>
+              <a:rPr lang="en-US" sz="2000" dirty="0" smtClean="0">
+                <a:latin typeface="Arial" panose="020B0604020202020204" pitchFamily="34" charset="0"/>
+                <a:cs typeface="Arial" panose="020B0604020202020204" pitchFamily="34" charset="0"/>
+              </a:rPr>
+              <a:t> </a:t>
+            </a:r>
+            <a:r>
+              <a:rPr lang="en-US" sz="2000" dirty="0" err="1" smtClean="0">
+                <a:latin typeface="Arial" panose="020B0604020202020204" pitchFamily="34" charset="0"/>
+                <a:cs typeface="Arial" panose="020B0604020202020204" pitchFamily="34" charset="0"/>
               </a:rPr>
               <a:t>tương</a:t>
             </a:r>
             <a:r>
-              <a:rPr lang="en-US" dirty="0" smtClean="0">
-                <a:latin typeface="Calibri" panose="020F0502020204030204" pitchFamily="34" charset="0"/>
-                <a:cs typeface="Calibri" panose="020F0502020204030204" pitchFamily="34" charset="0"/>
-              </a:rPr>
-              <a:t> </a:t>
-            </a:r>
-            <a:r>
-              <a:rPr lang="en-US" dirty="0" err="1" smtClean="0">
-                <a:latin typeface="Calibri" panose="020F0502020204030204" pitchFamily="34" charset="0"/>
-                <a:cs typeface="Calibri" panose="020F0502020204030204" pitchFamily="34" charset="0"/>
+              <a:rPr lang="en-US" sz="2000" dirty="0" smtClean="0">
+                <a:latin typeface="Arial" panose="020B0604020202020204" pitchFamily="34" charset="0"/>
+                <a:cs typeface="Arial" panose="020B0604020202020204" pitchFamily="34" charset="0"/>
+              </a:rPr>
+              <a:t> </a:t>
+            </a:r>
+            <a:r>
+              <a:rPr lang="en-US" sz="2000" dirty="0" err="1" smtClean="0">
+                <a:latin typeface="Arial" panose="020B0604020202020204" pitchFamily="34" charset="0"/>
+                <a:cs typeface="Arial" panose="020B0604020202020204" pitchFamily="34" charset="0"/>
               </a:rPr>
               <a:t>ứng</a:t>
             </a:r>
             <a:r>
-              <a:rPr lang="en-US" dirty="0" smtClean="0">
-                <a:latin typeface="Calibri" panose="020F0502020204030204" pitchFamily="34" charset="0"/>
-                <a:cs typeface="Calibri" panose="020F0502020204030204" pitchFamily="34" charset="0"/>
-              </a:rPr>
-              <a:t> </a:t>
-            </a:r>
-            <a:r>
-              <a:rPr lang="en-US" dirty="0" err="1" smtClean="0">
-                <a:latin typeface="Calibri" panose="020F0502020204030204" pitchFamily="34" charset="0"/>
-                <a:cs typeface="Calibri" panose="020F0502020204030204" pitchFamily="34" charset="0"/>
+              <a:rPr lang="en-US" sz="2000" dirty="0" smtClean="0">
+                <a:latin typeface="Arial" panose="020B0604020202020204" pitchFamily="34" charset="0"/>
+                <a:cs typeface="Arial" panose="020B0604020202020204" pitchFamily="34" charset="0"/>
+              </a:rPr>
+              <a:t> </a:t>
+            </a:r>
+            <a:r>
+              <a:rPr lang="en-US" sz="2000" dirty="0" err="1" smtClean="0">
+                <a:latin typeface="Arial" panose="020B0604020202020204" pitchFamily="34" charset="0"/>
+                <a:cs typeface="Arial" panose="020B0604020202020204" pitchFamily="34" charset="0"/>
               </a:rPr>
               <a:t>với</a:t>
             </a:r>
             <a:r>
-              <a:rPr lang="en-US" dirty="0" smtClean="0">
-                <a:latin typeface="Calibri" panose="020F0502020204030204" pitchFamily="34" charset="0"/>
-                <a:cs typeface="Calibri" panose="020F0502020204030204" pitchFamily="34" charset="0"/>
-              </a:rPr>
-              <a:t> </a:t>
-            </a:r>
-            <a:r>
-              <a:rPr lang="en-US" dirty="0" err="1" smtClean="0">
-                <a:latin typeface="Calibri" panose="020F0502020204030204" pitchFamily="34" charset="0"/>
-                <a:cs typeface="Calibri" panose="020F0502020204030204" pitchFamily="34" charset="0"/>
+              <a:rPr lang="en-US" sz="2000" dirty="0" smtClean="0">
+                <a:latin typeface="Arial" panose="020B0604020202020204" pitchFamily="34" charset="0"/>
+                <a:cs typeface="Arial" panose="020B0604020202020204" pitchFamily="34" charset="0"/>
+              </a:rPr>
+              <a:t> </a:t>
+            </a:r>
+            <a:r>
+              <a:rPr lang="en-US" sz="2000" dirty="0" err="1" smtClean="0">
+                <a:latin typeface="Arial" panose="020B0604020202020204" pitchFamily="34" charset="0"/>
+                <a:cs typeface="Arial" panose="020B0604020202020204" pitchFamily="34" charset="0"/>
               </a:rPr>
               <a:t>dòng</a:t>
             </a:r>
             <a:r>
-              <a:rPr lang="en-US" dirty="0" smtClean="0">
-                <a:latin typeface="Calibri" panose="020F0502020204030204" pitchFamily="34" charset="0"/>
-                <a:cs typeface="Calibri" panose="020F0502020204030204" pitchFamily="34" charset="0"/>
-              </a:rPr>
-              <a:t> </a:t>
-            </a:r>
-            <a:r>
-              <a:rPr lang="en-US" dirty="0" err="1" smtClean="0">
-                <a:latin typeface="Calibri" panose="020F0502020204030204" pitchFamily="34" charset="0"/>
-                <a:cs typeface="Calibri" panose="020F0502020204030204" pitchFamily="34" charset="0"/>
+              <a:rPr lang="en-US" sz="2000" dirty="0" smtClean="0">
+                <a:latin typeface="Arial" panose="020B0604020202020204" pitchFamily="34" charset="0"/>
+                <a:cs typeface="Arial" panose="020B0604020202020204" pitchFamily="34" charset="0"/>
+              </a:rPr>
+              <a:t> </a:t>
+            </a:r>
+            <a:r>
+              <a:rPr lang="en-US" sz="2000" dirty="0" err="1" smtClean="0">
+                <a:latin typeface="Arial" panose="020B0604020202020204" pitchFamily="34" charset="0"/>
+                <a:cs typeface="Arial" panose="020B0604020202020204" pitchFamily="34" charset="0"/>
               </a:rPr>
               <a:t>vừa</a:t>
             </a:r>
             <a:r>
-              <a:rPr lang="en-US" dirty="0" smtClean="0">
-                <a:latin typeface="Calibri" panose="020F0502020204030204" pitchFamily="34" charset="0"/>
-                <a:cs typeface="Calibri" panose="020F0502020204030204" pitchFamily="34" charset="0"/>
-              </a:rPr>
-              <a:t> </a:t>
-            </a:r>
-            <a:r>
-              <a:rPr lang="en-US" dirty="0" err="1" smtClean="0">
-                <a:latin typeface="Calibri" panose="020F0502020204030204" pitchFamily="34" charset="0"/>
-                <a:cs typeface="Calibri" panose="020F0502020204030204" pitchFamily="34" charset="0"/>
+              <a:rPr lang="en-US" sz="2000" dirty="0" smtClean="0">
+                <a:latin typeface="Arial" panose="020B0604020202020204" pitchFamily="34" charset="0"/>
+                <a:cs typeface="Arial" panose="020B0604020202020204" pitchFamily="34" charset="0"/>
+              </a:rPr>
+              <a:t> </a:t>
+            </a:r>
+            <a:r>
+              <a:rPr lang="en-US" sz="2000" dirty="0" err="1" smtClean="0">
+                <a:latin typeface="Arial" panose="020B0604020202020204" pitchFamily="34" charset="0"/>
+                <a:cs typeface="Arial" panose="020B0604020202020204" pitchFamily="34" charset="0"/>
               </a:rPr>
               <a:t>nhấn</a:t>
             </a:r>
             <a:r>
-              <a:rPr lang="en-US" dirty="0" smtClean="0">
-                <a:latin typeface="Calibri" panose="020F0502020204030204" pitchFamily="34" charset="0"/>
-                <a:cs typeface="Calibri" panose="020F0502020204030204" pitchFamily="34" charset="0"/>
-              </a:rPr>
-              <a:t> </a:t>
-            </a:r>
-            <a:r>
-              <a:rPr lang="en-US" dirty="0" err="1" smtClean="0">
-                <a:latin typeface="Calibri" panose="020F0502020204030204" pitchFamily="34" charset="0"/>
-                <a:cs typeface="Calibri" panose="020F0502020204030204" pitchFamily="34" charset="0"/>
+              <a:rPr lang="en-US" sz="2000" dirty="0" smtClean="0">
+                <a:latin typeface="Arial" panose="020B0604020202020204" pitchFamily="34" charset="0"/>
+                <a:cs typeface="Arial" panose="020B0604020202020204" pitchFamily="34" charset="0"/>
+              </a:rPr>
+              <a:t> </a:t>
+            </a:r>
+            <a:r>
+              <a:rPr lang="en-US" sz="2000" dirty="0" err="1" smtClean="0">
+                <a:latin typeface="Arial" panose="020B0604020202020204" pitchFamily="34" charset="0"/>
+                <a:cs typeface="Arial" panose="020B0604020202020204" pitchFamily="34" charset="0"/>
               </a:rPr>
               <a:t>sẽ</a:t>
             </a:r>
             <a:r>
-              <a:rPr lang="en-US" dirty="0" smtClean="0">
-                <a:latin typeface="Calibri" panose="020F0502020204030204" pitchFamily="34" charset="0"/>
-                <a:cs typeface="Calibri" panose="020F0502020204030204" pitchFamily="34" charset="0"/>
-              </a:rPr>
-              <a:t> </a:t>
-            </a:r>
-            <a:r>
-              <a:rPr lang="en-US" dirty="0" err="1" smtClean="0">
-                <a:latin typeface="Calibri" panose="020F0502020204030204" pitchFamily="34" charset="0"/>
-                <a:cs typeface="Calibri" panose="020F0502020204030204" pitchFamily="34" charset="0"/>
+              <a:rPr lang="en-US" sz="2000" dirty="0" smtClean="0">
+                <a:latin typeface="Arial" panose="020B0604020202020204" pitchFamily="34" charset="0"/>
+                <a:cs typeface="Arial" panose="020B0604020202020204" pitchFamily="34" charset="0"/>
+              </a:rPr>
+              <a:t> </a:t>
+            </a:r>
+            <a:r>
+              <a:rPr lang="en-US" sz="2000" dirty="0" err="1" smtClean="0">
+                <a:latin typeface="Arial" panose="020B0604020202020204" pitchFamily="34" charset="0"/>
+                <a:cs typeface="Arial" panose="020B0604020202020204" pitchFamily="34" charset="0"/>
               </a:rPr>
               <a:t>được</a:t>
             </a:r>
             <a:r>
-              <a:rPr lang="en-US" dirty="0" smtClean="0">
-                <a:latin typeface="Calibri" panose="020F0502020204030204" pitchFamily="34" charset="0"/>
-                <a:cs typeface="Calibri" panose="020F0502020204030204" pitchFamily="34" charset="0"/>
-              </a:rPr>
-              <a:t> </a:t>
-            </a:r>
-            <a:r>
-              <a:rPr lang="en-US" dirty="0" err="1" smtClean="0">
-                <a:latin typeface="Calibri" panose="020F0502020204030204" pitchFamily="34" charset="0"/>
-                <a:cs typeface="Calibri" panose="020F0502020204030204" pitchFamily="34" charset="0"/>
+              <a:rPr lang="en-US" sz="2000" dirty="0" smtClean="0">
+                <a:latin typeface="Arial" panose="020B0604020202020204" pitchFamily="34" charset="0"/>
+                <a:cs typeface="Arial" panose="020B0604020202020204" pitchFamily="34" charset="0"/>
+              </a:rPr>
+              <a:t> </a:t>
+            </a:r>
+            <a:r>
+              <a:rPr lang="en-US" sz="2000" dirty="0" err="1" smtClean="0">
+                <a:latin typeface="Arial" panose="020B0604020202020204" pitchFamily="34" charset="0"/>
+                <a:cs typeface="Arial" panose="020B0604020202020204" pitchFamily="34" charset="0"/>
               </a:rPr>
               <a:t>xóa</a:t>
             </a:r>
             <a:r>
-              <a:rPr lang="en-US" dirty="0" smtClean="0">
-                <a:latin typeface="Calibri" panose="020F0502020204030204" pitchFamily="34" charset="0"/>
-                <a:cs typeface="Calibri" panose="020F0502020204030204" pitchFamily="34" charset="0"/>
-              </a:rPr>
-              <a:t> </a:t>
-            </a:r>
-            <a:r>
-              <a:rPr lang="en-US" dirty="0" err="1" smtClean="0">
-                <a:latin typeface="Calibri" panose="020F0502020204030204" pitchFamily="34" charset="0"/>
-                <a:cs typeface="Calibri" panose="020F0502020204030204" pitchFamily="34" charset="0"/>
+              <a:rPr lang="en-US" sz="2000" dirty="0" smtClean="0">
+                <a:latin typeface="Arial" panose="020B0604020202020204" pitchFamily="34" charset="0"/>
+                <a:cs typeface="Arial" panose="020B0604020202020204" pitchFamily="34" charset="0"/>
+              </a:rPr>
+              <a:t> </a:t>
+            </a:r>
+            <a:r>
+              <a:rPr lang="en-US" sz="2000" dirty="0" err="1" smtClean="0">
+                <a:latin typeface="Arial" panose="020B0604020202020204" pitchFamily="34" charset="0"/>
+                <a:cs typeface="Arial" panose="020B0604020202020204" pitchFamily="34" charset="0"/>
               </a:rPr>
               <a:t>và</a:t>
             </a:r>
             <a:r>
-              <a:rPr lang="en-US" dirty="0" smtClean="0">
-                <a:latin typeface="Calibri" panose="020F0502020204030204" pitchFamily="34" charset="0"/>
-                <a:cs typeface="Calibri" panose="020F0502020204030204" pitchFamily="34" charset="0"/>
-              </a:rPr>
-              <a:t> </a:t>
-            </a:r>
-            <a:r>
-              <a:rPr lang="en-US" dirty="0" err="1" smtClean="0">
-                <a:latin typeface="Calibri" panose="020F0502020204030204" pitchFamily="34" charset="0"/>
-                <a:cs typeface="Calibri" panose="020F0502020204030204" pitchFamily="34" charset="0"/>
+              <a:rPr lang="en-US" sz="2000" dirty="0" smtClean="0">
+                <a:latin typeface="Arial" panose="020B0604020202020204" pitchFamily="34" charset="0"/>
+                <a:cs typeface="Arial" panose="020B0604020202020204" pitchFamily="34" charset="0"/>
+              </a:rPr>
+              <a:t> </a:t>
+            </a:r>
+            <a:r>
+              <a:rPr lang="en-US" sz="2000" dirty="0" err="1" smtClean="0">
+                <a:latin typeface="Arial" panose="020B0604020202020204" pitchFamily="34" charset="0"/>
+                <a:cs typeface="Arial" panose="020B0604020202020204" pitchFamily="34" charset="0"/>
               </a:rPr>
               <a:t>trang</a:t>
             </a:r>
             <a:r>
-              <a:rPr lang="en-US" dirty="0" smtClean="0">
-                <a:latin typeface="Calibri" panose="020F0502020204030204" pitchFamily="34" charset="0"/>
-                <a:cs typeface="Calibri" panose="020F0502020204030204" pitchFamily="34" charset="0"/>
-              </a:rPr>
-              <a:t> </a:t>
-            </a:r>
-            <a:r>
-              <a:rPr lang="en-US" dirty="0" err="1" smtClean="0">
-                <a:latin typeface="Calibri" panose="020F0502020204030204" pitchFamily="34" charset="0"/>
-                <a:cs typeface="Calibri" panose="020F0502020204030204" pitchFamily="34" charset="0"/>
+              <a:rPr lang="en-US" sz="2000" dirty="0" smtClean="0">
+                <a:latin typeface="Arial" panose="020B0604020202020204" pitchFamily="34" charset="0"/>
+                <a:cs typeface="Arial" panose="020B0604020202020204" pitchFamily="34" charset="0"/>
+              </a:rPr>
+              <a:t> </a:t>
+            </a:r>
+            <a:r>
+              <a:rPr lang="en-US" sz="2000" dirty="0" err="1" smtClean="0">
+                <a:latin typeface="Arial" panose="020B0604020202020204" pitchFamily="34" charset="0"/>
+                <a:cs typeface="Arial" panose="020B0604020202020204" pitchFamily="34" charset="0"/>
               </a:rPr>
               <a:t>sẽ</a:t>
             </a:r>
             <a:r>
-              <a:rPr lang="en-US" dirty="0" smtClean="0">
-                <a:latin typeface="Calibri" panose="020F0502020204030204" pitchFamily="34" charset="0"/>
-                <a:cs typeface="Calibri" panose="020F0502020204030204" pitchFamily="34" charset="0"/>
-              </a:rPr>
-              <a:t> </a:t>
-            </a:r>
-            <a:r>
-              <a:rPr lang="en-US" dirty="0" err="1" smtClean="0">
-                <a:latin typeface="Calibri" panose="020F0502020204030204" pitchFamily="34" charset="0"/>
-                <a:cs typeface="Calibri" panose="020F0502020204030204" pitchFamily="34" charset="0"/>
+              <a:rPr lang="en-US" sz="2000" dirty="0" smtClean="0">
+                <a:latin typeface="Arial" panose="020B0604020202020204" pitchFamily="34" charset="0"/>
+                <a:cs typeface="Arial" panose="020B0604020202020204" pitchFamily="34" charset="0"/>
+              </a:rPr>
+              <a:t> </a:t>
+            </a:r>
+            <a:r>
+              <a:rPr lang="en-US" sz="2000" dirty="0" err="1" smtClean="0">
+                <a:latin typeface="Arial" panose="020B0604020202020204" pitchFamily="34" charset="0"/>
+                <a:cs typeface="Arial" panose="020B0604020202020204" pitchFamily="34" charset="0"/>
               </a:rPr>
               <a:t>được</a:t>
             </a:r>
             <a:r>
-              <a:rPr lang="en-US" dirty="0" smtClean="0">
-                <a:latin typeface="Calibri" panose="020F0502020204030204" pitchFamily="34" charset="0"/>
-                <a:cs typeface="Calibri" panose="020F0502020204030204" pitchFamily="34" charset="0"/>
+              <a:rPr lang="en-US" sz="2000" dirty="0" smtClean="0">
+                <a:latin typeface="Arial" panose="020B0604020202020204" pitchFamily="34" charset="0"/>
+                <a:cs typeface="Arial" panose="020B0604020202020204" pitchFamily="34" charset="0"/>
               </a:rPr>
               <a:t> reload </a:t>
             </a:r>
             <a:r>
-              <a:rPr lang="en-US" dirty="0" err="1" smtClean="0">
-                <a:latin typeface="Calibri" panose="020F0502020204030204" pitchFamily="34" charset="0"/>
-                <a:cs typeface="Calibri" panose="020F0502020204030204" pitchFamily="34" charset="0"/>
+              <a:rPr lang="en-US" sz="2000" dirty="0" err="1" smtClean="0">
+                <a:latin typeface="Arial" panose="020B0604020202020204" pitchFamily="34" charset="0"/>
+                <a:cs typeface="Arial" panose="020B0604020202020204" pitchFamily="34" charset="0"/>
               </a:rPr>
               <a:t>lại</a:t>
             </a:r>
             <a:r>
-              <a:rPr lang="en-US" dirty="0" smtClean="0">
-                <a:latin typeface="Calibri" panose="020F0502020204030204" pitchFamily="34" charset="0"/>
-                <a:cs typeface="Calibri" panose="020F0502020204030204" pitchFamily="34" charset="0"/>
+              <a:rPr lang="en-US" sz="2000" dirty="0" smtClean="0">
+                <a:latin typeface="Arial" panose="020B0604020202020204" pitchFamily="34" charset="0"/>
+                <a:cs typeface="Arial" panose="020B0604020202020204" pitchFamily="34" charset="0"/>
               </a:rPr>
               <a:t>.</a:t>
             </a:r>
-            <a:endParaRPr lang="en-US" dirty="0">
-              <a:latin typeface="Calibri" panose="020F0502020204030204" pitchFamily="34" charset="0"/>
-              <a:cs typeface="Calibri" panose="020F0502020204030204" pitchFamily="34" charset="0"/>
+            <a:endParaRPr lang="en-US" sz="2000" dirty="0">
+              <a:latin typeface="Arial" panose="020B0604020202020204" pitchFamily="34" charset="0"/>
+              <a:cs typeface="Arial" panose="020B0604020202020204" pitchFamily="34" charset="0"/>
             </a:endParaRPr>
           </a:p>
         </p:txBody>
@@ -11829,6 +12203,145 @@
           </a:p>
         </p:txBody>
       </p:sp>
+      <p:pic>
+        <p:nvPicPr>
+          <p:cNvPr id="6" name="Picture 2" descr="Hibernate Framework Tutorials"/>
+          <p:cNvPicPr>
+            <a:picLocks noChangeAspect="1" noChangeArrowheads="1"/>
+          </p:cNvPicPr>
+          <p:nvPr/>
+        </p:nvPicPr>
+        <p:blipFill>
+          <a:blip r:embed="rId3" cstate="print">
+            <a:extLst>
+              <a:ext uri="{28A0092B-C50C-407E-A947-70E740481C1C}">
+                <a14:useLocalDpi xmlns:a14="http://schemas.microsoft.com/office/drawing/2010/main" val="0"/>
+              </a:ext>
+            </a:extLst>
+          </a:blip>
+          <a:srcRect/>
+          <a:stretch>
+            <a:fillRect/>
+          </a:stretch>
+        </p:blipFill>
+        <p:spPr bwMode="auto">
+          <a:xfrm>
+            <a:off x="10996550" y="5739675"/>
+            <a:ext cx="1195450" cy="1118325"/>
+          </a:xfrm>
+          <a:prstGeom prst="rect">
+            <a:avLst/>
+          </a:prstGeom>
+          <a:noFill/>
+          <a:extLst>
+            <a:ext uri="{909E8E84-426E-40DD-AFC4-6F175D3DCCD1}">
+              <a14:hiddenFill xmlns:a14="http://schemas.microsoft.com/office/drawing/2010/main">
+                <a:solidFill>
+                  <a:srgbClr val="FFFFFF"/>
+                </a:solidFill>
+              </a14:hiddenFill>
+            </a:ext>
+          </a:extLst>
+        </p:spPr>
+      </p:pic>
+      <p:sp>
+        <p:nvSpPr>
+          <p:cNvPr id="2" name="TextBox 1"/>
+          <p:cNvSpPr txBox="1"/>
+          <p:nvPr/>
+        </p:nvSpPr>
+        <p:spPr>
+          <a:xfrm>
+            <a:off x="562312" y="525201"/>
+            <a:ext cx="7173017" cy="1292662"/>
+          </a:xfrm>
+          <a:prstGeom prst="rect">
+            <a:avLst/>
+          </a:prstGeom>
+          <a:noFill/>
+        </p:spPr>
+        <p:txBody>
+          <a:bodyPr wrap="square" rtlCol="0">
+            <a:spAutoFit/>
+          </a:bodyPr>
+          <a:lstStyle/>
+          <a:p>
+            <a:r>
+              <a:rPr lang="en-US" sz="3200" b="1" dirty="0" smtClean="0">
+                <a:latin typeface="Times New Roman" panose="02020603050405020304" pitchFamily="18" charset="0"/>
+                <a:cs typeface="Times New Roman" panose="02020603050405020304" pitchFamily="18" charset="0"/>
+              </a:rPr>
+              <a:t>7. </a:t>
+            </a:r>
+            <a:r>
+              <a:rPr lang="en-US" sz="3200" b="1" dirty="0" err="1" smtClean="0">
+                <a:latin typeface="Times New Roman" panose="02020603050405020304" pitchFamily="18" charset="0"/>
+                <a:cs typeface="Times New Roman" panose="02020603050405020304" pitchFamily="18" charset="0"/>
+              </a:rPr>
+              <a:t>Tài</a:t>
+            </a:r>
+            <a:r>
+              <a:rPr lang="en-US" sz="3200" b="1" dirty="0" smtClean="0">
+                <a:latin typeface="Times New Roman" panose="02020603050405020304" pitchFamily="18" charset="0"/>
+                <a:cs typeface="Times New Roman" panose="02020603050405020304" pitchFamily="18" charset="0"/>
+              </a:rPr>
+              <a:t> </a:t>
+            </a:r>
+            <a:r>
+              <a:rPr lang="en-US" sz="3200" b="1" dirty="0" err="1" smtClean="0">
+                <a:latin typeface="Times New Roman" panose="02020603050405020304" pitchFamily="18" charset="0"/>
+                <a:cs typeface="Times New Roman" panose="02020603050405020304" pitchFamily="18" charset="0"/>
+              </a:rPr>
+              <a:t>liệu</a:t>
+            </a:r>
+            <a:r>
+              <a:rPr lang="en-US" sz="3200" b="1" dirty="0" smtClean="0">
+                <a:latin typeface="Times New Roman" panose="02020603050405020304" pitchFamily="18" charset="0"/>
+                <a:cs typeface="Times New Roman" panose="02020603050405020304" pitchFamily="18" charset="0"/>
+              </a:rPr>
+              <a:t> </a:t>
+            </a:r>
+            <a:r>
+              <a:rPr lang="en-US" sz="3200" b="1" dirty="0" err="1" smtClean="0">
+                <a:latin typeface="Times New Roman" panose="02020603050405020304" pitchFamily="18" charset="0"/>
+                <a:cs typeface="Times New Roman" panose="02020603050405020304" pitchFamily="18" charset="0"/>
+              </a:rPr>
+              <a:t>tham</a:t>
+            </a:r>
+            <a:r>
+              <a:rPr lang="en-US" sz="3200" b="1" dirty="0" smtClean="0">
+                <a:latin typeface="Times New Roman" panose="02020603050405020304" pitchFamily="18" charset="0"/>
+                <a:cs typeface="Times New Roman" panose="02020603050405020304" pitchFamily="18" charset="0"/>
+              </a:rPr>
+              <a:t> </a:t>
+            </a:r>
+            <a:r>
+              <a:rPr lang="en-US" sz="3200" b="1" dirty="0" err="1" smtClean="0">
+                <a:latin typeface="Times New Roman" panose="02020603050405020304" pitchFamily="18" charset="0"/>
+                <a:cs typeface="Times New Roman" panose="02020603050405020304" pitchFamily="18" charset="0"/>
+              </a:rPr>
+              <a:t>khảo</a:t>
+            </a:r>
+            <a:endParaRPr lang="en-US" sz="3200" b="1" dirty="0">
+              <a:latin typeface="Times New Roman" panose="02020603050405020304" pitchFamily="18" charset="0"/>
+              <a:cs typeface="Times New Roman" panose="02020603050405020304" pitchFamily="18" charset="0"/>
+            </a:endParaRPr>
+          </a:p>
+          <a:p>
+            <a:r>
+              <a:rPr lang="en-US" sz="2400" dirty="0"/>
+              <a:t/>
+            </a:r>
+            <a:br>
+              <a:rPr lang="en-US" sz="2400" dirty="0"/>
+            </a:br>
+            <a:endParaRPr lang="en-US" sz="2200" b="1" dirty="0">
+              <a:latin typeface="Times New Roman" panose="02020603050405020304" pitchFamily="18" charset="0"/>
+              <a:cs typeface="Times New Roman" panose="02020603050405020304" pitchFamily="18" charset="0"/>
+            </a:endParaRPr>
+          </a:p>
+        </p:txBody>
+      </p:sp>
       <p:sp>
         <p:nvSpPr>
           <p:cNvPr id="4" name="TextBox 3"/>
@@ -11837,7 +12350,238 @@
         </p:nvSpPr>
         <p:spPr>
           <a:xfrm>
-            <a:off x="1643449" y="2150076"/>
+            <a:off x="852616" y="1694752"/>
+            <a:ext cx="8427308" cy="2339102"/>
+          </a:xfrm>
+          <a:prstGeom prst="rect">
+            <a:avLst/>
+          </a:prstGeom>
+          <a:noFill/>
+        </p:spPr>
+        <p:txBody>
+          <a:bodyPr wrap="square" rtlCol="0">
+            <a:spAutoFit/>
+          </a:bodyPr>
+          <a:lstStyle/>
+          <a:p>
+            <a:r>
+              <a:rPr lang="en-US" dirty="0">
+                <a:hlinkClick r:id="rId4"/>
+              </a:rPr>
+              <a:t>https://</a:t>
+            </a:r>
+            <a:r>
+              <a:rPr lang="en-US" dirty="0" smtClean="0">
+                <a:hlinkClick r:id="rId4"/>
+              </a:rPr>
+              <a:t>www.javaguides.net/2019/03/jsp-servlet-hibernate-crud-example.html</a:t>
+            </a:r>
+            <a:endParaRPr lang="en-US" dirty="0" smtClean="0"/>
+          </a:p>
+          <a:p>
+            <a:r>
+              <a:rPr lang="en-US" dirty="0">
+                <a:hlinkClick r:id="rId5"/>
+              </a:rPr>
+              <a:t>https://gpcoder.com/6327-cai-dat-va-su-dung-hibernate</a:t>
+            </a:r>
+            <a:r>
+              <a:rPr lang="en-US" dirty="0" smtClean="0">
+                <a:hlinkClick r:id="rId5"/>
+              </a:rPr>
+              <a:t>/</a:t>
+            </a:r>
+            <a:endParaRPr lang="en-US" dirty="0" smtClean="0"/>
+          </a:p>
+          <a:p>
+            <a:r>
+              <a:rPr lang="en-US" dirty="0">
+                <a:hlinkClick r:id="rId6"/>
+              </a:rPr>
+              <a:t>https://gpcoder.com/6300-gioi-thieu-ve-hibernate/#</a:t>
+            </a:r>
+            <a:r>
+              <a:rPr lang="en-US" dirty="0" smtClean="0">
+                <a:hlinkClick r:id="rId6"/>
+              </a:rPr>
+              <a:t>Database</a:t>
+            </a:r>
+            <a:endParaRPr lang="en-US" dirty="0" smtClean="0"/>
+          </a:p>
+          <a:p>
+            <a:endParaRPr lang="en-US" dirty="0"/>
+          </a:p>
+          <a:p>
+            <a:r>
+              <a:rPr lang="en-US" sz="2000" dirty="0" smtClean="0">
+                <a:latin typeface="Arial" panose="020B0604020202020204" pitchFamily="34" charset="0"/>
+                <a:cs typeface="Arial" panose="020B0604020202020204" pitchFamily="34" charset="0"/>
+              </a:rPr>
+              <a:t>Link </a:t>
+            </a:r>
+            <a:r>
+              <a:rPr lang="en-US" sz="2000" dirty="0" err="1" smtClean="0">
+                <a:latin typeface="Arial" panose="020B0604020202020204" pitchFamily="34" charset="0"/>
+                <a:cs typeface="Arial" panose="020B0604020202020204" pitchFamily="34" charset="0"/>
+              </a:rPr>
+              <a:t>github</a:t>
+            </a:r>
+            <a:r>
+              <a:rPr lang="en-US" sz="2000" dirty="0" smtClean="0">
+                <a:latin typeface="Arial" panose="020B0604020202020204" pitchFamily="34" charset="0"/>
+                <a:cs typeface="Arial" panose="020B0604020202020204" pitchFamily="34" charset="0"/>
+              </a:rPr>
+              <a:t>:</a:t>
+            </a:r>
+          </a:p>
+          <a:p>
+            <a:r>
+              <a:rPr lang="en-US" dirty="0">
+                <a:hlinkClick r:id="rId7"/>
+              </a:rPr>
+              <a:t>https://</a:t>
+            </a:r>
+            <a:r>
+              <a:rPr lang="en-US" dirty="0" smtClean="0">
+                <a:hlinkClick r:id="rId7"/>
+              </a:rPr>
+              <a:t>github.com/Dia2001/jsp-servlet-hibernate-mysql-curd</a:t>
+            </a:r>
+            <a:endParaRPr lang="en-US" dirty="0" smtClean="0"/>
+          </a:p>
+          <a:p>
+            <a:endParaRPr lang="en-US" dirty="0" smtClean="0"/>
+          </a:p>
+          <a:p>
+            <a:endParaRPr lang="en-US" dirty="0"/>
+          </a:p>
+        </p:txBody>
+      </p:sp>
+    </p:spTree>
+    <p:extLst>
+      <p:ext uri="{BB962C8B-B14F-4D97-AF65-F5344CB8AC3E}">
+        <p14:creationId xmlns:p14="http://schemas.microsoft.com/office/powerpoint/2010/main" val="1974123706"/>
+      </p:ext>
+    </p:extLst>
+  </p:cSld>
+  <p:clrMapOvr>
+    <a:masterClrMapping/>
+  </p:clrMapOvr>
+  <p:timing>
+    <p:tnLst>
+      <p:par>
+        <p:cTn id="1" dur="indefinite" restart="never" nodeType="tmRoot"/>
+      </p:par>
+    </p:tnLst>
+  </p:timing>
+</p:sld>
+</file>
+
+<file path=ppt/slides/slide24.xml><?xml version="1.0" encoding="utf-8"?>
+<p:sld xmlns:a="http://schemas.openxmlformats.org/drawingml/2006/main" xmlns:r="http://schemas.openxmlformats.org/officeDocument/2006/relationships" xmlns:p="http://schemas.openxmlformats.org/presentationml/2006/main">
+  <p:cSld>
+    <p:spTree>
+      <p:nvGrpSpPr>
+        <p:cNvPr id="1" name=""/>
+        <p:cNvGrpSpPr/>
+        <p:nvPr/>
+      </p:nvGrpSpPr>
+      <p:grpSpPr>
+        <a:xfrm>
+          <a:off x="0" y="0"/>
+          <a:ext cx="0" cy="0"/>
+          <a:chOff x="0" y="0"/>
+          <a:chExt cx="0" cy="0"/>
+        </a:xfrm>
+      </p:grpSpPr>
+      <p:sp>
+        <p:nvSpPr>
+          <p:cNvPr id="5" name="AutoShape 4" descr="Sử dụng Framework Hibernate trong Java Web Application"/>
+          <p:cNvSpPr>
+            <a:spLocks noChangeAspect="1" noChangeArrowheads="1"/>
+          </p:cNvSpPr>
+          <p:nvPr/>
+        </p:nvSpPr>
+        <p:spPr bwMode="auto">
+          <a:xfrm>
+            <a:off x="155575" y="-144463"/>
+            <a:ext cx="304800" cy="304801"/>
+          </a:xfrm>
+          <a:prstGeom prst="rect">
+            <a:avLst/>
+          </a:prstGeom>
+          <a:noFill/>
+          <a:extLst>
+            <a:ext uri="{909E8E84-426E-40DD-AFC4-6F175D3DCCD1}">
+              <a14:hiddenFill xmlns:a14="http://schemas.microsoft.com/office/drawing/2010/main">
+                <a:solidFill>
+                  <a:srgbClr val="FFFFFF"/>
+                </a:solidFill>
+              </a14:hiddenFill>
+            </a:ext>
+          </a:extLst>
+        </p:spPr>
+        <p:txBody>
+          <a:bodyPr vert="horz" wrap="square" lIns="91440" tIns="45720" rIns="91440" bIns="45720" numCol="1" anchor="t" anchorCtr="0" compatLnSpc="1">
+            <a:prstTxWarp prst="textNoShape">
+              <a:avLst/>
+            </a:prstTxWarp>
+          </a:bodyPr>
+          <a:lstStyle/>
+          <a:p>
+            <a:endParaRPr lang="en-US"/>
+          </a:p>
+        </p:txBody>
+      </p:sp>
+      <p:sp>
+        <p:nvSpPr>
+          <p:cNvPr id="8" name="TextBox 7"/>
+          <p:cNvSpPr txBox="1"/>
+          <p:nvPr/>
+        </p:nvSpPr>
+        <p:spPr>
+          <a:xfrm>
+            <a:off x="-2101932" y="580741"/>
+            <a:ext cx="10880044" cy="646331"/>
+          </a:xfrm>
+          <a:prstGeom prst="rect">
+            <a:avLst/>
+          </a:prstGeom>
+          <a:noFill/>
+        </p:spPr>
+        <p:txBody>
+          <a:bodyPr wrap="square" rtlCol="0">
+            <a:spAutoFit/>
+          </a:bodyPr>
+          <a:lstStyle/>
+          <a:p>
+            <a:r>
+              <a:rPr lang="vi-VN" dirty="0">
+                <a:hlinkClick r:id="rId2"/>
+              </a:rPr>
+              <a:t/>
+            </a:r>
+            <a:br>
+              <a:rPr lang="vi-VN" dirty="0">
+                <a:hlinkClick r:id="rId2"/>
+              </a:rPr>
+            </a:br>
+            <a:endParaRPr lang="en-US" dirty="0">
+              <a:latin typeface="Arial" panose="020B0604020202020204" pitchFamily="34" charset="0"/>
+              <a:cs typeface="Arial" panose="020B0604020202020204" pitchFamily="34" charset="0"/>
+            </a:endParaRPr>
+          </a:p>
+        </p:txBody>
+      </p:sp>
+      <p:sp>
+        <p:nvSpPr>
+          <p:cNvPr id="4" name="TextBox 3"/>
+          <p:cNvSpPr txBox="1"/>
+          <p:nvPr/>
+        </p:nvSpPr>
+        <p:spPr>
+          <a:xfrm>
+            <a:off x="1556952" y="1964725"/>
             <a:ext cx="10169610" cy="1938992"/>
           </a:xfrm>
           <a:prstGeom prst="rect">
@@ -13823,7 +14567,7 @@
         </p:nvSpPr>
         <p:spPr>
           <a:xfrm>
-            <a:off x="760021" y="712521"/>
+            <a:off x="460375" y="61381"/>
             <a:ext cx="11079678" cy="677108"/>
           </a:xfrm>
           <a:prstGeom prst="rect">
@@ -14048,8 +14792,8 @@
         </p:nvSpPr>
         <p:spPr>
           <a:xfrm>
-            <a:off x="760020" y="1647475"/>
-            <a:ext cx="3960261" cy="430887"/>
+            <a:off x="460375" y="866504"/>
+            <a:ext cx="5801418" cy="584775"/>
           </a:xfrm>
           <a:prstGeom prst="rect">
             <a:avLst/>
@@ -14063,13 +14807,13 @@
           <a:lstStyle/>
           <a:p>
             <a:r>
-              <a:rPr lang="en-US" sz="2200" b="1" dirty="0" smtClean="0">
+              <a:rPr lang="en-US" sz="3200" b="1" dirty="0" smtClean="0">
                 <a:latin typeface="Times New Roman" panose="02020603050405020304" pitchFamily="18" charset="0"/>
                 <a:cs typeface="Times New Roman" panose="02020603050405020304" pitchFamily="18" charset="0"/>
               </a:rPr>
               <a:t>1. Setup database with MySQL</a:t>
             </a:r>
-            <a:endParaRPr lang="en-US" sz="2200" b="1" dirty="0">
+            <a:endParaRPr lang="en-US" sz="3200" b="1" dirty="0">
               <a:latin typeface="Times New Roman" panose="02020603050405020304" pitchFamily="18" charset="0"/>
               <a:cs typeface="Times New Roman" panose="02020603050405020304" pitchFamily="18" charset="0"/>
             </a:endParaRPr>
@@ -14126,7 +14870,7 @@
         <p:spPr>
           <a:xfrm>
             <a:off x="7722973" y="2755763"/>
-            <a:ext cx="4469027" cy="1477328"/>
+            <a:ext cx="4469027" cy="1938992"/>
           </a:xfrm>
           <a:prstGeom prst="rect">
             <a:avLst/>
@@ -14144,182 +14888,182 @@
               <a:buChar char="–"/>
             </a:pPr>
             <a:r>
-              <a:rPr lang="en-US" dirty="0" err="1" smtClean="0">
+              <a:rPr lang="en-US" sz="2000" dirty="0" err="1" smtClean="0">
                 <a:latin typeface="Arial" panose="020B0604020202020204" pitchFamily="34" charset="0"/>
                 <a:cs typeface="Arial" panose="020B0604020202020204" pitchFamily="34" charset="0"/>
               </a:rPr>
               <a:t>Có</a:t>
             </a:r>
             <a:r>
-              <a:rPr lang="en-US" dirty="0" smtClean="0">
-                <a:latin typeface="Arial" panose="020B0604020202020204" pitchFamily="34" charset="0"/>
-                <a:cs typeface="Arial" panose="020B0604020202020204" pitchFamily="34" charset="0"/>
-              </a:rPr>
-              <a:t> </a:t>
-            </a:r>
-            <a:r>
-              <a:rPr lang="en-US" dirty="0" err="1" smtClean="0">
+              <a:rPr lang="en-US" sz="2000" dirty="0" smtClean="0">
+                <a:latin typeface="Arial" panose="020B0604020202020204" pitchFamily="34" charset="0"/>
+                <a:cs typeface="Arial" panose="020B0604020202020204" pitchFamily="34" charset="0"/>
+              </a:rPr>
+              <a:t> </a:t>
+            </a:r>
+            <a:r>
+              <a:rPr lang="en-US" sz="2000" dirty="0" err="1" smtClean="0">
                 <a:latin typeface="Arial" panose="020B0604020202020204" pitchFamily="34" charset="0"/>
                 <a:cs typeface="Arial" panose="020B0604020202020204" pitchFamily="34" charset="0"/>
               </a:rPr>
               <a:t>thể</a:t>
             </a:r>
             <a:r>
-              <a:rPr lang="en-US" dirty="0" smtClean="0">
-                <a:latin typeface="Arial" panose="020B0604020202020204" pitchFamily="34" charset="0"/>
-                <a:cs typeface="Arial" panose="020B0604020202020204" pitchFamily="34" charset="0"/>
-              </a:rPr>
-              <a:t> </a:t>
-            </a:r>
-            <a:r>
-              <a:rPr lang="en-US" dirty="0" err="1" smtClean="0">
+              <a:rPr lang="en-US" sz="2000" dirty="0" smtClean="0">
+                <a:latin typeface="Arial" panose="020B0604020202020204" pitchFamily="34" charset="0"/>
+                <a:cs typeface="Arial" panose="020B0604020202020204" pitchFamily="34" charset="0"/>
+              </a:rPr>
+              <a:t> </a:t>
+            </a:r>
+            <a:r>
+              <a:rPr lang="en-US" sz="2000" dirty="0" err="1" smtClean="0">
                 <a:latin typeface="Arial" panose="020B0604020202020204" pitchFamily="34" charset="0"/>
                 <a:cs typeface="Arial" panose="020B0604020202020204" pitchFamily="34" charset="0"/>
               </a:rPr>
               <a:t>tạo</a:t>
             </a:r>
             <a:r>
-              <a:rPr lang="en-US" dirty="0" smtClean="0">
-                <a:latin typeface="Arial" panose="020B0604020202020204" pitchFamily="34" charset="0"/>
-                <a:cs typeface="Arial" panose="020B0604020202020204" pitchFamily="34" charset="0"/>
-              </a:rPr>
-              <a:t> </a:t>
-            </a:r>
-            <a:r>
-              <a:rPr lang="en-US" dirty="0" err="1" smtClean="0">
+              <a:rPr lang="en-US" sz="2000" dirty="0" smtClean="0">
+                <a:latin typeface="Arial" panose="020B0604020202020204" pitchFamily="34" charset="0"/>
+                <a:cs typeface="Arial" panose="020B0604020202020204" pitchFamily="34" charset="0"/>
+              </a:rPr>
+              <a:t> </a:t>
+            </a:r>
+            <a:r>
+              <a:rPr lang="en-US" sz="2000" dirty="0" err="1" smtClean="0">
                 <a:latin typeface="Arial" panose="020B0604020202020204" pitchFamily="34" charset="0"/>
                 <a:cs typeface="Arial" panose="020B0604020202020204" pitchFamily="34" charset="0"/>
               </a:rPr>
               <a:t>hoặc</a:t>
             </a:r>
             <a:r>
-              <a:rPr lang="en-US" dirty="0" smtClean="0">
-                <a:latin typeface="Arial" panose="020B0604020202020204" pitchFamily="34" charset="0"/>
-                <a:cs typeface="Arial" panose="020B0604020202020204" pitchFamily="34" charset="0"/>
-              </a:rPr>
-              <a:t> </a:t>
-            </a:r>
-            <a:r>
-              <a:rPr lang="en-US" dirty="0" err="1" smtClean="0">
+              <a:rPr lang="en-US" sz="2000" dirty="0" smtClean="0">
+                <a:latin typeface="Arial" panose="020B0604020202020204" pitchFamily="34" charset="0"/>
+                <a:cs typeface="Arial" panose="020B0604020202020204" pitchFamily="34" charset="0"/>
+              </a:rPr>
+              <a:t> </a:t>
+            </a:r>
+            <a:r>
+              <a:rPr lang="en-US" sz="2000" dirty="0" err="1" smtClean="0">
                 <a:latin typeface="Arial" panose="020B0604020202020204" pitchFamily="34" charset="0"/>
                 <a:cs typeface="Arial" panose="020B0604020202020204" pitchFamily="34" charset="0"/>
               </a:rPr>
               <a:t>dùng</a:t>
             </a:r>
             <a:r>
-              <a:rPr lang="en-US" dirty="0" smtClean="0">
+              <a:rPr lang="en-US" sz="2000" dirty="0" smtClean="0">
                 <a:latin typeface="Arial" panose="020B0604020202020204" pitchFamily="34" charset="0"/>
                 <a:cs typeface="Arial" panose="020B0604020202020204" pitchFamily="34" charset="0"/>
               </a:rPr>
               <a:t> file backup </a:t>
             </a:r>
             <a:r>
-              <a:rPr lang="en-US" dirty="0" err="1" smtClean="0">
+              <a:rPr lang="en-US" sz="2000" dirty="0" err="1" smtClean="0">
                 <a:latin typeface="Arial" panose="020B0604020202020204" pitchFamily="34" charset="0"/>
                 <a:cs typeface="Arial" panose="020B0604020202020204" pitchFamily="34" charset="0"/>
               </a:rPr>
               <a:t>đã</a:t>
             </a:r>
             <a:r>
-              <a:rPr lang="en-US" dirty="0" smtClean="0">
-                <a:latin typeface="Arial" panose="020B0604020202020204" pitchFamily="34" charset="0"/>
-                <a:cs typeface="Arial" panose="020B0604020202020204" pitchFamily="34" charset="0"/>
-              </a:rPr>
-              <a:t> </a:t>
-            </a:r>
-            <a:r>
-              <a:rPr lang="en-US" dirty="0" err="1" smtClean="0">
+              <a:rPr lang="en-US" sz="2000" dirty="0" smtClean="0">
+                <a:latin typeface="Arial" panose="020B0604020202020204" pitchFamily="34" charset="0"/>
+                <a:cs typeface="Arial" panose="020B0604020202020204" pitchFamily="34" charset="0"/>
+              </a:rPr>
+              <a:t> </a:t>
+            </a:r>
+            <a:r>
+              <a:rPr lang="en-US" sz="2000" dirty="0" err="1" smtClean="0">
                 <a:latin typeface="Arial" panose="020B0604020202020204" pitchFamily="34" charset="0"/>
                 <a:cs typeface="Arial" panose="020B0604020202020204" pitchFamily="34" charset="0"/>
               </a:rPr>
               <a:t>cung</a:t>
             </a:r>
             <a:r>
-              <a:rPr lang="en-US" dirty="0" smtClean="0">
-                <a:latin typeface="Arial" panose="020B0604020202020204" pitchFamily="34" charset="0"/>
-                <a:cs typeface="Arial" panose="020B0604020202020204" pitchFamily="34" charset="0"/>
-              </a:rPr>
-              <a:t> </a:t>
-            </a:r>
-            <a:r>
-              <a:rPr lang="en-US" dirty="0" err="1" smtClean="0">
+              <a:rPr lang="en-US" sz="2000" dirty="0" smtClean="0">
+                <a:latin typeface="Arial" panose="020B0604020202020204" pitchFamily="34" charset="0"/>
+                <a:cs typeface="Arial" panose="020B0604020202020204" pitchFamily="34" charset="0"/>
+              </a:rPr>
+              <a:t> </a:t>
+            </a:r>
+            <a:r>
+              <a:rPr lang="en-US" sz="2000" dirty="0" err="1" smtClean="0">
                 <a:latin typeface="Arial" panose="020B0604020202020204" pitchFamily="34" charset="0"/>
                 <a:cs typeface="Arial" panose="020B0604020202020204" pitchFamily="34" charset="0"/>
               </a:rPr>
               <a:t>cấp</a:t>
             </a:r>
             <a:r>
-              <a:rPr lang="en-US" dirty="0" smtClean="0">
-                <a:latin typeface="Arial" panose="020B0604020202020204" pitchFamily="34" charset="0"/>
-                <a:cs typeface="Arial" panose="020B0604020202020204" pitchFamily="34" charset="0"/>
-              </a:rPr>
-              <a:t> </a:t>
-            </a:r>
-            <a:r>
-              <a:rPr lang="en-US" dirty="0" err="1" smtClean="0">
+              <a:rPr lang="en-US" sz="2000" dirty="0" smtClean="0">
+                <a:latin typeface="Arial" panose="020B0604020202020204" pitchFamily="34" charset="0"/>
+                <a:cs typeface="Arial" panose="020B0604020202020204" pitchFamily="34" charset="0"/>
+              </a:rPr>
+              <a:t> </a:t>
+            </a:r>
+            <a:r>
+              <a:rPr lang="en-US" sz="2000" dirty="0" err="1" smtClean="0">
                 <a:latin typeface="Arial" panose="020B0604020202020204" pitchFamily="34" charset="0"/>
                 <a:cs typeface="Arial" panose="020B0604020202020204" pitchFamily="34" charset="0"/>
               </a:rPr>
               <a:t>trên</a:t>
             </a:r>
             <a:r>
-              <a:rPr lang="en-US" dirty="0" smtClean="0">
-                <a:latin typeface="Arial" panose="020B0604020202020204" pitchFamily="34" charset="0"/>
-                <a:cs typeface="Arial" panose="020B0604020202020204" pitchFamily="34" charset="0"/>
-              </a:rPr>
-              <a:t> </a:t>
-            </a:r>
-            <a:r>
-              <a:rPr lang="en-US" dirty="0" err="1" smtClean="0">
+              <a:rPr lang="en-US" sz="2000" dirty="0" smtClean="0">
+                <a:latin typeface="Arial" panose="020B0604020202020204" pitchFamily="34" charset="0"/>
+                <a:cs typeface="Arial" panose="020B0604020202020204" pitchFamily="34" charset="0"/>
+              </a:rPr>
+              <a:t> </a:t>
+            </a:r>
+            <a:r>
+              <a:rPr lang="en-US" sz="2000" dirty="0" err="1" smtClean="0">
                 <a:latin typeface="Arial" panose="020B0604020202020204" pitchFamily="34" charset="0"/>
                 <a:cs typeface="Arial" panose="020B0604020202020204" pitchFamily="34" charset="0"/>
               </a:rPr>
               <a:t>github</a:t>
             </a:r>
             <a:r>
-              <a:rPr lang="en-US" dirty="0">
-                <a:latin typeface="Arial" panose="020B0604020202020204" pitchFamily="34" charset="0"/>
-                <a:cs typeface="Arial" panose="020B0604020202020204" pitchFamily="34" charset="0"/>
-              </a:rPr>
-              <a:t> </a:t>
-            </a:r>
-            <a:r>
-              <a:rPr lang="en-US" dirty="0" err="1" smtClean="0">
+              <a:rPr lang="en-US" sz="2000" dirty="0">
+                <a:latin typeface="Arial" panose="020B0604020202020204" pitchFamily="34" charset="0"/>
+                <a:cs typeface="Arial" panose="020B0604020202020204" pitchFamily="34" charset="0"/>
+              </a:rPr>
+              <a:t> </a:t>
+            </a:r>
+            <a:r>
+              <a:rPr lang="en-US" sz="2000" dirty="0" err="1" smtClean="0">
                 <a:latin typeface="Arial" panose="020B0604020202020204" pitchFamily="34" charset="0"/>
                 <a:cs typeface="Arial" panose="020B0604020202020204" pitchFamily="34" charset="0"/>
               </a:rPr>
               <a:t>trong</a:t>
             </a:r>
             <a:r>
-              <a:rPr lang="en-US" dirty="0" smtClean="0">
-                <a:latin typeface="Arial" panose="020B0604020202020204" pitchFamily="34" charset="0"/>
-                <a:cs typeface="Arial" panose="020B0604020202020204" pitchFamily="34" charset="0"/>
-              </a:rPr>
-              <a:t> </a:t>
-            </a:r>
-            <a:r>
-              <a:rPr lang="en-US" dirty="0" err="1" smtClean="0">
+              <a:rPr lang="en-US" sz="2000" dirty="0" smtClean="0">
+                <a:latin typeface="Arial" panose="020B0604020202020204" pitchFamily="34" charset="0"/>
+                <a:cs typeface="Arial" panose="020B0604020202020204" pitchFamily="34" charset="0"/>
+              </a:rPr>
+              <a:t> </a:t>
+            </a:r>
+            <a:r>
+              <a:rPr lang="en-US" sz="2000" dirty="0" err="1" smtClean="0">
                 <a:latin typeface="Arial" panose="020B0604020202020204" pitchFamily="34" charset="0"/>
                 <a:cs typeface="Arial" panose="020B0604020202020204" pitchFamily="34" charset="0"/>
               </a:rPr>
               <a:t>thư</a:t>
             </a:r>
             <a:r>
-              <a:rPr lang="en-US" dirty="0" smtClean="0">
-                <a:latin typeface="Arial" panose="020B0604020202020204" pitchFamily="34" charset="0"/>
-                <a:cs typeface="Arial" panose="020B0604020202020204" pitchFamily="34" charset="0"/>
-              </a:rPr>
-              <a:t> </a:t>
-            </a:r>
-            <a:r>
-              <a:rPr lang="en-US" dirty="0" err="1" smtClean="0">
+              <a:rPr lang="en-US" sz="2000" dirty="0" smtClean="0">
+                <a:latin typeface="Arial" panose="020B0604020202020204" pitchFamily="34" charset="0"/>
+                <a:cs typeface="Arial" panose="020B0604020202020204" pitchFamily="34" charset="0"/>
+              </a:rPr>
+              <a:t> </a:t>
+            </a:r>
+            <a:r>
+              <a:rPr lang="en-US" sz="2000" dirty="0" err="1" smtClean="0">
                 <a:latin typeface="Arial" panose="020B0604020202020204" pitchFamily="34" charset="0"/>
                 <a:cs typeface="Arial" panose="020B0604020202020204" pitchFamily="34" charset="0"/>
               </a:rPr>
               <a:t>mục</a:t>
             </a:r>
             <a:r>
-              <a:rPr lang="en-US" dirty="0" smtClean="0">
+              <a:rPr lang="en-US" sz="2000" dirty="0" smtClean="0">
                 <a:latin typeface="Arial" panose="020B0604020202020204" pitchFamily="34" charset="0"/>
                 <a:cs typeface="Arial" panose="020B0604020202020204" pitchFamily="34" charset="0"/>
               </a:rPr>
@@ -14331,7 +15075,7 @@
               <a:buFont typeface="Arial" panose="020B0604020202020204" pitchFamily="34" charset="0"/>
               <a:buChar char="–"/>
             </a:pPr>
-            <a:endParaRPr lang="en-US" dirty="0" smtClean="0">
+            <a:endParaRPr lang="en-US" sz="2000" dirty="0" smtClean="0">
               <a:latin typeface="Arial" panose="020B0604020202020204" pitchFamily="34" charset="0"/>
               <a:cs typeface="Arial" panose="020B0604020202020204" pitchFamily="34" charset="0"/>
             </a:endParaRPr>
@@ -14342,7 +15086,7 @@
               <a:buChar char="–"/>
             </a:pPr>
             <a:r>
-              <a:rPr lang="en-US" dirty="0" err="1" smtClean="0">
+              <a:rPr lang="en-US" sz="2000" dirty="0" err="1" smtClean="0">
                 <a:solidFill>
                   <a:schemeClr val="tx1">
                     <a:lumMod val="95000"/>
@@ -14355,7 +15099,7 @@
               <a:t>Tên</a:t>
             </a:r>
             <a:r>
-              <a:rPr lang="en-US" dirty="0" smtClean="0">
+              <a:rPr lang="en-US" sz="2000" dirty="0" smtClean="0">
                 <a:solidFill>
                   <a:schemeClr val="tx1">
                     <a:lumMod val="95000"/>
@@ -14368,7 +15112,7 @@
               <a:t> database </a:t>
             </a:r>
             <a:r>
-              <a:rPr lang="en-US" dirty="0" err="1" smtClean="0">
+              <a:rPr lang="en-US" sz="2000" dirty="0" err="1" smtClean="0">
                 <a:solidFill>
                   <a:schemeClr val="tx1">
                     <a:lumMod val="95000"/>
@@ -14381,7 +15125,7 @@
               <a:t>là</a:t>
             </a:r>
             <a:r>
-              <a:rPr lang="en-US" dirty="0" smtClean="0">
+              <a:rPr lang="en-US" sz="2000" dirty="0" smtClean="0">
                 <a:solidFill>
                   <a:schemeClr val="tx1">
                     <a:lumMod val="95000"/>
@@ -14394,7 +15138,7 @@
               <a:t>: </a:t>
             </a:r>
             <a:r>
-              <a:rPr lang="en-US" dirty="0" err="1">
+              <a:rPr lang="en-US" sz="2000" dirty="0" err="1">
                 <a:solidFill>
                   <a:schemeClr val="tx1">
                     <a:lumMod val="95000"/>
@@ -14406,7 +15150,7 @@
               </a:rPr>
               <a:t>hibernate_employee</a:t>
             </a:r>
-            <a:endParaRPr lang="en-US" dirty="0">
+            <a:endParaRPr lang="en-US" sz="2000" dirty="0">
               <a:solidFill>
                 <a:schemeClr val="tx1">
                   <a:lumMod val="95000"/>
